--- a/Planung/Praesentationen/Praesentation_Firmentag.pptx
+++ b/Planung/Praesentationen/Praesentation_Firmentag.pptx
@@ -7,17 +7,19 @@
     <p:sldMasterId id="2147483720" r:id="rId3"/>
   </p:sldMasterIdLst>
   <p:notesMasterIdLst>
-    <p:notesMasterId r:id="rId12"/>
+    <p:notesMasterId r:id="rId14"/>
   </p:notesMasterIdLst>
   <p:sldIdLst>
     <p:sldId id="257" r:id="rId4"/>
     <p:sldId id="258" r:id="rId5"/>
-    <p:sldId id="268" r:id="rId6"/>
-    <p:sldId id="269" r:id="rId7"/>
-    <p:sldId id="270" r:id="rId8"/>
-    <p:sldId id="271" r:id="rId9"/>
-    <p:sldId id="272" r:id="rId10"/>
-    <p:sldId id="267" r:id="rId11"/>
+    <p:sldId id="274" r:id="rId6"/>
+    <p:sldId id="268" r:id="rId7"/>
+    <p:sldId id="269" r:id="rId8"/>
+    <p:sldId id="270" r:id="rId9"/>
+    <p:sldId id="273" r:id="rId10"/>
+    <p:sldId id="271" r:id="rId11"/>
+    <p:sldId id="272" r:id="rId12"/>
+    <p:sldId id="267" r:id="rId13"/>
   </p:sldIdLst>
   <p:sldSz cx="12192000" cy="6858000"/>
   <p:notesSz cx="6858000" cy="9144000"/>
@@ -138,10 +140,6 @@
     </p:ext>
   </p:extLst>
 </p:presentation>
-</file>
-
-<file path=ppt/revisionInfo.xml><?xml version="1.0" encoding="utf-8"?>
-<p1510:revInfo xmlns:a="http://schemas.openxmlformats.org/drawingml/2006/main" xmlns:r="http://schemas.openxmlformats.org/officeDocument/2006/relationships" xmlns:p1510="http://schemas.microsoft.com/office/powerpoint/2015/10/main"/>
 </file>
 
 <file path=ppt/diagrams/colors1.xml><?xml version="1.0" encoding="utf-8"?>
@@ -2822,7 +2820,7 @@
           <a:p>
             <a:fld id="{6C12F6B1-6786-4E64-B681-F379C9A54FC0}" type="datetimeFigureOut">
               <a:rPr lang="de-AT" smtClean="0"/>
-              <a:t>20.01.2018</a:t>
+              <a:t>31.03.2018</a:t>
             </a:fld>
             <a:endParaRPr lang="de-AT"/>
           </a:p>
@@ -3169,36 +3167,6 @@
             </a:r>
           </a:p>
           <a:p>
-            <a:endParaRPr lang="de-AT" dirty="0"/>
-          </a:p>
-          <a:p>
-            <a:r>
-              <a:rPr lang="de-AT" dirty="0"/>
-              <a:t>Projektteam: </a:t>
-            </a:r>
-          </a:p>
-          <a:p>
-            <a:pPr lvl="1"/>
-            <a:r>
-              <a:rPr lang="de-AT" dirty="0"/>
-              <a:t>Projektleiter: Lukas Knoll</a:t>
-            </a:r>
-          </a:p>
-          <a:p>
-            <a:pPr lvl="1"/>
-            <a:r>
-              <a:rPr lang="de-AT" dirty="0"/>
-              <a:t>Projektmitglied: Niklas Graf</a:t>
-            </a:r>
-          </a:p>
-          <a:p>
-            <a:pPr lvl="1"/>
-            <a:r>
-              <a:rPr lang="de-AT" dirty="0"/>
-              <a:t>Projektmitglied: Sebastian Mandl</a:t>
-            </a:r>
-          </a:p>
-          <a:p>
             <a:pPr lvl="1"/>
             <a:endParaRPr lang="de-AT" dirty="0"/>
           </a:p>
@@ -3323,7 +3291,7 @@
           <a:p>
             <a:fld id="{B7AC7242-7699-4B54-8BDA-8FADE3A1DDAA}" type="slidenum">
               <a:rPr lang="de-AT" smtClean="0"/>
-              <a:t>3</a:t>
+              <a:t>4</a:t>
             </a:fld>
             <a:endParaRPr lang="de-AT"/>
           </a:p>
@@ -3333,6 +3301,90 @@
     <p:extLst>
       <p:ext uri="{BB962C8B-B14F-4D97-AF65-F5344CB8AC3E}">
         <p14:creationId xmlns:p14="http://schemas.microsoft.com/office/powerpoint/2010/main" val="444327789"/>
+      </p:ext>
+    </p:extLst>
+  </p:cSld>
+  <p:clrMapOvr>
+    <a:masterClrMapping/>
+  </p:clrMapOvr>
+</p:notes>
+</file>
+
+<file path=ppt/notesSlides/notesSlide3.xml><?xml version="1.0" encoding="utf-8"?>
+<p:notes xmlns:a="http://schemas.openxmlformats.org/drawingml/2006/main" xmlns:r="http://schemas.openxmlformats.org/officeDocument/2006/relationships" xmlns:p="http://schemas.openxmlformats.org/presentationml/2006/main">
+  <p:cSld>
+    <p:spTree>
+      <p:nvGrpSpPr>
+        <p:cNvPr id="1" name=""/>
+        <p:cNvGrpSpPr/>
+        <p:nvPr/>
+      </p:nvGrpSpPr>
+      <p:grpSpPr>
+        <a:xfrm>
+          <a:off x="0" y="0"/>
+          <a:ext cx="0" cy="0"/>
+          <a:chOff x="0" y="0"/>
+          <a:chExt cx="0" cy="0"/>
+        </a:xfrm>
+      </p:grpSpPr>
+      <p:sp>
+        <p:nvSpPr>
+          <p:cNvPr id="2" name="Folienbildplatzhalter 1"/>
+          <p:cNvSpPr>
+            <a:spLocks noGrp="1" noRot="1" noChangeAspect="1"/>
+          </p:cNvSpPr>
+          <p:nvPr>
+            <p:ph type="sldImg"/>
+          </p:nvPr>
+        </p:nvSpPr>
+        <p:spPr/>
+      </p:sp>
+      <p:sp>
+        <p:nvSpPr>
+          <p:cNvPr id="3" name="Notizenplatzhalter 2"/>
+          <p:cNvSpPr>
+            <a:spLocks noGrp="1"/>
+          </p:cNvSpPr>
+          <p:nvPr>
+            <p:ph type="body" idx="1"/>
+          </p:nvPr>
+        </p:nvSpPr>
+        <p:spPr/>
+        <p:txBody>
+          <a:bodyPr/>
+          <a:lstStyle/>
+          <a:p>
+            <a:endParaRPr lang="de-AT" dirty="0"/>
+          </a:p>
+        </p:txBody>
+      </p:sp>
+      <p:sp>
+        <p:nvSpPr>
+          <p:cNvPr id="4" name="Foliennummernplatzhalter 3"/>
+          <p:cNvSpPr>
+            <a:spLocks noGrp="1"/>
+          </p:cNvSpPr>
+          <p:nvPr>
+            <p:ph type="sldNum" sz="quarter" idx="10"/>
+          </p:nvPr>
+        </p:nvSpPr>
+        <p:spPr/>
+        <p:txBody>
+          <a:bodyPr/>
+          <a:lstStyle/>
+          <a:p>
+            <a:fld id="{B7AC7242-7699-4B54-8BDA-8FADE3A1DDAA}" type="slidenum">
+              <a:rPr lang="de-AT" smtClean="0"/>
+              <a:t>10</a:t>
+            </a:fld>
+            <a:endParaRPr lang="de-AT"/>
+          </a:p>
+        </p:txBody>
+      </p:sp>
+    </p:spTree>
+    <p:extLst>
+      <p:ext uri="{BB962C8B-B14F-4D97-AF65-F5344CB8AC3E}">
+        <p14:creationId xmlns:p14="http://schemas.microsoft.com/office/powerpoint/2010/main" val="1404397067"/>
       </p:ext>
     </p:extLst>
   </p:cSld>
@@ -3484,7 +3536,7 @@
           <a:p>
             <a:fld id="{83C286D2-5717-406C-AD4B-C4A69D5338FB}" type="datetimeFigureOut">
               <a:rPr lang="de-AT" smtClean="0"/>
-              <a:t>20.01.2018</a:t>
+              <a:t>31.03.2018</a:t>
             </a:fld>
             <a:endParaRPr lang="de-AT"/>
           </a:p>
@@ -3654,7 +3706,7 @@
           <a:p>
             <a:fld id="{83C286D2-5717-406C-AD4B-C4A69D5338FB}" type="datetimeFigureOut">
               <a:rPr lang="de-AT" smtClean="0"/>
-              <a:t>20.01.2018</a:t>
+              <a:t>31.03.2018</a:t>
             </a:fld>
             <a:endParaRPr lang="de-AT"/>
           </a:p>
@@ -3834,7 +3886,7 @@
           <a:p>
             <a:fld id="{83C286D2-5717-406C-AD4B-C4A69D5338FB}" type="datetimeFigureOut">
               <a:rPr lang="de-AT" smtClean="0"/>
-              <a:t>20.01.2018</a:t>
+              <a:t>31.03.2018</a:t>
             </a:fld>
             <a:endParaRPr lang="de-AT"/>
           </a:p>
@@ -4037,7 +4089,7 @@
           <a:p>
             <a:fld id="{83C286D2-5717-406C-AD4B-C4A69D5338FB}" type="datetimeFigureOut">
               <a:rPr lang="de-AT" smtClean="0"/>
-              <a:t>20.01.2018</a:t>
+              <a:t>31.03.2018</a:t>
             </a:fld>
             <a:endParaRPr lang="de-AT"/>
           </a:p>
@@ -4207,7 +4259,7 @@
           <a:p>
             <a:fld id="{83C286D2-5717-406C-AD4B-C4A69D5338FB}" type="datetimeFigureOut">
               <a:rPr lang="de-AT" smtClean="0"/>
-              <a:t>20.01.2018</a:t>
+              <a:t>31.03.2018</a:t>
             </a:fld>
             <a:endParaRPr lang="de-AT"/>
           </a:p>
@@ -4458,7 +4510,7 @@
           <a:p>
             <a:fld id="{83C286D2-5717-406C-AD4B-C4A69D5338FB}" type="datetimeFigureOut">
               <a:rPr lang="de-AT" smtClean="0"/>
-              <a:t>20.01.2018</a:t>
+              <a:t>31.03.2018</a:t>
             </a:fld>
             <a:endParaRPr lang="de-AT"/>
           </a:p>
@@ -4690,7 +4742,7 @@
           <a:p>
             <a:fld id="{83C286D2-5717-406C-AD4B-C4A69D5338FB}" type="datetimeFigureOut">
               <a:rPr lang="de-AT" smtClean="0"/>
-              <a:t>20.01.2018</a:t>
+              <a:t>31.03.2018</a:t>
             </a:fld>
             <a:endParaRPr lang="de-AT"/>
           </a:p>
@@ -5037,7 +5089,7 @@
           <a:p>
             <a:fld id="{83C286D2-5717-406C-AD4B-C4A69D5338FB}" type="datetimeFigureOut">
               <a:rPr lang="de-AT" smtClean="0"/>
-              <a:t>20.01.2018</a:t>
+              <a:t>31.03.2018</a:t>
             </a:fld>
             <a:endParaRPr lang="de-AT"/>
           </a:p>
@@ -5155,7 +5207,7 @@
           <a:p>
             <a:fld id="{83C286D2-5717-406C-AD4B-C4A69D5338FB}" type="datetimeFigureOut">
               <a:rPr lang="de-AT" smtClean="0"/>
-              <a:t>20.01.2018</a:t>
+              <a:t>31.03.2018</a:t>
             </a:fld>
             <a:endParaRPr lang="de-AT"/>
           </a:p>
@@ -5273,7 +5325,7 @@
           <a:p>
             <a:fld id="{83C286D2-5717-406C-AD4B-C4A69D5338FB}" type="datetimeFigureOut">
               <a:rPr lang="de-AT" smtClean="0"/>
-              <a:t>20.01.2018</a:t>
+              <a:t>31.03.2018</a:t>
             </a:fld>
             <a:endParaRPr lang="de-AT"/>
           </a:p>
@@ -5557,7 +5609,7 @@
           <a:p>
             <a:fld id="{83C286D2-5717-406C-AD4B-C4A69D5338FB}" type="datetimeFigureOut">
               <a:rPr lang="de-AT" smtClean="0"/>
-              <a:t>20.01.2018</a:t>
+              <a:t>31.03.2018</a:t>
             </a:fld>
             <a:endParaRPr lang="de-AT"/>
           </a:p>
@@ -5727,7 +5779,7 @@
           <a:p>
             <a:fld id="{83C286D2-5717-406C-AD4B-C4A69D5338FB}" type="datetimeFigureOut">
               <a:rPr lang="de-AT" smtClean="0"/>
-              <a:t>20.01.2018</a:t>
+              <a:t>31.03.2018</a:t>
             </a:fld>
             <a:endParaRPr lang="de-AT"/>
           </a:p>
@@ -5991,7 +6043,7 @@
           <a:p>
             <a:fld id="{83C286D2-5717-406C-AD4B-C4A69D5338FB}" type="datetimeFigureOut">
               <a:rPr lang="de-AT" smtClean="0"/>
-              <a:t>20.01.2018</a:t>
+              <a:t>31.03.2018</a:t>
             </a:fld>
             <a:endParaRPr lang="de-AT"/>
           </a:p>
@@ -6161,7 +6213,7 @@
           <a:p>
             <a:fld id="{83C286D2-5717-406C-AD4B-C4A69D5338FB}" type="datetimeFigureOut">
               <a:rPr lang="de-AT" smtClean="0"/>
-              <a:t>20.01.2018</a:t>
+              <a:t>31.03.2018</a:t>
             </a:fld>
             <a:endParaRPr lang="de-AT"/>
           </a:p>
@@ -6341,7 +6393,7 @@
           <a:p>
             <a:fld id="{83C286D2-5717-406C-AD4B-C4A69D5338FB}" type="datetimeFigureOut">
               <a:rPr lang="de-AT" smtClean="0"/>
-              <a:t>20.01.2018</a:t>
+              <a:t>31.03.2018</a:t>
             </a:fld>
             <a:endParaRPr lang="de-AT"/>
           </a:p>
@@ -6626,7 +6678,7 @@
           <a:p>
             <a:fld id="{83C286D2-5717-406C-AD4B-C4A69D5338FB}" type="datetimeFigureOut">
               <a:rPr lang="de-AT" smtClean="0"/>
-              <a:t>20.01.2018</a:t>
+              <a:t>31.03.2018</a:t>
             </a:fld>
             <a:endParaRPr lang="de-AT"/>
           </a:p>
@@ -6796,7 +6848,7 @@
           <a:p>
             <a:fld id="{83C286D2-5717-406C-AD4B-C4A69D5338FB}" type="datetimeFigureOut">
               <a:rPr lang="de-AT" smtClean="0"/>
-              <a:t>20.01.2018</a:t>
+              <a:t>31.03.2018</a:t>
             </a:fld>
             <a:endParaRPr lang="de-AT"/>
           </a:p>
@@ -7054,7 +7106,7 @@
           <a:p>
             <a:fld id="{83C286D2-5717-406C-AD4B-C4A69D5338FB}" type="datetimeFigureOut">
               <a:rPr lang="de-AT" smtClean="0"/>
-              <a:t>20.01.2018</a:t>
+              <a:t>31.03.2018</a:t>
             </a:fld>
             <a:endParaRPr lang="de-AT"/>
           </a:p>
@@ -7342,7 +7394,7 @@
           <a:p>
             <a:fld id="{83C286D2-5717-406C-AD4B-C4A69D5338FB}" type="datetimeFigureOut">
               <a:rPr lang="de-AT" smtClean="0"/>
-              <a:t>20.01.2018</a:t>
+              <a:t>31.03.2018</a:t>
             </a:fld>
             <a:endParaRPr lang="de-AT"/>
           </a:p>
@@ -7784,7 +7836,7 @@
           <a:p>
             <a:fld id="{83C286D2-5717-406C-AD4B-C4A69D5338FB}" type="datetimeFigureOut">
               <a:rPr lang="de-AT" smtClean="0"/>
-              <a:t>20.01.2018</a:t>
+              <a:t>31.03.2018</a:t>
             </a:fld>
             <a:endParaRPr lang="de-AT"/>
           </a:p>
@@ -7902,7 +7954,7 @@
           <a:p>
             <a:fld id="{83C286D2-5717-406C-AD4B-C4A69D5338FB}" type="datetimeFigureOut">
               <a:rPr lang="de-AT" smtClean="0"/>
-              <a:t>20.01.2018</a:t>
+              <a:t>31.03.2018</a:t>
             </a:fld>
             <a:endParaRPr lang="de-AT"/>
           </a:p>
@@ -7997,7 +8049,7 @@
           <a:p>
             <a:fld id="{83C286D2-5717-406C-AD4B-C4A69D5338FB}" type="datetimeFigureOut">
               <a:rPr lang="de-AT" smtClean="0"/>
-              <a:t>20.01.2018</a:t>
+              <a:t>31.03.2018</a:t>
             </a:fld>
             <a:endParaRPr lang="de-AT"/>
           </a:p>
@@ -8248,7 +8300,7 @@
           <a:p>
             <a:fld id="{83C286D2-5717-406C-AD4B-C4A69D5338FB}" type="datetimeFigureOut">
               <a:rPr lang="de-AT" smtClean="0"/>
-              <a:t>20.01.2018</a:t>
+              <a:t>31.03.2018</a:t>
             </a:fld>
             <a:endParaRPr lang="de-AT"/>
           </a:p>
@@ -8536,7 +8588,7 @@
           <a:p>
             <a:fld id="{83C286D2-5717-406C-AD4B-C4A69D5338FB}" type="datetimeFigureOut">
               <a:rPr lang="de-AT" smtClean="0"/>
-              <a:t>20.01.2018</a:t>
+              <a:t>31.03.2018</a:t>
             </a:fld>
             <a:endParaRPr lang="de-AT"/>
           </a:p>
@@ -8809,7 +8861,7 @@
           <a:p>
             <a:fld id="{83C286D2-5717-406C-AD4B-C4A69D5338FB}" type="datetimeFigureOut">
               <a:rPr lang="de-AT" smtClean="0"/>
-              <a:t>20.01.2018</a:t>
+              <a:t>31.03.2018</a:t>
             </a:fld>
             <a:endParaRPr lang="de-AT"/>
           </a:p>
@@ -8984,7 +9036,7 @@
           <a:p>
             <a:fld id="{83C286D2-5717-406C-AD4B-C4A69D5338FB}" type="datetimeFigureOut">
               <a:rPr lang="de-AT" smtClean="0"/>
-              <a:t>20.01.2018</a:t>
+              <a:t>31.03.2018</a:t>
             </a:fld>
             <a:endParaRPr lang="de-AT"/>
           </a:p>
@@ -9164,7 +9216,7 @@
           <a:p>
             <a:fld id="{83C286D2-5717-406C-AD4B-C4A69D5338FB}" type="datetimeFigureOut">
               <a:rPr lang="de-AT" smtClean="0"/>
-              <a:t>20.01.2018</a:t>
+              <a:t>31.03.2018</a:t>
             </a:fld>
             <a:endParaRPr lang="de-AT"/>
           </a:p>
@@ -9396,7 +9448,7 @@
           <a:p>
             <a:fld id="{83C286D2-5717-406C-AD4B-C4A69D5338FB}" type="datetimeFigureOut">
               <a:rPr lang="de-AT" smtClean="0"/>
-              <a:t>20.01.2018</a:t>
+              <a:t>31.03.2018</a:t>
             </a:fld>
             <a:endParaRPr lang="de-AT"/>
           </a:p>
@@ -9743,7 +9795,7 @@
           <a:p>
             <a:fld id="{83C286D2-5717-406C-AD4B-C4A69D5338FB}" type="datetimeFigureOut">
               <a:rPr lang="de-AT" smtClean="0"/>
-              <a:t>20.01.2018</a:t>
+              <a:t>31.03.2018</a:t>
             </a:fld>
             <a:endParaRPr lang="de-AT"/>
           </a:p>
@@ -9861,7 +9913,7 @@
           <a:p>
             <a:fld id="{83C286D2-5717-406C-AD4B-C4A69D5338FB}" type="datetimeFigureOut">
               <a:rPr lang="de-AT" smtClean="0"/>
-              <a:t>20.01.2018</a:t>
+              <a:t>31.03.2018</a:t>
             </a:fld>
             <a:endParaRPr lang="de-AT"/>
           </a:p>
@@ -9979,7 +10031,7 @@
           <a:p>
             <a:fld id="{83C286D2-5717-406C-AD4B-C4A69D5338FB}" type="datetimeFigureOut">
               <a:rPr lang="de-AT" smtClean="0"/>
-              <a:t>20.01.2018</a:t>
+              <a:t>31.03.2018</a:t>
             </a:fld>
             <a:endParaRPr lang="de-AT"/>
           </a:p>
@@ -10263,7 +10315,7 @@
           <a:p>
             <a:fld id="{83C286D2-5717-406C-AD4B-C4A69D5338FB}" type="datetimeFigureOut">
               <a:rPr lang="de-AT" smtClean="0"/>
-              <a:t>20.01.2018</a:t>
+              <a:t>31.03.2018</a:t>
             </a:fld>
             <a:endParaRPr lang="de-AT"/>
           </a:p>
@@ -10527,7 +10579,7 @@
           <a:p>
             <a:fld id="{83C286D2-5717-406C-AD4B-C4A69D5338FB}" type="datetimeFigureOut">
               <a:rPr lang="de-AT" smtClean="0"/>
-              <a:t>20.01.2018</a:t>
+              <a:t>31.03.2018</a:t>
             </a:fld>
             <a:endParaRPr lang="de-AT"/>
           </a:p>
@@ -10741,7 +10793,7 @@
           <a:p>
             <a:fld id="{83C286D2-5717-406C-AD4B-C4A69D5338FB}" type="datetimeFigureOut">
               <a:rPr lang="de-AT" smtClean="0"/>
-              <a:t>20.01.2018</a:t>
+              <a:t>31.03.2018</a:t>
             </a:fld>
             <a:endParaRPr lang="de-AT"/>
           </a:p>
@@ -11276,7 +11328,7 @@
           <a:p>
             <a:fld id="{83C286D2-5717-406C-AD4B-C4A69D5338FB}" type="datetimeFigureOut">
               <a:rPr lang="de-AT" smtClean="0"/>
-              <a:t>20.01.2018</a:t>
+              <a:t>31.03.2018</a:t>
             </a:fld>
             <a:endParaRPr lang="de-AT"/>
           </a:p>
@@ -11889,7 +11941,7 @@
           <a:p>
             <a:fld id="{83C286D2-5717-406C-AD4B-C4A69D5338FB}" type="datetimeFigureOut">
               <a:rPr lang="de-AT" smtClean="0"/>
-              <a:t>20.01.2018</a:t>
+              <a:t>31.03.2018</a:t>
             </a:fld>
             <a:endParaRPr lang="de-AT"/>
           </a:p>
@@ -12494,6 +12546,153 @@
   <p:clrMapOvr>
     <a:masterClrMapping/>
   </p:clrMapOvr>
+  <mc:AlternateContent xmlns:mc="http://schemas.openxmlformats.org/markup-compatibility/2006">
+    <mc:Choice xmlns:p14="http://schemas.microsoft.com/office/powerpoint/2010/main" Requires="p14">
+      <p:transition spd="slow" p14:dur="1200" advTm="10000">
+        <p14:prism/>
+      </p:transition>
+    </mc:Choice>
+    <mc:Fallback>
+      <p:transition spd="slow" advTm="10000">
+        <p:fade/>
+      </p:transition>
+    </mc:Fallback>
+  </mc:AlternateContent>
+</p:sld>
+</file>
+
+<file path=ppt/slides/slide10.xml><?xml version="1.0" encoding="utf-8"?>
+<p:sld xmlns:a="http://schemas.openxmlformats.org/drawingml/2006/main" xmlns:r="http://schemas.openxmlformats.org/officeDocument/2006/relationships" xmlns:p="http://schemas.openxmlformats.org/presentationml/2006/main">
+  <p:cSld>
+    <p:spTree>
+      <p:nvGrpSpPr>
+        <p:cNvPr id="1" name=""/>
+        <p:cNvGrpSpPr/>
+        <p:nvPr/>
+      </p:nvGrpSpPr>
+      <p:grpSpPr>
+        <a:xfrm>
+          <a:off x="0" y="0"/>
+          <a:ext cx="0" cy="0"/>
+          <a:chOff x="0" y="0"/>
+          <a:chExt cx="0" cy="0"/>
+        </a:xfrm>
+      </p:grpSpPr>
+      <p:sp>
+        <p:nvSpPr>
+          <p:cNvPr id="2" name="Titel 1">
+            <a:extLst>
+              <a:ext uri="{FF2B5EF4-FFF2-40B4-BE49-F238E27FC236}">
+                <a16:creationId xmlns:a16="http://schemas.microsoft.com/office/drawing/2014/main" id="{A00691C1-9125-4FE3-B5F2-ED7AF1953269}"/>
+              </a:ext>
+            </a:extLst>
+          </p:cNvPr>
+          <p:cNvSpPr>
+            <a:spLocks noGrp="1"/>
+          </p:cNvSpPr>
+          <p:nvPr>
+            <p:ph type="title"/>
+          </p:nvPr>
+        </p:nvSpPr>
+        <p:spPr/>
+        <p:txBody>
+          <a:bodyPr/>
+          <a:lstStyle/>
+          <a:p>
+            <a:r>
+              <a:rPr lang="de-AT" dirty="0"/>
+              <a:t>Vielen Dank für Ihr Interesse</a:t>
+            </a:r>
+          </a:p>
+        </p:txBody>
+      </p:sp>
+      <p:pic>
+        <p:nvPicPr>
+          <p:cNvPr id="9" name="Grafik 8">
+            <a:extLst>
+              <a:ext uri="{FF2B5EF4-FFF2-40B4-BE49-F238E27FC236}">
+                <a16:creationId xmlns:a16="http://schemas.microsoft.com/office/drawing/2014/main" id="{7A9E9A6D-6D04-448C-A464-E3DDDA9B0D35}"/>
+              </a:ext>
+            </a:extLst>
+          </p:cNvPr>
+          <p:cNvPicPr>
+            <a:picLocks noChangeAspect="1"/>
+          </p:cNvPicPr>
+          <p:nvPr/>
+        </p:nvPicPr>
+        <p:blipFill rotWithShape="1">
+          <a:blip r:embed="rId3"/>
+          <a:srcRect l="53214" t="31608" b="13398"/>
+          <a:stretch/>
+        </p:blipFill>
+        <p:spPr>
+          <a:xfrm>
+            <a:off x="3850106" y="2065110"/>
+            <a:ext cx="3007382" cy="3071560"/>
+          </a:xfrm>
+          <a:prstGeom prst="rect">
+            <a:avLst/>
+          </a:prstGeom>
+        </p:spPr>
+      </p:pic>
+      <p:pic>
+        <p:nvPicPr>
+          <p:cNvPr id="13" name="Grafik 12">
+            <a:extLst>
+              <a:ext uri="{FF2B5EF4-FFF2-40B4-BE49-F238E27FC236}">
+                <a16:creationId xmlns:a16="http://schemas.microsoft.com/office/drawing/2014/main" id="{C6DBC83D-91CA-41A5-9393-8D10C4F014BC}"/>
+              </a:ext>
+            </a:extLst>
+          </p:cNvPr>
+          <p:cNvPicPr>
+            <a:picLocks noChangeAspect="1"/>
+          </p:cNvPicPr>
+          <p:nvPr/>
+        </p:nvPicPr>
+        <p:blipFill>
+          <a:blip r:embed="rId4">
+            <a:extLst>
+              <a:ext uri="{28A0092B-C50C-407E-A947-70E740481C1C}">
+                <a14:useLocalDpi xmlns:a14="http://schemas.microsoft.com/office/drawing/2010/main" val="0"/>
+              </a:ext>
+            </a:extLst>
+          </a:blip>
+          <a:stretch>
+            <a:fillRect/>
+          </a:stretch>
+        </p:blipFill>
+        <p:spPr>
+          <a:xfrm>
+            <a:off x="7221126" y="1439216"/>
+            <a:ext cx="3941490" cy="3970424"/>
+          </a:xfrm>
+          <a:prstGeom prst="rect">
+            <a:avLst/>
+          </a:prstGeom>
+        </p:spPr>
+      </p:pic>
+    </p:spTree>
+    <p:extLst>
+      <p:ext uri="{BB962C8B-B14F-4D97-AF65-F5344CB8AC3E}">
+        <p14:creationId xmlns:p14="http://schemas.microsoft.com/office/powerpoint/2010/main" val="3816333060"/>
+      </p:ext>
+    </p:extLst>
+  </p:cSld>
+  <p:clrMapOvr>
+    <a:masterClrMapping/>
+  </p:clrMapOvr>
+  <mc:AlternateContent xmlns:mc="http://schemas.openxmlformats.org/markup-compatibility/2006">
+    <mc:Choice xmlns:p14="http://schemas.microsoft.com/office/powerpoint/2010/main" Requires="p14">
+      <p:transition spd="slow" p14:dur="1200" advTm="10000">
+        <p14:prism/>
+      </p:transition>
+    </mc:Choice>
+    <mc:Fallback>
+      <p:transition spd="slow" advTm="10000">
+        <p:fade/>
+      </p:transition>
+    </mc:Fallback>
+  </mc:AlternateContent>
 </p:sld>
 </file>
 
@@ -12530,38 +12729,10 @@
             <p:ph type="title"/>
           </p:nvPr>
         </p:nvSpPr>
-        <p:spPr/>
-        <p:txBody>
-          <a:bodyPr/>
-          <a:lstStyle/>
-          <a:p>
-            <a:r>
-              <a:rPr lang="de-AT" dirty="0"/>
-              <a:t>Rahmeninfos</a:t>
-            </a:r>
-          </a:p>
-        </p:txBody>
-      </p:sp>
-      <p:sp>
-        <p:nvSpPr>
-          <p:cNvPr id="5" name="Inhaltsplatzhalter 4">
-            <a:extLst>
-              <a:ext uri="{FF2B5EF4-FFF2-40B4-BE49-F238E27FC236}">
-                <a16:creationId xmlns:a16="http://schemas.microsoft.com/office/drawing/2014/main" id="{304F8BC6-DF7A-4CD1-B19E-8F8ECAACFD8C}"/>
-              </a:ext>
-            </a:extLst>
-          </p:cNvPr>
-          <p:cNvSpPr>
-            <a:spLocks noGrp="1"/>
-          </p:cNvSpPr>
-          <p:nvPr>
-            <p:ph idx="1"/>
-          </p:nvPr>
-        </p:nvSpPr>
         <p:spPr>
           <a:xfrm>
-            <a:off x="3869268" y="864108"/>
-            <a:ext cx="7315200" cy="5120640"/>
+            <a:off x="144379" y="1123837"/>
+            <a:ext cx="3188076" cy="4601183"/>
           </a:xfrm>
         </p:spPr>
         <p:txBody>
@@ -12570,80 +12741,24 @@
           </a:bodyPr>
           <a:lstStyle/>
           <a:p>
-            <a:pPr marL="0" indent="0">
-              <a:buNone/>
-            </a:pPr>
-            <a:r>
-              <a:rPr lang="de-AT" sz="2400" b="1" dirty="0"/>
-              <a:t>Auftraggeber:</a:t>
+            <a:r>
+              <a:rPr lang="de-AT" sz="3400" dirty="0"/>
+              <a:t>Auftraggeber</a:t>
             </a:r>
             <a:br>
-              <a:rPr lang="de-AT" sz="2400" b="1" dirty="0"/>
+              <a:rPr lang="de-AT" sz="3400" dirty="0"/>
             </a:br>
             <a:r>
-              <a:rPr lang="de-AT" sz="2400" dirty="0"/>
-              <a:t>Energiegenossenschaft Eferding</a:t>
+              <a:rPr lang="de-AT" sz="3400" dirty="0"/>
+              <a:t>und</a:t>
             </a:r>
             <a:br>
-              <a:rPr lang="de-AT" sz="2400" dirty="0"/>
+              <a:rPr lang="de-AT" sz="3400" dirty="0"/>
             </a:br>
             <a:r>
-              <a:rPr lang="de-AT" sz="2400" dirty="0"/>
-              <a:t>Ing. Herbert </a:t>
-            </a:r>
-            <a:r>
-              <a:rPr lang="de-AT" sz="2400" dirty="0" err="1"/>
-              <a:t>Pötzlberger</a:t>
-            </a:r>
-            <a:r>
-              <a:rPr lang="de-AT" sz="2400" dirty="0"/>
-              <a:t>, </a:t>
-            </a:r>
-            <a:r>
-              <a:rPr lang="de-AT" sz="2400" dirty="0" err="1"/>
-              <a:t>MSc</a:t>
-            </a:r>
-            <a:endParaRPr lang="de-AT" sz="2400" dirty="0"/>
-          </a:p>
-          <a:p>
-            <a:pPr marL="0" indent="0">
-              <a:buNone/>
-            </a:pPr>
-            <a:endParaRPr lang="de-AT" sz="2400" b="1" dirty="0"/>
-          </a:p>
-          <a:p>
-            <a:pPr marL="0" indent="0">
-              <a:buNone/>
-            </a:pPr>
-            <a:r>
-              <a:rPr lang="de-AT" sz="2400" b="1" dirty="0"/>
-              <a:t>Team:</a:t>
-            </a:r>
-            <a:br>
-              <a:rPr lang="de-AT" sz="2400" b="1" dirty="0"/>
-            </a:br>
-            <a:r>
-              <a:rPr lang="de-AT" sz="2400" dirty="0"/>
-              <a:t>Lukas Knoll (Projektleiter)</a:t>
-            </a:r>
-            <a:br>
-              <a:rPr lang="de-AT" sz="2400" dirty="0"/>
-            </a:br>
-            <a:r>
-              <a:rPr lang="de-AT" sz="2400" dirty="0"/>
-              <a:t>Niklas Graf</a:t>
-            </a:r>
-            <a:br>
-              <a:rPr lang="de-AT" sz="2400" dirty="0"/>
-            </a:br>
-            <a:r>
-              <a:rPr lang="de-AT" sz="2400" dirty="0"/>
-              <a:t>Sebastian Mandl</a:t>
-            </a:r>
-            <a:br>
-              <a:rPr lang="de-AT" sz="2400" b="1" dirty="0"/>
-            </a:br>
-            <a:endParaRPr lang="de-AT" sz="2400" b="1" dirty="0"/>
+              <a:rPr lang="de-AT" sz="3400" dirty="0"/>
+              <a:t>Betreuungslehrer</a:t>
+            </a:r>
           </a:p>
         </p:txBody>
       </p:sp>
@@ -12676,8 +12791,8 @@
         </p:blipFill>
         <p:spPr bwMode="auto">
           <a:xfrm>
-            <a:off x="8310659" y="868588"/>
-            <a:ext cx="3333750" cy="1257300"/>
+            <a:off x="8331716" y="241453"/>
+            <a:ext cx="3188076" cy="1202360"/>
           </a:xfrm>
           <a:prstGeom prst="rect">
             <a:avLst/>
@@ -12694,6 +12809,186 @@
           </a:extLst>
         </p:spPr>
       </p:pic>
+      <p:pic>
+        <p:nvPicPr>
+          <p:cNvPr id="6" name="Grafik 5">
+            <a:extLst>
+              <a:ext uri="{FF2B5EF4-FFF2-40B4-BE49-F238E27FC236}">
+                <a16:creationId xmlns:a16="http://schemas.microsoft.com/office/drawing/2014/main" id="{111CDE74-BD6E-4FB4-A331-FF5888644A28}"/>
+              </a:ext>
+            </a:extLst>
+          </p:cNvPr>
+          <p:cNvPicPr>
+            <a:picLocks noChangeAspect="1"/>
+          </p:cNvPicPr>
+          <p:nvPr/>
+        </p:nvPicPr>
+        <p:blipFill>
+          <a:blip r:embed="rId4">
+            <a:extLst>
+              <a:ext uri="{28A0092B-C50C-407E-A947-70E740481C1C}">
+                <a14:useLocalDpi xmlns:a14="http://schemas.microsoft.com/office/drawing/2010/main" val="0"/>
+              </a:ext>
+            </a:extLst>
+          </a:blip>
+          <a:stretch>
+            <a:fillRect/>
+          </a:stretch>
+        </p:blipFill>
+        <p:spPr>
+          <a:xfrm>
+            <a:off x="4234522" y="1458231"/>
+            <a:ext cx="1569402" cy="2092536"/>
+          </a:xfrm>
+          <a:prstGeom prst="rect">
+            <a:avLst/>
+          </a:prstGeom>
+        </p:spPr>
+      </p:pic>
+      <p:sp>
+        <p:nvSpPr>
+          <p:cNvPr id="7" name="Textfeld 6">
+            <a:extLst>
+              <a:ext uri="{FF2B5EF4-FFF2-40B4-BE49-F238E27FC236}">
+                <a16:creationId xmlns:a16="http://schemas.microsoft.com/office/drawing/2014/main" id="{66D17646-29D6-45F2-A0D1-0CDBDA7A026F}"/>
+              </a:ext>
+            </a:extLst>
+          </p:cNvPr>
+          <p:cNvSpPr txBox="1"/>
+          <p:nvPr/>
+        </p:nvSpPr>
+        <p:spPr>
+          <a:xfrm>
+            <a:off x="6126907" y="1904334"/>
+            <a:ext cx="4922962" cy="1200329"/>
+          </a:xfrm>
+          <a:prstGeom prst="rect">
+            <a:avLst/>
+          </a:prstGeom>
+          <a:noFill/>
+        </p:spPr>
+        <p:txBody>
+          <a:bodyPr wrap="square" rtlCol="0">
+            <a:spAutoFit/>
+          </a:bodyPr>
+          <a:lstStyle/>
+          <a:p>
+            <a:r>
+              <a:rPr lang="de-AT" sz="2400" b="1" dirty="0"/>
+              <a:t>Ansprechperson der Energiegenossenschaft</a:t>
+            </a:r>
+            <a:endParaRPr lang="de-AT" b="1" dirty="0"/>
+          </a:p>
+          <a:p>
+            <a:r>
+              <a:rPr lang="de-AT" sz="2400" dirty="0"/>
+              <a:t>Ing. Herbert </a:t>
+            </a:r>
+            <a:r>
+              <a:rPr lang="de-AT" sz="2400" dirty="0" err="1"/>
+              <a:t>Pölzlberger</a:t>
+            </a:r>
+            <a:r>
+              <a:rPr lang="de-AT" sz="2400" dirty="0"/>
+              <a:t>, </a:t>
+            </a:r>
+            <a:r>
+              <a:rPr lang="de-AT" sz="2400" dirty="0" err="1"/>
+              <a:t>MSc</a:t>
+            </a:r>
+            <a:endParaRPr lang="de-AT" sz="2400" dirty="0"/>
+          </a:p>
+        </p:txBody>
+      </p:sp>
+      <p:pic>
+        <p:nvPicPr>
+          <p:cNvPr id="10" name="Picture 6" descr="Ähnliches Foto">
+            <a:extLst>
+              <a:ext uri="{FF2B5EF4-FFF2-40B4-BE49-F238E27FC236}">
+                <a16:creationId xmlns:a16="http://schemas.microsoft.com/office/drawing/2014/main" id="{C7567902-29CD-4167-AFE3-91D387ADBE70}"/>
+              </a:ext>
+            </a:extLst>
+          </p:cNvPr>
+          <p:cNvPicPr>
+            <a:picLocks noChangeAspect="1" noChangeArrowheads="1"/>
+          </p:cNvPicPr>
+          <p:nvPr/>
+        </p:nvPicPr>
+        <p:blipFill>
+          <a:blip r:embed="rId5">
+            <a:extLst>
+              <a:ext uri="{28A0092B-C50C-407E-A947-70E740481C1C}">
+                <a14:useLocalDpi xmlns:a14="http://schemas.microsoft.com/office/drawing/2010/main" val="0"/>
+              </a:ext>
+            </a:extLst>
+          </a:blip>
+          <a:srcRect/>
+          <a:stretch>
+            <a:fillRect/>
+          </a:stretch>
+        </p:blipFill>
+        <p:spPr bwMode="auto">
+          <a:xfrm>
+            <a:off x="4219264" y="3918662"/>
+            <a:ext cx="1552576" cy="2192673"/>
+          </a:xfrm>
+          <a:prstGeom prst="rect">
+            <a:avLst/>
+          </a:prstGeom>
+          <a:noFill/>
+          <a:extLst>
+            <a:ext uri="{909E8E84-426E-40DD-AFC4-6F175D3DCCD1}">
+              <a14:hiddenFill xmlns:a14="http://schemas.microsoft.com/office/drawing/2010/main">
+                <a:solidFill>
+                  <a:srgbClr val="FFFFFF"/>
+                </a:solidFill>
+              </a14:hiddenFill>
+            </a:ext>
+          </a:extLst>
+        </p:spPr>
+      </p:pic>
+      <p:sp>
+        <p:nvSpPr>
+          <p:cNvPr id="11" name="Textfeld 10">
+            <a:extLst>
+              <a:ext uri="{FF2B5EF4-FFF2-40B4-BE49-F238E27FC236}">
+                <a16:creationId xmlns:a16="http://schemas.microsoft.com/office/drawing/2014/main" id="{8A55A1F2-6F9C-4D87-A4D5-3293D6BE7DAB}"/>
+              </a:ext>
+            </a:extLst>
+          </p:cNvPr>
+          <p:cNvSpPr txBox="1"/>
+          <p:nvPr/>
+        </p:nvSpPr>
+        <p:spPr>
+          <a:xfrm>
+            <a:off x="6126907" y="4599499"/>
+            <a:ext cx="4922962" cy="830997"/>
+          </a:xfrm>
+          <a:prstGeom prst="rect">
+            <a:avLst/>
+          </a:prstGeom>
+          <a:noFill/>
+        </p:spPr>
+        <p:txBody>
+          <a:bodyPr wrap="square" rtlCol="0">
+            <a:spAutoFit/>
+          </a:bodyPr>
+          <a:lstStyle/>
+          <a:p>
+            <a:r>
+              <a:rPr lang="de-AT" sz="2400" b="1" dirty="0"/>
+              <a:t>Betreuungslehrer</a:t>
+            </a:r>
+            <a:endParaRPr lang="de-AT" b="1" dirty="0"/>
+          </a:p>
+          <a:p>
+            <a:r>
+              <a:rPr lang="de-AT" sz="2400" dirty="0"/>
+              <a:t>DI Josef Doppelbauer</a:t>
+            </a:r>
+          </a:p>
+        </p:txBody>
+      </p:sp>
     </p:spTree>
     <p:extLst>
       <p:ext uri="{BB962C8B-B14F-4D97-AF65-F5344CB8AC3E}">
@@ -12704,10 +12999,326 @@
   <p:clrMapOvr>
     <a:masterClrMapping/>
   </p:clrMapOvr>
+  <mc:AlternateContent xmlns:mc="http://schemas.openxmlformats.org/markup-compatibility/2006">
+    <mc:Choice xmlns:p14="http://schemas.microsoft.com/office/powerpoint/2010/main" Requires="p14">
+      <p:transition spd="slow" p14:dur="1200" advTm="10000">
+        <p14:prism/>
+      </p:transition>
+    </mc:Choice>
+    <mc:Fallback>
+      <p:transition spd="slow" advTm="10000">
+        <p:fade/>
+      </p:transition>
+    </mc:Fallback>
+  </mc:AlternateContent>
 </p:sld>
 </file>
 
 <file path=ppt/slides/slide3.xml><?xml version="1.0" encoding="utf-8"?>
+<p:sld xmlns:a="http://schemas.openxmlformats.org/drawingml/2006/main" xmlns:r="http://schemas.openxmlformats.org/officeDocument/2006/relationships" xmlns:p="http://schemas.openxmlformats.org/presentationml/2006/main">
+  <p:cSld>
+    <p:spTree>
+      <p:nvGrpSpPr>
+        <p:cNvPr id="1" name=""/>
+        <p:cNvGrpSpPr/>
+        <p:nvPr/>
+      </p:nvGrpSpPr>
+      <p:grpSpPr>
+        <a:xfrm>
+          <a:off x="0" y="0"/>
+          <a:ext cx="0" cy="0"/>
+          <a:chOff x="0" y="0"/>
+          <a:chExt cx="0" cy="0"/>
+        </a:xfrm>
+      </p:grpSpPr>
+      <p:sp>
+        <p:nvSpPr>
+          <p:cNvPr id="2" name="Titel 1">
+            <a:extLst>
+              <a:ext uri="{FF2B5EF4-FFF2-40B4-BE49-F238E27FC236}">
+                <a16:creationId xmlns:a16="http://schemas.microsoft.com/office/drawing/2014/main" id="{B730D2EF-F09F-4E29-9232-53AE13C82B3A}"/>
+              </a:ext>
+            </a:extLst>
+          </p:cNvPr>
+          <p:cNvSpPr>
+            <a:spLocks noGrp="1"/>
+          </p:cNvSpPr>
+          <p:nvPr>
+            <p:ph type="title"/>
+          </p:nvPr>
+        </p:nvSpPr>
+        <p:spPr/>
+        <p:txBody>
+          <a:bodyPr/>
+          <a:lstStyle/>
+          <a:p>
+            <a:r>
+              <a:rPr lang="de-AT" dirty="0"/>
+              <a:t>Das Team</a:t>
+            </a:r>
+          </a:p>
+        </p:txBody>
+      </p:sp>
+      <p:pic>
+        <p:nvPicPr>
+          <p:cNvPr id="10" name="Grafik 9">
+            <a:extLst>
+              <a:ext uri="{FF2B5EF4-FFF2-40B4-BE49-F238E27FC236}">
+                <a16:creationId xmlns:a16="http://schemas.microsoft.com/office/drawing/2014/main" id="{7406C7D1-88AA-4934-9876-D0A1B7E6BE6C}"/>
+              </a:ext>
+            </a:extLst>
+          </p:cNvPr>
+          <p:cNvPicPr>
+            <a:picLocks noChangeAspect="1"/>
+          </p:cNvPicPr>
+          <p:nvPr/>
+        </p:nvPicPr>
+        <p:blipFill>
+          <a:blip r:embed="rId2">
+            <a:extLst>
+              <a:ext uri="{28A0092B-C50C-407E-A947-70E740481C1C}">
+                <a14:useLocalDpi xmlns:a14="http://schemas.microsoft.com/office/drawing/2010/main" val="0"/>
+              </a:ext>
+            </a:extLst>
+          </a:blip>
+          <a:stretch>
+            <a:fillRect/>
+          </a:stretch>
+        </p:blipFill>
+        <p:spPr>
+          <a:xfrm>
+            <a:off x="5400752" y="757573"/>
+            <a:ext cx="1207007" cy="1720332"/>
+          </a:xfrm>
+          <a:prstGeom prst="rect">
+            <a:avLst/>
+          </a:prstGeom>
+        </p:spPr>
+      </p:pic>
+      <p:pic>
+        <p:nvPicPr>
+          <p:cNvPr id="12" name="Grafik 11">
+            <a:extLst>
+              <a:ext uri="{FF2B5EF4-FFF2-40B4-BE49-F238E27FC236}">
+                <a16:creationId xmlns:a16="http://schemas.microsoft.com/office/drawing/2014/main" id="{02E08722-57A9-4A97-85C4-F33DFB567B02}"/>
+              </a:ext>
+            </a:extLst>
+          </p:cNvPr>
+          <p:cNvPicPr>
+            <a:picLocks noChangeAspect="1"/>
+          </p:cNvPicPr>
+          <p:nvPr/>
+        </p:nvPicPr>
+        <p:blipFill>
+          <a:blip r:embed="rId3">
+            <a:extLst>
+              <a:ext uri="{28A0092B-C50C-407E-A947-70E740481C1C}">
+                <a14:useLocalDpi xmlns:a14="http://schemas.microsoft.com/office/drawing/2010/main" val="0"/>
+              </a:ext>
+            </a:extLst>
+          </a:blip>
+          <a:stretch>
+            <a:fillRect/>
+          </a:stretch>
+        </p:blipFill>
+        <p:spPr>
+          <a:xfrm>
+            <a:off x="5373695" y="2568833"/>
+            <a:ext cx="1234063" cy="1720333"/>
+          </a:xfrm>
+          <a:prstGeom prst="rect">
+            <a:avLst/>
+          </a:prstGeom>
+        </p:spPr>
+      </p:pic>
+      <p:pic>
+        <p:nvPicPr>
+          <p:cNvPr id="14" name="Grafik 13">
+            <a:extLst>
+              <a:ext uri="{FF2B5EF4-FFF2-40B4-BE49-F238E27FC236}">
+                <a16:creationId xmlns:a16="http://schemas.microsoft.com/office/drawing/2014/main" id="{4314A7E6-B8D9-43B0-9889-05882D22A082}"/>
+              </a:ext>
+            </a:extLst>
+          </p:cNvPr>
+          <p:cNvPicPr>
+            <a:picLocks noChangeAspect="1"/>
+          </p:cNvPicPr>
+          <p:nvPr/>
+        </p:nvPicPr>
+        <p:blipFill>
+          <a:blip r:embed="rId4">
+            <a:extLst>
+              <a:ext uri="{28A0092B-C50C-407E-A947-70E740481C1C}">
+                <a14:useLocalDpi xmlns:a14="http://schemas.microsoft.com/office/drawing/2010/main" val="0"/>
+              </a:ext>
+            </a:extLst>
+          </a:blip>
+          <a:stretch>
+            <a:fillRect/>
+          </a:stretch>
+        </p:blipFill>
+        <p:spPr>
+          <a:xfrm>
+            <a:off x="5400751" y="4467424"/>
+            <a:ext cx="1207007" cy="1671618"/>
+          </a:xfrm>
+          <a:prstGeom prst="rect">
+            <a:avLst/>
+          </a:prstGeom>
+        </p:spPr>
+      </p:pic>
+      <p:sp>
+        <p:nvSpPr>
+          <p:cNvPr id="15" name="Textfeld 14">
+            <a:extLst>
+              <a:ext uri="{FF2B5EF4-FFF2-40B4-BE49-F238E27FC236}">
+                <a16:creationId xmlns:a16="http://schemas.microsoft.com/office/drawing/2014/main" id="{F81F30DB-933A-4586-A7FA-5A47D53A4C0D}"/>
+              </a:ext>
+            </a:extLst>
+          </p:cNvPr>
+          <p:cNvSpPr txBox="1"/>
+          <p:nvPr/>
+        </p:nvSpPr>
+        <p:spPr>
+          <a:xfrm>
+            <a:off x="6896920" y="1202240"/>
+            <a:ext cx="4922962" cy="830997"/>
+          </a:xfrm>
+          <a:prstGeom prst="rect">
+            <a:avLst/>
+          </a:prstGeom>
+          <a:noFill/>
+        </p:spPr>
+        <p:txBody>
+          <a:bodyPr wrap="square" rtlCol="0">
+            <a:spAutoFit/>
+          </a:bodyPr>
+          <a:lstStyle/>
+          <a:p>
+            <a:r>
+              <a:rPr lang="de-AT" sz="2400" b="1" dirty="0"/>
+              <a:t>Projektleiter</a:t>
+            </a:r>
+            <a:endParaRPr lang="de-AT" b="1" dirty="0"/>
+          </a:p>
+          <a:p>
+            <a:r>
+              <a:rPr lang="de-AT" sz="2400" dirty="0"/>
+              <a:t>Lukas Knoll</a:t>
+            </a:r>
+          </a:p>
+        </p:txBody>
+      </p:sp>
+      <p:sp>
+        <p:nvSpPr>
+          <p:cNvPr id="16" name="Textfeld 15">
+            <a:extLst>
+              <a:ext uri="{FF2B5EF4-FFF2-40B4-BE49-F238E27FC236}">
+                <a16:creationId xmlns:a16="http://schemas.microsoft.com/office/drawing/2014/main" id="{C8D1FD57-E3D6-4CDF-838B-35655BF485C3}"/>
+              </a:ext>
+            </a:extLst>
+          </p:cNvPr>
+          <p:cNvSpPr txBox="1"/>
+          <p:nvPr/>
+        </p:nvSpPr>
+        <p:spPr>
+          <a:xfrm>
+            <a:off x="6896920" y="3008929"/>
+            <a:ext cx="4922962" cy="830997"/>
+          </a:xfrm>
+          <a:prstGeom prst="rect">
+            <a:avLst/>
+          </a:prstGeom>
+          <a:noFill/>
+        </p:spPr>
+        <p:txBody>
+          <a:bodyPr wrap="square" rtlCol="0">
+            <a:spAutoFit/>
+          </a:bodyPr>
+          <a:lstStyle/>
+          <a:p>
+            <a:r>
+              <a:rPr lang="de-AT" sz="2400" b="1" dirty="0"/>
+              <a:t>Teammitglied</a:t>
+            </a:r>
+            <a:endParaRPr lang="de-AT" b="1" dirty="0"/>
+          </a:p>
+          <a:p>
+            <a:r>
+              <a:rPr lang="de-AT" sz="2400" dirty="0"/>
+              <a:t>Niklas Graf</a:t>
+            </a:r>
+          </a:p>
+        </p:txBody>
+      </p:sp>
+      <p:sp>
+        <p:nvSpPr>
+          <p:cNvPr id="17" name="Textfeld 16">
+            <a:extLst>
+              <a:ext uri="{FF2B5EF4-FFF2-40B4-BE49-F238E27FC236}">
+                <a16:creationId xmlns:a16="http://schemas.microsoft.com/office/drawing/2014/main" id="{6AA0DB95-D902-470A-B570-18D256953A67}"/>
+              </a:ext>
+            </a:extLst>
+          </p:cNvPr>
+          <p:cNvSpPr txBox="1"/>
+          <p:nvPr/>
+        </p:nvSpPr>
+        <p:spPr>
+          <a:xfrm>
+            <a:off x="6896920" y="4815618"/>
+            <a:ext cx="4922962" cy="830997"/>
+          </a:xfrm>
+          <a:prstGeom prst="rect">
+            <a:avLst/>
+          </a:prstGeom>
+          <a:noFill/>
+        </p:spPr>
+        <p:txBody>
+          <a:bodyPr wrap="square" rtlCol="0">
+            <a:spAutoFit/>
+          </a:bodyPr>
+          <a:lstStyle/>
+          <a:p>
+            <a:r>
+              <a:rPr lang="de-AT" sz="2400" b="1" dirty="0"/>
+              <a:t>Teammitglied</a:t>
+            </a:r>
+            <a:endParaRPr lang="de-AT" b="1" dirty="0"/>
+          </a:p>
+          <a:p>
+            <a:r>
+              <a:rPr lang="de-AT" sz="2400" dirty="0"/>
+              <a:t>Sebastian Mandl</a:t>
+            </a:r>
+          </a:p>
+        </p:txBody>
+      </p:sp>
+    </p:spTree>
+    <p:extLst>
+      <p:ext uri="{BB962C8B-B14F-4D97-AF65-F5344CB8AC3E}">
+        <p14:creationId xmlns:p14="http://schemas.microsoft.com/office/powerpoint/2010/main" val="3559279767"/>
+      </p:ext>
+    </p:extLst>
+  </p:cSld>
+  <p:clrMapOvr>
+    <a:masterClrMapping/>
+  </p:clrMapOvr>
+  <mc:AlternateContent xmlns:mc="http://schemas.openxmlformats.org/markup-compatibility/2006">
+    <mc:Choice xmlns:p14="http://schemas.microsoft.com/office/powerpoint/2010/main" Requires="p14">
+      <p:transition spd="slow" p14:dur="1200" advTm="10000">
+        <p14:prism/>
+      </p:transition>
+    </mc:Choice>
+    <mc:Fallback>
+      <p:transition spd="slow" advTm="10000">
+        <p:fade/>
+      </p:transition>
+    </mc:Fallback>
+  </mc:AlternateContent>
+</p:sld>
+</file>
+
+<file path=ppt/slides/slide4.xml><?xml version="1.0" encoding="utf-8"?>
 <p:sld xmlns:a="http://schemas.openxmlformats.org/drawingml/2006/main" xmlns:r="http://schemas.openxmlformats.org/officeDocument/2006/relationships" xmlns:p="http://schemas.openxmlformats.org/presentationml/2006/main">
   <p:cSld>
     <p:spTree>
@@ -12798,99 +13409,18 @@
   <p:clrMapOvr>
     <a:masterClrMapping/>
   </p:clrMapOvr>
-</p:sld>
-</file>
-
-<file path=ppt/slides/slide4.xml><?xml version="1.0" encoding="utf-8"?>
-<p:sld xmlns:a="http://schemas.openxmlformats.org/drawingml/2006/main" xmlns:r="http://schemas.openxmlformats.org/officeDocument/2006/relationships" xmlns:p="http://schemas.openxmlformats.org/presentationml/2006/main">
-  <p:cSld>
-    <p:spTree>
-      <p:nvGrpSpPr>
-        <p:cNvPr id="1" name=""/>
-        <p:cNvGrpSpPr/>
-        <p:nvPr/>
-      </p:nvGrpSpPr>
-      <p:grpSpPr>
-        <a:xfrm>
-          <a:off x="0" y="0"/>
-          <a:ext cx="0" cy="0"/>
-          <a:chOff x="0" y="0"/>
-          <a:chExt cx="0" cy="0"/>
-        </a:xfrm>
-      </p:grpSpPr>
-      <p:sp>
-        <p:nvSpPr>
-          <p:cNvPr id="2" name="Titel 1">
-            <a:extLst>
-              <a:ext uri="{FF2B5EF4-FFF2-40B4-BE49-F238E27FC236}">
-                <a16:creationId xmlns:a16="http://schemas.microsoft.com/office/drawing/2014/main" id="{FF009CDD-A893-4223-A90B-6E8DC5FBC732}"/>
-              </a:ext>
-            </a:extLst>
-          </p:cNvPr>
-          <p:cNvSpPr>
-            <a:spLocks noGrp="1"/>
-          </p:cNvSpPr>
-          <p:nvPr>
-            <p:ph type="title"/>
-          </p:nvPr>
-        </p:nvSpPr>
-        <p:spPr/>
-        <p:txBody>
-          <a:bodyPr/>
-          <a:lstStyle/>
-          <a:p>
-            <a:r>
-              <a:rPr lang="de-AT" dirty="0"/>
-              <a:t>Integration mit Netz-online</a:t>
-            </a:r>
-          </a:p>
-        </p:txBody>
-      </p:sp>
-      <p:pic>
-        <p:nvPicPr>
-          <p:cNvPr id="7" name="Inhaltsplatzhalter 6">
-            <a:extLst>
-              <a:ext uri="{FF2B5EF4-FFF2-40B4-BE49-F238E27FC236}">
-                <a16:creationId xmlns:a16="http://schemas.microsoft.com/office/drawing/2014/main" id="{D72B1EC8-E98D-4E45-BE44-8097CDF2007F}"/>
-              </a:ext>
-            </a:extLst>
-          </p:cNvPr>
-          <p:cNvPicPr>
-            <a:picLocks noGrp="1" noChangeAspect="1"/>
-          </p:cNvPicPr>
-          <p:nvPr>
-            <p:ph idx="1"/>
-          </p:nvPr>
-        </p:nvPicPr>
-        <p:blipFill>
-          <a:blip r:embed="rId2">
-            <a:extLst>
-              <a:ext uri="{28A0092B-C50C-407E-A947-70E740481C1C}">
-                <a14:useLocalDpi xmlns:a14="http://schemas.microsoft.com/office/drawing/2010/main" val="0"/>
-              </a:ext>
-            </a:extLst>
-          </a:blip>
-          <a:stretch>
-            <a:fillRect/>
-          </a:stretch>
-        </p:blipFill>
-        <p:spPr>
-          <a:xfrm>
-            <a:off x="3911096" y="1533261"/>
-            <a:ext cx="7230484" cy="3781953"/>
-          </a:xfrm>
-        </p:spPr>
-      </p:pic>
-    </p:spTree>
-    <p:extLst>
-      <p:ext uri="{BB962C8B-B14F-4D97-AF65-F5344CB8AC3E}">
-        <p14:creationId xmlns:p14="http://schemas.microsoft.com/office/powerpoint/2010/main" val="445562203"/>
-      </p:ext>
-    </p:extLst>
-  </p:cSld>
-  <p:clrMapOvr>
-    <a:masterClrMapping/>
-  </p:clrMapOvr>
+  <mc:AlternateContent xmlns:mc="http://schemas.openxmlformats.org/markup-compatibility/2006">
+    <mc:Choice xmlns:p14="http://schemas.microsoft.com/office/powerpoint/2010/main" Requires="p14">
+      <p:transition spd="slow" p14:dur="1200" advTm="10000">
+        <p14:prism/>
+      </p:transition>
+    </mc:Choice>
+    <mc:Fallback>
+      <p:transition spd="slow" advTm="10000">
+        <p:fade/>
+      </p:transition>
+    </mc:Fallback>
+  </mc:AlternateContent>
 </p:sld>
 </file>
 
@@ -12916,6 +13446,116 @@
           <p:cNvPr id="2" name="Titel 1">
             <a:extLst>
               <a:ext uri="{FF2B5EF4-FFF2-40B4-BE49-F238E27FC236}">
+                <a16:creationId xmlns:a16="http://schemas.microsoft.com/office/drawing/2014/main" id="{FF009CDD-A893-4223-A90B-6E8DC5FBC732}"/>
+              </a:ext>
+            </a:extLst>
+          </p:cNvPr>
+          <p:cNvSpPr>
+            <a:spLocks noGrp="1"/>
+          </p:cNvSpPr>
+          <p:nvPr>
+            <p:ph type="title"/>
+          </p:nvPr>
+        </p:nvSpPr>
+        <p:spPr/>
+        <p:txBody>
+          <a:bodyPr/>
+          <a:lstStyle/>
+          <a:p>
+            <a:r>
+              <a:rPr lang="de-AT" dirty="0"/>
+              <a:t>Integration mit Netz-online</a:t>
+            </a:r>
+          </a:p>
+        </p:txBody>
+      </p:sp>
+      <p:pic>
+        <p:nvPicPr>
+          <p:cNvPr id="7" name="Inhaltsplatzhalter 6">
+            <a:extLst>
+              <a:ext uri="{FF2B5EF4-FFF2-40B4-BE49-F238E27FC236}">
+                <a16:creationId xmlns:a16="http://schemas.microsoft.com/office/drawing/2014/main" id="{D72B1EC8-E98D-4E45-BE44-8097CDF2007F}"/>
+              </a:ext>
+            </a:extLst>
+          </p:cNvPr>
+          <p:cNvPicPr>
+            <a:picLocks noGrp="1" noChangeAspect="1"/>
+          </p:cNvPicPr>
+          <p:nvPr>
+            <p:ph idx="1"/>
+          </p:nvPr>
+        </p:nvPicPr>
+        <p:blipFill>
+          <a:blip r:embed="rId2">
+            <a:extLst>
+              <a:ext uri="{28A0092B-C50C-407E-A947-70E740481C1C}">
+                <a14:useLocalDpi xmlns:a14="http://schemas.microsoft.com/office/drawing/2010/main" val="0"/>
+              </a:ext>
+            </a:extLst>
+          </a:blip>
+          <a:stretch>
+            <a:fillRect/>
+          </a:stretch>
+        </p:blipFill>
+        <p:spPr>
+          <a:xfrm>
+            <a:off x="3911096" y="1533261"/>
+            <a:ext cx="7230484" cy="3781953"/>
+          </a:xfrm>
+          <a:ln w="38100">
+            <a:solidFill>
+              <a:schemeClr val="tx1"/>
+            </a:solidFill>
+          </a:ln>
+        </p:spPr>
+      </p:pic>
+    </p:spTree>
+    <p:extLst>
+      <p:ext uri="{BB962C8B-B14F-4D97-AF65-F5344CB8AC3E}">
+        <p14:creationId xmlns:p14="http://schemas.microsoft.com/office/powerpoint/2010/main" val="445562203"/>
+      </p:ext>
+    </p:extLst>
+  </p:cSld>
+  <p:clrMapOvr>
+    <a:masterClrMapping/>
+  </p:clrMapOvr>
+  <mc:AlternateContent xmlns:mc="http://schemas.openxmlformats.org/markup-compatibility/2006">
+    <mc:Choice xmlns:p14="http://schemas.microsoft.com/office/powerpoint/2010/main" Requires="p14">
+      <p:transition spd="slow" p14:dur="1200" advTm="10000">
+        <p14:prism/>
+      </p:transition>
+    </mc:Choice>
+    <mc:Fallback>
+      <p:transition spd="slow" advTm="10000">
+        <p:fade/>
+      </p:transition>
+    </mc:Fallback>
+  </mc:AlternateContent>
+</p:sld>
+</file>
+
+<file path=ppt/slides/slide6.xml><?xml version="1.0" encoding="utf-8"?>
+<p:sld xmlns:a="http://schemas.openxmlformats.org/drawingml/2006/main" xmlns:r="http://schemas.openxmlformats.org/officeDocument/2006/relationships" xmlns:p="http://schemas.openxmlformats.org/presentationml/2006/main">
+  <p:cSld>
+    <p:spTree>
+      <p:nvGrpSpPr>
+        <p:cNvPr id="1" name=""/>
+        <p:cNvGrpSpPr/>
+        <p:nvPr/>
+      </p:nvGrpSpPr>
+      <p:grpSpPr>
+        <a:xfrm>
+          <a:off x="0" y="0"/>
+          <a:ext cx="0" cy="0"/>
+          <a:chOff x="0" y="0"/>
+          <a:chExt cx="0" cy="0"/>
+        </a:xfrm>
+      </p:grpSpPr>
+      <p:sp>
+        <p:nvSpPr>
+          <p:cNvPr id="2" name="Titel 1">
+            <a:extLst>
+              <a:ext uri="{FF2B5EF4-FFF2-40B4-BE49-F238E27FC236}">
                 <a16:creationId xmlns:a16="http://schemas.microsoft.com/office/drawing/2014/main" id="{7BF763A6-42BB-46AC-A7EF-866B1BE75C45}"/>
               </a:ext>
             </a:extLst>
@@ -12977,6 +13617,11 @@
             <a:off x="4160929" y="863790"/>
             <a:ext cx="6730818" cy="5121275"/>
           </a:xfrm>
+          <a:ln w="38100">
+            <a:solidFill>
+              <a:schemeClr val="tx1"/>
+            </a:solidFill>
+          </a:ln>
         </p:spPr>
       </p:pic>
       <p:pic>
@@ -13007,12 +13652,17 @@
         </p:blipFill>
         <p:spPr>
           <a:xfrm>
-            <a:off x="4160929" y="687439"/>
+            <a:off x="3933826" y="658864"/>
             <a:ext cx="7354326" cy="5744377"/>
           </a:xfrm>
           <a:prstGeom prst="rect">
             <a:avLst/>
           </a:prstGeom>
+          <a:ln w="38100">
+            <a:solidFill>
+              <a:schemeClr val="tx1"/>
+            </a:solidFill>
+          </a:ln>
         </p:spPr>
       </p:pic>
     </p:spTree>
@@ -13025,6 +13675,18 @@
   <p:clrMapOvr>
     <a:masterClrMapping/>
   </p:clrMapOvr>
+  <mc:AlternateContent xmlns:mc="http://schemas.openxmlformats.org/markup-compatibility/2006">
+    <mc:Choice xmlns:p14="http://schemas.microsoft.com/office/powerpoint/2010/main" Requires="p14">
+      <p:transition spd="slow" p14:dur="1200" advTm="10000">
+        <p14:prism/>
+      </p:transition>
+    </mc:Choice>
+    <mc:Fallback>
+      <p:transition spd="slow" advTm="10000">
+        <p:fade/>
+      </p:transition>
+    </mc:Fallback>
+  </mc:AlternateContent>
   <p:timing>
     <p:tnLst>
       <p:par>
@@ -13111,89 +13773,6 @@
 </p:sld>
 </file>
 
-<file path=ppt/slides/slide6.xml><?xml version="1.0" encoding="utf-8"?>
-<p:sld xmlns:a="http://schemas.openxmlformats.org/drawingml/2006/main" xmlns:r="http://schemas.openxmlformats.org/officeDocument/2006/relationships" xmlns:p="http://schemas.openxmlformats.org/presentationml/2006/main">
-  <p:cSld>
-    <p:spTree>
-      <p:nvGrpSpPr>
-        <p:cNvPr id="1" name=""/>
-        <p:cNvGrpSpPr/>
-        <p:nvPr/>
-      </p:nvGrpSpPr>
-      <p:grpSpPr>
-        <a:xfrm>
-          <a:off x="0" y="0"/>
-          <a:ext cx="0" cy="0"/>
-          <a:chOff x="0" y="0"/>
-          <a:chExt cx="0" cy="0"/>
-        </a:xfrm>
-      </p:grpSpPr>
-      <p:sp>
-        <p:nvSpPr>
-          <p:cNvPr id="2" name="Titel 1">
-            <a:extLst>
-              <a:ext uri="{FF2B5EF4-FFF2-40B4-BE49-F238E27FC236}">
-                <a16:creationId xmlns:a16="http://schemas.microsoft.com/office/drawing/2014/main" id="{18484A04-A67B-417C-BFDB-2A05B1E5D787}"/>
-              </a:ext>
-            </a:extLst>
-          </p:cNvPr>
-          <p:cNvSpPr>
-            <a:spLocks noGrp="1"/>
-          </p:cNvSpPr>
-          <p:nvPr>
-            <p:ph type="title"/>
-          </p:nvPr>
-        </p:nvSpPr>
-        <p:spPr/>
-        <p:txBody>
-          <a:bodyPr/>
-          <a:lstStyle/>
-          <a:p>
-            <a:r>
-              <a:rPr lang="de-AT" dirty="0"/>
-              <a:t>Grafischer Editor für </a:t>
-            </a:r>
-          </a:p>
-        </p:txBody>
-      </p:sp>
-      <p:sp>
-        <p:nvSpPr>
-          <p:cNvPr id="3" name="Inhaltsplatzhalter 2">
-            <a:extLst>
-              <a:ext uri="{FF2B5EF4-FFF2-40B4-BE49-F238E27FC236}">
-                <a16:creationId xmlns:a16="http://schemas.microsoft.com/office/drawing/2014/main" id="{40A08597-C991-47BF-BB14-3451A1843BE6}"/>
-              </a:ext>
-            </a:extLst>
-          </p:cNvPr>
-          <p:cNvSpPr>
-            <a:spLocks noGrp="1"/>
-          </p:cNvSpPr>
-          <p:nvPr>
-            <p:ph idx="1"/>
-          </p:nvPr>
-        </p:nvSpPr>
-        <p:spPr/>
-        <p:txBody>
-          <a:bodyPr/>
-          <a:lstStyle/>
-          <a:p>
-            <a:endParaRPr lang="de-AT"/>
-          </a:p>
-        </p:txBody>
-      </p:sp>
-    </p:spTree>
-    <p:extLst>
-      <p:ext uri="{BB962C8B-B14F-4D97-AF65-F5344CB8AC3E}">
-        <p14:creationId xmlns:p14="http://schemas.microsoft.com/office/powerpoint/2010/main" val="1029183873"/>
-      </p:ext>
-    </p:extLst>
-  </p:cSld>
-  <p:clrMapOvr>
-    <a:masterClrMapping/>
-  </p:clrMapOvr>
-</p:sld>
-</file>
-
 <file path=ppt/slides/slide7.xml><?xml version="1.0" encoding="utf-8"?>
 <p:sld xmlns:a="http://schemas.openxmlformats.org/drawingml/2006/main" xmlns:r="http://schemas.openxmlformats.org/officeDocument/2006/relationships" xmlns:p="http://schemas.openxmlformats.org/presentationml/2006/main">
   <p:cSld>
@@ -13216,7 +13795,7 @@
           <p:cNvPr id="2" name="Titel 1">
             <a:extLst>
               <a:ext uri="{FF2B5EF4-FFF2-40B4-BE49-F238E27FC236}">
-                <a16:creationId xmlns:a16="http://schemas.microsoft.com/office/drawing/2014/main" id="{133039DE-AF67-4489-95CD-B55AD58C7971}"/>
+                <a16:creationId xmlns:a16="http://schemas.microsoft.com/office/drawing/2014/main" id="{840EAA48-03E4-42A8-BCEA-6FD934C5DAFF}"/>
               </a:ext>
             </a:extLst>
           </p:cNvPr>
@@ -13234,17 +13813,17 @@
           <a:p>
             <a:r>
               <a:rPr lang="de-AT" dirty="0"/>
-              <a:t>Einfache Administration</a:t>
+              <a:t>Android – App, um auch unterwegs stets informiert zu sein</a:t>
             </a:r>
           </a:p>
         </p:txBody>
       </p:sp>
       <p:pic>
         <p:nvPicPr>
-          <p:cNvPr id="9" name="Inhaltsplatzhalter 8">
+          <p:cNvPr id="5" name="Inhaltsplatzhalter 4">
             <a:extLst>
               <a:ext uri="{FF2B5EF4-FFF2-40B4-BE49-F238E27FC236}">
-                <a16:creationId xmlns:a16="http://schemas.microsoft.com/office/drawing/2014/main" id="{2F3CEFD3-29B6-4AD8-9858-EAF567B1C680}"/>
+                <a16:creationId xmlns:a16="http://schemas.microsoft.com/office/drawing/2014/main" id="{FA57E544-966F-4361-92E7-56B5398169A1}"/>
               </a:ext>
             </a:extLst>
           </p:cNvPr>
@@ -13255,7 +13834,7 @@
             <p:ph idx="1"/>
           </p:nvPr>
         </p:nvPicPr>
-        <p:blipFill>
+        <p:blipFill rotWithShape="1">
           <a:blip r:embed="rId2">
             <a:extLst>
               <a:ext uri="{28A0092B-C50C-407E-A947-70E740481C1C}">
@@ -13263,27 +13842,83 @@
               </a:ext>
             </a:extLst>
           </a:blip>
-          <a:stretch>
-            <a:fillRect/>
-          </a:stretch>
+          <a:srcRect l="5001" t="11531" r="5101" b="17486"/>
+          <a:stretch/>
         </p:blipFill>
         <p:spPr>
           <a:xfrm>
-            <a:off x="3868738" y="1631670"/>
-            <a:ext cx="7315200" cy="3585134"/>
+            <a:off x="3771900" y="472360"/>
+            <a:ext cx="3676650" cy="5913280"/>
           </a:xfrm>
+          <a:ln w="38100">
+            <a:solidFill>
+              <a:schemeClr val="tx1"/>
+            </a:solidFill>
+          </a:ln>
+        </p:spPr>
+      </p:pic>
+      <p:pic>
+        <p:nvPicPr>
+          <p:cNvPr id="7" name="Grafik 6">
+            <a:extLst>
+              <a:ext uri="{FF2B5EF4-FFF2-40B4-BE49-F238E27FC236}">
+                <a16:creationId xmlns:a16="http://schemas.microsoft.com/office/drawing/2014/main" id="{92B724B4-9934-43E7-882D-B71393045212}"/>
+              </a:ext>
+            </a:extLst>
+          </p:cNvPr>
+          <p:cNvPicPr>
+            <a:picLocks noChangeAspect="1"/>
+          </p:cNvPicPr>
+          <p:nvPr/>
+        </p:nvPicPr>
+        <p:blipFill rotWithShape="1">
+          <a:blip r:embed="rId3">
+            <a:extLst>
+              <a:ext uri="{28A0092B-C50C-407E-A947-70E740481C1C}">
+                <a14:useLocalDpi xmlns:a14="http://schemas.microsoft.com/office/drawing/2010/main" val="0"/>
+              </a:ext>
+            </a:extLst>
+          </a:blip>
+          <a:srcRect l="11005" t="14914" r="7948" b="16691"/>
+          <a:stretch/>
+        </p:blipFill>
+        <p:spPr>
+          <a:xfrm>
+            <a:off x="7772399" y="472360"/>
+            <a:ext cx="3594947" cy="5913280"/>
+          </a:xfrm>
+          <a:prstGeom prst="rect">
+            <a:avLst/>
+          </a:prstGeom>
+          <a:ln w="38100">
+            <a:solidFill>
+              <a:schemeClr val="tx1"/>
+            </a:solidFill>
+          </a:ln>
         </p:spPr>
       </p:pic>
     </p:spTree>
     <p:extLst>
       <p:ext uri="{BB962C8B-B14F-4D97-AF65-F5344CB8AC3E}">
-        <p14:creationId xmlns:p14="http://schemas.microsoft.com/office/powerpoint/2010/main" val="206274602"/>
+        <p14:creationId xmlns:p14="http://schemas.microsoft.com/office/powerpoint/2010/main" val="193052026"/>
       </p:ext>
     </p:extLst>
   </p:cSld>
   <p:clrMapOvr>
     <a:masterClrMapping/>
   </p:clrMapOvr>
+  <mc:AlternateContent xmlns:mc="http://schemas.openxmlformats.org/markup-compatibility/2006">
+    <mc:Choice xmlns:p14="http://schemas.microsoft.com/office/powerpoint/2010/main" Requires="p14">
+      <p:transition spd="slow" p14:dur="1200" advTm="10000">
+        <p14:prism/>
+      </p:transition>
+    </mc:Choice>
+    <mc:Fallback>
+      <p:transition spd="slow" advTm="10000">
+        <p:fade/>
+      </p:transition>
+    </mc:Fallback>
+  </mc:AlternateContent>
 </p:sld>
 </file>
 
@@ -13309,7 +13944,7 @@
           <p:cNvPr id="2" name="Titel 1">
             <a:extLst>
               <a:ext uri="{FF2B5EF4-FFF2-40B4-BE49-F238E27FC236}">
-                <a16:creationId xmlns:a16="http://schemas.microsoft.com/office/drawing/2014/main" id="{A00691C1-9125-4FE3-B5F2-ED7AF1953269}"/>
+                <a16:creationId xmlns:a16="http://schemas.microsoft.com/office/drawing/2014/main" id="{18484A04-A67B-417C-BFDB-2A05B1E5D787}"/>
               </a:ext>
             </a:extLst>
           </p:cNvPr>
@@ -13327,7 +13962,7 @@
           <a:p>
             <a:r>
               <a:rPr lang="de-AT" dirty="0"/>
-              <a:t>Fragen?</a:t>
+              <a:t>Grafischer Editor </a:t>
             </a:r>
           </a:p>
         </p:txBody>
@@ -13337,7 +13972,7 @@
           <p:cNvPr id="3" name="Inhaltsplatzhalter 2">
             <a:extLst>
               <a:ext uri="{FF2B5EF4-FFF2-40B4-BE49-F238E27FC236}">
-                <a16:creationId xmlns:a16="http://schemas.microsoft.com/office/drawing/2014/main" id="{A6AC614C-E1A2-4975-B0FB-B16781777739}"/>
+                <a16:creationId xmlns:a16="http://schemas.microsoft.com/office/drawing/2014/main" id="{40A08597-C991-47BF-BB14-3451A1843BE6}"/>
               </a:ext>
             </a:extLst>
           </p:cNvPr>
@@ -13350,31 +13985,145 @@
         </p:nvSpPr>
         <p:spPr/>
         <p:txBody>
-          <a:bodyPr>
-            <a:normAutofit/>
-          </a:bodyPr>
-          <a:lstStyle/>
-          <a:p>
-            <a:pPr marL="0" indent="0" algn="ctr">
-              <a:buNone/>
-            </a:pPr>
-            <a:r>
-              <a:rPr lang="de-AT" sz="3500" dirty="0"/>
-              <a:t>Danke für Ihre Aufmerksamkeit</a:t>
-            </a:r>
+          <a:bodyPr/>
+          <a:lstStyle/>
+          <a:p>
+            <a:endParaRPr lang="de-AT"/>
           </a:p>
         </p:txBody>
       </p:sp>
     </p:spTree>
     <p:extLst>
       <p:ext uri="{BB962C8B-B14F-4D97-AF65-F5344CB8AC3E}">
-        <p14:creationId xmlns:p14="http://schemas.microsoft.com/office/powerpoint/2010/main" val="3816333060"/>
+        <p14:creationId xmlns:p14="http://schemas.microsoft.com/office/powerpoint/2010/main" val="1029183873"/>
       </p:ext>
     </p:extLst>
   </p:cSld>
   <p:clrMapOvr>
     <a:masterClrMapping/>
   </p:clrMapOvr>
+  <mc:AlternateContent xmlns:mc="http://schemas.openxmlformats.org/markup-compatibility/2006">
+    <mc:Choice xmlns:p14="http://schemas.microsoft.com/office/powerpoint/2010/main" Requires="p14">
+      <p:transition spd="slow" p14:dur="1200" advTm="10000">
+        <p14:prism/>
+      </p:transition>
+    </mc:Choice>
+    <mc:Fallback>
+      <p:transition spd="slow" advTm="10000">
+        <p:fade/>
+      </p:transition>
+    </mc:Fallback>
+  </mc:AlternateContent>
+</p:sld>
+</file>
+
+<file path=ppt/slides/slide9.xml><?xml version="1.0" encoding="utf-8"?>
+<p:sld xmlns:a="http://schemas.openxmlformats.org/drawingml/2006/main" xmlns:r="http://schemas.openxmlformats.org/officeDocument/2006/relationships" xmlns:p="http://schemas.openxmlformats.org/presentationml/2006/main">
+  <p:cSld>
+    <p:spTree>
+      <p:nvGrpSpPr>
+        <p:cNvPr id="1" name=""/>
+        <p:cNvGrpSpPr/>
+        <p:nvPr/>
+      </p:nvGrpSpPr>
+      <p:grpSpPr>
+        <a:xfrm>
+          <a:off x="0" y="0"/>
+          <a:ext cx="0" cy="0"/>
+          <a:chOff x="0" y="0"/>
+          <a:chExt cx="0" cy="0"/>
+        </a:xfrm>
+      </p:grpSpPr>
+      <p:sp>
+        <p:nvSpPr>
+          <p:cNvPr id="2" name="Titel 1">
+            <a:extLst>
+              <a:ext uri="{FF2B5EF4-FFF2-40B4-BE49-F238E27FC236}">
+                <a16:creationId xmlns:a16="http://schemas.microsoft.com/office/drawing/2014/main" id="{133039DE-AF67-4489-95CD-B55AD58C7971}"/>
+              </a:ext>
+            </a:extLst>
+          </p:cNvPr>
+          <p:cNvSpPr>
+            <a:spLocks noGrp="1"/>
+          </p:cNvSpPr>
+          <p:nvPr>
+            <p:ph type="title"/>
+          </p:nvPr>
+        </p:nvSpPr>
+        <p:spPr/>
+        <p:txBody>
+          <a:bodyPr/>
+          <a:lstStyle/>
+          <a:p>
+            <a:r>
+              <a:rPr lang="de-AT" dirty="0"/>
+              <a:t>Einfache Administration</a:t>
+            </a:r>
+          </a:p>
+        </p:txBody>
+      </p:sp>
+      <p:pic>
+        <p:nvPicPr>
+          <p:cNvPr id="4" name="Grafik 3">
+            <a:extLst>
+              <a:ext uri="{FF2B5EF4-FFF2-40B4-BE49-F238E27FC236}">
+                <a16:creationId xmlns:a16="http://schemas.microsoft.com/office/drawing/2014/main" id="{3B957FC7-1AC6-464F-91DD-2171BBC36BA5}"/>
+              </a:ext>
+            </a:extLst>
+          </p:cNvPr>
+          <p:cNvPicPr>
+            <a:picLocks noChangeAspect="1"/>
+          </p:cNvPicPr>
+          <p:nvPr/>
+        </p:nvPicPr>
+        <p:blipFill rotWithShape="1">
+          <a:blip r:embed="rId2">
+            <a:extLst>
+              <a:ext uri="{28A0092B-C50C-407E-A947-70E740481C1C}">
+                <a14:useLocalDpi xmlns:a14="http://schemas.microsoft.com/office/drawing/2010/main" val="0"/>
+              </a:ext>
+            </a:extLst>
+          </a:blip>
+          <a:srcRect t="6030" r="68289" b="26033"/>
+          <a:stretch/>
+        </p:blipFill>
+        <p:spPr>
+          <a:xfrm>
+            <a:off x="4879921" y="375425"/>
+            <a:ext cx="5451195" cy="6107150"/>
+          </a:xfrm>
+          <a:prstGeom prst="rect">
+            <a:avLst/>
+          </a:prstGeom>
+          <a:ln w="38100">
+            <a:solidFill>
+              <a:schemeClr val="tx1"/>
+            </a:solidFill>
+          </a:ln>
+        </p:spPr>
+      </p:pic>
+    </p:spTree>
+    <p:extLst>
+      <p:ext uri="{BB962C8B-B14F-4D97-AF65-F5344CB8AC3E}">
+        <p14:creationId xmlns:p14="http://schemas.microsoft.com/office/powerpoint/2010/main" val="206274602"/>
+      </p:ext>
+    </p:extLst>
+  </p:cSld>
+  <p:clrMapOvr>
+    <a:masterClrMapping/>
+  </p:clrMapOvr>
+  <mc:AlternateContent xmlns:mc="http://schemas.openxmlformats.org/markup-compatibility/2006">
+    <mc:Choice xmlns:p14="http://schemas.microsoft.com/office/powerpoint/2010/main" Requires="p14">
+      <p:transition spd="slow" p14:dur="1200" advTm="10000">
+        <p14:prism/>
+      </p:transition>
+    </mc:Choice>
+    <mc:Fallback>
+      <p:transition spd="slow" advTm="10000">
+        <p:fade/>
+      </p:transition>
+    </mc:Fallback>
+  </mc:AlternateContent>
 </p:sld>
 </file>
 

--- a/Planung/Praesentationen/Praesentation_Firmentag.pptx
+++ b/Planung/Praesentationen/Praesentation_Firmentag.pptx
@@ -7,19 +7,24 @@
     <p:sldMasterId id="2147483720" r:id="rId3"/>
   </p:sldMasterIdLst>
   <p:notesMasterIdLst>
-    <p:notesMasterId r:id="rId14"/>
+    <p:notesMasterId r:id="rId19"/>
   </p:notesMasterIdLst>
   <p:sldIdLst>
     <p:sldId id="257" r:id="rId4"/>
     <p:sldId id="258" r:id="rId5"/>
     <p:sldId id="274" r:id="rId6"/>
-    <p:sldId id="268" r:id="rId7"/>
-    <p:sldId id="269" r:id="rId8"/>
-    <p:sldId id="270" r:id="rId9"/>
-    <p:sldId id="273" r:id="rId10"/>
-    <p:sldId id="271" r:id="rId11"/>
-    <p:sldId id="272" r:id="rId12"/>
-    <p:sldId id="267" r:id="rId13"/>
+    <p:sldId id="276" r:id="rId7"/>
+    <p:sldId id="268" r:id="rId8"/>
+    <p:sldId id="269" r:id="rId9"/>
+    <p:sldId id="270" r:id="rId10"/>
+    <p:sldId id="272" r:id="rId11"/>
+    <p:sldId id="273" r:id="rId12"/>
+    <p:sldId id="275" r:id="rId13"/>
+    <p:sldId id="271" r:id="rId14"/>
+    <p:sldId id="278" r:id="rId15"/>
+    <p:sldId id="277" r:id="rId16"/>
+    <p:sldId id="279" r:id="rId17"/>
+    <p:sldId id="267" r:id="rId18"/>
   </p:sldIdLst>
   <p:sldSz cx="12192000" cy="6858000"/>
   <p:notesSz cx="6858000" cy="9144000"/>
@@ -2820,7 +2825,7 @@
           <a:p>
             <a:fld id="{6C12F6B1-6786-4E64-B681-F379C9A54FC0}" type="datetimeFigureOut">
               <a:rPr lang="de-AT" smtClean="0"/>
-              <a:t>31.03.2018</a:t>
+              <a:t>04.04.2018</a:t>
             </a:fld>
             <a:endParaRPr lang="de-AT"/>
           </a:p>
@@ -3291,7 +3296,7 @@
           <a:p>
             <a:fld id="{B7AC7242-7699-4B54-8BDA-8FADE3A1DDAA}" type="slidenum">
               <a:rPr lang="de-AT" smtClean="0"/>
-              <a:t>4</a:t>
+              <a:t>5</a:t>
             </a:fld>
             <a:endParaRPr lang="de-AT"/>
           </a:p>
@@ -3375,7 +3380,7 @@
           <a:p>
             <a:fld id="{B7AC7242-7699-4B54-8BDA-8FADE3A1DDAA}" type="slidenum">
               <a:rPr lang="de-AT" smtClean="0"/>
-              <a:t>10</a:t>
+              <a:t>15</a:t>
             </a:fld>
             <a:endParaRPr lang="de-AT"/>
           </a:p>
@@ -3536,7 +3541,7 @@
           <a:p>
             <a:fld id="{83C286D2-5717-406C-AD4B-C4A69D5338FB}" type="datetimeFigureOut">
               <a:rPr lang="de-AT" smtClean="0"/>
-              <a:t>31.03.2018</a:t>
+              <a:t>04.04.2018</a:t>
             </a:fld>
             <a:endParaRPr lang="de-AT"/>
           </a:p>
@@ -3706,7 +3711,7 @@
           <a:p>
             <a:fld id="{83C286D2-5717-406C-AD4B-C4A69D5338FB}" type="datetimeFigureOut">
               <a:rPr lang="de-AT" smtClean="0"/>
-              <a:t>31.03.2018</a:t>
+              <a:t>04.04.2018</a:t>
             </a:fld>
             <a:endParaRPr lang="de-AT"/>
           </a:p>
@@ -3886,7 +3891,7 @@
           <a:p>
             <a:fld id="{83C286D2-5717-406C-AD4B-C4A69D5338FB}" type="datetimeFigureOut">
               <a:rPr lang="de-AT" smtClean="0"/>
-              <a:t>31.03.2018</a:t>
+              <a:t>04.04.2018</a:t>
             </a:fld>
             <a:endParaRPr lang="de-AT"/>
           </a:p>
@@ -4089,7 +4094,7 @@
           <a:p>
             <a:fld id="{83C286D2-5717-406C-AD4B-C4A69D5338FB}" type="datetimeFigureOut">
               <a:rPr lang="de-AT" smtClean="0"/>
-              <a:t>31.03.2018</a:t>
+              <a:t>04.04.2018</a:t>
             </a:fld>
             <a:endParaRPr lang="de-AT"/>
           </a:p>
@@ -4259,7 +4264,7 @@
           <a:p>
             <a:fld id="{83C286D2-5717-406C-AD4B-C4A69D5338FB}" type="datetimeFigureOut">
               <a:rPr lang="de-AT" smtClean="0"/>
-              <a:t>31.03.2018</a:t>
+              <a:t>04.04.2018</a:t>
             </a:fld>
             <a:endParaRPr lang="de-AT"/>
           </a:p>
@@ -4510,7 +4515,7 @@
           <a:p>
             <a:fld id="{83C286D2-5717-406C-AD4B-C4A69D5338FB}" type="datetimeFigureOut">
               <a:rPr lang="de-AT" smtClean="0"/>
-              <a:t>31.03.2018</a:t>
+              <a:t>04.04.2018</a:t>
             </a:fld>
             <a:endParaRPr lang="de-AT"/>
           </a:p>
@@ -4742,7 +4747,7 @@
           <a:p>
             <a:fld id="{83C286D2-5717-406C-AD4B-C4A69D5338FB}" type="datetimeFigureOut">
               <a:rPr lang="de-AT" smtClean="0"/>
-              <a:t>31.03.2018</a:t>
+              <a:t>04.04.2018</a:t>
             </a:fld>
             <a:endParaRPr lang="de-AT"/>
           </a:p>
@@ -5089,7 +5094,7 @@
           <a:p>
             <a:fld id="{83C286D2-5717-406C-AD4B-C4A69D5338FB}" type="datetimeFigureOut">
               <a:rPr lang="de-AT" smtClean="0"/>
-              <a:t>31.03.2018</a:t>
+              <a:t>04.04.2018</a:t>
             </a:fld>
             <a:endParaRPr lang="de-AT"/>
           </a:p>
@@ -5207,7 +5212,7 @@
           <a:p>
             <a:fld id="{83C286D2-5717-406C-AD4B-C4A69D5338FB}" type="datetimeFigureOut">
               <a:rPr lang="de-AT" smtClean="0"/>
-              <a:t>31.03.2018</a:t>
+              <a:t>04.04.2018</a:t>
             </a:fld>
             <a:endParaRPr lang="de-AT"/>
           </a:p>
@@ -5325,7 +5330,7 @@
           <a:p>
             <a:fld id="{83C286D2-5717-406C-AD4B-C4A69D5338FB}" type="datetimeFigureOut">
               <a:rPr lang="de-AT" smtClean="0"/>
-              <a:t>31.03.2018</a:t>
+              <a:t>04.04.2018</a:t>
             </a:fld>
             <a:endParaRPr lang="de-AT"/>
           </a:p>
@@ -5609,7 +5614,7 @@
           <a:p>
             <a:fld id="{83C286D2-5717-406C-AD4B-C4A69D5338FB}" type="datetimeFigureOut">
               <a:rPr lang="de-AT" smtClean="0"/>
-              <a:t>31.03.2018</a:t>
+              <a:t>04.04.2018</a:t>
             </a:fld>
             <a:endParaRPr lang="de-AT"/>
           </a:p>
@@ -5779,7 +5784,7 @@
           <a:p>
             <a:fld id="{83C286D2-5717-406C-AD4B-C4A69D5338FB}" type="datetimeFigureOut">
               <a:rPr lang="de-AT" smtClean="0"/>
-              <a:t>31.03.2018</a:t>
+              <a:t>04.04.2018</a:t>
             </a:fld>
             <a:endParaRPr lang="de-AT"/>
           </a:p>
@@ -6043,7 +6048,7 @@
           <a:p>
             <a:fld id="{83C286D2-5717-406C-AD4B-C4A69D5338FB}" type="datetimeFigureOut">
               <a:rPr lang="de-AT" smtClean="0"/>
-              <a:t>31.03.2018</a:t>
+              <a:t>04.04.2018</a:t>
             </a:fld>
             <a:endParaRPr lang="de-AT"/>
           </a:p>
@@ -6213,7 +6218,7 @@
           <a:p>
             <a:fld id="{83C286D2-5717-406C-AD4B-C4A69D5338FB}" type="datetimeFigureOut">
               <a:rPr lang="de-AT" smtClean="0"/>
-              <a:t>31.03.2018</a:t>
+              <a:t>04.04.2018</a:t>
             </a:fld>
             <a:endParaRPr lang="de-AT"/>
           </a:p>
@@ -6393,7 +6398,7 @@
           <a:p>
             <a:fld id="{83C286D2-5717-406C-AD4B-C4A69D5338FB}" type="datetimeFigureOut">
               <a:rPr lang="de-AT" smtClean="0"/>
-              <a:t>31.03.2018</a:t>
+              <a:t>04.04.2018</a:t>
             </a:fld>
             <a:endParaRPr lang="de-AT"/>
           </a:p>
@@ -6678,7 +6683,7 @@
           <a:p>
             <a:fld id="{83C286D2-5717-406C-AD4B-C4A69D5338FB}" type="datetimeFigureOut">
               <a:rPr lang="de-AT" smtClean="0"/>
-              <a:t>31.03.2018</a:t>
+              <a:t>04.04.2018</a:t>
             </a:fld>
             <a:endParaRPr lang="de-AT"/>
           </a:p>
@@ -6848,7 +6853,7 @@
           <a:p>
             <a:fld id="{83C286D2-5717-406C-AD4B-C4A69D5338FB}" type="datetimeFigureOut">
               <a:rPr lang="de-AT" smtClean="0"/>
-              <a:t>31.03.2018</a:t>
+              <a:t>04.04.2018</a:t>
             </a:fld>
             <a:endParaRPr lang="de-AT"/>
           </a:p>
@@ -7106,7 +7111,7 @@
           <a:p>
             <a:fld id="{83C286D2-5717-406C-AD4B-C4A69D5338FB}" type="datetimeFigureOut">
               <a:rPr lang="de-AT" smtClean="0"/>
-              <a:t>31.03.2018</a:t>
+              <a:t>04.04.2018</a:t>
             </a:fld>
             <a:endParaRPr lang="de-AT"/>
           </a:p>
@@ -7394,7 +7399,7 @@
           <a:p>
             <a:fld id="{83C286D2-5717-406C-AD4B-C4A69D5338FB}" type="datetimeFigureOut">
               <a:rPr lang="de-AT" smtClean="0"/>
-              <a:t>31.03.2018</a:t>
+              <a:t>04.04.2018</a:t>
             </a:fld>
             <a:endParaRPr lang="de-AT"/>
           </a:p>
@@ -7836,7 +7841,7 @@
           <a:p>
             <a:fld id="{83C286D2-5717-406C-AD4B-C4A69D5338FB}" type="datetimeFigureOut">
               <a:rPr lang="de-AT" smtClean="0"/>
-              <a:t>31.03.2018</a:t>
+              <a:t>04.04.2018</a:t>
             </a:fld>
             <a:endParaRPr lang="de-AT"/>
           </a:p>
@@ -7954,7 +7959,7 @@
           <a:p>
             <a:fld id="{83C286D2-5717-406C-AD4B-C4A69D5338FB}" type="datetimeFigureOut">
               <a:rPr lang="de-AT" smtClean="0"/>
-              <a:t>31.03.2018</a:t>
+              <a:t>04.04.2018</a:t>
             </a:fld>
             <a:endParaRPr lang="de-AT"/>
           </a:p>
@@ -8049,7 +8054,7 @@
           <a:p>
             <a:fld id="{83C286D2-5717-406C-AD4B-C4A69D5338FB}" type="datetimeFigureOut">
               <a:rPr lang="de-AT" smtClean="0"/>
-              <a:t>31.03.2018</a:t>
+              <a:t>04.04.2018</a:t>
             </a:fld>
             <a:endParaRPr lang="de-AT"/>
           </a:p>
@@ -8300,7 +8305,7 @@
           <a:p>
             <a:fld id="{83C286D2-5717-406C-AD4B-C4A69D5338FB}" type="datetimeFigureOut">
               <a:rPr lang="de-AT" smtClean="0"/>
-              <a:t>31.03.2018</a:t>
+              <a:t>04.04.2018</a:t>
             </a:fld>
             <a:endParaRPr lang="de-AT"/>
           </a:p>
@@ -8588,7 +8593,7 @@
           <a:p>
             <a:fld id="{83C286D2-5717-406C-AD4B-C4A69D5338FB}" type="datetimeFigureOut">
               <a:rPr lang="de-AT" smtClean="0"/>
-              <a:t>31.03.2018</a:t>
+              <a:t>04.04.2018</a:t>
             </a:fld>
             <a:endParaRPr lang="de-AT"/>
           </a:p>
@@ -8861,7 +8866,7 @@
           <a:p>
             <a:fld id="{83C286D2-5717-406C-AD4B-C4A69D5338FB}" type="datetimeFigureOut">
               <a:rPr lang="de-AT" smtClean="0"/>
-              <a:t>31.03.2018</a:t>
+              <a:t>04.04.2018</a:t>
             </a:fld>
             <a:endParaRPr lang="de-AT"/>
           </a:p>
@@ -9036,7 +9041,7 @@
           <a:p>
             <a:fld id="{83C286D2-5717-406C-AD4B-C4A69D5338FB}" type="datetimeFigureOut">
               <a:rPr lang="de-AT" smtClean="0"/>
-              <a:t>31.03.2018</a:t>
+              <a:t>04.04.2018</a:t>
             </a:fld>
             <a:endParaRPr lang="de-AT"/>
           </a:p>
@@ -9216,7 +9221,7 @@
           <a:p>
             <a:fld id="{83C286D2-5717-406C-AD4B-C4A69D5338FB}" type="datetimeFigureOut">
               <a:rPr lang="de-AT" smtClean="0"/>
-              <a:t>31.03.2018</a:t>
+              <a:t>04.04.2018</a:t>
             </a:fld>
             <a:endParaRPr lang="de-AT"/>
           </a:p>
@@ -9448,7 +9453,7 @@
           <a:p>
             <a:fld id="{83C286D2-5717-406C-AD4B-C4A69D5338FB}" type="datetimeFigureOut">
               <a:rPr lang="de-AT" smtClean="0"/>
-              <a:t>31.03.2018</a:t>
+              <a:t>04.04.2018</a:t>
             </a:fld>
             <a:endParaRPr lang="de-AT"/>
           </a:p>
@@ -9795,7 +9800,7 @@
           <a:p>
             <a:fld id="{83C286D2-5717-406C-AD4B-C4A69D5338FB}" type="datetimeFigureOut">
               <a:rPr lang="de-AT" smtClean="0"/>
-              <a:t>31.03.2018</a:t>
+              <a:t>04.04.2018</a:t>
             </a:fld>
             <a:endParaRPr lang="de-AT"/>
           </a:p>
@@ -9913,7 +9918,7 @@
           <a:p>
             <a:fld id="{83C286D2-5717-406C-AD4B-C4A69D5338FB}" type="datetimeFigureOut">
               <a:rPr lang="de-AT" smtClean="0"/>
-              <a:t>31.03.2018</a:t>
+              <a:t>04.04.2018</a:t>
             </a:fld>
             <a:endParaRPr lang="de-AT"/>
           </a:p>
@@ -10031,7 +10036,7 @@
           <a:p>
             <a:fld id="{83C286D2-5717-406C-AD4B-C4A69D5338FB}" type="datetimeFigureOut">
               <a:rPr lang="de-AT" smtClean="0"/>
-              <a:t>31.03.2018</a:t>
+              <a:t>04.04.2018</a:t>
             </a:fld>
             <a:endParaRPr lang="de-AT"/>
           </a:p>
@@ -10315,7 +10320,7 @@
           <a:p>
             <a:fld id="{83C286D2-5717-406C-AD4B-C4A69D5338FB}" type="datetimeFigureOut">
               <a:rPr lang="de-AT" smtClean="0"/>
-              <a:t>31.03.2018</a:t>
+              <a:t>04.04.2018</a:t>
             </a:fld>
             <a:endParaRPr lang="de-AT"/>
           </a:p>
@@ -10579,7 +10584,7 @@
           <a:p>
             <a:fld id="{83C286D2-5717-406C-AD4B-C4A69D5338FB}" type="datetimeFigureOut">
               <a:rPr lang="de-AT" smtClean="0"/>
-              <a:t>31.03.2018</a:t>
+              <a:t>04.04.2018</a:t>
             </a:fld>
             <a:endParaRPr lang="de-AT"/>
           </a:p>
@@ -10793,7 +10798,7 @@
           <a:p>
             <a:fld id="{83C286D2-5717-406C-AD4B-C4A69D5338FB}" type="datetimeFigureOut">
               <a:rPr lang="de-AT" smtClean="0"/>
-              <a:t>31.03.2018</a:t>
+              <a:t>04.04.2018</a:t>
             </a:fld>
             <a:endParaRPr lang="de-AT"/>
           </a:p>
@@ -11328,7 +11333,7 @@
           <a:p>
             <a:fld id="{83C286D2-5717-406C-AD4B-C4A69D5338FB}" type="datetimeFigureOut">
               <a:rPr lang="de-AT" smtClean="0"/>
-              <a:t>31.03.2018</a:t>
+              <a:t>04.04.2018</a:t>
             </a:fld>
             <a:endParaRPr lang="de-AT"/>
           </a:p>
@@ -11941,7 +11946,7 @@
           <a:p>
             <a:fld id="{83C286D2-5717-406C-AD4B-C4A69D5338FB}" type="datetimeFigureOut">
               <a:rPr lang="de-AT" smtClean="0"/>
-              <a:t>31.03.2018</a:t>
+              <a:t>04.04.2018</a:t>
             </a:fld>
             <a:endParaRPr lang="de-AT"/>
           </a:p>
@@ -12548,12 +12553,12 @@
   </p:clrMapOvr>
   <mc:AlternateContent xmlns:mc="http://schemas.openxmlformats.org/markup-compatibility/2006">
     <mc:Choice xmlns:p14="http://schemas.microsoft.com/office/powerpoint/2010/main" Requires="p14">
-      <p:transition spd="slow" p14:dur="1200" advTm="10000">
+      <p:transition spd="slow" p14:dur="1200">
         <p14:prism/>
       </p:transition>
     </mc:Choice>
     <mc:Fallback>
-      <p:transition spd="slow" advTm="10000">
+      <p:transition spd="slow">
         <p:fade/>
       </p:transition>
     </mc:Fallback>
@@ -12562,6 +12567,816 @@
 </file>
 
 <file path=ppt/slides/slide10.xml><?xml version="1.0" encoding="utf-8"?>
+<p:sld xmlns:a="http://schemas.openxmlformats.org/drawingml/2006/main" xmlns:r="http://schemas.openxmlformats.org/officeDocument/2006/relationships" xmlns:p="http://schemas.openxmlformats.org/presentationml/2006/main">
+  <p:cSld>
+    <p:spTree>
+      <p:nvGrpSpPr>
+        <p:cNvPr id="1" name=""/>
+        <p:cNvGrpSpPr/>
+        <p:nvPr/>
+      </p:nvGrpSpPr>
+      <p:grpSpPr>
+        <a:xfrm>
+          <a:off x="0" y="0"/>
+          <a:ext cx="0" cy="0"/>
+          <a:chOff x="0" y="0"/>
+          <a:chExt cx="0" cy="0"/>
+        </a:xfrm>
+      </p:grpSpPr>
+      <p:sp>
+        <p:nvSpPr>
+          <p:cNvPr id="2" name="Titel 1">
+            <a:extLst>
+              <a:ext uri="{FF2B5EF4-FFF2-40B4-BE49-F238E27FC236}">
+                <a16:creationId xmlns:a16="http://schemas.microsoft.com/office/drawing/2014/main" id="{B6661AA5-67AA-453E-8D31-4E6F26720E18}"/>
+              </a:ext>
+            </a:extLst>
+          </p:cNvPr>
+          <p:cNvSpPr>
+            <a:spLocks noGrp="1"/>
+          </p:cNvSpPr>
+          <p:nvPr>
+            <p:ph type="title"/>
+          </p:nvPr>
+        </p:nvSpPr>
+        <p:spPr/>
+        <p:txBody>
+          <a:bodyPr/>
+          <a:lstStyle/>
+          <a:p>
+            <a:r>
+              <a:rPr lang="de-AT" dirty="0"/>
+              <a:t>Raspberry PI Tool</a:t>
+            </a:r>
+          </a:p>
+        </p:txBody>
+      </p:sp>
+      <p:pic>
+        <p:nvPicPr>
+          <p:cNvPr id="5" name="Inhaltsplatzhalter 4">
+            <a:extLst>
+              <a:ext uri="{FF2B5EF4-FFF2-40B4-BE49-F238E27FC236}">
+                <a16:creationId xmlns:a16="http://schemas.microsoft.com/office/drawing/2014/main" id="{587B01AB-AD24-4CDD-9B47-537C9A8F8E6A}"/>
+              </a:ext>
+            </a:extLst>
+          </p:cNvPr>
+          <p:cNvPicPr>
+            <a:picLocks noGrp="1" noChangeAspect="1"/>
+          </p:cNvPicPr>
+          <p:nvPr>
+            <p:ph idx="1"/>
+          </p:nvPr>
+        </p:nvPicPr>
+        <p:blipFill>
+          <a:blip r:embed="rId2">
+            <a:extLst>
+              <a:ext uri="{28A0092B-C50C-407E-A947-70E740481C1C}">
+                <a14:useLocalDpi xmlns:a14="http://schemas.microsoft.com/office/drawing/2010/main" val="0"/>
+              </a:ext>
+            </a:extLst>
+          </a:blip>
+          <a:stretch>
+            <a:fillRect/>
+          </a:stretch>
+        </p:blipFill>
+        <p:spPr>
+          <a:xfrm>
+            <a:off x="3574449" y="383206"/>
+            <a:ext cx="8088161" cy="6091588"/>
+          </a:xfrm>
+          <a:ln w="38100">
+            <a:solidFill>
+              <a:schemeClr val="tx1"/>
+            </a:solidFill>
+          </a:ln>
+        </p:spPr>
+      </p:pic>
+    </p:spTree>
+    <p:extLst>
+      <p:ext uri="{BB962C8B-B14F-4D97-AF65-F5344CB8AC3E}">
+        <p14:creationId xmlns:p14="http://schemas.microsoft.com/office/powerpoint/2010/main" val="1695262382"/>
+      </p:ext>
+    </p:extLst>
+  </p:cSld>
+  <p:clrMapOvr>
+    <a:masterClrMapping/>
+  </p:clrMapOvr>
+  <mc:AlternateContent xmlns:mc="http://schemas.openxmlformats.org/markup-compatibility/2006">
+    <mc:Choice xmlns:p14="http://schemas.microsoft.com/office/powerpoint/2010/main" Requires="p14">
+      <p:transition spd="slow" p14:dur="1200">
+        <p14:prism/>
+      </p:transition>
+    </mc:Choice>
+    <mc:Fallback>
+      <p:transition spd="slow">
+        <p:fade/>
+      </p:transition>
+    </mc:Fallback>
+  </mc:AlternateContent>
+</p:sld>
+</file>
+
+<file path=ppt/slides/slide11.xml><?xml version="1.0" encoding="utf-8"?>
+<p:sld xmlns:a="http://schemas.openxmlformats.org/drawingml/2006/main" xmlns:r="http://schemas.openxmlformats.org/officeDocument/2006/relationships" xmlns:p="http://schemas.openxmlformats.org/presentationml/2006/main">
+  <p:cSld>
+    <p:spTree>
+      <p:nvGrpSpPr>
+        <p:cNvPr id="1" name=""/>
+        <p:cNvGrpSpPr/>
+        <p:nvPr/>
+      </p:nvGrpSpPr>
+      <p:grpSpPr>
+        <a:xfrm>
+          <a:off x="0" y="0"/>
+          <a:ext cx="0" cy="0"/>
+          <a:chOff x="0" y="0"/>
+          <a:chExt cx="0" cy="0"/>
+        </a:xfrm>
+      </p:grpSpPr>
+      <p:sp>
+        <p:nvSpPr>
+          <p:cNvPr id="2" name="Titel 1">
+            <a:extLst>
+              <a:ext uri="{FF2B5EF4-FFF2-40B4-BE49-F238E27FC236}">
+                <a16:creationId xmlns:a16="http://schemas.microsoft.com/office/drawing/2014/main" id="{18484A04-A67B-417C-BFDB-2A05B1E5D787}"/>
+              </a:ext>
+            </a:extLst>
+          </p:cNvPr>
+          <p:cNvSpPr>
+            <a:spLocks noGrp="1"/>
+          </p:cNvSpPr>
+          <p:nvPr>
+            <p:ph type="title"/>
+          </p:nvPr>
+        </p:nvSpPr>
+        <p:spPr/>
+        <p:txBody>
+          <a:bodyPr/>
+          <a:lstStyle/>
+          <a:p>
+            <a:r>
+              <a:rPr lang="de-AT" dirty="0"/>
+              <a:t>Grafischer Editor </a:t>
+            </a:r>
+            <a:br>
+              <a:rPr lang="de-AT" dirty="0"/>
+            </a:br>
+            <a:r>
+              <a:rPr lang="de-AT" dirty="0"/>
+              <a:t>(</a:t>
+            </a:r>
+            <a:r>
+              <a:rPr lang="de-AT" dirty="0" err="1"/>
+              <a:t>WebUI</a:t>
+            </a:r>
+            <a:r>
+              <a:rPr lang="de-AT" dirty="0"/>
+              <a:t>)</a:t>
+            </a:r>
+          </a:p>
+        </p:txBody>
+      </p:sp>
+      <p:pic>
+        <p:nvPicPr>
+          <p:cNvPr id="5" name="Inhaltsplatzhalter 4">
+            <a:extLst>
+              <a:ext uri="{FF2B5EF4-FFF2-40B4-BE49-F238E27FC236}">
+                <a16:creationId xmlns:a16="http://schemas.microsoft.com/office/drawing/2014/main" id="{98487DCA-4362-4417-A357-7E61DBE029F6}"/>
+              </a:ext>
+            </a:extLst>
+          </p:cNvPr>
+          <p:cNvPicPr>
+            <a:picLocks noGrp="1" noChangeAspect="1"/>
+          </p:cNvPicPr>
+          <p:nvPr>
+            <p:ph idx="1"/>
+          </p:nvPr>
+        </p:nvPicPr>
+        <p:blipFill>
+          <a:blip r:embed="rId2">
+            <a:extLst>
+              <a:ext uri="{28A0092B-C50C-407E-A947-70E740481C1C}">
+                <a14:useLocalDpi xmlns:a14="http://schemas.microsoft.com/office/drawing/2010/main" val="0"/>
+              </a:ext>
+            </a:extLst>
+          </a:blip>
+          <a:stretch>
+            <a:fillRect/>
+          </a:stretch>
+        </p:blipFill>
+        <p:spPr>
+          <a:xfrm>
+            <a:off x="3510112" y="1640750"/>
+            <a:ext cx="8219553" cy="3576500"/>
+          </a:xfrm>
+          <a:ln w="38100">
+            <a:solidFill>
+              <a:schemeClr val="tx1"/>
+            </a:solidFill>
+          </a:ln>
+        </p:spPr>
+      </p:pic>
+    </p:spTree>
+    <p:extLst>
+      <p:ext uri="{BB962C8B-B14F-4D97-AF65-F5344CB8AC3E}">
+        <p14:creationId xmlns:p14="http://schemas.microsoft.com/office/powerpoint/2010/main" val="1029183873"/>
+      </p:ext>
+    </p:extLst>
+  </p:cSld>
+  <p:clrMapOvr>
+    <a:masterClrMapping/>
+  </p:clrMapOvr>
+  <mc:AlternateContent xmlns:mc="http://schemas.openxmlformats.org/markup-compatibility/2006">
+    <mc:Choice xmlns:p14="http://schemas.microsoft.com/office/powerpoint/2010/main" Requires="p14">
+      <p:transition spd="slow" p14:dur="1200">
+        <p14:prism/>
+      </p:transition>
+    </mc:Choice>
+    <mc:Fallback>
+      <p:transition spd="slow">
+        <p:fade/>
+      </p:transition>
+    </mc:Fallback>
+  </mc:AlternateContent>
+</p:sld>
+</file>
+
+<file path=ppt/slides/slide12.xml><?xml version="1.0" encoding="utf-8"?>
+<p:sld xmlns:a="http://schemas.openxmlformats.org/drawingml/2006/main" xmlns:r="http://schemas.openxmlformats.org/officeDocument/2006/relationships" xmlns:p="http://schemas.openxmlformats.org/presentationml/2006/main">
+  <p:cSld>
+    <p:spTree>
+      <p:nvGrpSpPr>
+        <p:cNvPr id="1" name=""/>
+        <p:cNvGrpSpPr/>
+        <p:nvPr/>
+      </p:nvGrpSpPr>
+      <p:grpSpPr>
+        <a:xfrm>
+          <a:off x="0" y="0"/>
+          <a:ext cx="0" cy="0"/>
+          <a:chOff x="0" y="0"/>
+          <a:chExt cx="0" cy="0"/>
+        </a:xfrm>
+      </p:grpSpPr>
+      <p:sp>
+        <p:nvSpPr>
+          <p:cNvPr id="2" name="Titel 1">
+            <a:extLst>
+              <a:ext uri="{FF2B5EF4-FFF2-40B4-BE49-F238E27FC236}">
+                <a16:creationId xmlns:a16="http://schemas.microsoft.com/office/drawing/2014/main" id="{FA750801-E510-494E-8394-592A8579A8C0}"/>
+              </a:ext>
+            </a:extLst>
+          </p:cNvPr>
+          <p:cNvSpPr>
+            <a:spLocks noGrp="1"/>
+          </p:cNvSpPr>
+          <p:nvPr>
+            <p:ph type="title"/>
+          </p:nvPr>
+        </p:nvSpPr>
+        <p:spPr/>
+        <p:txBody>
+          <a:bodyPr/>
+          <a:lstStyle/>
+          <a:p>
+            <a:r>
+              <a:rPr lang="de-AT" dirty="0"/>
+              <a:t>Einsatz</a:t>
+            </a:r>
+          </a:p>
+        </p:txBody>
+      </p:sp>
+      <p:sp>
+        <p:nvSpPr>
+          <p:cNvPr id="3" name="Inhaltsplatzhalter 2">
+            <a:extLst>
+              <a:ext uri="{FF2B5EF4-FFF2-40B4-BE49-F238E27FC236}">
+                <a16:creationId xmlns:a16="http://schemas.microsoft.com/office/drawing/2014/main" id="{4B6FDFDC-2D89-4394-9088-2E375F2B3237}"/>
+              </a:ext>
+            </a:extLst>
+          </p:cNvPr>
+          <p:cNvSpPr>
+            <a:spLocks noGrp="1"/>
+          </p:cNvSpPr>
+          <p:nvPr>
+            <p:ph idx="1"/>
+          </p:nvPr>
+        </p:nvSpPr>
+        <p:spPr>
+          <a:xfrm>
+            <a:off x="3724888" y="609600"/>
+            <a:ext cx="7873553" cy="5759116"/>
+          </a:xfrm>
+        </p:spPr>
+        <p:txBody>
+          <a:bodyPr>
+            <a:normAutofit/>
+          </a:bodyPr>
+          <a:lstStyle/>
+          <a:p>
+            <a:r>
+              <a:rPr lang="de-AT" sz="2400" dirty="0"/>
+              <a:t>Das System wird anfangs in Oberösterreich eingesetzt und anschließend auf ganz Österreich ausgedehnt</a:t>
+            </a:r>
+          </a:p>
+          <a:p>
+            <a:endParaRPr lang="de-AT" sz="2400" dirty="0"/>
+          </a:p>
+          <a:p>
+            <a:r>
+              <a:rPr lang="de-AT" sz="2400" dirty="0"/>
+              <a:t>Energiegenossenschaft Eferding und drei weitere Energieregionen nutzen das System.</a:t>
+            </a:r>
+          </a:p>
+          <a:p>
+            <a:pPr lvl="1"/>
+            <a:r>
+              <a:rPr lang="de-AT" sz="2000" dirty="0"/>
+              <a:t>Etwa 15.000 Zählpunkte</a:t>
+            </a:r>
+          </a:p>
+          <a:p>
+            <a:pPr lvl="1"/>
+            <a:endParaRPr lang="de-AT" sz="2000" dirty="0"/>
+          </a:p>
+          <a:p>
+            <a:r>
+              <a:rPr lang="de-AT" sz="2400" dirty="0"/>
+              <a:t>Veröffentlichung auch für Firmen geplant</a:t>
+            </a:r>
+          </a:p>
+          <a:p>
+            <a:pPr lvl="1"/>
+            <a:endParaRPr lang="de-AT" sz="2000" dirty="0"/>
+          </a:p>
+          <a:p>
+            <a:r>
+              <a:rPr lang="de-AT" sz="2400" dirty="0"/>
+              <a:t>Genutzt wird das System für </a:t>
+            </a:r>
+          </a:p>
+          <a:p>
+            <a:pPr lvl="1"/>
+            <a:r>
+              <a:rPr lang="de-AT" sz="2000" dirty="0"/>
+              <a:t>Gebäude</a:t>
+            </a:r>
+          </a:p>
+          <a:p>
+            <a:pPr lvl="1"/>
+            <a:r>
+              <a:rPr lang="de-AT" sz="2000" dirty="0"/>
+              <a:t>Maschinen</a:t>
+            </a:r>
+          </a:p>
+          <a:p>
+            <a:pPr lvl="1"/>
+            <a:r>
+              <a:rPr lang="de-AT" sz="2000" dirty="0"/>
+              <a:t>Einzelne Räume</a:t>
+            </a:r>
+          </a:p>
+          <a:p>
+            <a:pPr lvl="1"/>
+            <a:r>
+              <a:rPr lang="de-AT" sz="2000" dirty="0"/>
+              <a:t>IT</a:t>
+            </a:r>
+          </a:p>
+        </p:txBody>
+      </p:sp>
+    </p:spTree>
+    <p:extLst>
+      <p:ext uri="{BB962C8B-B14F-4D97-AF65-F5344CB8AC3E}">
+        <p14:creationId xmlns:p14="http://schemas.microsoft.com/office/powerpoint/2010/main" val="1270022110"/>
+      </p:ext>
+    </p:extLst>
+  </p:cSld>
+  <p:clrMapOvr>
+    <a:masterClrMapping/>
+  </p:clrMapOvr>
+  <mc:AlternateContent xmlns:mc="http://schemas.openxmlformats.org/markup-compatibility/2006">
+    <mc:Choice xmlns:p14="http://schemas.microsoft.com/office/powerpoint/2010/main" Requires="p14">
+      <p:transition spd="slow" p14:dur="1200">
+        <p14:prism/>
+      </p:transition>
+    </mc:Choice>
+    <mc:Fallback>
+      <p:transition spd="slow">
+        <p:fade/>
+      </p:transition>
+    </mc:Fallback>
+  </mc:AlternateContent>
+</p:sld>
+</file>
+
+<file path=ppt/slides/slide13.xml><?xml version="1.0" encoding="utf-8"?>
+<p:sld xmlns:a="http://schemas.openxmlformats.org/drawingml/2006/main" xmlns:r="http://schemas.openxmlformats.org/officeDocument/2006/relationships" xmlns:p="http://schemas.openxmlformats.org/presentationml/2006/main">
+  <p:cSld>
+    <p:spTree>
+      <p:nvGrpSpPr>
+        <p:cNvPr id="1" name=""/>
+        <p:cNvGrpSpPr/>
+        <p:nvPr/>
+      </p:nvGrpSpPr>
+      <p:grpSpPr>
+        <a:xfrm>
+          <a:off x="0" y="0"/>
+          <a:ext cx="0" cy="0"/>
+          <a:chOff x="0" y="0"/>
+          <a:chExt cx="0" cy="0"/>
+        </a:xfrm>
+      </p:grpSpPr>
+      <p:sp>
+        <p:nvSpPr>
+          <p:cNvPr id="2" name="Titel 1">
+            <a:extLst>
+              <a:ext uri="{FF2B5EF4-FFF2-40B4-BE49-F238E27FC236}">
+                <a16:creationId xmlns:a16="http://schemas.microsoft.com/office/drawing/2014/main" id="{13B61211-58B5-4ED3-93B0-8B64D3F057FF}"/>
+              </a:ext>
+            </a:extLst>
+          </p:cNvPr>
+          <p:cNvSpPr>
+            <a:spLocks noGrp="1"/>
+          </p:cNvSpPr>
+          <p:nvPr>
+            <p:ph type="title"/>
+          </p:nvPr>
+        </p:nvSpPr>
+        <p:spPr/>
+        <p:txBody>
+          <a:bodyPr/>
+          <a:lstStyle/>
+          <a:p>
+            <a:r>
+              <a:rPr lang="de-AT" dirty="0"/>
+              <a:t>Einsparung von Kosten</a:t>
+            </a:r>
+          </a:p>
+        </p:txBody>
+      </p:sp>
+      <p:sp>
+        <p:nvSpPr>
+          <p:cNvPr id="3" name="Inhaltsplatzhalter 2">
+            <a:extLst>
+              <a:ext uri="{FF2B5EF4-FFF2-40B4-BE49-F238E27FC236}">
+                <a16:creationId xmlns:a16="http://schemas.microsoft.com/office/drawing/2014/main" id="{A543C61C-9CDB-4756-AAE5-F18C5A049333}"/>
+              </a:ext>
+            </a:extLst>
+          </p:cNvPr>
+          <p:cNvSpPr>
+            <a:spLocks noGrp="1"/>
+          </p:cNvSpPr>
+          <p:nvPr>
+            <p:ph idx="1"/>
+          </p:nvPr>
+        </p:nvSpPr>
+        <p:spPr>
+          <a:xfrm>
+            <a:off x="3869268" y="1123837"/>
+            <a:ext cx="7315200" cy="3916439"/>
+          </a:xfrm>
+        </p:spPr>
+        <p:txBody>
+          <a:bodyPr>
+            <a:normAutofit/>
+          </a:bodyPr>
+          <a:lstStyle/>
+          <a:p>
+            <a:pPr marL="502920" lvl="1" indent="0">
+              <a:buNone/>
+            </a:pPr>
+            <a:r>
+              <a:rPr lang="de-AT" sz="4000" b="1" dirty="0"/>
+              <a:t>10000 </a:t>
+            </a:r>
+            <a:r>
+              <a:rPr lang="de-AT" sz="2800" dirty="0"/>
+              <a:t>kWh Strom kosten über </a:t>
+            </a:r>
+            <a:r>
+              <a:rPr lang="de-AT" sz="4000" b="1" dirty="0"/>
+              <a:t>2.200€</a:t>
+            </a:r>
+          </a:p>
+          <a:p>
+            <a:pPr marL="502920" lvl="1" indent="0">
+              <a:buNone/>
+            </a:pPr>
+            <a:r>
+              <a:rPr lang="de-AT" sz="2400" dirty="0"/>
+              <a:t>(Preis pro kWh ca. 22,5 Cent)</a:t>
+            </a:r>
+          </a:p>
+          <a:p>
+            <a:pPr marL="502920" lvl="1" indent="0">
+              <a:buNone/>
+            </a:pPr>
+            <a:endParaRPr lang="de-AT" sz="2800" dirty="0"/>
+          </a:p>
+          <a:p>
+            <a:pPr marL="0" indent="0">
+              <a:buNone/>
+            </a:pPr>
+            <a:r>
+              <a:rPr lang="de-AT" sz="4000" b="1" dirty="0"/>
+              <a:t>     1000 </a:t>
+            </a:r>
+            <a:r>
+              <a:rPr lang="de-AT" sz="2800" dirty="0"/>
+              <a:t>m³</a:t>
+            </a:r>
+            <a:r>
+              <a:rPr lang="de-AT" sz="4000" b="1" dirty="0"/>
+              <a:t> </a:t>
+            </a:r>
+            <a:r>
+              <a:rPr lang="de-AT" sz="2800" dirty="0"/>
+              <a:t>Erdgas kosten </a:t>
+            </a:r>
+            <a:r>
+              <a:rPr lang="de-AT" sz="4000" b="1" dirty="0"/>
+              <a:t>500€</a:t>
+            </a:r>
+          </a:p>
+          <a:p>
+            <a:pPr marL="0" indent="0">
+              <a:buNone/>
+            </a:pPr>
+            <a:r>
+              <a:rPr lang="de-AT" sz="2400" dirty="0"/>
+              <a:t>        (Preis pro m³ ca. 50 Cent)</a:t>
+            </a:r>
+          </a:p>
+          <a:p>
+            <a:pPr marL="0" indent="0">
+              <a:buNone/>
+            </a:pPr>
+            <a:endParaRPr lang="de-AT" sz="3600" b="1" dirty="0"/>
+          </a:p>
+        </p:txBody>
+      </p:sp>
+      <p:sp>
+        <p:nvSpPr>
+          <p:cNvPr id="4" name="Textfeld 3">
+            <a:extLst>
+              <a:ext uri="{FF2B5EF4-FFF2-40B4-BE49-F238E27FC236}">
+                <a16:creationId xmlns:a16="http://schemas.microsoft.com/office/drawing/2014/main" id="{522D8A89-65DD-4255-B064-62628DA0E493}"/>
+              </a:ext>
+            </a:extLst>
+          </p:cNvPr>
+          <p:cNvSpPr txBox="1"/>
+          <p:nvPr/>
+        </p:nvSpPr>
+        <p:spPr>
+          <a:xfrm>
+            <a:off x="4920026" y="5708978"/>
+            <a:ext cx="5213684" cy="369332"/>
+          </a:xfrm>
+          <a:prstGeom prst="rect">
+            <a:avLst/>
+          </a:prstGeom>
+          <a:noFill/>
+        </p:spPr>
+        <p:txBody>
+          <a:bodyPr wrap="square" rtlCol="0">
+            <a:spAutoFit/>
+          </a:bodyPr>
+          <a:lstStyle/>
+          <a:p>
+            <a:r>
+              <a:rPr lang="de-AT" dirty="0"/>
+              <a:t>Quelle Energiekosten: https://www.e-control.at </a:t>
+            </a:r>
+          </a:p>
+        </p:txBody>
+      </p:sp>
+    </p:spTree>
+    <p:extLst>
+      <p:ext uri="{BB962C8B-B14F-4D97-AF65-F5344CB8AC3E}">
+        <p14:creationId xmlns:p14="http://schemas.microsoft.com/office/powerpoint/2010/main" val="1907587503"/>
+      </p:ext>
+    </p:extLst>
+  </p:cSld>
+  <p:clrMapOvr>
+    <a:masterClrMapping/>
+  </p:clrMapOvr>
+  <mc:AlternateContent xmlns:mc="http://schemas.openxmlformats.org/markup-compatibility/2006">
+    <mc:Choice xmlns:p14="http://schemas.microsoft.com/office/powerpoint/2010/main" Requires="p14">
+      <p:transition spd="slow" p14:dur="1200">
+        <p14:prism/>
+      </p:transition>
+    </mc:Choice>
+    <mc:Fallback>
+      <p:transition spd="slow">
+        <p:fade/>
+      </p:transition>
+    </mc:Fallback>
+  </mc:AlternateContent>
+</p:sld>
+</file>
+
+<file path=ppt/slides/slide14.xml><?xml version="1.0" encoding="utf-8"?>
+<p:sld xmlns:a="http://schemas.openxmlformats.org/drawingml/2006/main" xmlns:r="http://schemas.openxmlformats.org/officeDocument/2006/relationships" xmlns:p="http://schemas.openxmlformats.org/presentationml/2006/main">
+  <p:cSld>
+    <p:spTree>
+      <p:nvGrpSpPr>
+        <p:cNvPr id="1" name=""/>
+        <p:cNvGrpSpPr/>
+        <p:nvPr/>
+      </p:nvGrpSpPr>
+      <p:grpSpPr>
+        <a:xfrm>
+          <a:off x="0" y="0"/>
+          <a:ext cx="0" cy="0"/>
+          <a:chOff x="0" y="0"/>
+          <a:chExt cx="0" cy="0"/>
+        </a:xfrm>
+      </p:grpSpPr>
+      <p:sp>
+        <p:nvSpPr>
+          <p:cNvPr id="2" name="Titel 1">
+            <a:extLst>
+              <a:ext uri="{FF2B5EF4-FFF2-40B4-BE49-F238E27FC236}">
+                <a16:creationId xmlns:a16="http://schemas.microsoft.com/office/drawing/2014/main" id="{31B5B2CF-DC19-4607-97C5-497CC107FA93}"/>
+              </a:ext>
+            </a:extLst>
+          </p:cNvPr>
+          <p:cNvSpPr>
+            <a:spLocks noGrp="1"/>
+          </p:cNvSpPr>
+          <p:nvPr>
+            <p:ph type="title"/>
+          </p:nvPr>
+        </p:nvSpPr>
+        <p:spPr/>
+        <p:txBody>
+          <a:bodyPr/>
+          <a:lstStyle/>
+          <a:p>
+            <a:r>
+              <a:rPr lang="de-AT" dirty="0"/>
+              <a:t>Effekt auf die Umwelt</a:t>
+            </a:r>
+          </a:p>
+        </p:txBody>
+      </p:sp>
+      <p:sp>
+        <p:nvSpPr>
+          <p:cNvPr id="3" name="Inhaltsplatzhalter 2">
+            <a:extLst>
+              <a:ext uri="{FF2B5EF4-FFF2-40B4-BE49-F238E27FC236}">
+                <a16:creationId xmlns:a16="http://schemas.microsoft.com/office/drawing/2014/main" id="{0E388C9C-CD7A-473E-83BA-7E765A8C0DA0}"/>
+              </a:ext>
+            </a:extLst>
+          </p:cNvPr>
+          <p:cNvSpPr>
+            <a:spLocks noGrp="1"/>
+          </p:cNvSpPr>
+          <p:nvPr>
+            <p:ph idx="1"/>
+          </p:nvPr>
+        </p:nvSpPr>
+        <p:spPr/>
+        <p:txBody>
+          <a:bodyPr/>
+          <a:lstStyle/>
+          <a:p>
+            <a:pPr marL="502920" lvl="1" indent="0">
+              <a:buNone/>
+            </a:pPr>
+            <a:r>
+              <a:rPr lang="de-AT" sz="2800" dirty="0"/>
+              <a:t>Ersparnis von </a:t>
+            </a:r>
+            <a:r>
+              <a:rPr lang="de-AT" sz="4000" b="1" dirty="0"/>
+              <a:t>10.000</a:t>
+            </a:r>
+            <a:r>
+              <a:rPr lang="de-AT" sz="2800" dirty="0"/>
+              <a:t> kWh Strom, ergibt ein CO2 Äquivalent von über </a:t>
+            </a:r>
+            <a:r>
+              <a:rPr lang="de-AT" sz="4000" b="1" dirty="0"/>
+              <a:t>3000</a:t>
+            </a:r>
+            <a:r>
+              <a:rPr lang="de-AT" sz="2800" dirty="0"/>
+              <a:t> kg.</a:t>
+            </a:r>
+          </a:p>
+          <a:p>
+            <a:pPr marL="502920" lvl="1" indent="0">
+              <a:buNone/>
+            </a:pPr>
+            <a:endParaRPr lang="de-AT" sz="2800" dirty="0"/>
+          </a:p>
+          <a:p>
+            <a:pPr marL="502920" lvl="1" indent="0">
+              <a:buNone/>
+            </a:pPr>
+            <a:r>
+              <a:rPr lang="de-AT" sz="2800" dirty="0"/>
+              <a:t>Eine Einsparung von </a:t>
+            </a:r>
+            <a:r>
+              <a:rPr lang="de-AT" sz="4000" b="1" dirty="0"/>
+              <a:t>1000</a:t>
+            </a:r>
+            <a:r>
+              <a:rPr lang="de-AT" sz="2800" dirty="0"/>
+              <a:t> m³ Erdgas, ergibt ca. </a:t>
+            </a:r>
+            <a:r>
+              <a:rPr lang="de-AT" sz="4000" b="1" dirty="0"/>
+              <a:t>2500</a:t>
+            </a:r>
+            <a:r>
+              <a:rPr lang="de-AT" sz="2800" dirty="0"/>
+              <a:t> kg CO2.</a:t>
+            </a:r>
+          </a:p>
+          <a:p>
+            <a:endParaRPr lang="de-AT" dirty="0"/>
+          </a:p>
+        </p:txBody>
+      </p:sp>
+      <p:sp>
+        <p:nvSpPr>
+          <p:cNvPr id="4" name="Textfeld 3">
+            <a:extLst>
+              <a:ext uri="{FF2B5EF4-FFF2-40B4-BE49-F238E27FC236}">
+                <a16:creationId xmlns:a16="http://schemas.microsoft.com/office/drawing/2014/main" id="{49277C0B-006D-47E2-9C10-3916B3AF7594}"/>
+              </a:ext>
+            </a:extLst>
+          </p:cNvPr>
+          <p:cNvSpPr txBox="1"/>
+          <p:nvPr/>
+        </p:nvSpPr>
+        <p:spPr>
+          <a:xfrm>
+            <a:off x="4252660" y="5993892"/>
+            <a:ext cx="7424210" cy="646331"/>
+          </a:xfrm>
+          <a:prstGeom prst="rect">
+            <a:avLst/>
+          </a:prstGeom>
+          <a:noFill/>
+        </p:spPr>
+        <p:txBody>
+          <a:bodyPr wrap="square" rtlCol="0">
+            <a:spAutoFit/>
+          </a:bodyPr>
+          <a:lstStyle/>
+          <a:p>
+            <a:r>
+              <a:rPr lang="de-AT" dirty="0"/>
+              <a:t>Quelle - Einsparungspotential: Energiegenossenschaft Region Eferding</a:t>
+            </a:r>
+          </a:p>
+          <a:p>
+            <a:r>
+              <a:rPr lang="de-AT" dirty="0"/>
+              <a:t>Quelle – CO2 </a:t>
+            </a:r>
+            <a:r>
+              <a:rPr lang="de-AT" dirty="0" err="1"/>
+              <a:t>Aquivalent</a:t>
+            </a:r>
+            <a:r>
+              <a:rPr lang="de-AT" dirty="0"/>
+              <a:t>: http://www.umweltbundesamt.at</a:t>
+            </a:r>
+          </a:p>
+        </p:txBody>
+      </p:sp>
+    </p:spTree>
+    <p:extLst>
+      <p:ext uri="{BB962C8B-B14F-4D97-AF65-F5344CB8AC3E}">
+        <p14:creationId xmlns:p14="http://schemas.microsoft.com/office/powerpoint/2010/main" val="992121470"/>
+      </p:ext>
+    </p:extLst>
+  </p:cSld>
+  <p:clrMapOvr>
+    <a:masterClrMapping/>
+  </p:clrMapOvr>
+  <mc:AlternateContent xmlns:mc="http://schemas.openxmlformats.org/markup-compatibility/2006">
+    <mc:Choice xmlns:p14="http://schemas.microsoft.com/office/powerpoint/2010/main" Requires="p14">
+      <p:transition spd="slow" p14:dur="1200">
+        <p14:prism/>
+      </p:transition>
+    </mc:Choice>
+    <mc:Fallback>
+      <p:transition spd="slow">
+        <p:fade/>
+      </p:transition>
+    </mc:Fallback>
+  </mc:AlternateContent>
+</p:sld>
+</file>
+
+<file path=ppt/slides/slide15.xml><?xml version="1.0" encoding="utf-8"?>
 <p:sld xmlns:a="http://schemas.openxmlformats.org/drawingml/2006/main" xmlns:r="http://schemas.openxmlformats.org/officeDocument/2006/relationships" xmlns:p="http://schemas.openxmlformats.org/presentationml/2006/main">
   <p:cSld>
     <p:spTree>
@@ -12697,7 +13512,7 @@
 </file>
 
 <file path=ppt/slides/slide2.xml><?xml version="1.0" encoding="utf-8"?>
-<p:sld xmlns:a="http://schemas.openxmlformats.org/drawingml/2006/main" xmlns:r="http://schemas.openxmlformats.org/officeDocument/2006/relationships" xmlns:p="http://schemas.openxmlformats.org/presentationml/2006/main">
+<p:sld xmlns:a="http://schemas.openxmlformats.org/drawingml/2006/main" xmlns:r="http://schemas.openxmlformats.org/officeDocument/2006/relationships" xmlns:p="http://schemas.openxmlformats.org/presentationml/2006/main" show="0">
   <p:cSld>
     <p:spTree>
       <p:nvGrpSpPr>
@@ -13001,12 +13816,12 @@
   </p:clrMapOvr>
   <mc:AlternateContent xmlns:mc="http://schemas.openxmlformats.org/markup-compatibility/2006">
     <mc:Choice xmlns:p14="http://schemas.microsoft.com/office/powerpoint/2010/main" Requires="p14">
-      <p:transition spd="slow" p14:dur="1200" advTm="10000">
+      <p:transition spd="slow" p14:dur="1200">
         <p14:prism/>
       </p:transition>
     </mc:Choice>
     <mc:Fallback>
-      <p:transition spd="slow" advTm="10000">
+      <p:transition spd="slow">
         <p:fade/>
       </p:transition>
     </mc:Fallback>
@@ -13305,12 +14120,12 @@
   </p:clrMapOvr>
   <mc:AlternateContent xmlns:mc="http://schemas.openxmlformats.org/markup-compatibility/2006">
     <mc:Choice xmlns:p14="http://schemas.microsoft.com/office/powerpoint/2010/main" Requires="p14">
-      <p:transition spd="slow" p14:dur="1200" advTm="10000">
+      <p:transition spd="slow" p14:dur="1200">
         <p14:prism/>
       </p:transition>
     </mc:Choice>
     <mc:Fallback>
-      <p:transition spd="slow" advTm="10000">
+      <p:transition spd="slow">
         <p:fade/>
       </p:transition>
     </mc:Fallback>
@@ -13340,6 +14155,504 @@
           <p:cNvPr id="2" name="Titel 1">
             <a:extLst>
               <a:ext uri="{FF2B5EF4-FFF2-40B4-BE49-F238E27FC236}">
+                <a16:creationId xmlns:a16="http://schemas.microsoft.com/office/drawing/2014/main" id="{A879E173-5614-4E3C-ADAC-D846921ABC75}"/>
+              </a:ext>
+            </a:extLst>
+          </p:cNvPr>
+          <p:cNvSpPr>
+            <a:spLocks noGrp="1"/>
+          </p:cNvSpPr>
+          <p:nvPr>
+            <p:ph type="title"/>
+          </p:nvPr>
+        </p:nvSpPr>
+        <p:spPr/>
+        <p:txBody>
+          <a:bodyPr/>
+          <a:lstStyle/>
+          <a:p>
+            <a:r>
+              <a:rPr lang="de-AT" dirty="0"/>
+              <a:t>Programmier-sprachen</a:t>
+            </a:r>
+          </a:p>
+        </p:txBody>
+      </p:sp>
+      <p:sp>
+        <p:nvSpPr>
+          <p:cNvPr id="3" name="Inhaltsplatzhalter 2">
+            <a:extLst>
+              <a:ext uri="{FF2B5EF4-FFF2-40B4-BE49-F238E27FC236}">
+                <a16:creationId xmlns:a16="http://schemas.microsoft.com/office/drawing/2014/main" id="{08FB2D63-3C96-4FF6-80E4-D0BCDBDCE931}"/>
+              </a:ext>
+            </a:extLst>
+          </p:cNvPr>
+          <p:cNvSpPr>
+            <a:spLocks noGrp="1"/>
+          </p:cNvSpPr>
+          <p:nvPr>
+            <p:ph idx="1"/>
+          </p:nvPr>
+        </p:nvSpPr>
+        <p:spPr>
+          <a:xfrm>
+            <a:off x="3869268" y="864108"/>
+            <a:ext cx="2947482" cy="5120640"/>
+          </a:xfrm>
+        </p:spPr>
+        <p:txBody>
+          <a:bodyPr/>
+          <a:lstStyle/>
+          <a:p>
+            <a:pPr marL="0" indent="0">
+              <a:buNone/>
+            </a:pPr>
+            <a:r>
+              <a:rPr lang="de-AT" sz="2800" b="1" dirty="0"/>
+              <a:t>Programmierung</a:t>
+            </a:r>
+          </a:p>
+          <a:p>
+            <a:r>
+              <a:rPr lang="de-AT" dirty="0"/>
+              <a:t>HTML</a:t>
+            </a:r>
+          </a:p>
+          <a:p>
+            <a:r>
+              <a:rPr lang="de-AT" dirty="0"/>
+              <a:t>CSS</a:t>
+            </a:r>
+          </a:p>
+          <a:p>
+            <a:r>
+              <a:rPr lang="de-AT" dirty="0" err="1"/>
+              <a:t>Javascript</a:t>
+            </a:r>
+            <a:endParaRPr lang="de-AT" dirty="0"/>
+          </a:p>
+          <a:p>
+            <a:r>
+              <a:rPr lang="de-AT" dirty="0"/>
+              <a:t>Java</a:t>
+            </a:r>
+          </a:p>
+          <a:p>
+            <a:r>
+              <a:rPr lang="de-AT" dirty="0"/>
+              <a:t>XML</a:t>
+            </a:r>
+          </a:p>
+          <a:p>
+            <a:r>
+              <a:rPr lang="de-AT" dirty="0"/>
+              <a:t>XHTML</a:t>
+            </a:r>
+          </a:p>
+          <a:p>
+            <a:r>
+              <a:rPr lang="de-AT" dirty="0"/>
+              <a:t>Java Server Faces</a:t>
+            </a:r>
+          </a:p>
+          <a:p>
+            <a:r>
+              <a:rPr lang="de-AT" dirty="0"/>
+              <a:t>SQL </a:t>
+            </a:r>
+          </a:p>
+          <a:p>
+            <a:r>
+              <a:rPr lang="de-AT" dirty="0"/>
+              <a:t>Python</a:t>
+            </a:r>
+          </a:p>
+        </p:txBody>
+      </p:sp>
+      <p:sp>
+        <p:nvSpPr>
+          <p:cNvPr id="4" name="Inhaltsplatzhalter 2">
+            <a:extLst>
+              <a:ext uri="{FF2B5EF4-FFF2-40B4-BE49-F238E27FC236}">
+                <a16:creationId xmlns:a16="http://schemas.microsoft.com/office/drawing/2014/main" id="{12C8E9B5-B1F6-4F6C-894F-131E65C6B0D3}"/>
+              </a:ext>
+            </a:extLst>
+          </p:cNvPr>
+          <p:cNvSpPr txBox="1">
+            <a:spLocks/>
+          </p:cNvSpPr>
+          <p:nvPr/>
+        </p:nvSpPr>
+        <p:spPr>
+          <a:xfrm>
+            <a:off x="7485617" y="1123837"/>
+            <a:ext cx="3293532" cy="4266310"/>
+          </a:xfrm>
+          <a:prstGeom prst="rect">
+            <a:avLst/>
+          </a:prstGeom>
+        </p:spPr>
+        <p:txBody>
+          <a:bodyPr vert="horz" lIns="91440" tIns="45720" rIns="91440" bIns="45720" rtlCol="0" anchor="ctr">
+            <a:normAutofit/>
+          </a:bodyPr>
+          <a:lstStyle>
+            <a:lvl1pPr marL="182880" indent="-182880" algn="l" defTabSz="914400" rtl="0" eaLnBrk="1" latinLnBrk="0" hangingPunct="1">
+              <a:lnSpc>
+                <a:spcPct val="90000"/>
+              </a:lnSpc>
+              <a:spcBef>
+                <a:spcPts val="1200"/>
+              </a:spcBef>
+              <a:buClr>
+                <a:schemeClr val="accent1"/>
+              </a:buClr>
+              <a:buFont typeface="Wingdings 2" pitchFamily="18" charset="2"/>
+              <a:buChar char=""/>
+              <a:defRPr sz="2000" kern="1200">
+                <a:solidFill>
+                  <a:schemeClr val="tx1">
+                    <a:lumMod val="65000"/>
+                    <a:lumOff val="35000"/>
+                  </a:schemeClr>
+                </a:solidFill>
+                <a:latin typeface="+mn-lt"/>
+                <a:ea typeface="+mn-ea"/>
+                <a:cs typeface="+mn-cs"/>
+              </a:defRPr>
+            </a:lvl1pPr>
+            <a:lvl2pPr marL="685800" indent="-182880" algn="l" defTabSz="914400" rtl="0" eaLnBrk="1" latinLnBrk="0" hangingPunct="1">
+              <a:lnSpc>
+                <a:spcPct val="90000"/>
+              </a:lnSpc>
+              <a:spcBef>
+                <a:spcPts val="250"/>
+              </a:spcBef>
+              <a:spcAft>
+                <a:spcPts val="250"/>
+              </a:spcAft>
+              <a:buClr>
+                <a:schemeClr val="accent1"/>
+              </a:buClr>
+              <a:buFont typeface="Wingdings 2" pitchFamily="18" charset="2"/>
+              <a:buChar char=""/>
+              <a:defRPr sz="1800" kern="1200">
+                <a:solidFill>
+                  <a:schemeClr val="tx1">
+                    <a:lumMod val="65000"/>
+                    <a:lumOff val="35000"/>
+                  </a:schemeClr>
+                </a:solidFill>
+                <a:latin typeface="+mn-lt"/>
+                <a:ea typeface="+mn-ea"/>
+                <a:cs typeface="+mn-cs"/>
+              </a:defRPr>
+            </a:lvl2pPr>
+            <a:lvl3pPr marL="1143000" indent="-182880" algn="l" defTabSz="914400" rtl="0" eaLnBrk="1" latinLnBrk="0" hangingPunct="1">
+              <a:lnSpc>
+                <a:spcPct val="90000"/>
+              </a:lnSpc>
+              <a:spcBef>
+                <a:spcPts val="250"/>
+              </a:spcBef>
+              <a:spcAft>
+                <a:spcPts val="250"/>
+              </a:spcAft>
+              <a:buClr>
+                <a:schemeClr val="accent1"/>
+              </a:buClr>
+              <a:buFont typeface="Wingdings 2" pitchFamily="18" charset="2"/>
+              <a:buChar char=""/>
+              <a:defRPr sz="1600" kern="1200">
+                <a:solidFill>
+                  <a:schemeClr val="tx1">
+                    <a:lumMod val="65000"/>
+                    <a:lumOff val="35000"/>
+                  </a:schemeClr>
+                </a:solidFill>
+                <a:latin typeface="+mn-lt"/>
+                <a:ea typeface="+mn-ea"/>
+                <a:cs typeface="+mn-cs"/>
+              </a:defRPr>
+            </a:lvl3pPr>
+            <a:lvl4pPr marL="1600200" indent="-182880" algn="l" defTabSz="914400" rtl="0" eaLnBrk="1" latinLnBrk="0" hangingPunct="1">
+              <a:lnSpc>
+                <a:spcPct val="90000"/>
+              </a:lnSpc>
+              <a:spcBef>
+                <a:spcPts val="250"/>
+              </a:spcBef>
+              <a:spcAft>
+                <a:spcPts val="250"/>
+              </a:spcAft>
+              <a:buClr>
+                <a:schemeClr val="accent1"/>
+              </a:buClr>
+              <a:buFont typeface="Wingdings 2" pitchFamily="18" charset="2"/>
+              <a:buChar char=""/>
+              <a:defRPr sz="1400" kern="1200">
+                <a:solidFill>
+                  <a:schemeClr val="tx1">
+                    <a:lumMod val="65000"/>
+                    <a:lumOff val="35000"/>
+                  </a:schemeClr>
+                </a:solidFill>
+                <a:latin typeface="+mn-lt"/>
+                <a:ea typeface="+mn-ea"/>
+                <a:cs typeface="+mn-cs"/>
+              </a:defRPr>
+            </a:lvl4pPr>
+            <a:lvl5pPr marL="2057400" indent="-182880" algn="l" defTabSz="914400" rtl="0" eaLnBrk="1" latinLnBrk="0" hangingPunct="1">
+              <a:lnSpc>
+                <a:spcPct val="90000"/>
+              </a:lnSpc>
+              <a:spcBef>
+                <a:spcPts val="250"/>
+              </a:spcBef>
+              <a:spcAft>
+                <a:spcPts val="250"/>
+              </a:spcAft>
+              <a:buClr>
+                <a:schemeClr val="accent1"/>
+              </a:buClr>
+              <a:buFont typeface="Wingdings 2" pitchFamily="18" charset="2"/>
+              <a:buChar char=""/>
+              <a:defRPr sz="1400" kern="1200">
+                <a:solidFill>
+                  <a:schemeClr val="tx1">
+                    <a:lumMod val="65000"/>
+                    <a:lumOff val="35000"/>
+                  </a:schemeClr>
+                </a:solidFill>
+                <a:latin typeface="+mn-lt"/>
+                <a:ea typeface="+mn-ea"/>
+                <a:cs typeface="+mn-cs"/>
+              </a:defRPr>
+            </a:lvl5pPr>
+            <a:lvl6pPr marL="2514600" indent="-228600" algn="l" defTabSz="914400" rtl="0" eaLnBrk="1" latinLnBrk="0" hangingPunct="1">
+              <a:lnSpc>
+                <a:spcPct val="90000"/>
+              </a:lnSpc>
+              <a:spcBef>
+                <a:spcPts val="250"/>
+              </a:spcBef>
+              <a:spcAft>
+                <a:spcPts val="250"/>
+              </a:spcAft>
+              <a:buClr>
+                <a:schemeClr val="accent1"/>
+              </a:buClr>
+              <a:buFont typeface="Wingdings 2" pitchFamily="18" charset="2"/>
+              <a:buChar char=""/>
+              <a:defRPr sz="1400" kern="1200">
+                <a:solidFill>
+                  <a:schemeClr val="tx1">
+                    <a:lumMod val="65000"/>
+                    <a:lumOff val="35000"/>
+                  </a:schemeClr>
+                </a:solidFill>
+                <a:latin typeface="+mn-lt"/>
+                <a:ea typeface="+mn-ea"/>
+                <a:cs typeface="+mn-cs"/>
+              </a:defRPr>
+            </a:lvl6pPr>
+            <a:lvl7pPr marL="2971800" indent="-228600" algn="l" defTabSz="914400" rtl="0" eaLnBrk="1" latinLnBrk="0" hangingPunct="1">
+              <a:lnSpc>
+                <a:spcPct val="90000"/>
+              </a:lnSpc>
+              <a:spcBef>
+                <a:spcPts val="250"/>
+              </a:spcBef>
+              <a:spcAft>
+                <a:spcPts val="250"/>
+              </a:spcAft>
+              <a:buClr>
+                <a:schemeClr val="accent1"/>
+              </a:buClr>
+              <a:buFont typeface="Wingdings 2" pitchFamily="18" charset="2"/>
+              <a:buChar char=""/>
+              <a:defRPr sz="1400" kern="1200">
+                <a:solidFill>
+                  <a:schemeClr val="tx1">
+                    <a:lumMod val="65000"/>
+                    <a:lumOff val="35000"/>
+                  </a:schemeClr>
+                </a:solidFill>
+                <a:latin typeface="+mn-lt"/>
+                <a:ea typeface="+mn-ea"/>
+                <a:cs typeface="+mn-cs"/>
+              </a:defRPr>
+            </a:lvl7pPr>
+            <a:lvl8pPr marL="3429000" indent="-228600" algn="l" defTabSz="914400" rtl="0" eaLnBrk="1" latinLnBrk="0" hangingPunct="1">
+              <a:lnSpc>
+                <a:spcPct val="90000"/>
+              </a:lnSpc>
+              <a:spcBef>
+                <a:spcPts val="250"/>
+              </a:spcBef>
+              <a:spcAft>
+                <a:spcPts val="250"/>
+              </a:spcAft>
+              <a:buClr>
+                <a:schemeClr val="accent1"/>
+              </a:buClr>
+              <a:buFont typeface="Wingdings 2" pitchFamily="18" charset="2"/>
+              <a:buChar char=""/>
+              <a:defRPr sz="1400" kern="1200">
+                <a:solidFill>
+                  <a:schemeClr val="tx1">
+                    <a:lumMod val="65000"/>
+                    <a:lumOff val="35000"/>
+                  </a:schemeClr>
+                </a:solidFill>
+                <a:latin typeface="+mn-lt"/>
+                <a:ea typeface="+mn-ea"/>
+                <a:cs typeface="+mn-cs"/>
+              </a:defRPr>
+            </a:lvl8pPr>
+            <a:lvl9pPr marL="3886200" indent="-228600" algn="l" defTabSz="914400" rtl="0" eaLnBrk="1" latinLnBrk="0" hangingPunct="1">
+              <a:lnSpc>
+                <a:spcPct val="90000"/>
+              </a:lnSpc>
+              <a:spcBef>
+                <a:spcPts val="250"/>
+              </a:spcBef>
+              <a:spcAft>
+                <a:spcPts val="250"/>
+              </a:spcAft>
+              <a:buClr>
+                <a:schemeClr val="accent1"/>
+              </a:buClr>
+              <a:buFont typeface="Wingdings 2" pitchFamily="18" charset="2"/>
+              <a:buChar char=""/>
+              <a:defRPr sz="1400" kern="1200">
+                <a:solidFill>
+                  <a:schemeClr val="tx1">
+                    <a:lumMod val="65000"/>
+                    <a:lumOff val="35000"/>
+                  </a:schemeClr>
+                </a:solidFill>
+                <a:latin typeface="+mn-lt"/>
+                <a:ea typeface="+mn-ea"/>
+                <a:cs typeface="+mn-cs"/>
+              </a:defRPr>
+            </a:lvl9pPr>
+          </a:lstStyle>
+          <a:p>
+            <a:pPr marL="0" indent="0">
+              <a:buNone/>
+            </a:pPr>
+            <a:r>
+              <a:rPr lang="de-AT" sz="2800" b="1" dirty="0"/>
+              <a:t>Libraries</a:t>
+            </a:r>
+            <a:endParaRPr lang="de-AT" dirty="0"/>
+          </a:p>
+          <a:p>
+            <a:r>
+              <a:rPr lang="de-AT" dirty="0" err="1"/>
+              <a:t>MPAndroidchart</a:t>
+            </a:r>
+            <a:endParaRPr lang="de-AT" dirty="0"/>
+          </a:p>
+          <a:p>
+            <a:r>
+              <a:rPr lang="de-AT" dirty="0" err="1"/>
+              <a:t>Noty</a:t>
+            </a:r>
+            <a:endParaRPr lang="de-AT" dirty="0"/>
+          </a:p>
+          <a:p>
+            <a:r>
+              <a:rPr lang="de-AT" dirty="0" err="1"/>
+              <a:t>Firebase</a:t>
+            </a:r>
+            <a:r>
+              <a:rPr lang="de-AT" dirty="0"/>
+              <a:t> Cloud Messaging</a:t>
+            </a:r>
+          </a:p>
+          <a:p>
+            <a:r>
+              <a:rPr lang="de-AT" dirty="0"/>
+              <a:t>Apache POI</a:t>
+            </a:r>
+          </a:p>
+          <a:p>
+            <a:r>
+              <a:rPr lang="de-AT" dirty="0" err="1"/>
+              <a:t>HtmlUnit</a:t>
+            </a:r>
+            <a:endParaRPr lang="de-AT" dirty="0"/>
+          </a:p>
+          <a:p>
+            <a:r>
+              <a:rPr lang="de-AT" dirty="0"/>
+              <a:t>PostgreSQL</a:t>
+            </a:r>
+          </a:p>
+          <a:p>
+            <a:r>
+              <a:rPr lang="de-AT" dirty="0" err="1"/>
+              <a:t>CleanModalDialog</a:t>
+            </a:r>
+            <a:endParaRPr lang="de-AT" dirty="0"/>
+          </a:p>
+          <a:p>
+            <a:r>
+              <a:rPr lang="de-AT" dirty="0"/>
+              <a:t>Bootstrap</a:t>
+            </a:r>
+          </a:p>
+        </p:txBody>
+      </p:sp>
+    </p:spTree>
+    <p:extLst>
+      <p:ext uri="{BB962C8B-B14F-4D97-AF65-F5344CB8AC3E}">
+        <p14:creationId xmlns:p14="http://schemas.microsoft.com/office/powerpoint/2010/main" val="1359886591"/>
+      </p:ext>
+    </p:extLst>
+  </p:cSld>
+  <p:clrMapOvr>
+    <a:masterClrMapping/>
+  </p:clrMapOvr>
+  <mc:AlternateContent xmlns:mc="http://schemas.openxmlformats.org/markup-compatibility/2006">
+    <mc:Choice xmlns:p14="http://schemas.microsoft.com/office/powerpoint/2010/main" Requires="p14">
+      <p:transition spd="slow" p14:dur="1200">
+        <p14:prism/>
+      </p:transition>
+    </mc:Choice>
+    <mc:Fallback>
+      <p:transition spd="slow">
+        <p:fade/>
+      </p:transition>
+    </mc:Fallback>
+  </mc:AlternateContent>
+</p:sld>
+</file>
+
+<file path=ppt/slides/slide5.xml><?xml version="1.0" encoding="utf-8"?>
+<p:sld xmlns:a="http://schemas.openxmlformats.org/drawingml/2006/main" xmlns:r="http://schemas.openxmlformats.org/officeDocument/2006/relationships" xmlns:p="http://schemas.openxmlformats.org/presentationml/2006/main">
+  <p:cSld>
+    <p:spTree>
+      <p:nvGrpSpPr>
+        <p:cNvPr id="1" name=""/>
+        <p:cNvGrpSpPr/>
+        <p:nvPr/>
+      </p:nvGrpSpPr>
+      <p:grpSpPr>
+        <a:xfrm>
+          <a:off x="0" y="0"/>
+          <a:ext cx="0" cy="0"/>
+          <a:chOff x="0" y="0"/>
+          <a:chExt cx="0" cy="0"/>
+        </a:xfrm>
+      </p:grpSpPr>
+      <p:sp>
+        <p:nvSpPr>
+          <p:cNvPr id="2" name="Titel 1">
+            <a:extLst>
+              <a:ext uri="{FF2B5EF4-FFF2-40B4-BE49-F238E27FC236}">
                 <a16:creationId xmlns:a16="http://schemas.microsoft.com/office/drawing/2014/main" id="{61C469A9-E1AC-4476-8BA8-537955A04742}"/>
               </a:ext>
             </a:extLst>
@@ -13411,12 +14724,12 @@
   </p:clrMapOvr>
   <mc:AlternateContent xmlns:mc="http://schemas.openxmlformats.org/markup-compatibility/2006">
     <mc:Choice xmlns:p14="http://schemas.microsoft.com/office/powerpoint/2010/main" Requires="p14">
-      <p:transition spd="slow" p14:dur="1200" advTm="10000">
+      <p:transition spd="slow" p14:dur="1200">
         <p14:prism/>
       </p:transition>
     </mc:Choice>
     <mc:Fallback>
-      <p:transition spd="slow" advTm="10000">
+      <p:transition spd="slow">
         <p:fade/>
       </p:transition>
     </mc:Fallback>
@@ -13424,7 +14737,7 @@
 </p:sld>
 </file>
 
-<file path=ppt/slides/slide5.xml><?xml version="1.0" encoding="utf-8"?>
+<file path=ppt/slides/slide6.xml><?xml version="1.0" encoding="utf-8"?>
 <p:sld xmlns:a="http://schemas.openxmlformats.org/drawingml/2006/main" xmlns:r="http://schemas.openxmlformats.org/officeDocument/2006/relationships" xmlns:p="http://schemas.openxmlformats.org/presentationml/2006/main">
   <p:cSld>
     <p:spTree>
@@ -13521,12 +14834,12 @@
   </p:clrMapOvr>
   <mc:AlternateContent xmlns:mc="http://schemas.openxmlformats.org/markup-compatibility/2006">
     <mc:Choice xmlns:p14="http://schemas.microsoft.com/office/powerpoint/2010/main" Requires="p14">
-      <p:transition spd="slow" p14:dur="1200" advTm="10000">
+      <p:transition spd="slow" p14:dur="1200">
         <p14:prism/>
       </p:transition>
     </mc:Choice>
     <mc:Fallback>
-      <p:transition spd="slow" advTm="10000">
+      <p:transition spd="slow">
         <p:fade/>
       </p:transition>
     </mc:Fallback>
@@ -13534,7 +14847,7 @@
 </p:sld>
 </file>
 
-<file path=ppt/slides/slide6.xml><?xml version="1.0" encoding="utf-8"?>
+<file path=ppt/slides/slide7.xml><?xml version="1.0" encoding="utf-8"?>
 <p:sld xmlns:a="http://schemas.openxmlformats.org/drawingml/2006/main" xmlns:r="http://schemas.openxmlformats.org/officeDocument/2006/relationships" xmlns:p="http://schemas.openxmlformats.org/presentationml/2006/main">
   <p:cSld>
     <p:spTree>
@@ -13677,12 +14990,12 @@
   </p:clrMapOvr>
   <mc:AlternateContent xmlns:mc="http://schemas.openxmlformats.org/markup-compatibility/2006">
     <mc:Choice xmlns:p14="http://schemas.microsoft.com/office/powerpoint/2010/main" Requires="p14">
-      <p:transition spd="slow" p14:dur="1200" advTm="10000">
+      <p:transition spd="slow" p14:dur="1200">
         <p14:prism/>
       </p:transition>
     </mc:Choice>
     <mc:Fallback>
-      <p:transition spd="slow" advTm="10000">
+      <p:transition spd="slow">
         <p:fade/>
       </p:transition>
     </mc:Fallback>
@@ -13773,7 +15086,117 @@
 </p:sld>
 </file>
 
-<file path=ppt/slides/slide7.xml><?xml version="1.0" encoding="utf-8"?>
+<file path=ppt/slides/slide8.xml><?xml version="1.0" encoding="utf-8"?>
+<p:sld xmlns:a="http://schemas.openxmlformats.org/drawingml/2006/main" xmlns:r="http://schemas.openxmlformats.org/officeDocument/2006/relationships" xmlns:p="http://schemas.openxmlformats.org/presentationml/2006/main">
+  <p:cSld>
+    <p:spTree>
+      <p:nvGrpSpPr>
+        <p:cNvPr id="1" name=""/>
+        <p:cNvGrpSpPr/>
+        <p:nvPr/>
+      </p:nvGrpSpPr>
+      <p:grpSpPr>
+        <a:xfrm>
+          <a:off x="0" y="0"/>
+          <a:ext cx="0" cy="0"/>
+          <a:chOff x="0" y="0"/>
+          <a:chExt cx="0" cy="0"/>
+        </a:xfrm>
+      </p:grpSpPr>
+      <p:sp>
+        <p:nvSpPr>
+          <p:cNvPr id="2" name="Titel 1">
+            <a:extLst>
+              <a:ext uri="{FF2B5EF4-FFF2-40B4-BE49-F238E27FC236}">
+                <a16:creationId xmlns:a16="http://schemas.microsoft.com/office/drawing/2014/main" id="{133039DE-AF67-4489-95CD-B55AD58C7971}"/>
+              </a:ext>
+            </a:extLst>
+          </p:cNvPr>
+          <p:cNvSpPr>
+            <a:spLocks noGrp="1"/>
+          </p:cNvSpPr>
+          <p:nvPr>
+            <p:ph type="title"/>
+          </p:nvPr>
+        </p:nvSpPr>
+        <p:spPr/>
+        <p:txBody>
+          <a:bodyPr/>
+          <a:lstStyle/>
+          <a:p>
+            <a:r>
+              <a:rPr lang="de-AT" dirty="0"/>
+              <a:t>Einfache Administration</a:t>
+            </a:r>
+          </a:p>
+        </p:txBody>
+      </p:sp>
+      <p:pic>
+        <p:nvPicPr>
+          <p:cNvPr id="4" name="Grafik 3">
+            <a:extLst>
+              <a:ext uri="{FF2B5EF4-FFF2-40B4-BE49-F238E27FC236}">
+                <a16:creationId xmlns:a16="http://schemas.microsoft.com/office/drawing/2014/main" id="{3B957FC7-1AC6-464F-91DD-2171BBC36BA5}"/>
+              </a:ext>
+            </a:extLst>
+          </p:cNvPr>
+          <p:cNvPicPr>
+            <a:picLocks noChangeAspect="1"/>
+          </p:cNvPicPr>
+          <p:nvPr/>
+        </p:nvPicPr>
+        <p:blipFill rotWithShape="1">
+          <a:blip r:embed="rId2">
+            <a:extLst>
+              <a:ext uri="{28A0092B-C50C-407E-A947-70E740481C1C}">
+                <a14:useLocalDpi xmlns:a14="http://schemas.microsoft.com/office/drawing/2010/main" val="0"/>
+              </a:ext>
+            </a:extLst>
+          </a:blip>
+          <a:srcRect t="6030" r="68289" b="26033"/>
+          <a:stretch/>
+        </p:blipFill>
+        <p:spPr>
+          <a:xfrm>
+            <a:off x="4879921" y="375425"/>
+            <a:ext cx="5451195" cy="6107150"/>
+          </a:xfrm>
+          <a:prstGeom prst="rect">
+            <a:avLst/>
+          </a:prstGeom>
+          <a:ln w="38100">
+            <a:solidFill>
+              <a:schemeClr val="tx1"/>
+            </a:solidFill>
+          </a:ln>
+        </p:spPr>
+      </p:pic>
+    </p:spTree>
+    <p:extLst>
+      <p:ext uri="{BB962C8B-B14F-4D97-AF65-F5344CB8AC3E}">
+        <p14:creationId xmlns:p14="http://schemas.microsoft.com/office/powerpoint/2010/main" val="206274602"/>
+      </p:ext>
+    </p:extLst>
+  </p:cSld>
+  <p:clrMapOvr>
+    <a:masterClrMapping/>
+  </p:clrMapOvr>
+  <mc:AlternateContent xmlns:mc="http://schemas.openxmlformats.org/markup-compatibility/2006">
+    <mc:Choice xmlns:p14="http://schemas.microsoft.com/office/powerpoint/2010/main" Requires="p14">
+      <p:transition spd="slow" p14:dur="1200">
+        <p14:prism/>
+      </p:transition>
+    </mc:Choice>
+    <mc:Fallback>
+      <p:transition spd="slow">
+        <p:fade/>
+      </p:transition>
+    </mc:Fallback>
+  </mc:AlternateContent>
+</p:sld>
+</file>
+
+<file path=ppt/slides/slide9.xml><?xml version="1.0" encoding="utf-8"?>
 <p:sld xmlns:a="http://schemas.openxmlformats.org/drawingml/2006/main" xmlns:r="http://schemas.openxmlformats.org/officeDocument/2006/relationships" xmlns:p="http://schemas.openxmlformats.org/presentationml/2006/main">
   <p:cSld>
     <p:spTree>
@@ -13909,217 +15332,12 @@
   </p:clrMapOvr>
   <mc:AlternateContent xmlns:mc="http://schemas.openxmlformats.org/markup-compatibility/2006">
     <mc:Choice xmlns:p14="http://schemas.microsoft.com/office/powerpoint/2010/main" Requires="p14">
-      <p:transition spd="slow" p14:dur="1200" advTm="10000">
+      <p:transition spd="slow" p14:dur="1200">
         <p14:prism/>
       </p:transition>
     </mc:Choice>
     <mc:Fallback>
-      <p:transition spd="slow" advTm="10000">
-        <p:fade/>
-      </p:transition>
-    </mc:Fallback>
-  </mc:AlternateContent>
-</p:sld>
-</file>
-
-<file path=ppt/slides/slide8.xml><?xml version="1.0" encoding="utf-8"?>
-<p:sld xmlns:a="http://schemas.openxmlformats.org/drawingml/2006/main" xmlns:r="http://schemas.openxmlformats.org/officeDocument/2006/relationships" xmlns:p="http://schemas.openxmlformats.org/presentationml/2006/main">
-  <p:cSld>
-    <p:spTree>
-      <p:nvGrpSpPr>
-        <p:cNvPr id="1" name=""/>
-        <p:cNvGrpSpPr/>
-        <p:nvPr/>
-      </p:nvGrpSpPr>
-      <p:grpSpPr>
-        <a:xfrm>
-          <a:off x="0" y="0"/>
-          <a:ext cx="0" cy="0"/>
-          <a:chOff x="0" y="0"/>
-          <a:chExt cx="0" cy="0"/>
-        </a:xfrm>
-      </p:grpSpPr>
-      <p:sp>
-        <p:nvSpPr>
-          <p:cNvPr id="2" name="Titel 1">
-            <a:extLst>
-              <a:ext uri="{FF2B5EF4-FFF2-40B4-BE49-F238E27FC236}">
-                <a16:creationId xmlns:a16="http://schemas.microsoft.com/office/drawing/2014/main" id="{18484A04-A67B-417C-BFDB-2A05B1E5D787}"/>
-              </a:ext>
-            </a:extLst>
-          </p:cNvPr>
-          <p:cNvSpPr>
-            <a:spLocks noGrp="1"/>
-          </p:cNvSpPr>
-          <p:nvPr>
-            <p:ph type="title"/>
-          </p:nvPr>
-        </p:nvSpPr>
-        <p:spPr/>
-        <p:txBody>
-          <a:bodyPr/>
-          <a:lstStyle/>
-          <a:p>
-            <a:r>
-              <a:rPr lang="de-AT" dirty="0"/>
-              <a:t>Grafischer Editor </a:t>
-            </a:r>
-          </a:p>
-        </p:txBody>
-      </p:sp>
-      <p:sp>
-        <p:nvSpPr>
-          <p:cNvPr id="3" name="Inhaltsplatzhalter 2">
-            <a:extLst>
-              <a:ext uri="{FF2B5EF4-FFF2-40B4-BE49-F238E27FC236}">
-                <a16:creationId xmlns:a16="http://schemas.microsoft.com/office/drawing/2014/main" id="{40A08597-C991-47BF-BB14-3451A1843BE6}"/>
-              </a:ext>
-            </a:extLst>
-          </p:cNvPr>
-          <p:cNvSpPr>
-            <a:spLocks noGrp="1"/>
-          </p:cNvSpPr>
-          <p:nvPr>
-            <p:ph idx="1"/>
-          </p:nvPr>
-        </p:nvSpPr>
-        <p:spPr/>
-        <p:txBody>
-          <a:bodyPr/>
-          <a:lstStyle/>
-          <a:p>
-            <a:endParaRPr lang="de-AT"/>
-          </a:p>
-        </p:txBody>
-      </p:sp>
-    </p:spTree>
-    <p:extLst>
-      <p:ext uri="{BB962C8B-B14F-4D97-AF65-F5344CB8AC3E}">
-        <p14:creationId xmlns:p14="http://schemas.microsoft.com/office/powerpoint/2010/main" val="1029183873"/>
-      </p:ext>
-    </p:extLst>
-  </p:cSld>
-  <p:clrMapOvr>
-    <a:masterClrMapping/>
-  </p:clrMapOvr>
-  <mc:AlternateContent xmlns:mc="http://schemas.openxmlformats.org/markup-compatibility/2006">
-    <mc:Choice xmlns:p14="http://schemas.microsoft.com/office/powerpoint/2010/main" Requires="p14">
-      <p:transition spd="slow" p14:dur="1200" advTm="10000">
-        <p14:prism/>
-      </p:transition>
-    </mc:Choice>
-    <mc:Fallback>
-      <p:transition spd="slow" advTm="10000">
-        <p:fade/>
-      </p:transition>
-    </mc:Fallback>
-  </mc:AlternateContent>
-</p:sld>
-</file>
-
-<file path=ppt/slides/slide9.xml><?xml version="1.0" encoding="utf-8"?>
-<p:sld xmlns:a="http://schemas.openxmlformats.org/drawingml/2006/main" xmlns:r="http://schemas.openxmlformats.org/officeDocument/2006/relationships" xmlns:p="http://schemas.openxmlformats.org/presentationml/2006/main">
-  <p:cSld>
-    <p:spTree>
-      <p:nvGrpSpPr>
-        <p:cNvPr id="1" name=""/>
-        <p:cNvGrpSpPr/>
-        <p:nvPr/>
-      </p:nvGrpSpPr>
-      <p:grpSpPr>
-        <a:xfrm>
-          <a:off x="0" y="0"/>
-          <a:ext cx="0" cy="0"/>
-          <a:chOff x="0" y="0"/>
-          <a:chExt cx="0" cy="0"/>
-        </a:xfrm>
-      </p:grpSpPr>
-      <p:sp>
-        <p:nvSpPr>
-          <p:cNvPr id="2" name="Titel 1">
-            <a:extLst>
-              <a:ext uri="{FF2B5EF4-FFF2-40B4-BE49-F238E27FC236}">
-                <a16:creationId xmlns:a16="http://schemas.microsoft.com/office/drawing/2014/main" id="{133039DE-AF67-4489-95CD-B55AD58C7971}"/>
-              </a:ext>
-            </a:extLst>
-          </p:cNvPr>
-          <p:cNvSpPr>
-            <a:spLocks noGrp="1"/>
-          </p:cNvSpPr>
-          <p:nvPr>
-            <p:ph type="title"/>
-          </p:nvPr>
-        </p:nvSpPr>
-        <p:spPr/>
-        <p:txBody>
-          <a:bodyPr/>
-          <a:lstStyle/>
-          <a:p>
-            <a:r>
-              <a:rPr lang="de-AT" dirty="0"/>
-              <a:t>Einfache Administration</a:t>
-            </a:r>
-          </a:p>
-        </p:txBody>
-      </p:sp>
-      <p:pic>
-        <p:nvPicPr>
-          <p:cNvPr id="4" name="Grafik 3">
-            <a:extLst>
-              <a:ext uri="{FF2B5EF4-FFF2-40B4-BE49-F238E27FC236}">
-                <a16:creationId xmlns:a16="http://schemas.microsoft.com/office/drawing/2014/main" id="{3B957FC7-1AC6-464F-91DD-2171BBC36BA5}"/>
-              </a:ext>
-            </a:extLst>
-          </p:cNvPr>
-          <p:cNvPicPr>
-            <a:picLocks noChangeAspect="1"/>
-          </p:cNvPicPr>
-          <p:nvPr/>
-        </p:nvPicPr>
-        <p:blipFill rotWithShape="1">
-          <a:blip r:embed="rId2">
-            <a:extLst>
-              <a:ext uri="{28A0092B-C50C-407E-A947-70E740481C1C}">
-                <a14:useLocalDpi xmlns:a14="http://schemas.microsoft.com/office/drawing/2010/main" val="0"/>
-              </a:ext>
-            </a:extLst>
-          </a:blip>
-          <a:srcRect t="6030" r="68289" b="26033"/>
-          <a:stretch/>
-        </p:blipFill>
-        <p:spPr>
-          <a:xfrm>
-            <a:off x="4879921" y="375425"/>
-            <a:ext cx="5451195" cy="6107150"/>
-          </a:xfrm>
-          <a:prstGeom prst="rect">
-            <a:avLst/>
-          </a:prstGeom>
-          <a:ln w="38100">
-            <a:solidFill>
-              <a:schemeClr val="tx1"/>
-            </a:solidFill>
-          </a:ln>
-        </p:spPr>
-      </p:pic>
-    </p:spTree>
-    <p:extLst>
-      <p:ext uri="{BB962C8B-B14F-4D97-AF65-F5344CB8AC3E}">
-        <p14:creationId xmlns:p14="http://schemas.microsoft.com/office/powerpoint/2010/main" val="206274602"/>
-      </p:ext>
-    </p:extLst>
-  </p:cSld>
-  <p:clrMapOvr>
-    <a:masterClrMapping/>
-  </p:clrMapOvr>
-  <mc:AlternateContent xmlns:mc="http://schemas.openxmlformats.org/markup-compatibility/2006">
-    <mc:Choice xmlns:p14="http://schemas.microsoft.com/office/powerpoint/2010/main" Requires="p14">
-      <p:transition spd="slow" p14:dur="1200" advTm="10000">
-        <p14:prism/>
-      </p:transition>
-    </mc:Choice>
-    <mc:Fallback>
-      <p:transition spd="slow" advTm="10000">
+      <p:transition spd="slow">
         <p:fade/>
       </p:transition>
     </mc:Fallback>

--- a/Planung/Praesentationen/Praesentation_Firmentag.pptx
+++ b/Planung/Praesentationen/Praesentation_Firmentag.pptx
@@ -2820,7 +2820,7 @@
           <a:p>
             <a:fld id="{6C12F6B1-6786-4E64-B681-F379C9A54FC0}" type="datetimeFigureOut">
               <a:rPr lang="de-AT" smtClean="0"/>
-              <a:t>31.03.2018</a:t>
+              <a:t>04.04.2018</a:t>
             </a:fld>
             <a:endParaRPr lang="de-AT"/>
           </a:p>
@@ -3536,7 +3536,7 @@
           <a:p>
             <a:fld id="{83C286D2-5717-406C-AD4B-C4A69D5338FB}" type="datetimeFigureOut">
               <a:rPr lang="de-AT" smtClean="0"/>
-              <a:t>31.03.2018</a:t>
+              <a:t>04.04.2018</a:t>
             </a:fld>
             <a:endParaRPr lang="de-AT"/>
           </a:p>
@@ -3594,6 +3594,18 @@
   <p:clrMapOvr>
     <a:masterClrMapping/>
   </p:clrMapOvr>
+  <mc:AlternateContent xmlns:mc="http://schemas.openxmlformats.org/markup-compatibility/2006">
+    <mc:Choice xmlns:p14="http://schemas.microsoft.com/office/powerpoint/2010/main" Requires="p14">
+      <p:transition spd="slow" p14:dur="1200">
+        <p14:prism/>
+      </p:transition>
+    </mc:Choice>
+    <mc:Fallback>
+      <p:transition spd="slow">
+        <p:fade/>
+      </p:transition>
+    </mc:Fallback>
+  </mc:AlternateContent>
 </p:sldLayout>
 </file>
 
@@ -3706,7 +3718,7 @@
           <a:p>
             <a:fld id="{83C286D2-5717-406C-AD4B-C4A69D5338FB}" type="datetimeFigureOut">
               <a:rPr lang="de-AT" smtClean="0"/>
-              <a:t>31.03.2018</a:t>
+              <a:t>04.04.2018</a:t>
             </a:fld>
             <a:endParaRPr lang="de-AT"/>
           </a:p>
@@ -3764,6 +3776,18 @@
   <p:clrMapOvr>
     <a:masterClrMapping/>
   </p:clrMapOvr>
+  <mc:AlternateContent xmlns:mc="http://schemas.openxmlformats.org/markup-compatibility/2006">
+    <mc:Choice xmlns:p14="http://schemas.microsoft.com/office/powerpoint/2010/main" Requires="p14">
+      <p:transition spd="slow" p14:dur="1200">
+        <p14:prism/>
+      </p:transition>
+    </mc:Choice>
+    <mc:Fallback>
+      <p:transition spd="slow">
+        <p:fade/>
+      </p:transition>
+    </mc:Fallback>
+  </mc:AlternateContent>
 </p:sldLayout>
 </file>
 
@@ -3886,7 +3910,7 @@
           <a:p>
             <a:fld id="{83C286D2-5717-406C-AD4B-C4A69D5338FB}" type="datetimeFigureOut">
               <a:rPr lang="de-AT" smtClean="0"/>
-              <a:t>31.03.2018</a:t>
+              <a:t>04.04.2018</a:t>
             </a:fld>
             <a:endParaRPr lang="de-AT"/>
           </a:p>
@@ -3944,6 +3968,18 @@
   <p:clrMapOvr>
     <a:masterClrMapping/>
   </p:clrMapOvr>
+  <mc:AlternateContent xmlns:mc="http://schemas.openxmlformats.org/markup-compatibility/2006">
+    <mc:Choice xmlns:p14="http://schemas.microsoft.com/office/powerpoint/2010/main" Requires="p14">
+      <p:transition spd="slow" p14:dur="1200">
+        <p14:prism/>
+      </p:transition>
+    </mc:Choice>
+    <mc:Fallback>
+      <p:transition spd="slow">
+        <p:fade/>
+      </p:transition>
+    </mc:Fallback>
+  </mc:AlternateContent>
 </p:sldLayout>
 </file>
 
@@ -4089,7 +4125,7 @@
           <a:p>
             <a:fld id="{83C286D2-5717-406C-AD4B-C4A69D5338FB}" type="datetimeFigureOut">
               <a:rPr lang="de-AT" smtClean="0"/>
-              <a:t>31.03.2018</a:t>
+              <a:t>04.04.2018</a:t>
             </a:fld>
             <a:endParaRPr lang="de-AT"/>
           </a:p>
@@ -4147,6 +4183,18 @@
   <p:clrMapOvr>
     <a:masterClrMapping/>
   </p:clrMapOvr>
+  <mc:AlternateContent xmlns:mc="http://schemas.openxmlformats.org/markup-compatibility/2006">
+    <mc:Choice xmlns:p14="http://schemas.microsoft.com/office/powerpoint/2010/main" Requires="p14">
+      <p:transition spd="slow" p14:dur="1200">
+        <p14:prism/>
+      </p:transition>
+    </mc:Choice>
+    <mc:Fallback>
+      <p:transition spd="slow">
+        <p:fade/>
+      </p:transition>
+    </mc:Fallback>
+  </mc:AlternateContent>
 </p:sldLayout>
 </file>
 
@@ -4259,7 +4307,7 @@
           <a:p>
             <a:fld id="{83C286D2-5717-406C-AD4B-C4A69D5338FB}" type="datetimeFigureOut">
               <a:rPr lang="de-AT" smtClean="0"/>
-              <a:t>31.03.2018</a:t>
+              <a:t>04.04.2018</a:t>
             </a:fld>
             <a:endParaRPr lang="de-AT"/>
           </a:p>
@@ -4317,6 +4365,18 @@
   <p:clrMapOvr>
     <a:masterClrMapping/>
   </p:clrMapOvr>
+  <mc:AlternateContent xmlns:mc="http://schemas.openxmlformats.org/markup-compatibility/2006">
+    <mc:Choice xmlns:p14="http://schemas.microsoft.com/office/powerpoint/2010/main" Requires="p14">
+      <p:transition spd="slow" p14:dur="1200">
+        <p14:prism/>
+      </p:transition>
+    </mc:Choice>
+    <mc:Fallback>
+      <p:transition spd="slow">
+        <p:fade/>
+      </p:transition>
+    </mc:Fallback>
+  </mc:AlternateContent>
 </p:sldLayout>
 </file>
 
@@ -4510,7 +4570,7 @@
           <a:p>
             <a:fld id="{83C286D2-5717-406C-AD4B-C4A69D5338FB}" type="datetimeFigureOut">
               <a:rPr lang="de-AT" smtClean="0"/>
-              <a:t>31.03.2018</a:t>
+              <a:t>04.04.2018</a:t>
             </a:fld>
             <a:endParaRPr lang="de-AT"/>
           </a:p>
@@ -4568,6 +4628,18 @@
   <p:clrMapOvr>
     <a:masterClrMapping/>
   </p:clrMapOvr>
+  <mc:AlternateContent xmlns:mc="http://schemas.openxmlformats.org/markup-compatibility/2006">
+    <mc:Choice xmlns:p14="http://schemas.microsoft.com/office/powerpoint/2010/main" Requires="p14">
+      <p:transition spd="slow" p14:dur="1200">
+        <p14:prism/>
+      </p:transition>
+    </mc:Choice>
+    <mc:Fallback>
+      <p:transition spd="slow">
+        <p:fade/>
+      </p:transition>
+    </mc:Fallback>
+  </mc:AlternateContent>
 </p:sldLayout>
 </file>
 
@@ -4742,7 +4814,7 @@
           <a:p>
             <a:fld id="{83C286D2-5717-406C-AD4B-C4A69D5338FB}" type="datetimeFigureOut">
               <a:rPr lang="de-AT" smtClean="0"/>
-              <a:t>31.03.2018</a:t>
+              <a:t>04.04.2018</a:t>
             </a:fld>
             <a:endParaRPr lang="de-AT"/>
           </a:p>
@@ -4800,6 +4872,18 @@
   <p:clrMapOvr>
     <a:masterClrMapping/>
   </p:clrMapOvr>
+  <mc:AlternateContent xmlns:mc="http://schemas.openxmlformats.org/markup-compatibility/2006">
+    <mc:Choice xmlns:p14="http://schemas.microsoft.com/office/powerpoint/2010/main" Requires="p14">
+      <p:transition spd="slow" p14:dur="1200">
+        <p14:prism/>
+      </p:transition>
+    </mc:Choice>
+    <mc:Fallback>
+      <p:transition spd="slow">
+        <p:fade/>
+      </p:transition>
+    </mc:Fallback>
+  </mc:AlternateContent>
 </p:sldLayout>
 </file>
 
@@ -5089,7 +5173,7 @@
           <a:p>
             <a:fld id="{83C286D2-5717-406C-AD4B-C4A69D5338FB}" type="datetimeFigureOut">
               <a:rPr lang="de-AT" smtClean="0"/>
-              <a:t>31.03.2018</a:t>
+              <a:t>04.04.2018</a:t>
             </a:fld>
             <a:endParaRPr lang="de-AT"/>
           </a:p>
@@ -5170,6 +5254,18 @@
   <p:clrMapOvr>
     <a:masterClrMapping/>
   </p:clrMapOvr>
+  <mc:AlternateContent xmlns:mc="http://schemas.openxmlformats.org/markup-compatibility/2006">
+    <mc:Choice xmlns:p14="http://schemas.microsoft.com/office/powerpoint/2010/main" Requires="p14">
+      <p:transition spd="slow" p14:dur="1200">
+        <p14:prism/>
+      </p:transition>
+    </mc:Choice>
+    <mc:Fallback>
+      <p:transition spd="slow">
+        <p:fade/>
+      </p:transition>
+    </mc:Fallback>
+  </mc:AlternateContent>
 </p:sldLayout>
 </file>
 
@@ -5207,7 +5303,7 @@
           <a:p>
             <a:fld id="{83C286D2-5717-406C-AD4B-C4A69D5338FB}" type="datetimeFigureOut">
               <a:rPr lang="de-AT" smtClean="0"/>
-              <a:t>31.03.2018</a:t>
+              <a:t>04.04.2018</a:t>
             </a:fld>
             <a:endParaRPr lang="de-AT"/>
           </a:p>
@@ -5288,6 +5384,18 @@
   <p:clrMapOvr>
     <a:masterClrMapping/>
   </p:clrMapOvr>
+  <mc:AlternateContent xmlns:mc="http://schemas.openxmlformats.org/markup-compatibility/2006">
+    <mc:Choice xmlns:p14="http://schemas.microsoft.com/office/powerpoint/2010/main" Requires="p14">
+      <p:transition spd="slow" p14:dur="1200">
+        <p14:prism/>
+      </p:transition>
+    </mc:Choice>
+    <mc:Fallback>
+      <p:transition spd="slow">
+        <p:fade/>
+      </p:transition>
+    </mc:Fallback>
+  </mc:AlternateContent>
 </p:sldLayout>
 </file>
 
@@ -5325,7 +5433,7 @@
           <a:p>
             <a:fld id="{83C286D2-5717-406C-AD4B-C4A69D5338FB}" type="datetimeFigureOut">
               <a:rPr lang="de-AT" smtClean="0"/>
-              <a:t>31.03.2018</a:t>
+              <a:t>04.04.2018</a:t>
             </a:fld>
             <a:endParaRPr lang="de-AT"/>
           </a:p>
@@ -5383,6 +5491,18 @@
   <p:clrMapOvr>
     <a:masterClrMapping/>
   </p:clrMapOvr>
+  <mc:AlternateContent xmlns:mc="http://schemas.openxmlformats.org/markup-compatibility/2006">
+    <mc:Choice xmlns:p14="http://schemas.microsoft.com/office/powerpoint/2010/main" Requires="p14">
+      <p:transition spd="slow" p14:dur="1200">
+        <p14:prism/>
+      </p:transition>
+    </mc:Choice>
+    <mc:Fallback>
+      <p:transition spd="slow">
+        <p:fade/>
+      </p:transition>
+    </mc:Fallback>
+  </mc:AlternateContent>
 </p:sldLayout>
 </file>
 
@@ -5609,7 +5729,7 @@
           <a:p>
             <a:fld id="{83C286D2-5717-406C-AD4B-C4A69D5338FB}" type="datetimeFigureOut">
               <a:rPr lang="de-AT" smtClean="0"/>
-              <a:t>31.03.2018</a:t>
+              <a:t>04.04.2018</a:t>
             </a:fld>
             <a:endParaRPr lang="de-AT"/>
           </a:p>
@@ -5667,6 +5787,18 @@
   <p:clrMapOvr>
     <a:masterClrMapping/>
   </p:clrMapOvr>
+  <mc:AlternateContent xmlns:mc="http://schemas.openxmlformats.org/markup-compatibility/2006">
+    <mc:Choice xmlns:p14="http://schemas.microsoft.com/office/powerpoint/2010/main" Requires="p14">
+      <p:transition spd="slow" p14:dur="1200">
+        <p14:prism/>
+      </p:transition>
+    </mc:Choice>
+    <mc:Fallback>
+      <p:transition spd="slow">
+        <p:fade/>
+      </p:transition>
+    </mc:Fallback>
+  </mc:AlternateContent>
 </p:sldLayout>
 </file>
 
@@ -5779,7 +5911,7 @@
           <a:p>
             <a:fld id="{83C286D2-5717-406C-AD4B-C4A69D5338FB}" type="datetimeFigureOut">
               <a:rPr lang="de-AT" smtClean="0"/>
-              <a:t>31.03.2018</a:t>
+              <a:t>04.04.2018</a:t>
             </a:fld>
             <a:endParaRPr lang="de-AT"/>
           </a:p>
@@ -5837,6 +5969,18 @@
   <p:clrMapOvr>
     <a:masterClrMapping/>
   </p:clrMapOvr>
+  <mc:AlternateContent xmlns:mc="http://schemas.openxmlformats.org/markup-compatibility/2006">
+    <mc:Choice xmlns:p14="http://schemas.microsoft.com/office/powerpoint/2010/main" Requires="p14">
+      <p:transition spd="slow" p14:dur="1200">
+        <p14:prism/>
+      </p:transition>
+    </mc:Choice>
+    <mc:Fallback>
+      <p:transition spd="slow">
+        <p:fade/>
+      </p:transition>
+    </mc:Fallback>
+  </mc:AlternateContent>
 </p:sldLayout>
 </file>
 
@@ -6043,7 +6187,7 @@
           <a:p>
             <a:fld id="{83C286D2-5717-406C-AD4B-C4A69D5338FB}" type="datetimeFigureOut">
               <a:rPr lang="de-AT" smtClean="0"/>
-              <a:t>31.03.2018</a:t>
+              <a:t>04.04.2018</a:t>
             </a:fld>
             <a:endParaRPr lang="de-AT"/>
           </a:p>
@@ -6101,6 +6245,18 @@
   <p:clrMapOvr>
     <a:masterClrMapping/>
   </p:clrMapOvr>
+  <mc:AlternateContent xmlns:mc="http://schemas.openxmlformats.org/markup-compatibility/2006">
+    <mc:Choice xmlns:p14="http://schemas.microsoft.com/office/powerpoint/2010/main" Requires="p14">
+      <p:transition spd="slow" p14:dur="1200">
+        <p14:prism/>
+      </p:transition>
+    </mc:Choice>
+    <mc:Fallback>
+      <p:transition spd="slow">
+        <p:fade/>
+      </p:transition>
+    </mc:Fallback>
+  </mc:AlternateContent>
 </p:sldLayout>
 </file>
 
@@ -6213,7 +6369,7 @@
           <a:p>
             <a:fld id="{83C286D2-5717-406C-AD4B-C4A69D5338FB}" type="datetimeFigureOut">
               <a:rPr lang="de-AT" smtClean="0"/>
-              <a:t>31.03.2018</a:t>
+              <a:t>04.04.2018</a:t>
             </a:fld>
             <a:endParaRPr lang="de-AT"/>
           </a:p>
@@ -6271,6 +6427,18 @@
   <p:clrMapOvr>
     <a:masterClrMapping/>
   </p:clrMapOvr>
+  <mc:AlternateContent xmlns:mc="http://schemas.openxmlformats.org/markup-compatibility/2006">
+    <mc:Choice xmlns:p14="http://schemas.microsoft.com/office/powerpoint/2010/main" Requires="p14">
+      <p:transition spd="slow" p14:dur="1200">
+        <p14:prism/>
+      </p:transition>
+    </mc:Choice>
+    <mc:Fallback>
+      <p:transition spd="slow">
+        <p:fade/>
+      </p:transition>
+    </mc:Fallback>
+  </mc:AlternateContent>
 </p:sldLayout>
 </file>
 
@@ -6393,7 +6561,7 @@
           <a:p>
             <a:fld id="{83C286D2-5717-406C-AD4B-C4A69D5338FB}" type="datetimeFigureOut">
               <a:rPr lang="de-AT" smtClean="0"/>
-              <a:t>31.03.2018</a:t>
+              <a:t>04.04.2018</a:t>
             </a:fld>
             <a:endParaRPr lang="de-AT"/>
           </a:p>
@@ -6451,6 +6619,18 @@
   <p:clrMapOvr>
     <a:masterClrMapping/>
   </p:clrMapOvr>
+  <mc:AlternateContent xmlns:mc="http://schemas.openxmlformats.org/markup-compatibility/2006">
+    <mc:Choice xmlns:p14="http://schemas.microsoft.com/office/powerpoint/2010/main" Requires="p14">
+      <p:transition spd="slow" p14:dur="1200">
+        <p14:prism/>
+      </p:transition>
+    </mc:Choice>
+    <mc:Fallback>
+      <p:transition spd="slow">
+        <p:fade/>
+      </p:transition>
+    </mc:Fallback>
+  </mc:AlternateContent>
 </p:sldLayout>
 </file>
 
@@ -6678,7 +6858,7 @@
           <a:p>
             <a:fld id="{83C286D2-5717-406C-AD4B-C4A69D5338FB}" type="datetimeFigureOut">
               <a:rPr lang="de-AT" smtClean="0"/>
-              <a:t>31.03.2018</a:t>
+              <a:t>04.04.2018</a:t>
             </a:fld>
             <a:endParaRPr lang="de-AT"/>
           </a:p>
@@ -6736,6 +6916,18 @@
   <p:clrMapOvr>
     <a:masterClrMapping/>
   </p:clrMapOvr>
+  <mc:AlternateContent xmlns:mc="http://schemas.openxmlformats.org/markup-compatibility/2006">
+    <mc:Choice xmlns:p14="http://schemas.microsoft.com/office/powerpoint/2010/main" Requires="p14">
+      <p:transition spd="slow" p14:dur="1200">
+        <p14:prism/>
+      </p:transition>
+    </mc:Choice>
+    <mc:Fallback>
+      <p:transition spd="slow">
+        <p:fade/>
+      </p:transition>
+    </mc:Fallback>
+  </mc:AlternateContent>
 </p:sldLayout>
 </file>
 
@@ -6848,7 +7040,7 @@
           <a:p>
             <a:fld id="{83C286D2-5717-406C-AD4B-C4A69D5338FB}" type="datetimeFigureOut">
               <a:rPr lang="de-AT" smtClean="0"/>
-              <a:t>31.03.2018</a:t>
+              <a:t>04.04.2018</a:t>
             </a:fld>
             <a:endParaRPr lang="de-AT"/>
           </a:p>
@@ -6906,6 +7098,18 @@
   <p:clrMapOvr>
     <a:masterClrMapping/>
   </p:clrMapOvr>
+  <mc:AlternateContent xmlns:mc="http://schemas.openxmlformats.org/markup-compatibility/2006">
+    <mc:Choice xmlns:p14="http://schemas.microsoft.com/office/powerpoint/2010/main" Requires="p14">
+      <p:transition spd="slow" p14:dur="1200">
+        <p14:prism/>
+      </p:transition>
+    </mc:Choice>
+    <mc:Fallback>
+      <p:transition spd="slow">
+        <p:fade/>
+      </p:transition>
+    </mc:Fallback>
+  </mc:AlternateContent>
 </p:sldLayout>
 </file>
 
@@ -7106,7 +7310,7 @@
           <a:p>
             <a:fld id="{83C286D2-5717-406C-AD4B-C4A69D5338FB}" type="datetimeFigureOut">
               <a:rPr lang="de-AT" smtClean="0"/>
-              <a:t>31.03.2018</a:t>
+              <a:t>04.04.2018</a:t>
             </a:fld>
             <a:endParaRPr lang="de-AT"/>
           </a:p>
@@ -7164,6 +7368,18 @@
   <p:clrMapOvr>
     <a:masterClrMapping/>
   </p:clrMapOvr>
+  <mc:AlternateContent xmlns:mc="http://schemas.openxmlformats.org/markup-compatibility/2006">
+    <mc:Choice xmlns:p14="http://schemas.microsoft.com/office/powerpoint/2010/main" Requires="p14">
+      <p:transition spd="slow" p14:dur="1200">
+        <p14:prism/>
+      </p:transition>
+    </mc:Choice>
+    <mc:Fallback>
+      <p:transition spd="slow">
+        <p:fade/>
+      </p:transition>
+    </mc:Fallback>
+  </mc:AlternateContent>
 </p:sldLayout>
 </file>
 
@@ -7394,7 +7610,7 @@
           <a:p>
             <a:fld id="{83C286D2-5717-406C-AD4B-C4A69D5338FB}" type="datetimeFigureOut">
               <a:rPr lang="de-AT" smtClean="0"/>
-              <a:t>31.03.2018</a:t>
+              <a:t>04.04.2018</a:t>
             </a:fld>
             <a:endParaRPr lang="de-AT"/>
           </a:p>
@@ -7452,6 +7668,18 @@
   <p:clrMapOvr>
     <a:masterClrMapping/>
   </p:clrMapOvr>
+  <mc:AlternateContent xmlns:mc="http://schemas.openxmlformats.org/markup-compatibility/2006">
+    <mc:Choice xmlns:p14="http://schemas.microsoft.com/office/powerpoint/2010/main" Requires="p14">
+      <p:transition spd="slow" p14:dur="1200">
+        <p14:prism/>
+      </p:transition>
+    </mc:Choice>
+    <mc:Fallback>
+      <p:transition spd="slow">
+        <p:fade/>
+      </p:transition>
+    </mc:Fallback>
+  </mc:AlternateContent>
 </p:sldLayout>
 </file>
 
@@ -7836,7 +8064,7 @@
           <a:p>
             <a:fld id="{83C286D2-5717-406C-AD4B-C4A69D5338FB}" type="datetimeFigureOut">
               <a:rPr lang="de-AT" smtClean="0"/>
-              <a:t>31.03.2018</a:t>
+              <a:t>04.04.2018</a:t>
             </a:fld>
             <a:endParaRPr lang="de-AT"/>
           </a:p>
@@ -7894,6 +8122,18 @@
   <p:clrMapOvr>
     <a:masterClrMapping/>
   </p:clrMapOvr>
+  <mc:AlternateContent xmlns:mc="http://schemas.openxmlformats.org/markup-compatibility/2006">
+    <mc:Choice xmlns:p14="http://schemas.microsoft.com/office/powerpoint/2010/main" Requires="p14">
+      <p:transition spd="slow" p14:dur="1200">
+        <p14:prism/>
+      </p:transition>
+    </mc:Choice>
+    <mc:Fallback>
+      <p:transition spd="slow">
+        <p:fade/>
+      </p:transition>
+    </mc:Fallback>
+  </mc:AlternateContent>
 </p:sldLayout>
 </file>
 
@@ -7954,7 +8194,7 @@
           <a:p>
             <a:fld id="{83C286D2-5717-406C-AD4B-C4A69D5338FB}" type="datetimeFigureOut">
               <a:rPr lang="de-AT" smtClean="0"/>
-              <a:t>31.03.2018</a:t>
+              <a:t>04.04.2018</a:t>
             </a:fld>
             <a:endParaRPr lang="de-AT"/>
           </a:p>
@@ -8012,6 +8252,18 @@
   <p:clrMapOvr>
     <a:masterClrMapping/>
   </p:clrMapOvr>
+  <mc:AlternateContent xmlns:mc="http://schemas.openxmlformats.org/markup-compatibility/2006">
+    <mc:Choice xmlns:p14="http://schemas.microsoft.com/office/powerpoint/2010/main" Requires="p14">
+      <p:transition spd="slow" p14:dur="1200">
+        <p14:prism/>
+      </p:transition>
+    </mc:Choice>
+    <mc:Fallback>
+      <p:transition spd="slow">
+        <p:fade/>
+      </p:transition>
+    </mc:Fallback>
+  </mc:AlternateContent>
 </p:sldLayout>
 </file>
 
@@ -8049,7 +8301,7 @@
           <a:p>
             <a:fld id="{83C286D2-5717-406C-AD4B-C4A69D5338FB}" type="datetimeFigureOut">
               <a:rPr lang="de-AT" smtClean="0"/>
-              <a:t>31.03.2018</a:t>
+              <a:t>04.04.2018</a:t>
             </a:fld>
             <a:endParaRPr lang="de-AT"/>
           </a:p>
@@ -8107,6 +8359,18 @@
   <p:clrMapOvr>
     <a:masterClrMapping/>
   </p:clrMapOvr>
+  <mc:AlternateContent xmlns:mc="http://schemas.openxmlformats.org/markup-compatibility/2006">
+    <mc:Choice xmlns:p14="http://schemas.microsoft.com/office/powerpoint/2010/main" Requires="p14">
+      <p:transition spd="slow" p14:dur="1200">
+        <p14:prism/>
+      </p:transition>
+    </mc:Choice>
+    <mc:Fallback>
+      <p:transition spd="slow">
+        <p:fade/>
+      </p:transition>
+    </mc:Fallback>
+  </mc:AlternateContent>
 </p:sldLayout>
 </file>
 
@@ -8300,7 +8564,7 @@
           <a:p>
             <a:fld id="{83C286D2-5717-406C-AD4B-C4A69D5338FB}" type="datetimeFigureOut">
               <a:rPr lang="de-AT" smtClean="0"/>
-              <a:t>31.03.2018</a:t>
+              <a:t>04.04.2018</a:t>
             </a:fld>
             <a:endParaRPr lang="de-AT"/>
           </a:p>
@@ -8358,6 +8622,18 @@
   <p:clrMapOvr>
     <a:masterClrMapping/>
   </p:clrMapOvr>
+  <mc:AlternateContent xmlns:mc="http://schemas.openxmlformats.org/markup-compatibility/2006">
+    <mc:Choice xmlns:p14="http://schemas.microsoft.com/office/powerpoint/2010/main" Requires="p14">
+      <p:transition spd="slow" p14:dur="1200">
+        <p14:prism/>
+      </p:transition>
+    </mc:Choice>
+    <mc:Fallback>
+      <p:transition spd="slow">
+        <p:fade/>
+      </p:transition>
+    </mc:Fallback>
+  </mc:AlternateContent>
 </p:sldLayout>
 </file>
 
@@ -8588,7 +8864,7 @@
           <a:p>
             <a:fld id="{83C286D2-5717-406C-AD4B-C4A69D5338FB}" type="datetimeFigureOut">
               <a:rPr lang="de-AT" smtClean="0"/>
-              <a:t>31.03.2018</a:t>
+              <a:t>04.04.2018</a:t>
             </a:fld>
             <a:endParaRPr lang="de-AT"/>
           </a:p>
@@ -8646,6 +8922,18 @@
   <p:clrMapOvr>
     <a:masterClrMapping/>
   </p:clrMapOvr>
+  <mc:AlternateContent xmlns:mc="http://schemas.openxmlformats.org/markup-compatibility/2006">
+    <mc:Choice xmlns:p14="http://schemas.microsoft.com/office/powerpoint/2010/main" Requires="p14">
+      <p:transition spd="slow" p14:dur="1200">
+        <p14:prism/>
+      </p:transition>
+    </mc:Choice>
+    <mc:Fallback>
+      <p:transition spd="slow">
+        <p:fade/>
+      </p:transition>
+    </mc:Fallback>
+  </mc:AlternateContent>
 </p:sldLayout>
 </file>
 
@@ -8861,7 +9149,7 @@
           <a:p>
             <a:fld id="{83C286D2-5717-406C-AD4B-C4A69D5338FB}" type="datetimeFigureOut">
               <a:rPr lang="de-AT" smtClean="0"/>
-              <a:t>31.03.2018</a:t>
+              <a:t>04.04.2018</a:t>
             </a:fld>
             <a:endParaRPr lang="de-AT"/>
           </a:p>
@@ -8924,6 +9212,18 @@
   <p:clrMapOvr>
     <a:masterClrMapping/>
   </p:clrMapOvr>
+  <mc:AlternateContent xmlns:mc="http://schemas.openxmlformats.org/markup-compatibility/2006">
+    <mc:Choice xmlns:p14="http://schemas.microsoft.com/office/powerpoint/2010/main" Requires="p14">
+      <p:transition spd="slow" p14:dur="1200">
+        <p14:prism/>
+      </p:transition>
+    </mc:Choice>
+    <mc:Fallback>
+      <p:transition spd="slow">
+        <p:fade/>
+      </p:transition>
+    </mc:Fallback>
+  </mc:AlternateContent>
 </p:sldLayout>
 </file>
 
@@ -9036,7 +9336,7 @@
           <a:p>
             <a:fld id="{83C286D2-5717-406C-AD4B-C4A69D5338FB}" type="datetimeFigureOut">
               <a:rPr lang="de-AT" smtClean="0"/>
-              <a:t>31.03.2018</a:t>
+              <a:t>04.04.2018</a:t>
             </a:fld>
             <a:endParaRPr lang="de-AT"/>
           </a:p>
@@ -9094,6 +9394,18 @@
   <p:clrMapOvr>
     <a:masterClrMapping/>
   </p:clrMapOvr>
+  <mc:AlternateContent xmlns:mc="http://schemas.openxmlformats.org/markup-compatibility/2006">
+    <mc:Choice xmlns:p14="http://schemas.microsoft.com/office/powerpoint/2010/main" Requires="p14">
+      <p:transition spd="slow" p14:dur="1200">
+        <p14:prism/>
+      </p:transition>
+    </mc:Choice>
+    <mc:Fallback>
+      <p:transition spd="slow">
+        <p:fade/>
+      </p:transition>
+    </mc:Fallback>
+  </mc:AlternateContent>
 </p:sldLayout>
 </file>
 
@@ -9216,7 +9528,7 @@
           <a:p>
             <a:fld id="{83C286D2-5717-406C-AD4B-C4A69D5338FB}" type="datetimeFigureOut">
               <a:rPr lang="de-AT" smtClean="0"/>
-              <a:t>31.03.2018</a:t>
+              <a:t>04.04.2018</a:t>
             </a:fld>
             <a:endParaRPr lang="de-AT"/>
           </a:p>
@@ -9274,6 +9586,18 @@
   <p:clrMapOvr>
     <a:masterClrMapping/>
   </p:clrMapOvr>
+  <mc:AlternateContent xmlns:mc="http://schemas.openxmlformats.org/markup-compatibility/2006">
+    <mc:Choice xmlns:p14="http://schemas.microsoft.com/office/powerpoint/2010/main" Requires="p14">
+      <p:transition spd="slow" p14:dur="1200">
+        <p14:prism/>
+      </p:transition>
+    </mc:Choice>
+    <mc:Fallback>
+      <p:transition spd="slow">
+        <p:fade/>
+      </p:transition>
+    </mc:Fallback>
+  </mc:AlternateContent>
 </p:sldLayout>
 </file>
 
@@ -9448,7 +9772,7 @@
           <a:p>
             <a:fld id="{83C286D2-5717-406C-AD4B-C4A69D5338FB}" type="datetimeFigureOut">
               <a:rPr lang="de-AT" smtClean="0"/>
-              <a:t>31.03.2018</a:t>
+              <a:t>04.04.2018</a:t>
             </a:fld>
             <a:endParaRPr lang="de-AT"/>
           </a:p>
@@ -9506,6 +9830,18 @@
   <p:clrMapOvr>
     <a:masterClrMapping/>
   </p:clrMapOvr>
+  <mc:AlternateContent xmlns:mc="http://schemas.openxmlformats.org/markup-compatibility/2006">
+    <mc:Choice xmlns:p14="http://schemas.microsoft.com/office/powerpoint/2010/main" Requires="p14">
+      <p:transition spd="slow" p14:dur="1200">
+        <p14:prism/>
+      </p:transition>
+    </mc:Choice>
+    <mc:Fallback>
+      <p:transition spd="slow">
+        <p:fade/>
+      </p:transition>
+    </mc:Fallback>
+  </mc:AlternateContent>
 </p:sldLayout>
 </file>
 
@@ -9795,7 +10131,7 @@
           <a:p>
             <a:fld id="{83C286D2-5717-406C-AD4B-C4A69D5338FB}" type="datetimeFigureOut">
               <a:rPr lang="de-AT" smtClean="0"/>
-              <a:t>31.03.2018</a:t>
+              <a:t>04.04.2018</a:t>
             </a:fld>
             <a:endParaRPr lang="de-AT"/>
           </a:p>
@@ -9876,6 +10212,18 @@
   <p:clrMapOvr>
     <a:masterClrMapping/>
   </p:clrMapOvr>
+  <mc:AlternateContent xmlns:mc="http://schemas.openxmlformats.org/markup-compatibility/2006">
+    <mc:Choice xmlns:p14="http://schemas.microsoft.com/office/powerpoint/2010/main" Requires="p14">
+      <p:transition spd="slow" p14:dur="1200">
+        <p14:prism/>
+      </p:transition>
+    </mc:Choice>
+    <mc:Fallback>
+      <p:transition spd="slow">
+        <p:fade/>
+      </p:transition>
+    </mc:Fallback>
+  </mc:AlternateContent>
 </p:sldLayout>
 </file>
 
@@ -9913,7 +10261,7 @@
           <a:p>
             <a:fld id="{83C286D2-5717-406C-AD4B-C4A69D5338FB}" type="datetimeFigureOut">
               <a:rPr lang="de-AT" smtClean="0"/>
-              <a:t>31.03.2018</a:t>
+              <a:t>04.04.2018</a:t>
             </a:fld>
             <a:endParaRPr lang="de-AT"/>
           </a:p>
@@ -9994,6 +10342,18 @@
   <p:clrMapOvr>
     <a:masterClrMapping/>
   </p:clrMapOvr>
+  <mc:AlternateContent xmlns:mc="http://schemas.openxmlformats.org/markup-compatibility/2006">
+    <mc:Choice xmlns:p14="http://schemas.microsoft.com/office/powerpoint/2010/main" Requires="p14">
+      <p:transition spd="slow" p14:dur="1200">
+        <p14:prism/>
+      </p:transition>
+    </mc:Choice>
+    <mc:Fallback>
+      <p:transition spd="slow">
+        <p:fade/>
+      </p:transition>
+    </mc:Fallback>
+  </mc:AlternateContent>
 </p:sldLayout>
 </file>
 
@@ -10031,7 +10391,7 @@
           <a:p>
             <a:fld id="{83C286D2-5717-406C-AD4B-C4A69D5338FB}" type="datetimeFigureOut">
               <a:rPr lang="de-AT" smtClean="0"/>
-              <a:t>31.03.2018</a:t>
+              <a:t>04.04.2018</a:t>
             </a:fld>
             <a:endParaRPr lang="de-AT"/>
           </a:p>
@@ -10089,6 +10449,18 @@
   <p:clrMapOvr>
     <a:masterClrMapping/>
   </p:clrMapOvr>
+  <mc:AlternateContent xmlns:mc="http://schemas.openxmlformats.org/markup-compatibility/2006">
+    <mc:Choice xmlns:p14="http://schemas.microsoft.com/office/powerpoint/2010/main" Requires="p14">
+      <p:transition spd="slow" p14:dur="1200">
+        <p14:prism/>
+      </p:transition>
+    </mc:Choice>
+    <mc:Fallback>
+      <p:transition spd="slow">
+        <p:fade/>
+      </p:transition>
+    </mc:Fallback>
+  </mc:AlternateContent>
 </p:sldLayout>
 </file>
 
@@ -10315,7 +10687,7 @@
           <a:p>
             <a:fld id="{83C286D2-5717-406C-AD4B-C4A69D5338FB}" type="datetimeFigureOut">
               <a:rPr lang="de-AT" smtClean="0"/>
-              <a:t>31.03.2018</a:t>
+              <a:t>04.04.2018</a:t>
             </a:fld>
             <a:endParaRPr lang="de-AT"/>
           </a:p>
@@ -10373,6 +10745,18 @@
   <p:clrMapOvr>
     <a:masterClrMapping/>
   </p:clrMapOvr>
+  <mc:AlternateContent xmlns:mc="http://schemas.openxmlformats.org/markup-compatibility/2006">
+    <mc:Choice xmlns:p14="http://schemas.microsoft.com/office/powerpoint/2010/main" Requires="p14">
+      <p:transition spd="slow" p14:dur="1200">
+        <p14:prism/>
+      </p:transition>
+    </mc:Choice>
+    <mc:Fallback>
+      <p:transition spd="slow">
+        <p:fade/>
+      </p:transition>
+    </mc:Fallback>
+  </mc:AlternateContent>
 </p:sldLayout>
 </file>
 
@@ -10579,7 +10963,7 @@
           <a:p>
             <a:fld id="{83C286D2-5717-406C-AD4B-C4A69D5338FB}" type="datetimeFigureOut">
               <a:rPr lang="de-AT" smtClean="0"/>
-              <a:t>31.03.2018</a:t>
+              <a:t>04.04.2018</a:t>
             </a:fld>
             <a:endParaRPr lang="de-AT"/>
           </a:p>
@@ -10637,6 +11021,18 @@
   <p:clrMapOvr>
     <a:masterClrMapping/>
   </p:clrMapOvr>
+  <mc:AlternateContent xmlns:mc="http://schemas.openxmlformats.org/markup-compatibility/2006">
+    <mc:Choice xmlns:p14="http://schemas.microsoft.com/office/powerpoint/2010/main" Requires="p14">
+      <p:transition spd="slow" p14:dur="1200">
+        <p14:prism/>
+      </p:transition>
+    </mc:Choice>
+    <mc:Fallback>
+      <p:transition spd="slow">
+        <p:fade/>
+      </p:transition>
+    </mc:Fallback>
+  </mc:AlternateContent>
 </p:sldLayout>
 </file>
 
@@ -10793,7 +11189,7 @@
           <a:p>
             <a:fld id="{83C286D2-5717-406C-AD4B-C4A69D5338FB}" type="datetimeFigureOut">
               <a:rPr lang="de-AT" smtClean="0"/>
-              <a:t>31.03.2018</a:t>
+              <a:t>04.04.2018</a:t>
             </a:fld>
             <a:endParaRPr lang="de-AT"/>
           </a:p>
@@ -10899,6 +11295,18 @@
     <p:sldLayoutId id="2147483706" r:id="rId10"/>
     <p:sldLayoutId id="2147483707" r:id="rId11"/>
   </p:sldLayoutIdLst>
+  <mc:AlternateContent xmlns:mc="http://schemas.openxmlformats.org/markup-compatibility/2006">
+    <mc:Choice xmlns:p14="http://schemas.microsoft.com/office/powerpoint/2010/main" Requires="p14">
+      <p:transition spd="slow" p14:dur="1200">
+        <p14:prism/>
+      </p:transition>
+    </mc:Choice>
+    <mc:Fallback>
+      <p:transition spd="slow">
+        <p:fade/>
+      </p:transition>
+    </mc:Fallback>
+  </mc:AlternateContent>
   <p:txStyles>
     <p:titleStyle>
       <a:lvl1pPr algn="l" defTabSz="914400" rtl="0" eaLnBrk="1" latinLnBrk="0" hangingPunct="1">
@@ -11167,7 +11575,7 @@
       </a:lvl9pPr>
     </p:otherStyle>
   </p:txStyles>
-  <p:extLst>
+  <p:extLst mod="1">
     <p:ext uri="{27BBF7A9-308A-43DC-89C8-2F10F3537804}">
       <p15:sldGuideLst xmlns:p15="http://schemas.microsoft.com/office/powerpoint/2012/main"/>
     </p:ext>
@@ -11328,7 +11736,7 @@
           <a:p>
             <a:fld id="{83C286D2-5717-406C-AD4B-C4A69D5338FB}" type="datetimeFigureOut">
               <a:rPr lang="de-AT" smtClean="0"/>
-              <a:t>31.03.2018</a:t>
+              <a:t>04.04.2018</a:t>
             </a:fld>
             <a:endParaRPr lang="de-AT"/>
           </a:p>
@@ -11434,6 +11842,18 @@
     <p:sldLayoutId id="2147483718" r:id="rId10"/>
     <p:sldLayoutId id="2147483719" r:id="rId11"/>
   </p:sldLayoutIdLst>
+  <mc:AlternateContent xmlns:mc="http://schemas.openxmlformats.org/markup-compatibility/2006">
+    <mc:Choice xmlns:p14="http://schemas.microsoft.com/office/powerpoint/2010/main" Requires="p14">
+      <p:transition spd="slow" p14:dur="1200">
+        <p14:prism/>
+      </p:transition>
+    </mc:Choice>
+    <mc:Fallback>
+      <p:transition spd="slow">
+        <p:fade/>
+      </p:transition>
+    </mc:Fallback>
+  </mc:AlternateContent>
   <p:txStyles>
     <p:titleStyle>
       <a:lvl1pPr algn="l" defTabSz="914400" rtl="0" eaLnBrk="1" latinLnBrk="0" hangingPunct="1">
@@ -11702,7 +12122,7 @@
       </a:lvl9pPr>
     </p:otherStyle>
   </p:txStyles>
-  <p:extLst>
+  <p:extLst mod="1">
     <p:ext uri="{27BBF7A9-308A-43DC-89C8-2F10F3537804}">
       <p15:sldGuideLst xmlns:p15="http://schemas.microsoft.com/office/powerpoint/2012/main"/>
     </p:ext>
@@ -11941,7 +12361,7 @@
           <a:p>
             <a:fld id="{83C286D2-5717-406C-AD4B-C4A69D5338FB}" type="datetimeFigureOut">
               <a:rPr lang="de-AT" smtClean="0"/>
-              <a:t>31.03.2018</a:t>
+              <a:t>04.04.2018</a:t>
             </a:fld>
             <a:endParaRPr lang="de-AT"/>
           </a:p>
@@ -12045,6 +12465,18 @@
     <p:sldLayoutId id="2147483730" r:id="rId10"/>
     <p:sldLayoutId id="2147483731" r:id="rId11"/>
   </p:sldLayoutIdLst>
+  <mc:AlternateContent xmlns:mc="http://schemas.openxmlformats.org/markup-compatibility/2006">
+    <mc:Choice xmlns:p14="http://schemas.microsoft.com/office/powerpoint/2010/main" Requires="p14">
+      <p:transition spd="slow" p14:dur="1200">
+        <p14:prism/>
+      </p:transition>
+    </mc:Choice>
+    <mc:Fallback>
+      <p:transition spd="slow">
+        <p:fade/>
+      </p:transition>
+    </mc:Fallback>
+  </mc:AlternateContent>
   <p:txStyles>
     <p:titleStyle>
       <a:lvl1pPr algn="l" defTabSz="914400" rtl="0" eaLnBrk="1" latinLnBrk="0" hangingPunct="1">
@@ -12403,7 +12835,7 @@
       </a:lvl9pPr>
     </p:otherStyle>
   </p:txStyles>
-  <p:extLst>
+  <p:extLst mod="1">
     <p:ext uri="{27BBF7A9-308A-43DC-89C8-2F10F3537804}">
       <p15:sldGuideLst xmlns:p15="http://schemas.microsoft.com/office/powerpoint/2012/main"/>
     </p:ext>
@@ -12548,12 +12980,12 @@
   </p:clrMapOvr>
   <mc:AlternateContent xmlns:mc="http://schemas.openxmlformats.org/markup-compatibility/2006">
     <mc:Choice xmlns:p14="http://schemas.microsoft.com/office/powerpoint/2010/main" Requires="p14">
-      <p:transition spd="slow" p14:dur="1200" advTm="10000">
+      <p:transition spd="slow" p14:dur="1200">
         <p14:prism/>
       </p:transition>
     </mc:Choice>
     <mc:Fallback>
-      <p:transition spd="slow" advTm="10000">
+      <p:transition spd="slow">
         <p:fade/>
       </p:transition>
     </mc:Fallback>
@@ -12683,12 +13115,12 @@
   </p:clrMapOvr>
   <mc:AlternateContent xmlns:mc="http://schemas.openxmlformats.org/markup-compatibility/2006">
     <mc:Choice xmlns:p14="http://schemas.microsoft.com/office/powerpoint/2010/main" Requires="p14">
-      <p:transition spd="slow" p14:dur="1200" advTm="10000">
+      <p:transition spd="slow" p14:dur="1200">
         <p14:prism/>
       </p:transition>
     </mc:Choice>
     <mc:Fallback>
-      <p:transition spd="slow" advTm="10000">
+      <p:transition spd="slow">
         <p:fade/>
       </p:transition>
     </mc:Fallback>
@@ -13001,12 +13433,12 @@
   </p:clrMapOvr>
   <mc:AlternateContent xmlns:mc="http://schemas.openxmlformats.org/markup-compatibility/2006">
     <mc:Choice xmlns:p14="http://schemas.microsoft.com/office/powerpoint/2010/main" Requires="p14">
-      <p:transition spd="slow" p14:dur="1200" advTm="10000">
+      <p:transition spd="slow" p14:dur="1200">
         <p14:prism/>
       </p:transition>
     </mc:Choice>
     <mc:Fallback>
-      <p:transition spd="slow" advTm="10000">
+      <p:transition spd="slow">
         <p:fade/>
       </p:transition>
     </mc:Fallback>
@@ -13305,12 +13737,12 @@
   </p:clrMapOvr>
   <mc:AlternateContent xmlns:mc="http://schemas.openxmlformats.org/markup-compatibility/2006">
     <mc:Choice xmlns:p14="http://schemas.microsoft.com/office/powerpoint/2010/main" Requires="p14">
-      <p:transition spd="slow" p14:dur="1200" advTm="10000">
+      <p:transition spd="slow" p14:dur="1200">
         <p14:prism/>
       </p:transition>
     </mc:Choice>
     <mc:Fallback>
-      <p:transition spd="slow" advTm="10000">
+      <p:transition spd="slow">
         <p:fade/>
       </p:transition>
     </mc:Fallback>
@@ -13411,12 +13843,12 @@
   </p:clrMapOvr>
   <mc:AlternateContent xmlns:mc="http://schemas.openxmlformats.org/markup-compatibility/2006">
     <mc:Choice xmlns:p14="http://schemas.microsoft.com/office/powerpoint/2010/main" Requires="p14">
-      <p:transition spd="slow" p14:dur="1200" advTm="10000">
+      <p:transition spd="slow" p14:dur="1200">
         <p14:prism/>
       </p:transition>
     </mc:Choice>
     <mc:Fallback>
-      <p:transition spd="slow" advTm="10000">
+      <p:transition spd="slow">
         <p:fade/>
       </p:transition>
     </mc:Fallback>
@@ -13521,12 +13953,12 @@
   </p:clrMapOvr>
   <mc:AlternateContent xmlns:mc="http://schemas.openxmlformats.org/markup-compatibility/2006">
     <mc:Choice xmlns:p14="http://schemas.microsoft.com/office/powerpoint/2010/main" Requires="p14">
-      <p:transition spd="slow" p14:dur="1200" advTm="10000">
+      <p:transition spd="slow" p14:dur="1200">
         <p14:prism/>
       </p:transition>
     </mc:Choice>
     <mc:Fallback>
-      <p:transition spd="slow" advTm="10000">
+      <p:transition spd="slow">
         <p:fade/>
       </p:transition>
     </mc:Fallback>
@@ -13677,12 +14109,12 @@
   </p:clrMapOvr>
   <mc:AlternateContent xmlns:mc="http://schemas.openxmlformats.org/markup-compatibility/2006">
     <mc:Choice xmlns:p14="http://schemas.microsoft.com/office/powerpoint/2010/main" Requires="p14">
-      <p:transition spd="slow" p14:dur="1200" advTm="10000">
+      <p:transition spd="slow" p14:dur="1200">
         <p14:prism/>
       </p:transition>
     </mc:Choice>
     <mc:Fallback>
-      <p:transition spd="slow" advTm="10000">
+      <p:transition spd="slow">
         <p:fade/>
       </p:transition>
     </mc:Fallback>
@@ -13909,12 +14341,12 @@
   </p:clrMapOvr>
   <mc:AlternateContent xmlns:mc="http://schemas.openxmlformats.org/markup-compatibility/2006">
     <mc:Choice xmlns:p14="http://schemas.microsoft.com/office/powerpoint/2010/main" Requires="p14">
-      <p:transition spd="slow" p14:dur="1200" advTm="10000">
+      <p:transition spd="slow" p14:dur="1200">
         <p14:prism/>
       </p:transition>
     </mc:Choice>
     <mc:Fallback>
-      <p:transition spd="slow" advTm="10000">
+      <p:transition spd="slow">
         <p:fade/>
       </p:transition>
     </mc:Fallback>
@@ -14004,12 +14436,12 @@
   </p:clrMapOvr>
   <mc:AlternateContent xmlns:mc="http://schemas.openxmlformats.org/markup-compatibility/2006">
     <mc:Choice xmlns:p14="http://schemas.microsoft.com/office/powerpoint/2010/main" Requires="p14">
-      <p:transition spd="slow" p14:dur="1200" advTm="10000">
+      <p:transition spd="slow" p14:dur="1200">
         <p14:prism/>
       </p:transition>
     </mc:Choice>
     <mc:Fallback>
-      <p:transition spd="slow" advTm="10000">
+      <p:transition spd="slow">
         <p:fade/>
       </p:transition>
     </mc:Fallback>
@@ -14114,12 +14546,12 @@
   </p:clrMapOvr>
   <mc:AlternateContent xmlns:mc="http://schemas.openxmlformats.org/markup-compatibility/2006">
     <mc:Choice xmlns:p14="http://schemas.microsoft.com/office/powerpoint/2010/main" Requires="p14">
-      <p:transition spd="slow" p14:dur="1200" advTm="10000">
+      <p:transition spd="slow" p14:dur="1200">
         <p14:prism/>
       </p:transition>
     </mc:Choice>
     <mc:Fallback>
-      <p:transition spd="slow" advTm="10000">
+      <p:transition spd="slow">
         <p:fade/>
       </p:transition>
     </mc:Fallback>

--- a/Planung/Praesentationen/Praesentation_Firmentag.pptx
+++ b/Planung/Praesentationen/Praesentation_Firmentag.pptx
@@ -1942,11 +1942,14 @@
         <a:lstStyle/>
         <a:p>
           <a:r>
-            <a:rPr lang="de-AT" dirty="0">
+            <a:rPr lang="de-AT">
               <a:latin typeface="raleway"/>
             </a:rPr>
-            <a:t>Registration</a:t>
+            <a:t>Registrierung</a:t>
           </a:r>
+          <a:endParaRPr lang="de-AT" dirty="0">
+            <a:latin typeface="raleway"/>
+          </a:endParaRPr>
         </a:p>
       </dgm:t>
     </dgm:pt>
@@ -2586,11 +2589,14 @@
             <a:buNone/>
           </a:pPr>
           <a:r>
-            <a:rPr lang="de-AT" sz="2300" kern="1200" dirty="0">
+            <a:rPr lang="de-AT" sz="2300" kern="1200">
               <a:latin typeface="raleway"/>
             </a:rPr>
-            <a:t>Registration</a:t>
+            <a:t>Registrierung</a:t>
           </a:r>
+          <a:endParaRPr lang="de-AT" sz="2300" kern="1200" dirty="0">
+            <a:latin typeface="raleway"/>
+          </a:endParaRPr>
         </a:p>
       </dsp:txBody>
       <dsp:txXfrm>
@@ -5335,7 +5341,7 @@
           <a:p>
             <a:fld id="{6C12F6B1-6786-4E64-B681-F379C9A54FC0}" type="datetimeFigureOut">
               <a:rPr lang="de-AT" smtClean="0"/>
-              <a:t>10.05.2018</a:t>
+              <a:t>12.05.2018</a:t>
             </a:fld>
             <a:endParaRPr lang="de-AT"/>
           </a:p>
@@ -5771,6 +5777,93 @@
           <a:lstStyle/>
           <a:p>
             <a:r>
+              <a:rPr lang="de-AT" dirty="0"/>
+              <a:t>Maximal 1 Folie mit Projektteam und Auftraggeber!</a:t>
+            </a:r>
+          </a:p>
+        </p:txBody>
+      </p:sp>
+      <p:sp>
+        <p:nvSpPr>
+          <p:cNvPr id="4" name="Foliennummernplatzhalter 3"/>
+          <p:cNvSpPr>
+            <a:spLocks noGrp="1"/>
+          </p:cNvSpPr>
+          <p:nvPr>
+            <p:ph type="sldNum" sz="quarter" idx="10"/>
+          </p:nvPr>
+        </p:nvSpPr>
+        <p:spPr/>
+        <p:txBody>
+          <a:bodyPr/>
+          <a:lstStyle/>
+          <a:p>
+            <a:fld id="{B7AC7242-7699-4B54-8BDA-8FADE3A1DDAA}" type="slidenum">
+              <a:rPr lang="de-AT" smtClean="0"/>
+              <a:t>3</a:t>
+            </a:fld>
+            <a:endParaRPr lang="de-AT"/>
+          </a:p>
+        </p:txBody>
+      </p:sp>
+    </p:spTree>
+    <p:extLst>
+      <p:ext uri="{BB962C8B-B14F-4D97-AF65-F5344CB8AC3E}">
+        <p14:creationId xmlns:p14="http://schemas.microsoft.com/office/powerpoint/2010/main" val="3538466089"/>
+      </p:ext>
+    </p:extLst>
+  </p:cSld>
+  <p:clrMapOvr>
+    <a:masterClrMapping/>
+  </p:clrMapOvr>
+</p:notes>
+</file>
+
+<file path=ppt/notesSlides/notesSlide3.xml><?xml version="1.0" encoding="utf-8"?>
+<p:notes xmlns:a="http://schemas.openxmlformats.org/drawingml/2006/main" xmlns:r="http://schemas.openxmlformats.org/officeDocument/2006/relationships" xmlns:p="http://schemas.openxmlformats.org/presentationml/2006/main">
+  <p:cSld>
+    <p:spTree>
+      <p:nvGrpSpPr>
+        <p:cNvPr id="1" name=""/>
+        <p:cNvGrpSpPr/>
+        <p:nvPr/>
+      </p:nvGrpSpPr>
+      <p:grpSpPr>
+        <a:xfrm>
+          <a:off x="0" y="0"/>
+          <a:ext cx="0" cy="0"/>
+          <a:chOff x="0" y="0"/>
+          <a:chExt cx="0" cy="0"/>
+        </a:xfrm>
+      </p:grpSpPr>
+      <p:sp>
+        <p:nvSpPr>
+          <p:cNvPr id="2" name="Folienbildplatzhalter 1"/>
+          <p:cNvSpPr>
+            <a:spLocks noGrp="1" noRot="1" noChangeAspect="1"/>
+          </p:cNvSpPr>
+          <p:nvPr>
+            <p:ph type="sldImg"/>
+          </p:nvPr>
+        </p:nvSpPr>
+        <p:spPr/>
+      </p:sp>
+      <p:sp>
+        <p:nvSpPr>
+          <p:cNvPr id="3" name="Notizenplatzhalter 2"/>
+          <p:cNvSpPr>
+            <a:spLocks noGrp="1"/>
+          </p:cNvSpPr>
+          <p:nvPr>
+            <p:ph type="body" idx="1"/>
+          </p:nvPr>
+        </p:nvSpPr>
+        <p:spPr/>
+        <p:txBody>
+          <a:bodyPr/>
+          <a:lstStyle/>
+          <a:p>
+            <a:r>
               <a:rPr lang="de-AT" sz="1200" dirty="0"/>
               <a:t>Übersicht über den Energieverbrauch: Einfach und doch umfangreich!</a:t>
             </a:r>
@@ -5825,7 +5918,7 @@
 </p:notes>
 </file>
 
-<file path=ppt/notesSlides/notesSlide3.xml><?xml version="1.0" encoding="utf-8"?>
+<file path=ppt/notesSlides/notesSlide4.xml><?xml version="1.0" encoding="utf-8"?>
 <p:notes xmlns:a="http://schemas.openxmlformats.org/drawingml/2006/main" xmlns:r="http://schemas.openxmlformats.org/officeDocument/2006/relationships" xmlns:p="http://schemas.openxmlformats.org/presentationml/2006/main">
   <p:cSld>
     <p:spTree>
@@ -6210,12 +6303,12 @@
   </p:clrMapOvr>
   <mc:AlternateContent xmlns:mc="http://schemas.openxmlformats.org/markup-compatibility/2006">
     <mc:Choice xmlns:p15="http://schemas.microsoft.com/office/powerpoint/2012/main" Requires="p15">
-      <p:transition xmlns:p14="http://schemas.microsoft.com/office/powerpoint/2010/main" spd="slow" p14:dur="1250">
+      <p:transition xmlns:p14="http://schemas.microsoft.com/office/powerpoint/2010/main" spd="slow" p14:dur="1250" advTm="8000">
         <p15:prstTrans prst="peelOff"/>
       </p:transition>
     </mc:Choice>
     <mc:Fallback>
-      <p:transition spd="slow">
+      <p:transition spd="slow" advTm="8000">
         <p:fade/>
       </p:transition>
     </mc:Fallback>
@@ -6340,7 +6433,7 @@
           <a:p>
             <a:fld id="{83C286D2-5717-406C-AD4B-C4A69D5338FB}" type="datetimeFigureOut">
               <a:rPr lang="de-AT" smtClean="0"/>
-              <a:t>10.05.2018</a:t>
+              <a:t>12.05.2018</a:t>
             </a:fld>
             <a:endParaRPr lang="de-AT"/>
           </a:p>
@@ -6416,12 +6509,12 @@
   </p:clrMapOvr>
   <mc:AlternateContent xmlns:mc="http://schemas.openxmlformats.org/markup-compatibility/2006">
     <mc:Choice xmlns:p15="http://schemas.microsoft.com/office/powerpoint/2012/main" Requires="p15">
-      <p:transition xmlns:p14="http://schemas.microsoft.com/office/powerpoint/2010/main" spd="slow" p14:dur="1250">
+      <p:transition xmlns:p14="http://schemas.microsoft.com/office/powerpoint/2010/main" spd="slow" p14:dur="1250" advTm="8000">
         <p15:prstTrans prst="peelOff"/>
       </p:transition>
     </mc:Choice>
     <mc:Fallback>
-      <p:transition spd="slow">
+      <p:transition spd="slow" advTm="8000">
         <p:fade/>
       </p:transition>
     </mc:Fallback>
@@ -6556,7 +6649,7 @@
           <a:p>
             <a:fld id="{83C286D2-5717-406C-AD4B-C4A69D5338FB}" type="datetimeFigureOut">
               <a:rPr lang="de-AT" smtClean="0"/>
-              <a:t>10.05.2018</a:t>
+              <a:t>12.05.2018</a:t>
             </a:fld>
             <a:endParaRPr lang="de-AT"/>
           </a:p>
@@ -6632,12 +6725,12 @@
   </p:clrMapOvr>
   <mc:AlternateContent xmlns:mc="http://schemas.openxmlformats.org/markup-compatibility/2006">
     <mc:Choice xmlns:p15="http://schemas.microsoft.com/office/powerpoint/2012/main" Requires="p15">
-      <p:transition xmlns:p14="http://schemas.microsoft.com/office/powerpoint/2010/main" spd="slow" p14:dur="1250">
+      <p:transition xmlns:p14="http://schemas.microsoft.com/office/powerpoint/2010/main" spd="slow" p14:dur="1250" advTm="8000">
         <p15:prstTrans prst="peelOff"/>
       </p:transition>
     </mc:Choice>
     <mc:Fallback>
-      <p:transition spd="slow">
+      <p:transition spd="slow" advTm="8000">
         <p:fade/>
       </p:transition>
     </mc:Fallback>
@@ -6795,7 +6888,7 @@
           <a:p>
             <a:fld id="{83C286D2-5717-406C-AD4B-C4A69D5338FB}" type="datetimeFigureOut">
               <a:rPr lang="de-AT" smtClean="0"/>
-              <a:t>10.05.2018</a:t>
+              <a:t>12.05.2018</a:t>
             </a:fld>
             <a:endParaRPr lang="de-AT"/>
           </a:p>
@@ -6871,12 +6964,12 @@
   </p:clrMapOvr>
   <mc:AlternateContent xmlns:mc="http://schemas.openxmlformats.org/markup-compatibility/2006">
     <mc:Choice xmlns:p15="http://schemas.microsoft.com/office/powerpoint/2012/main" Requires="p15">
-      <p:transition xmlns:p14="http://schemas.microsoft.com/office/powerpoint/2010/main" spd="slow" p14:dur="1250">
+      <p:transition xmlns:p14="http://schemas.microsoft.com/office/powerpoint/2010/main" spd="slow" p14:dur="1250" advTm="8000">
         <p15:prstTrans prst="peelOff"/>
       </p:transition>
     </mc:Choice>
     <mc:Fallback>
-      <p:transition spd="slow">
+      <p:transition spd="slow" advTm="8000">
         <p:fade/>
       </p:transition>
     </mc:Fallback>
@@ -7026,7 +7119,7 @@
           <a:p>
             <a:fld id="{83C286D2-5717-406C-AD4B-C4A69D5338FB}" type="datetimeFigureOut">
               <a:rPr lang="de-AT" smtClean="0"/>
-              <a:t>10.05.2018</a:t>
+              <a:t>12.05.2018</a:t>
             </a:fld>
             <a:endParaRPr lang="de-AT"/>
           </a:p>
@@ -7086,12 +7179,12 @@
   </p:clrMapOvr>
   <mc:AlternateContent xmlns:mc="http://schemas.openxmlformats.org/markup-compatibility/2006">
     <mc:Choice xmlns:p15="http://schemas.microsoft.com/office/powerpoint/2012/main" Requires="p15">
-      <p:transition xmlns:p14="http://schemas.microsoft.com/office/powerpoint/2010/main" spd="slow" p14:dur="1250">
+      <p:transition xmlns:p14="http://schemas.microsoft.com/office/powerpoint/2010/main" spd="slow" p14:dur="1250" advTm="8000">
         <p15:prstTrans prst="peelOff"/>
       </p:transition>
     </mc:Choice>
     <mc:Fallback>
-      <p:transition spd="slow">
+      <p:transition spd="slow" advTm="8000">
         <p:fade/>
       </p:transition>
     </mc:Fallback>
@@ -7208,7 +7301,7 @@
           <a:p>
             <a:fld id="{83C286D2-5717-406C-AD4B-C4A69D5338FB}" type="datetimeFigureOut">
               <a:rPr lang="de-AT" smtClean="0"/>
-              <a:t>10.05.2018</a:t>
+              <a:t>12.05.2018</a:t>
             </a:fld>
             <a:endParaRPr lang="de-AT"/>
           </a:p>
@@ -7268,12 +7361,12 @@
   </p:clrMapOvr>
   <mc:AlternateContent xmlns:mc="http://schemas.openxmlformats.org/markup-compatibility/2006">
     <mc:Choice xmlns:p15="http://schemas.microsoft.com/office/powerpoint/2012/main" Requires="p15">
-      <p:transition xmlns:p14="http://schemas.microsoft.com/office/powerpoint/2010/main" spd="slow" p14:dur="1250">
+      <p:transition xmlns:p14="http://schemas.microsoft.com/office/powerpoint/2010/main" spd="slow" p14:dur="1250" advTm="8000">
         <p15:prstTrans prst="peelOff"/>
       </p:transition>
     </mc:Choice>
     <mc:Fallback>
-      <p:transition spd="slow">
+      <p:transition spd="slow" advTm="8000">
         <p:fade/>
       </p:transition>
     </mc:Fallback>
@@ -7471,7 +7564,7 @@
           <a:p>
             <a:fld id="{83C286D2-5717-406C-AD4B-C4A69D5338FB}" type="datetimeFigureOut">
               <a:rPr lang="de-AT" smtClean="0"/>
-              <a:t>10.05.2018</a:t>
+              <a:t>12.05.2018</a:t>
             </a:fld>
             <a:endParaRPr lang="de-AT"/>
           </a:p>
@@ -7531,12 +7624,12 @@
   </p:clrMapOvr>
   <mc:AlternateContent xmlns:mc="http://schemas.openxmlformats.org/markup-compatibility/2006">
     <mc:Choice xmlns:p15="http://schemas.microsoft.com/office/powerpoint/2012/main" Requires="p15">
-      <p:transition xmlns:p14="http://schemas.microsoft.com/office/powerpoint/2010/main" spd="slow" p14:dur="1250">
+      <p:transition xmlns:p14="http://schemas.microsoft.com/office/powerpoint/2010/main" spd="slow" p14:dur="1250" advTm="8000">
         <p15:prstTrans prst="peelOff"/>
       </p:transition>
     </mc:Choice>
     <mc:Fallback>
-      <p:transition spd="slow">
+      <p:transition spd="slow" advTm="8000">
         <p:fade/>
       </p:transition>
     </mc:Fallback>
@@ -7715,7 +7808,7 @@
           <a:p>
             <a:fld id="{83C286D2-5717-406C-AD4B-C4A69D5338FB}" type="datetimeFigureOut">
               <a:rPr lang="de-AT" smtClean="0"/>
-              <a:t>10.05.2018</a:t>
+              <a:t>12.05.2018</a:t>
             </a:fld>
             <a:endParaRPr lang="de-AT"/>
           </a:p>
@@ -7775,12 +7868,12 @@
   </p:clrMapOvr>
   <mc:AlternateContent xmlns:mc="http://schemas.openxmlformats.org/markup-compatibility/2006">
     <mc:Choice xmlns:p15="http://schemas.microsoft.com/office/powerpoint/2012/main" Requires="p15">
-      <p:transition xmlns:p14="http://schemas.microsoft.com/office/powerpoint/2010/main" spd="slow" p14:dur="1250">
+      <p:transition xmlns:p14="http://schemas.microsoft.com/office/powerpoint/2010/main" spd="slow" p14:dur="1250" advTm="8000">
         <p15:prstTrans prst="peelOff"/>
       </p:transition>
     </mc:Choice>
     <mc:Fallback>
-      <p:transition spd="slow">
+      <p:transition spd="slow" advTm="8000">
         <p:fade/>
       </p:transition>
     </mc:Fallback>
@@ -8074,7 +8167,7 @@
           <a:p>
             <a:fld id="{83C286D2-5717-406C-AD4B-C4A69D5338FB}" type="datetimeFigureOut">
               <a:rPr lang="de-AT" smtClean="0"/>
-              <a:t>10.05.2018</a:t>
+              <a:t>12.05.2018</a:t>
             </a:fld>
             <a:endParaRPr lang="de-AT"/>
           </a:p>
@@ -8157,12 +8250,12 @@
   </p:clrMapOvr>
   <mc:AlternateContent xmlns:mc="http://schemas.openxmlformats.org/markup-compatibility/2006">
     <mc:Choice xmlns:p15="http://schemas.microsoft.com/office/powerpoint/2012/main" Requires="p15">
-      <p:transition xmlns:p14="http://schemas.microsoft.com/office/powerpoint/2010/main" spd="slow" p14:dur="1250">
+      <p:transition xmlns:p14="http://schemas.microsoft.com/office/powerpoint/2010/main" spd="slow" p14:dur="1250" advTm="8000">
         <p15:prstTrans prst="peelOff"/>
       </p:transition>
     </mc:Choice>
     <mc:Fallback>
-      <p:transition spd="slow">
+      <p:transition spd="slow" advTm="8000">
         <p:fade/>
       </p:transition>
     </mc:Fallback>
@@ -8204,7 +8297,7 @@
           <a:p>
             <a:fld id="{83C286D2-5717-406C-AD4B-C4A69D5338FB}" type="datetimeFigureOut">
               <a:rPr lang="de-AT" smtClean="0"/>
-              <a:t>10.05.2018</a:t>
+              <a:t>12.05.2018</a:t>
             </a:fld>
             <a:endParaRPr lang="de-AT"/>
           </a:p>
@@ -8287,12 +8380,12 @@
   </p:clrMapOvr>
   <mc:AlternateContent xmlns:mc="http://schemas.openxmlformats.org/markup-compatibility/2006">
     <mc:Choice xmlns:p15="http://schemas.microsoft.com/office/powerpoint/2012/main" Requires="p15">
-      <p:transition xmlns:p14="http://schemas.microsoft.com/office/powerpoint/2010/main" spd="slow" p14:dur="1250">
+      <p:transition xmlns:p14="http://schemas.microsoft.com/office/powerpoint/2010/main" spd="slow" p14:dur="1250" advTm="8000">
         <p15:prstTrans prst="peelOff"/>
       </p:transition>
     </mc:Choice>
     <mc:Fallback>
-      <p:transition spd="slow">
+      <p:transition spd="slow" advTm="8000">
         <p:fade/>
       </p:transition>
     </mc:Fallback>
@@ -8334,7 +8427,7 @@
           <a:p>
             <a:fld id="{83C286D2-5717-406C-AD4B-C4A69D5338FB}" type="datetimeFigureOut">
               <a:rPr lang="de-AT" smtClean="0"/>
-              <a:t>10.05.2018</a:t>
+              <a:t>12.05.2018</a:t>
             </a:fld>
             <a:endParaRPr lang="de-AT"/>
           </a:p>
@@ -8394,12 +8487,12 @@
   </p:clrMapOvr>
   <mc:AlternateContent xmlns:mc="http://schemas.openxmlformats.org/markup-compatibility/2006">
     <mc:Choice xmlns:p15="http://schemas.microsoft.com/office/powerpoint/2012/main" Requires="p15">
-      <p:transition xmlns:p14="http://schemas.microsoft.com/office/powerpoint/2010/main" spd="slow" p14:dur="1250">
+      <p:transition xmlns:p14="http://schemas.microsoft.com/office/powerpoint/2010/main" spd="slow" p14:dur="1250" advTm="8000">
         <p15:prstTrans prst="peelOff"/>
       </p:transition>
     </mc:Choice>
     <mc:Fallback>
-      <p:transition spd="slow">
+      <p:transition spd="slow" advTm="8000">
         <p:fade/>
       </p:transition>
     </mc:Fallback>
@@ -8440,7 +8533,7 @@
           <a:lstStyle/>
           <a:p>
             <a:r>
-              <a:rPr lang="de-DE"/>
+              <a:rPr lang="de-DE" dirty="0"/>
               <a:t>Mastertitelformat bearbeiten</a:t>
             </a:r>
             <a:endParaRPr lang="en-US" dirty="0"/>
@@ -8524,7 +8617,7 @@
           <a:p>
             <a:fld id="{83C286D2-5717-406C-AD4B-C4A69D5338FB}" type="datetimeFigureOut">
               <a:rPr lang="de-AT" smtClean="0"/>
-              <a:t>10.05.2018</a:t>
+              <a:t>12.05.2018</a:t>
             </a:fld>
             <a:endParaRPr lang="de-AT"/>
           </a:p>
@@ -8600,12 +8693,12 @@
   </p:clrMapOvr>
   <mc:AlternateContent xmlns:mc="http://schemas.openxmlformats.org/markup-compatibility/2006">
     <mc:Choice xmlns:p15="http://schemas.microsoft.com/office/powerpoint/2012/main" Requires="p15">
-      <p:transition xmlns:p14="http://schemas.microsoft.com/office/powerpoint/2010/main" spd="slow" p14:dur="1250">
+      <p:transition xmlns:p14="http://schemas.microsoft.com/office/powerpoint/2010/main" spd="slow" p14:dur="1250" advTm="8000">
         <p15:prstTrans prst="peelOff"/>
       </p:transition>
     </mc:Choice>
     <mc:Fallback>
-      <p:transition spd="slow">
+      <p:transition spd="slow" advTm="8000">
         <p:fade/>
       </p:transition>
     </mc:Fallback>
@@ -8836,7 +8929,7 @@
           <a:p>
             <a:fld id="{83C286D2-5717-406C-AD4B-C4A69D5338FB}" type="datetimeFigureOut">
               <a:rPr lang="de-AT" smtClean="0"/>
-              <a:t>10.05.2018</a:t>
+              <a:t>12.05.2018</a:t>
             </a:fld>
             <a:endParaRPr lang="de-AT"/>
           </a:p>
@@ -8896,12 +8989,12 @@
   </p:clrMapOvr>
   <mc:AlternateContent xmlns:mc="http://schemas.openxmlformats.org/markup-compatibility/2006">
     <mc:Choice xmlns:p15="http://schemas.microsoft.com/office/powerpoint/2012/main" Requires="p15">
-      <p:transition xmlns:p14="http://schemas.microsoft.com/office/powerpoint/2010/main" spd="slow" p14:dur="1250">
+      <p:transition xmlns:p14="http://schemas.microsoft.com/office/powerpoint/2010/main" spd="slow" p14:dur="1250" advTm="8000">
         <p15:prstTrans prst="peelOff"/>
       </p:transition>
     </mc:Choice>
     <mc:Fallback>
-      <p:transition spd="slow">
+      <p:transition spd="slow" advTm="8000">
         <p:fade/>
       </p:transition>
     </mc:Fallback>
@@ -9112,7 +9205,7 @@
           <a:p>
             <a:fld id="{83C286D2-5717-406C-AD4B-C4A69D5338FB}" type="datetimeFigureOut">
               <a:rPr lang="de-AT" smtClean="0"/>
-              <a:t>10.05.2018</a:t>
+              <a:t>12.05.2018</a:t>
             </a:fld>
             <a:endParaRPr lang="de-AT"/>
           </a:p>
@@ -9172,12 +9265,12 @@
   </p:clrMapOvr>
   <mc:AlternateContent xmlns:mc="http://schemas.openxmlformats.org/markup-compatibility/2006">
     <mc:Choice xmlns:p15="http://schemas.microsoft.com/office/powerpoint/2012/main" Requires="p15">
-      <p:transition xmlns:p14="http://schemas.microsoft.com/office/powerpoint/2010/main" spd="slow" p14:dur="1250">
+      <p:transition xmlns:p14="http://schemas.microsoft.com/office/powerpoint/2010/main" spd="slow" p14:dur="1250" advTm="8000">
         <p15:prstTrans prst="peelOff"/>
       </p:transition>
     </mc:Choice>
     <mc:Fallback>
-      <p:transition spd="slow">
+      <p:transition spd="slow" advTm="8000">
         <p:fade/>
       </p:transition>
     </mc:Fallback>
@@ -9294,7 +9387,7 @@
           <a:p>
             <a:fld id="{83C286D2-5717-406C-AD4B-C4A69D5338FB}" type="datetimeFigureOut">
               <a:rPr lang="de-AT" smtClean="0"/>
-              <a:t>10.05.2018</a:t>
+              <a:t>12.05.2018</a:t>
             </a:fld>
             <a:endParaRPr lang="de-AT"/>
           </a:p>
@@ -9354,12 +9447,12 @@
   </p:clrMapOvr>
   <mc:AlternateContent xmlns:mc="http://schemas.openxmlformats.org/markup-compatibility/2006">
     <mc:Choice xmlns:p15="http://schemas.microsoft.com/office/powerpoint/2012/main" Requires="p15">
-      <p:transition xmlns:p14="http://schemas.microsoft.com/office/powerpoint/2010/main" spd="slow" p14:dur="1250">
+      <p:transition xmlns:p14="http://schemas.microsoft.com/office/powerpoint/2010/main" spd="slow" p14:dur="1250" advTm="8000">
         <p15:prstTrans prst="peelOff"/>
       </p:transition>
     </mc:Choice>
     <mc:Fallback>
-      <p:transition spd="slow">
+      <p:transition spd="slow" advTm="8000">
         <p:fade/>
       </p:transition>
     </mc:Fallback>
@@ -9486,7 +9579,7 @@
           <a:p>
             <a:fld id="{83C286D2-5717-406C-AD4B-C4A69D5338FB}" type="datetimeFigureOut">
               <a:rPr lang="de-AT" smtClean="0"/>
-              <a:t>10.05.2018</a:t>
+              <a:t>12.05.2018</a:t>
             </a:fld>
             <a:endParaRPr lang="de-AT"/>
           </a:p>
@@ -9546,12 +9639,12 @@
   </p:clrMapOvr>
   <mc:AlternateContent xmlns:mc="http://schemas.openxmlformats.org/markup-compatibility/2006">
     <mc:Choice xmlns:p15="http://schemas.microsoft.com/office/powerpoint/2012/main" Requires="p15">
-      <p:transition xmlns:p14="http://schemas.microsoft.com/office/powerpoint/2010/main" spd="slow" p14:dur="1250">
+      <p:transition xmlns:p14="http://schemas.microsoft.com/office/powerpoint/2010/main" spd="slow" p14:dur="1250" advTm="8000">
         <p15:prstTrans prst="peelOff"/>
       </p:transition>
     </mc:Choice>
     <mc:Fallback>
-      <p:transition spd="slow">
+      <p:transition spd="slow" advTm="8000">
         <p:fade/>
       </p:transition>
     </mc:Fallback>
@@ -9701,7 +9794,7 @@
           <a:p>
             <a:fld id="{83C286D2-5717-406C-AD4B-C4A69D5338FB}" type="datetimeFigureOut">
               <a:rPr lang="de-AT" smtClean="0"/>
-              <a:t>10.05.2018</a:t>
+              <a:t>12.05.2018</a:t>
             </a:fld>
             <a:endParaRPr lang="de-AT"/>
           </a:p>
@@ -9761,12 +9854,12 @@
   </p:clrMapOvr>
   <mc:AlternateContent xmlns:mc="http://schemas.openxmlformats.org/markup-compatibility/2006">
     <mc:Choice xmlns:p15="http://schemas.microsoft.com/office/powerpoint/2012/main" Requires="p15">
-      <p:transition xmlns:p14="http://schemas.microsoft.com/office/powerpoint/2010/main" spd="slow" p14:dur="1250">
+      <p:transition xmlns:p14="http://schemas.microsoft.com/office/powerpoint/2010/main" spd="slow" p14:dur="1250" advTm="8000">
         <p15:prstTrans prst="peelOff"/>
       </p:transition>
     </mc:Choice>
     <mc:Fallback>
-      <p:transition spd="slow">
+      <p:transition spd="slow" advTm="8000">
         <p:fade/>
       </p:transition>
     </mc:Fallback>
@@ -9883,7 +9976,7 @@
           <a:p>
             <a:fld id="{83C286D2-5717-406C-AD4B-C4A69D5338FB}" type="datetimeFigureOut">
               <a:rPr lang="de-AT" smtClean="0"/>
-              <a:t>10.05.2018</a:t>
+              <a:t>12.05.2018</a:t>
             </a:fld>
             <a:endParaRPr lang="de-AT"/>
           </a:p>
@@ -9943,12 +10036,12 @@
   </p:clrMapOvr>
   <mc:AlternateContent xmlns:mc="http://schemas.openxmlformats.org/markup-compatibility/2006">
     <mc:Choice xmlns:p15="http://schemas.microsoft.com/office/powerpoint/2012/main" Requires="p15">
-      <p:transition xmlns:p14="http://schemas.microsoft.com/office/powerpoint/2010/main" spd="slow" p14:dur="1250">
+      <p:transition xmlns:p14="http://schemas.microsoft.com/office/powerpoint/2010/main" spd="slow" p14:dur="1250" advTm="8000">
         <p15:prstTrans prst="peelOff"/>
       </p:transition>
     </mc:Choice>
     <mc:Fallback>
-      <p:transition spd="slow">
+      <p:transition spd="slow" advTm="8000">
         <p:fade/>
       </p:transition>
     </mc:Fallback>
@@ -10146,7 +10239,7 @@
           <a:p>
             <a:fld id="{83C286D2-5717-406C-AD4B-C4A69D5338FB}" type="datetimeFigureOut">
               <a:rPr lang="de-AT" smtClean="0"/>
-              <a:t>10.05.2018</a:t>
+              <a:t>12.05.2018</a:t>
             </a:fld>
             <a:endParaRPr lang="de-AT"/>
           </a:p>
@@ -10206,12 +10299,12 @@
   </p:clrMapOvr>
   <mc:AlternateContent xmlns:mc="http://schemas.openxmlformats.org/markup-compatibility/2006">
     <mc:Choice xmlns:p15="http://schemas.microsoft.com/office/powerpoint/2012/main" Requires="p15">
-      <p:transition xmlns:p14="http://schemas.microsoft.com/office/powerpoint/2010/main" spd="slow" p14:dur="1250">
+      <p:transition xmlns:p14="http://schemas.microsoft.com/office/powerpoint/2010/main" spd="slow" p14:dur="1250" advTm="8000">
         <p15:prstTrans prst="peelOff"/>
       </p:transition>
     </mc:Choice>
     <mc:Fallback>
-      <p:transition spd="slow">
+      <p:transition spd="slow" advTm="8000">
         <p:fade/>
       </p:transition>
     </mc:Fallback>
@@ -10390,7 +10483,7 @@
           <a:p>
             <a:fld id="{83C286D2-5717-406C-AD4B-C4A69D5338FB}" type="datetimeFigureOut">
               <a:rPr lang="de-AT" smtClean="0"/>
-              <a:t>10.05.2018</a:t>
+              <a:t>12.05.2018</a:t>
             </a:fld>
             <a:endParaRPr lang="de-AT"/>
           </a:p>
@@ -10450,12 +10543,12 @@
   </p:clrMapOvr>
   <mc:AlternateContent xmlns:mc="http://schemas.openxmlformats.org/markup-compatibility/2006">
     <mc:Choice xmlns:p15="http://schemas.microsoft.com/office/powerpoint/2012/main" Requires="p15">
-      <p:transition xmlns:p14="http://schemas.microsoft.com/office/powerpoint/2010/main" spd="slow" p14:dur="1250">
+      <p:transition xmlns:p14="http://schemas.microsoft.com/office/powerpoint/2010/main" spd="slow" p14:dur="1250" advTm="8000">
         <p15:prstTrans prst="peelOff"/>
       </p:transition>
     </mc:Choice>
     <mc:Fallback>
-      <p:transition spd="slow">
+      <p:transition spd="slow" advTm="8000">
         <p:fade/>
       </p:transition>
     </mc:Fallback>
@@ -10749,7 +10842,7 @@
           <a:p>
             <a:fld id="{83C286D2-5717-406C-AD4B-C4A69D5338FB}" type="datetimeFigureOut">
               <a:rPr lang="de-AT" smtClean="0"/>
-              <a:t>10.05.2018</a:t>
+              <a:t>12.05.2018</a:t>
             </a:fld>
             <a:endParaRPr lang="de-AT"/>
           </a:p>
@@ -10832,12 +10925,12 @@
   </p:clrMapOvr>
   <mc:AlternateContent xmlns:mc="http://schemas.openxmlformats.org/markup-compatibility/2006">
     <mc:Choice xmlns:p15="http://schemas.microsoft.com/office/powerpoint/2012/main" Requires="p15">
-      <p:transition xmlns:p14="http://schemas.microsoft.com/office/powerpoint/2010/main" spd="slow" p14:dur="1250">
+      <p:transition xmlns:p14="http://schemas.microsoft.com/office/powerpoint/2010/main" spd="slow" p14:dur="1250" advTm="8000">
         <p15:prstTrans prst="peelOff"/>
       </p:transition>
     </mc:Choice>
     <mc:Fallback>
-      <p:transition spd="slow">
+      <p:transition spd="slow" advTm="8000">
         <p:fade/>
       </p:transition>
     </mc:Fallback>
@@ -10879,7 +10972,7 @@
           <a:p>
             <a:fld id="{83C286D2-5717-406C-AD4B-C4A69D5338FB}" type="datetimeFigureOut">
               <a:rPr lang="de-AT" smtClean="0"/>
-              <a:t>10.05.2018</a:t>
+              <a:t>12.05.2018</a:t>
             </a:fld>
             <a:endParaRPr lang="de-AT"/>
           </a:p>
@@ -10962,12 +11055,12 @@
   </p:clrMapOvr>
   <mc:AlternateContent xmlns:mc="http://schemas.openxmlformats.org/markup-compatibility/2006">
     <mc:Choice xmlns:p15="http://schemas.microsoft.com/office/powerpoint/2012/main" Requires="p15">
-      <p:transition xmlns:p14="http://schemas.microsoft.com/office/powerpoint/2010/main" spd="slow" p14:dur="1250">
+      <p:transition xmlns:p14="http://schemas.microsoft.com/office/powerpoint/2010/main" spd="slow" p14:dur="1250" advTm="8000">
         <p15:prstTrans prst="peelOff"/>
       </p:transition>
     </mc:Choice>
     <mc:Fallback>
-      <p:transition spd="slow">
+      <p:transition spd="slow" advTm="8000">
         <p:fade/>
       </p:transition>
     </mc:Fallback>
@@ -11173,7 +11266,7 @@
           <a:p>
             <a:fld id="{83C286D2-5717-406C-AD4B-C4A69D5338FB}" type="datetimeFigureOut">
               <a:rPr lang="de-AT" smtClean="0"/>
-              <a:t>10.05.2018</a:t>
+              <a:t>12.05.2018</a:t>
             </a:fld>
             <a:endParaRPr lang="de-AT"/>
           </a:p>
@@ -11249,12 +11342,12 @@
   </p:clrMapOvr>
   <mc:AlternateContent xmlns:mc="http://schemas.openxmlformats.org/markup-compatibility/2006">
     <mc:Choice xmlns:p15="http://schemas.microsoft.com/office/powerpoint/2012/main" Requires="p15">
-      <p:transition xmlns:p14="http://schemas.microsoft.com/office/powerpoint/2010/main" spd="slow" p14:dur="1250">
+      <p:transition xmlns:p14="http://schemas.microsoft.com/office/powerpoint/2010/main" spd="slow" p14:dur="1250" advTm="8000">
         <p15:prstTrans prst="peelOff"/>
       </p:transition>
     </mc:Choice>
     <mc:Fallback>
-      <p:transition spd="slow">
+      <p:transition spd="slow" advTm="8000">
         <p:fade/>
       </p:transition>
     </mc:Fallback>
@@ -11296,7 +11389,7 @@
           <a:p>
             <a:fld id="{83C286D2-5717-406C-AD4B-C4A69D5338FB}" type="datetimeFigureOut">
               <a:rPr lang="de-AT" smtClean="0"/>
-              <a:t>10.05.2018</a:t>
+              <a:t>12.05.2018</a:t>
             </a:fld>
             <a:endParaRPr lang="de-AT"/>
           </a:p>
@@ -11356,12 +11449,12 @@
   </p:clrMapOvr>
   <mc:AlternateContent xmlns:mc="http://schemas.openxmlformats.org/markup-compatibility/2006">
     <mc:Choice xmlns:p15="http://schemas.microsoft.com/office/powerpoint/2012/main" Requires="p15">
-      <p:transition xmlns:p14="http://schemas.microsoft.com/office/powerpoint/2010/main" spd="slow" p14:dur="1250">
+      <p:transition xmlns:p14="http://schemas.microsoft.com/office/powerpoint/2010/main" spd="slow" p14:dur="1250" advTm="8000">
         <p15:prstTrans prst="peelOff"/>
       </p:transition>
     </mc:Choice>
     <mc:Fallback>
-      <p:transition spd="slow">
+      <p:transition spd="slow" advTm="8000">
         <p:fade/>
       </p:transition>
     </mc:Fallback>
@@ -11592,7 +11685,7 @@
           <a:p>
             <a:fld id="{83C286D2-5717-406C-AD4B-C4A69D5338FB}" type="datetimeFigureOut">
               <a:rPr lang="de-AT" smtClean="0"/>
-              <a:t>10.05.2018</a:t>
+              <a:t>12.05.2018</a:t>
             </a:fld>
             <a:endParaRPr lang="de-AT"/>
           </a:p>
@@ -11652,12 +11745,12 @@
   </p:clrMapOvr>
   <mc:AlternateContent xmlns:mc="http://schemas.openxmlformats.org/markup-compatibility/2006">
     <mc:Choice xmlns:p15="http://schemas.microsoft.com/office/powerpoint/2012/main" Requires="p15">
-      <p:transition xmlns:p14="http://schemas.microsoft.com/office/powerpoint/2010/main" spd="slow" p14:dur="1250">
+      <p:transition xmlns:p14="http://schemas.microsoft.com/office/powerpoint/2010/main" spd="slow" p14:dur="1250" advTm="8000">
         <p15:prstTrans prst="peelOff"/>
       </p:transition>
     </mc:Choice>
     <mc:Fallback>
-      <p:transition spd="slow">
+      <p:transition spd="slow" advTm="8000">
         <p:fade/>
       </p:transition>
     </mc:Fallback>
@@ -11868,7 +11961,7 @@
           <a:p>
             <a:fld id="{83C286D2-5717-406C-AD4B-C4A69D5338FB}" type="datetimeFigureOut">
               <a:rPr lang="de-AT" smtClean="0"/>
-              <a:t>10.05.2018</a:t>
+              <a:t>12.05.2018</a:t>
             </a:fld>
             <a:endParaRPr lang="de-AT"/>
           </a:p>
@@ -11928,12 +12021,12 @@
   </p:clrMapOvr>
   <mc:AlternateContent xmlns:mc="http://schemas.openxmlformats.org/markup-compatibility/2006">
     <mc:Choice xmlns:p15="http://schemas.microsoft.com/office/powerpoint/2012/main" Requires="p15">
-      <p:transition xmlns:p14="http://schemas.microsoft.com/office/powerpoint/2010/main" spd="slow" p14:dur="1250">
+      <p:transition xmlns:p14="http://schemas.microsoft.com/office/powerpoint/2010/main" spd="slow" p14:dur="1250" advTm="8000">
         <p15:prstTrans prst="peelOff"/>
       </p:transition>
     </mc:Choice>
     <mc:Fallback>
-      <p:transition spd="slow">
+      <p:transition spd="slow" advTm="8000">
         <p:fade/>
       </p:transition>
     </mc:Fallback>
@@ -12050,7 +12143,7 @@
           <a:p>
             <a:fld id="{83C286D2-5717-406C-AD4B-C4A69D5338FB}" type="datetimeFigureOut">
               <a:rPr lang="de-AT" smtClean="0"/>
-              <a:t>10.05.2018</a:t>
+              <a:t>12.05.2018</a:t>
             </a:fld>
             <a:endParaRPr lang="de-AT"/>
           </a:p>
@@ -12110,12 +12203,12 @@
   </p:clrMapOvr>
   <mc:AlternateContent xmlns:mc="http://schemas.openxmlformats.org/markup-compatibility/2006">
     <mc:Choice xmlns:p15="http://schemas.microsoft.com/office/powerpoint/2012/main" Requires="p15">
-      <p:transition xmlns:p14="http://schemas.microsoft.com/office/powerpoint/2010/main" spd="slow" p14:dur="1250">
+      <p:transition xmlns:p14="http://schemas.microsoft.com/office/powerpoint/2010/main" spd="slow" p14:dur="1250" advTm="8000">
         <p15:prstTrans prst="peelOff"/>
       </p:transition>
     </mc:Choice>
     <mc:Fallback>
-      <p:transition spd="slow">
+      <p:transition spd="slow" advTm="8000">
         <p:fade/>
       </p:transition>
     </mc:Fallback>
@@ -12242,7 +12335,7 @@
           <a:p>
             <a:fld id="{83C286D2-5717-406C-AD4B-C4A69D5338FB}" type="datetimeFigureOut">
               <a:rPr lang="de-AT" smtClean="0"/>
-              <a:t>10.05.2018</a:t>
+              <a:t>12.05.2018</a:t>
             </a:fld>
             <a:endParaRPr lang="de-AT"/>
           </a:p>
@@ -12302,12 +12395,12 @@
   </p:clrMapOvr>
   <mc:AlternateContent xmlns:mc="http://schemas.openxmlformats.org/markup-compatibility/2006">
     <mc:Choice xmlns:p15="http://schemas.microsoft.com/office/powerpoint/2012/main" Requires="p15">
-      <p:transition xmlns:p14="http://schemas.microsoft.com/office/powerpoint/2010/main" spd="slow" p14:dur="1250">
+      <p:transition xmlns:p14="http://schemas.microsoft.com/office/powerpoint/2010/main" spd="slow" p14:dur="1250" advTm="8000">
         <p15:prstTrans prst="peelOff"/>
       </p:transition>
     </mc:Choice>
     <mc:Fallback>
-      <p:transition spd="slow">
+      <p:transition spd="slow" advTm="8000">
         <p:fade/>
       </p:transition>
     </mc:Fallback>
@@ -12494,7 +12587,7 @@
           <a:p>
             <a:fld id="{83C286D2-5717-406C-AD4B-C4A69D5338FB}" type="datetimeFigureOut">
               <a:rPr lang="de-AT" smtClean="0"/>
-              <a:t>10.05.2018</a:t>
+              <a:t>12.05.2018</a:t>
             </a:fld>
             <a:endParaRPr lang="de-AT"/>
           </a:p>
@@ -12570,12 +12663,12 @@
   </p:clrMapOvr>
   <mc:AlternateContent xmlns:mc="http://schemas.openxmlformats.org/markup-compatibility/2006">
     <mc:Choice xmlns:p15="http://schemas.microsoft.com/office/powerpoint/2012/main" Requires="p15">
-      <p:transition xmlns:p14="http://schemas.microsoft.com/office/powerpoint/2010/main" spd="slow" p14:dur="1250">
+      <p:transition xmlns:p14="http://schemas.microsoft.com/office/powerpoint/2010/main" spd="slow" p14:dur="1250" advTm="8000">
         <p15:prstTrans prst="peelOff"/>
       </p:transition>
     </mc:Choice>
     <mc:Fallback>
-      <p:transition spd="slow">
+      <p:transition spd="slow" advTm="8000">
         <p:fade/>
       </p:transition>
     </mc:Fallback>
@@ -12877,7 +12970,7 @@
           <a:p>
             <a:fld id="{83C286D2-5717-406C-AD4B-C4A69D5338FB}" type="datetimeFigureOut">
               <a:rPr lang="de-AT" smtClean="0"/>
-              <a:t>10.05.2018</a:t>
+              <a:t>12.05.2018</a:t>
             </a:fld>
             <a:endParaRPr lang="de-AT"/>
           </a:p>
@@ -12976,12 +13069,12 @@
   </p:clrMapOvr>
   <mc:AlternateContent xmlns:mc="http://schemas.openxmlformats.org/markup-compatibility/2006">
     <mc:Choice xmlns:p15="http://schemas.microsoft.com/office/powerpoint/2012/main" Requires="p15">
-      <p:transition xmlns:p14="http://schemas.microsoft.com/office/powerpoint/2010/main" spd="slow" p14:dur="1250">
+      <p:transition xmlns:p14="http://schemas.microsoft.com/office/powerpoint/2010/main" spd="slow" p14:dur="1250" advTm="8000">
         <p15:prstTrans prst="peelOff"/>
       </p:transition>
     </mc:Choice>
     <mc:Fallback>
-      <p:transition spd="slow">
+      <p:transition spd="slow" advTm="8000">
         <p:fade/>
       </p:transition>
     </mc:Fallback>
@@ -13031,7 +13124,7 @@
           <a:p>
             <a:fld id="{83C286D2-5717-406C-AD4B-C4A69D5338FB}" type="datetimeFigureOut">
               <a:rPr lang="de-AT" smtClean="0"/>
-              <a:t>10.05.2018</a:t>
+              <a:t>12.05.2018</a:t>
             </a:fld>
             <a:endParaRPr lang="de-AT"/>
           </a:p>
@@ -13136,12 +13229,12 @@
   </p:clrMapOvr>
   <mc:AlternateContent xmlns:mc="http://schemas.openxmlformats.org/markup-compatibility/2006">
     <mc:Choice xmlns:p15="http://schemas.microsoft.com/office/powerpoint/2012/main" Requires="p15">
-      <p:transition xmlns:p14="http://schemas.microsoft.com/office/powerpoint/2010/main" spd="slow" p14:dur="1250">
+      <p:transition xmlns:p14="http://schemas.microsoft.com/office/powerpoint/2010/main" spd="slow" p14:dur="1250" advTm="8000">
         <p15:prstTrans prst="peelOff"/>
       </p:transition>
     </mc:Choice>
     <mc:Fallback>
-      <p:transition spd="slow">
+      <p:transition spd="slow" advTm="8000">
         <p:fade/>
       </p:transition>
     </mc:Fallback>
@@ -13191,7 +13284,7 @@
           <a:p>
             <a:fld id="{83C286D2-5717-406C-AD4B-C4A69D5338FB}" type="datetimeFigureOut">
               <a:rPr lang="de-AT" smtClean="0"/>
-              <a:t>10.05.2018</a:t>
+              <a:t>12.05.2018</a:t>
             </a:fld>
             <a:endParaRPr lang="de-AT"/>
           </a:p>
@@ -13267,12 +13360,12 @@
   </p:clrMapOvr>
   <mc:AlternateContent xmlns:mc="http://schemas.openxmlformats.org/markup-compatibility/2006">
     <mc:Choice xmlns:p15="http://schemas.microsoft.com/office/powerpoint/2012/main" Requires="p15">
-      <p:transition xmlns:p14="http://schemas.microsoft.com/office/powerpoint/2010/main" spd="slow" p14:dur="1250">
+      <p:transition xmlns:p14="http://schemas.microsoft.com/office/powerpoint/2010/main" spd="slow" p14:dur="1250" advTm="8000">
         <p15:prstTrans prst="peelOff"/>
       </p:transition>
     </mc:Choice>
     <mc:Fallback>
-      <p:transition spd="slow">
+      <p:transition spd="slow" advTm="8000">
         <p:fade/>
       </p:transition>
     </mc:Fallback>
@@ -13511,7 +13604,7 @@
           <a:p>
             <a:fld id="{83C286D2-5717-406C-AD4B-C4A69D5338FB}" type="datetimeFigureOut">
               <a:rPr lang="de-AT" smtClean="0"/>
-              <a:t>10.05.2018</a:t>
+              <a:t>12.05.2018</a:t>
             </a:fld>
             <a:endParaRPr lang="de-AT"/>
           </a:p>
@@ -13587,12 +13680,12 @@
   </p:clrMapOvr>
   <mc:AlternateContent xmlns:mc="http://schemas.openxmlformats.org/markup-compatibility/2006">
     <mc:Choice xmlns:p15="http://schemas.microsoft.com/office/powerpoint/2012/main" Requires="p15">
-      <p:transition xmlns:p14="http://schemas.microsoft.com/office/powerpoint/2010/main" spd="slow" p14:dur="1250">
+      <p:transition xmlns:p14="http://schemas.microsoft.com/office/powerpoint/2010/main" spd="slow" p14:dur="1250" advTm="8000">
         <p15:prstTrans prst="peelOff"/>
       </p:transition>
     </mc:Choice>
     <mc:Fallback>
-      <p:transition spd="slow">
+      <p:transition spd="slow" advTm="8000">
         <p:fade/>
       </p:transition>
     </mc:Fallback>
@@ -13811,7 +13904,7 @@
           <a:p>
             <a:fld id="{83C286D2-5717-406C-AD4B-C4A69D5338FB}" type="datetimeFigureOut">
               <a:rPr lang="de-AT" smtClean="0"/>
-              <a:t>10.05.2018</a:t>
+              <a:t>12.05.2018</a:t>
             </a:fld>
             <a:endParaRPr lang="de-AT"/>
           </a:p>
@@ -13887,12 +13980,12 @@
   </p:clrMapOvr>
   <mc:AlternateContent xmlns:mc="http://schemas.openxmlformats.org/markup-compatibility/2006">
     <mc:Choice xmlns:p15="http://schemas.microsoft.com/office/powerpoint/2012/main" Requires="p15">
-      <p:transition xmlns:p14="http://schemas.microsoft.com/office/powerpoint/2010/main" spd="slow" p14:dur="1250">
+      <p:transition xmlns:p14="http://schemas.microsoft.com/office/powerpoint/2010/main" spd="slow" p14:dur="1250" advTm="8000">
         <p15:prstTrans prst="peelOff"/>
       </p:transition>
     </mc:Choice>
     <mc:Fallback>
-      <p:transition spd="slow">
+      <p:transition spd="slow" advTm="8000">
         <p:fade/>
       </p:transition>
     </mc:Fallback>
@@ -14106,12 +14199,12 @@
   </p:sldLayoutIdLst>
   <mc:AlternateContent xmlns:mc="http://schemas.openxmlformats.org/markup-compatibility/2006">
     <mc:Choice xmlns:p15="http://schemas.microsoft.com/office/powerpoint/2012/main" Requires="p15">
-      <p:transition xmlns:p14="http://schemas.microsoft.com/office/powerpoint/2010/main" spd="slow" p14:dur="1250">
+      <p:transition xmlns:p14="http://schemas.microsoft.com/office/powerpoint/2010/main" spd="slow" p14:dur="1250" advTm="8000">
         <p15:prstTrans prst="peelOff"/>
       </p:transition>
     </mc:Choice>
     <mc:Fallback>
-      <p:transition spd="slow">
+      <p:transition spd="slow" advTm="8000">
         <p:fade/>
       </p:transition>
     </mc:Fallback>
@@ -14545,7 +14638,7 @@
           <a:p>
             <a:fld id="{83C286D2-5717-406C-AD4B-C4A69D5338FB}" type="datetimeFigureOut">
               <a:rPr lang="de-AT" smtClean="0"/>
-              <a:t>10.05.2018</a:t>
+              <a:t>12.05.2018</a:t>
             </a:fld>
             <a:endParaRPr lang="de-AT"/>
           </a:p>
@@ -14653,12 +14746,12 @@
   </p:sldLayoutIdLst>
   <mc:AlternateContent xmlns:mc="http://schemas.openxmlformats.org/markup-compatibility/2006">
     <mc:Choice xmlns:p15="http://schemas.microsoft.com/office/powerpoint/2012/main" Requires="p15">
-      <p:transition xmlns:p14="http://schemas.microsoft.com/office/powerpoint/2010/main" spd="slow" p14:dur="1250">
+      <p:transition xmlns:p14="http://schemas.microsoft.com/office/powerpoint/2010/main" spd="slow" p14:dur="1250" advTm="8000">
         <p15:prstTrans prst="peelOff"/>
       </p:transition>
     </mc:Choice>
     <mc:Fallback>
-      <p:transition spd="slow">
+      <p:transition spd="slow" advTm="8000">
         <p:fade/>
       </p:transition>
     </mc:Fallback>
@@ -15092,7 +15185,7 @@
           <a:p>
             <a:fld id="{83C286D2-5717-406C-AD4B-C4A69D5338FB}" type="datetimeFigureOut">
               <a:rPr lang="de-AT" smtClean="0"/>
-              <a:t>10.05.2018</a:t>
+              <a:t>12.05.2018</a:t>
             </a:fld>
             <a:endParaRPr lang="de-AT"/>
           </a:p>
@@ -15200,12 +15293,12 @@
   </p:sldLayoutIdLst>
   <mc:AlternateContent xmlns:mc="http://schemas.openxmlformats.org/markup-compatibility/2006">
     <mc:Choice xmlns:p15="http://schemas.microsoft.com/office/powerpoint/2012/main" Requires="p15">
-      <p:transition xmlns:p14="http://schemas.microsoft.com/office/powerpoint/2010/main" spd="slow" p14:dur="1250">
+      <p:transition xmlns:p14="http://schemas.microsoft.com/office/powerpoint/2010/main" spd="slow" p14:dur="1250" advTm="8000">
         <p15:prstTrans prst="peelOff"/>
       </p:transition>
     </mc:Choice>
     <mc:Fallback>
-      <p:transition spd="slow">
+      <p:transition spd="slow" advTm="8000">
         <p:fade/>
       </p:transition>
     </mc:Fallback>
@@ -15567,12 +15660,12 @@
   </p:clrMapOvr>
   <mc:AlternateContent xmlns:mc="http://schemas.openxmlformats.org/markup-compatibility/2006">
     <mc:Choice xmlns:p15="http://schemas.microsoft.com/office/powerpoint/2012/main" Requires="p15">
-      <p:transition xmlns:p14="http://schemas.microsoft.com/office/powerpoint/2010/main" spd="slow" p14:dur="1250">
+      <p:transition xmlns:p14="http://schemas.microsoft.com/office/powerpoint/2010/main" spd="slow" p14:dur="1250" advTm="5000">
         <p15:prstTrans prst="peelOff"/>
       </p:transition>
     </mc:Choice>
     <mc:Fallback>
-      <p:transition spd="slow">
+      <p:transition spd="slow" advTm="5000">
         <p:fade/>
       </p:transition>
     </mc:Fallback>
@@ -15656,7 +15749,7 @@
             <p:ph idx="1"/>
             <p:extLst>
               <p:ext uri="{D42A27DB-BD31-4B8C-83A1-F6EECF244321}">
-                <p14:modId xmlns:p14="http://schemas.microsoft.com/office/powerpoint/2010/main" val="1821414557"/>
+                <p14:modId xmlns:p14="http://schemas.microsoft.com/office/powerpoint/2010/main" val="1547803973"/>
               </p:ext>
             </p:extLst>
           </p:nvPr>
@@ -15733,12 +15826,12 @@
   </p:clrMapOvr>
   <mc:AlternateContent xmlns:mc="http://schemas.openxmlformats.org/markup-compatibility/2006">
     <mc:Choice xmlns:p15="http://schemas.microsoft.com/office/powerpoint/2012/main" Requires="p15">
-      <p:transition xmlns:p14="http://schemas.microsoft.com/office/powerpoint/2010/main" spd="slow" p14:dur="1250">
+      <p:transition xmlns:p14="http://schemas.microsoft.com/office/powerpoint/2010/main" spd="slow" p14:dur="1250" advTm="8000">
         <p15:prstTrans prst="peelOff"/>
       </p:transition>
     </mc:Choice>
     <mc:Fallback>
-      <p:transition spd="slow">
+      <p:transition spd="slow" advTm="8000">
         <p:fade/>
       </p:transition>
     </mc:Fallback>
@@ -15836,12 +15929,12 @@
   </p:clrMapOvr>
   <mc:AlternateContent xmlns:mc="http://schemas.openxmlformats.org/markup-compatibility/2006">
     <mc:Choice xmlns:p15="http://schemas.microsoft.com/office/powerpoint/2012/main" Requires="p15">
-      <p:transition xmlns:p14="http://schemas.microsoft.com/office/powerpoint/2010/main" spd="slow" p14:dur="1250">
+      <p:transition xmlns:p14="http://schemas.microsoft.com/office/powerpoint/2010/main" spd="slow" p14:dur="1250" advTm="8000">
         <p15:prstTrans prst="peelOff"/>
       </p:transition>
     </mc:Choice>
     <mc:Fallback>
-      <p:transition spd="slow">
+      <p:transition spd="slow" advTm="8000">
         <p:fade/>
       </p:transition>
     </mc:Fallback>
@@ -15917,7 +16010,7 @@
         </p:blipFill>
         <p:spPr>
           <a:xfrm>
-            <a:off x="3850106" y="2995839"/>
+            <a:off x="3850106" y="3028495"/>
             <a:ext cx="3007382" cy="3071560"/>
           </a:xfrm>
           <a:prstGeom prst="rect">
@@ -15953,7 +16046,7 @@
         </p:blipFill>
         <p:spPr>
           <a:xfrm>
-            <a:off x="7221126" y="2092360"/>
+            <a:off x="7221126" y="2125016"/>
             <a:ext cx="3941490" cy="3970424"/>
           </a:xfrm>
           <a:prstGeom prst="rect">
@@ -15973,12 +16066,12 @@
   </p:clrMapOvr>
   <mc:AlternateContent xmlns:mc="http://schemas.openxmlformats.org/markup-compatibility/2006">
     <mc:Choice xmlns:p15="http://schemas.microsoft.com/office/powerpoint/2012/main" Requires="p15">
-      <p:transition xmlns:p14="http://schemas.microsoft.com/office/powerpoint/2010/main" spd="slow" p14:dur="1250">
+      <p:transition xmlns:p14="http://schemas.microsoft.com/office/powerpoint/2010/main" spd="slow" p14:dur="1250" advTm="8000">
         <p15:prstTrans prst="peelOff"/>
       </p:transition>
     </mc:Choice>
     <mc:Fallback>
-      <p:transition spd="slow">
+      <p:transition spd="slow" advTm="8000">
         <p:fade/>
       </p:transition>
     </mc:Fallback>
@@ -16068,8 +16161,8 @@
         </p:nvSpPr>
         <p:spPr>
           <a:xfrm>
-            <a:off x="2946401" y="1778000"/>
-            <a:ext cx="9017769" cy="2039330"/>
+            <a:off x="2946401" y="1777999"/>
+            <a:ext cx="9017769" cy="2209801"/>
           </a:xfrm>
           <a:prstGeom prst="rect">
             <a:avLst/>
@@ -16120,8 +16213,8 @@
         </p:nvSpPr>
         <p:spPr>
           <a:xfrm>
-            <a:off x="2946400" y="4074208"/>
-            <a:ext cx="9017769" cy="2041200"/>
+            <a:off x="2946400" y="4086225"/>
+            <a:ext cx="9017769" cy="2029183"/>
           </a:xfrm>
           <a:prstGeom prst="rect">
             <a:avLst/>
@@ -16176,7 +16269,7 @@
         </p:nvSpPr>
         <p:spPr>
           <a:xfrm>
-            <a:off x="3140362" y="2083164"/>
+            <a:off x="3140362" y="2181138"/>
             <a:ext cx="8111067" cy="1802264"/>
           </a:xfrm>
         </p:spPr>
@@ -16254,7 +16347,7 @@
         </p:nvSpPr>
         <p:spPr>
           <a:xfrm>
-            <a:off x="9078686" y="2336000"/>
+            <a:off x="9078686" y="2384987"/>
             <a:ext cx="2953050" cy="923330"/>
           </a:xfrm>
           <a:prstGeom prst="rect">
@@ -16517,7 +16610,7 @@
         </p:nvSpPr>
         <p:spPr>
           <a:xfrm>
-            <a:off x="10026675" y="4648537"/>
+            <a:off x="10026675" y="4599550"/>
             <a:ext cx="1921165" cy="923330"/>
           </a:xfrm>
           <a:prstGeom prst="rect">
@@ -16555,12 +16648,12 @@
   </p:clrMapOvr>
   <mc:AlternateContent xmlns:mc="http://schemas.openxmlformats.org/markup-compatibility/2006">
     <mc:Choice xmlns:p15="http://schemas.microsoft.com/office/powerpoint/2012/main" Requires="p15">
-      <p:transition xmlns:p14="http://schemas.microsoft.com/office/powerpoint/2010/main" spd="slow" p14:dur="1250">
+      <p:transition xmlns:p14="http://schemas.microsoft.com/office/powerpoint/2010/main" spd="slow" p14:dur="1250" advTm="8000">
         <p15:prstTrans prst="peelOff"/>
       </p:transition>
     </mc:Choice>
     <mc:Fallback>
-      <p:transition spd="slow">
+      <p:transition spd="slow" advTm="8000">
         <p:fade/>
       </p:transition>
     </mc:Fallback>
@@ -16628,7 +16721,7 @@
           <p:nvPr/>
         </p:nvPicPr>
         <p:blipFill>
-          <a:blip r:embed="rId2">
+          <a:blip r:embed="rId3">
             <a:extLst>
               <a:ext uri="{28A0092B-C50C-407E-A947-70E740481C1C}">
                 <a14:useLocalDpi xmlns:a14="http://schemas.microsoft.com/office/drawing/2010/main" val="0"/>
@@ -16664,7 +16757,7 @@
           <p:nvPr/>
         </p:nvPicPr>
         <p:blipFill>
-          <a:blip r:embed="rId3">
+          <a:blip r:embed="rId4">
             <a:extLst>
               <a:ext uri="{28A0092B-C50C-407E-A947-70E740481C1C}">
                 <a14:useLocalDpi xmlns:a14="http://schemas.microsoft.com/office/drawing/2010/main" val="0"/>
@@ -16700,7 +16793,7 @@
           <p:nvPr/>
         </p:nvPicPr>
         <p:blipFill>
-          <a:blip r:embed="rId4">
+          <a:blip r:embed="rId5">
             <a:extLst>
               <a:ext uri="{28A0092B-C50C-407E-A947-70E740481C1C}">
                 <a14:useLocalDpi xmlns:a14="http://schemas.microsoft.com/office/drawing/2010/main" val="0"/>
@@ -16877,12 +16970,12 @@
   </p:clrMapOvr>
   <mc:AlternateContent xmlns:mc="http://schemas.openxmlformats.org/markup-compatibility/2006">
     <mc:Choice xmlns:p15="http://schemas.microsoft.com/office/powerpoint/2012/main" Requires="p15">
-      <p:transition xmlns:p14="http://schemas.microsoft.com/office/powerpoint/2010/main" spd="slow" p14:dur="1250">
+      <p:transition xmlns:p14="http://schemas.microsoft.com/office/powerpoint/2010/main" spd="slow" p14:dur="1250" advTm="8000">
         <p15:prstTrans prst="peelOff"/>
       </p:transition>
     </mc:Choice>
     <mc:Fallback>
-      <p:transition spd="slow">
+      <p:transition spd="slow" advTm="8000">
         <p:fade/>
       </p:transition>
     </mc:Fallback>
@@ -17113,12 +17206,12 @@
   </p:clrMapOvr>
   <mc:AlternateContent xmlns:mc="http://schemas.openxmlformats.org/markup-compatibility/2006">
     <mc:Choice xmlns:p15="http://schemas.microsoft.com/office/powerpoint/2012/main" Requires="p15">
-      <p:transition xmlns:p14="http://schemas.microsoft.com/office/powerpoint/2010/main" spd="slow" p14:dur="1250">
+      <p:transition xmlns:p14="http://schemas.microsoft.com/office/powerpoint/2010/main" spd="slow" p14:dur="1250" advTm="8000">
         <p15:prstTrans prst="peelOff"/>
       </p:transition>
     </mc:Choice>
     <mc:Fallback>
-      <p:transition spd="slow">
+      <p:transition spd="slow" advTm="8000">
         <p:fade/>
       </p:transition>
     </mc:Fallback>
@@ -17214,12 +17307,12 @@
   </p:clrMapOvr>
   <mc:AlternateContent xmlns:mc="http://schemas.openxmlformats.org/markup-compatibility/2006">
     <mc:Choice xmlns:p15="http://schemas.microsoft.com/office/powerpoint/2012/main" Requires="p15">
-      <p:transition xmlns:p14="http://schemas.microsoft.com/office/powerpoint/2010/main" spd="slow" p14:dur="1250">
+      <p:transition xmlns:p14="http://schemas.microsoft.com/office/powerpoint/2010/main" spd="slow" p14:dur="1250" advTm="8000">
         <p15:prstTrans prst="peelOff"/>
       </p:transition>
     </mc:Choice>
     <mc:Fallback>
-      <p:transition spd="slow">
+      <p:transition spd="slow" advTm="8000">
         <p:fade/>
       </p:transition>
     </mc:Fallback>
@@ -17331,12 +17424,12 @@
   </p:clrMapOvr>
   <mc:AlternateContent xmlns:mc="http://schemas.openxmlformats.org/markup-compatibility/2006">
     <mc:Choice xmlns:p15="http://schemas.microsoft.com/office/powerpoint/2012/main" Requires="p15">
-      <p:transition xmlns:p14="http://schemas.microsoft.com/office/powerpoint/2010/main" spd="slow" p14:dur="1250">
+      <p:transition xmlns:p14="http://schemas.microsoft.com/office/powerpoint/2010/main" spd="slow" p14:dur="1250" advTm="8000">
         <p15:prstTrans prst="peelOff"/>
       </p:transition>
     </mc:Choice>
     <mc:Fallback>
-      <p:transition spd="slow">
+      <p:transition spd="slow" advTm="8000">
         <p:fade/>
       </p:transition>
     </mc:Fallback>
@@ -17464,7 +17557,7 @@
         </p:blipFill>
         <p:spPr>
           <a:xfrm>
-            <a:off x="4506686" y="1773590"/>
+            <a:off x="4506935" y="1716219"/>
             <a:ext cx="5684400" cy="4440017"/>
           </a:xfrm>
           <a:prstGeom prst="rect">
@@ -17489,12 +17582,12 @@
   </p:clrMapOvr>
   <mc:AlternateContent xmlns:mc="http://schemas.openxmlformats.org/markup-compatibility/2006">
     <mc:Choice xmlns:p15="http://schemas.microsoft.com/office/powerpoint/2012/main" Requires="p15">
-      <p:transition xmlns:p14="http://schemas.microsoft.com/office/powerpoint/2010/main" spd="slow" p14:dur="1250">
+      <p:transition xmlns:p14="http://schemas.microsoft.com/office/powerpoint/2010/main" spd="slow" p14:dur="1250" advTm="8000">
         <p15:prstTrans prst="peelOff"/>
       </p:transition>
     </mc:Choice>
     <mc:Fallback>
-      <p:transition spd="slow">
+      <p:transition spd="slow" advTm="8000">
         <p:fade/>
       </p:transition>
     </mc:Fallback>
@@ -17511,6 +17604,9 @@
                     <p:cTn id="3" fill="hold">
                       <p:stCondLst>
                         <p:cond delay="indefinite"/>
+                        <p:cond evt="onBegin" delay="0">
+                          <p:tn val="2"/>
+                        </p:cond>
                       </p:stCondLst>
                       <p:childTnLst>
                         <p:par>
@@ -17520,9 +17616,9 @@
                             </p:stCondLst>
                             <p:childTnLst>
                               <p:par>
-                                <p:cTn id="5" presetID="10" presetClass="entr" presetSubtype="0" fill="hold" nodeType="clickEffect">
+                                <p:cTn id="5" presetID="10" presetClass="entr" presetSubtype="0" fill="hold" nodeType="afterEffect">
                                   <p:stCondLst>
-                                    <p:cond delay="0"/>
+                                    <p:cond delay="4000"/>
                                   </p:stCondLst>
                                   <p:childTnLst>
                                     <p:set>
@@ -17723,12 +17819,12 @@
   </p:clrMapOvr>
   <mc:AlternateContent xmlns:mc="http://schemas.openxmlformats.org/markup-compatibility/2006">
     <mc:Choice xmlns:p15="http://schemas.microsoft.com/office/powerpoint/2012/main" Requires="p15">
-      <p:transition xmlns:p14="http://schemas.microsoft.com/office/powerpoint/2010/main" spd="slow" p14:dur="1250">
+      <p:transition xmlns:p14="http://schemas.microsoft.com/office/powerpoint/2010/main" spd="slow" p14:dur="1250" advTm="8000">
         <p15:prstTrans prst="peelOff"/>
       </p:transition>
     </mc:Choice>
     <mc:Fallback>
-      <p:transition spd="slow">
+      <p:transition spd="slow" advTm="8000">
         <p:fade/>
       </p:transition>
     </mc:Fallback>
@@ -17828,12 +17924,12 @@
   </p:clrMapOvr>
   <mc:AlternateContent xmlns:mc="http://schemas.openxmlformats.org/markup-compatibility/2006">
     <mc:Choice xmlns:p15="http://schemas.microsoft.com/office/powerpoint/2012/main" Requires="p15">
-      <p:transition xmlns:p14="http://schemas.microsoft.com/office/powerpoint/2010/main" spd="slow" p14:dur="1250">
+      <p:transition xmlns:p14="http://schemas.microsoft.com/office/powerpoint/2010/main" spd="slow" p14:dur="1250" advTm="8000">
         <p15:prstTrans prst="peelOff"/>
       </p:transition>
     </mc:Choice>
     <mc:Fallback>
-      <p:transition spd="slow">
+      <p:transition spd="slow" advTm="8000">
         <p:fade/>
       </p:transition>
     </mc:Fallback>

--- a/Planung/Praesentationen/Praesentation_Firmentag.pptx
+++ b/Planung/Praesentationen/Praesentation_Firmentag.pptx
@@ -2179,12 +2179,12 @@
         </a:fontRef>
       </dsp:style>
       <dsp:txBody>
-        <a:bodyPr spcFirstLastPara="0" vert="horz" wrap="square" lIns="533231" tIns="110490" rIns="206248" bIns="110490" numCol="1" spcCol="1270" anchor="ctr" anchorCtr="0">
+        <a:bodyPr spcFirstLastPara="0" vert="horz" wrap="square" lIns="533231" tIns="106680" rIns="199136" bIns="106680" numCol="1" spcCol="1270" anchor="ctr" anchorCtr="0">
           <a:noAutofit/>
         </a:bodyPr>
         <a:lstStyle/>
         <a:p>
-          <a:pPr marL="0" lvl="0" indent="0" algn="ctr" defTabSz="1289050">
+          <a:pPr marL="0" lvl="0" indent="0" algn="ctr" defTabSz="1244600">
             <a:lnSpc>
               <a:spcPct val="90000"/>
             </a:lnSpc>
@@ -2197,7 +2197,7 @@
             <a:buNone/>
           </a:pPr>
           <a:r>
-            <a:rPr lang="de-AT" sz="2900" kern="1200" dirty="0">
+            <a:rPr lang="de-AT" sz="2800" kern="1200" dirty="0">
               <a:latin typeface="raleway"/>
             </a:rPr>
             <a:t>Verbrauchsübersicht: Einfach und doch umfangreich</a:t>
@@ -2305,12 +2305,12 @@
         </a:fontRef>
       </dsp:style>
       <dsp:txBody>
-        <a:bodyPr spcFirstLastPara="0" vert="horz" wrap="square" lIns="533231" tIns="110490" rIns="206248" bIns="110490" numCol="1" spcCol="1270" anchor="ctr" anchorCtr="0">
+        <a:bodyPr spcFirstLastPara="0" vert="horz" wrap="square" lIns="533231" tIns="106680" rIns="199136" bIns="106680" numCol="1" spcCol="1270" anchor="ctr" anchorCtr="0">
           <a:noAutofit/>
         </a:bodyPr>
         <a:lstStyle/>
         <a:p>
-          <a:pPr marL="0" lvl="0" indent="0" algn="ctr" defTabSz="1289050">
+          <a:pPr marL="0" lvl="0" indent="0" algn="ctr" defTabSz="1244600">
             <a:lnSpc>
               <a:spcPct val="90000"/>
             </a:lnSpc>
@@ -2323,7 +2323,7 @@
             <a:buNone/>
           </a:pPr>
           <a:r>
-            <a:rPr lang="de-AT" sz="2900" kern="1200" dirty="0">
+            <a:rPr lang="de-AT" sz="2800" kern="1200" dirty="0">
               <a:latin typeface="raleway"/>
             </a:rPr>
             <a:t>Anpassbares Alarmsystem bei Verbrauchsabweichungen</a:t>
@@ -2431,12 +2431,12 @@
         </a:fontRef>
       </dsp:style>
       <dsp:txBody>
-        <a:bodyPr spcFirstLastPara="0" vert="horz" wrap="square" lIns="533231" tIns="110490" rIns="206248" bIns="110490" numCol="1" spcCol="1270" anchor="ctr" anchorCtr="0">
+        <a:bodyPr spcFirstLastPara="0" vert="horz" wrap="square" lIns="533231" tIns="106680" rIns="199136" bIns="106680" numCol="1" spcCol="1270" anchor="ctr" anchorCtr="0">
           <a:noAutofit/>
         </a:bodyPr>
         <a:lstStyle/>
         <a:p>
-          <a:pPr marL="0" lvl="0" indent="0" algn="ctr" defTabSz="1289050">
+          <a:pPr marL="0" lvl="0" indent="0" algn="ctr" defTabSz="1244600">
             <a:lnSpc>
               <a:spcPct val="90000"/>
             </a:lnSpc>
@@ -2449,7 +2449,7 @@
             <a:buNone/>
           </a:pPr>
           <a:r>
-            <a:rPr lang="de-AT" sz="2900" kern="1200" dirty="0">
+            <a:rPr lang="de-AT" sz="2800" kern="1200" dirty="0">
               <a:latin typeface="raleway"/>
             </a:rPr>
             <a:t>Verfügbarkeit: Sowohl am Desktop-PC als auch am Smartphone/Tablet</a:t>
@@ -2571,12 +2571,12 @@
         </a:fontRef>
       </dsp:style>
       <dsp:txBody>
-        <a:bodyPr spcFirstLastPara="0" vert="horz" wrap="square" lIns="122682" tIns="61341" rIns="30671" bIns="61341" numCol="1" spcCol="1270" anchor="ctr" anchorCtr="0">
+        <a:bodyPr spcFirstLastPara="0" vert="horz" wrap="square" lIns="117348" tIns="58674" rIns="29337" bIns="58674" numCol="1" spcCol="1270" anchor="ctr" anchorCtr="0">
           <a:noAutofit/>
         </a:bodyPr>
         <a:lstStyle/>
         <a:p>
-          <a:pPr marL="0" lvl="0" indent="0" algn="ctr" defTabSz="1022350">
+          <a:pPr marL="0" lvl="0" indent="0" algn="ctr" defTabSz="977900">
             <a:lnSpc>
               <a:spcPct val="90000"/>
             </a:lnSpc>
@@ -2589,12 +2589,12 @@
             <a:buNone/>
           </a:pPr>
           <a:r>
-            <a:rPr lang="de-AT" sz="2300" kern="1200">
+            <a:rPr lang="de-AT" sz="2200" kern="1200">
               <a:latin typeface="raleway"/>
             </a:rPr>
             <a:t>Registrierung</a:t>
           </a:r>
-          <a:endParaRPr lang="de-AT" sz="2300" kern="1200" dirty="0">
+          <a:endParaRPr lang="de-AT" sz="2200" kern="1200" dirty="0">
             <a:latin typeface="raleway"/>
           </a:endParaRPr>
         </a:p>
@@ -2648,12 +2648,12 @@
         </a:fontRef>
       </dsp:style>
       <dsp:txBody>
-        <a:bodyPr spcFirstLastPara="0" vert="horz" wrap="square" lIns="92012" tIns="61341" rIns="30671" bIns="61341" numCol="1" spcCol="1270" anchor="ctr" anchorCtr="0">
+        <a:bodyPr spcFirstLastPara="0" vert="horz" wrap="square" lIns="88011" tIns="58674" rIns="29337" bIns="58674" numCol="1" spcCol="1270" anchor="ctr" anchorCtr="0">
           <a:noAutofit/>
         </a:bodyPr>
         <a:lstStyle/>
         <a:p>
-          <a:pPr marL="0" lvl="0" indent="0" algn="ctr" defTabSz="1022350">
+          <a:pPr marL="0" lvl="0" indent="0" algn="ctr" defTabSz="977900">
             <a:lnSpc>
               <a:spcPct val="90000"/>
             </a:lnSpc>
@@ -2666,7 +2666,7 @@
             <a:buNone/>
           </a:pPr>
           <a:r>
-            <a:rPr lang="de-AT" sz="2300" kern="1200" dirty="0">
+            <a:rPr lang="de-AT" sz="2200" kern="1200" dirty="0">
               <a:latin typeface="raleway"/>
             </a:rPr>
             <a:t>E-Mail Bestätigung</a:t>
@@ -2722,12 +2722,12 @@
         </a:fontRef>
       </dsp:style>
       <dsp:txBody>
-        <a:bodyPr spcFirstLastPara="0" vert="horz" wrap="square" lIns="92012" tIns="61341" rIns="30671" bIns="61341" numCol="1" spcCol="1270" anchor="ctr" anchorCtr="0">
+        <a:bodyPr spcFirstLastPara="0" vert="horz" wrap="square" lIns="88011" tIns="58674" rIns="29337" bIns="58674" numCol="1" spcCol="1270" anchor="ctr" anchorCtr="0">
           <a:noAutofit/>
         </a:bodyPr>
         <a:lstStyle/>
         <a:p>
-          <a:pPr marL="0" lvl="0" indent="0" algn="ctr" defTabSz="1022350">
+          <a:pPr marL="0" lvl="0" indent="0" algn="ctr" defTabSz="977900">
             <a:lnSpc>
               <a:spcPct val="90000"/>
             </a:lnSpc>
@@ -2740,7 +2740,7 @@
             <a:buNone/>
           </a:pPr>
           <a:r>
-            <a:rPr lang="de-AT" sz="2300" kern="1200" dirty="0">
+            <a:rPr lang="de-AT" sz="2200" kern="1200" dirty="0">
               <a:latin typeface="raleway"/>
             </a:rPr>
             <a:t>Freigabe durch einen Administrator</a:t>
@@ -5341,7 +5341,7 @@
           <a:p>
             <a:fld id="{6C12F6B1-6786-4E64-B681-F379C9A54FC0}" type="datetimeFigureOut">
               <a:rPr lang="de-AT" smtClean="0"/>
-              <a:t>12.05.2018</a:t>
+              <a:t>13.05.2018</a:t>
             </a:fld>
             <a:endParaRPr lang="de-AT"/>
           </a:p>
@@ -6301,13 +6301,13 @@
   <p:clrMapOvr>
     <a:masterClrMapping/>
   </p:clrMapOvr>
-  <mc:AlternateContent xmlns:mc="http://schemas.openxmlformats.org/markup-compatibility/2006">
-    <mc:Choice xmlns:p15="http://schemas.microsoft.com/office/powerpoint/2012/main" Requires="p15">
+  <mc:AlternateContent xmlns:mc="http://schemas.openxmlformats.org/markup-compatibility/2006" xmlns:p15="http://schemas.microsoft.com/office/powerpoint/2012/main">
+    <mc:Choice Requires="p15">
       <p:transition xmlns:p14="http://schemas.microsoft.com/office/powerpoint/2010/main" spd="slow" p14:dur="1250" advTm="8000">
         <p15:prstTrans prst="peelOff"/>
       </p:transition>
     </mc:Choice>
-    <mc:Fallback>
+    <mc:Fallback xmlns="">
       <p:transition spd="slow" advTm="8000">
         <p:fade/>
       </p:transition>
@@ -6433,7 +6433,7 @@
           <a:p>
             <a:fld id="{83C286D2-5717-406C-AD4B-C4A69D5338FB}" type="datetimeFigureOut">
               <a:rPr lang="de-AT" smtClean="0"/>
-              <a:t>12.05.2018</a:t>
+              <a:t>13.05.2018</a:t>
             </a:fld>
             <a:endParaRPr lang="de-AT"/>
           </a:p>
@@ -6507,13 +6507,13 @@
   <p:clrMapOvr>
     <a:masterClrMapping/>
   </p:clrMapOvr>
-  <mc:AlternateContent xmlns:mc="http://schemas.openxmlformats.org/markup-compatibility/2006">
-    <mc:Choice xmlns:p15="http://schemas.microsoft.com/office/powerpoint/2012/main" Requires="p15">
+  <mc:AlternateContent xmlns:mc="http://schemas.openxmlformats.org/markup-compatibility/2006" xmlns:p15="http://schemas.microsoft.com/office/powerpoint/2012/main">
+    <mc:Choice Requires="p15">
       <p:transition xmlns:p14="http://schemas.microsoft.com/office/powerpoint/2010/main" spd="slow" p14:dur="1250" advTm="8000">
         <p15:prstTrans prst="peelOff"/>
       </p:transition>
     </mc:Choice>
-    <mc:Fallback>
+    <mc:Fallback xmlns="">
       <p:transition spd="slow" advTm="8000">
         <p:fade/>
       </p:transition>
@@ -6649,7 +6649,7 @@
           <a:p>
             <a:fld id="{83C286D2-5717-406C-AD4B-C4A69D5338FB}" type="datetimeFigureOut">
               <a:rPr lang="de-AT" smtClean="0"/>
-              <a:t>12.05.2018</a:t>
+              <a:t>13.05.2018</a:t>
             </a:fld>
             <a:endParaRPr lang="de-AT"/>
           </a:p>
@@ -6723,13 +6723,13 @@
   <p:clrMapOvr>
     <a:masterClrMapping/>
   </p:clrMapOvr>
-  <mc:AlternateContent xmlns:mc="http://schemas.openxmlformats.org/markup-compatibility/2006">
-    <mc:Choice xmlns:p15="http://schemas.microsoft.com/office/powerpoint/2012/main" Requires="p15">
+  <mc:AlternateContent xmlns:mc="http://schemas.openxmlformats.org/markup-compatibility/2006" xmlns:p15="http://schemas.microsoft.com/office/powerpoint/2012/main">
+    <mc:Choice Requires="p15">
       <p:transition xmlns:p14="http://schemas.microsoft.com/office/powerpoint/2010/main" spd="slow" p14:dur="1250" advTm="8000">
         <p15:prstTrans prst="peelOff"/>
       </p:transition>
     </mc:Choice>
-    <mc:Fallback>
+    <mc:Fallback xmlns="">
       <p:transition spd="slow" advTm="8000">
         <p:fade/>
       </p:transition>
@@ -6888,7 +6888,7 @@
           <a:p>
             <a:fld id="{83C286D2-5717-406C-AD4B-C4A69D5338FB}" type="datetimeFigureOut">
               <a:rPr lang="de-AT" smtClean="0"/>
-              <a:t>12.05.2018</a:t>
+              <a:t>13.05.2018</a:t>
             </a:fld>
             <a:endParaRPr lang="de-AT"/>
           </a:p>
@@ -6962,13 +6962,13 @@
   <p:clrMapOvr>
     <a:masterClrMapping/>
   </p:clrMapOvr>
-  <mc:AlternateContent xmlns:mc="http://schemas.openxmlformats.org/markup-compatibility/2006">
-    <mc:Choice xmlns:p15="http://schemas.microsoft.com/office/powerpoint/2012/main" Requires="p15">
+  <mc:AlternateContent xmlns:mc="http://schemas.openxmlformats.org/markup-compatibility/2006" xmlns:p15="http://schemas.microsoft.com/office/powerpoint/2012/main">
+    <mc:Choice Requires="p15">
       <p:transition xmlns:p14="http://schemas.microsoft.com/office/powerpoint/2010/main" spd="slow" p14:dur="1250" advTm="8000">
         <p15:prstTrans prst="peelOff"/>
       </p:transition>
     </mc:Choice>
-    <mc:Fallback>
+    <mc:Fallback xmlns="">
       <p:transition spd="slow" advTm="8000">
         <p:fade/>
       </p:transition>
@@ -7119,7 +7119,7 @@
           <a:p>
             <a:fld id="{83C286D2-5717-406C-AD4B-C4A69D5338FB}" type="datetimeFigureOut">
               <a:rPr lang="de-AT" smtClean="0"/>
-              <a:t>12.05.2018</a:t>
+              <a:t>13.05.2018</a:t>
             </a:fld>
             <a:endParaRPr lang="de-AT"/>
           </a:p>
@@ -7177,13 +7177,13 @@
   <p:clrMapOvr>
     <a:masterClrMapping/>
   </p:clrMapOvr>
-  <mc:AlternateContent xmlns:mc="http://schemas.openxmlformats.org/markup-compatibility/2006">
-    <mc:Choice xmlns:p15="http://schemas.microsoft.com/office/powerpoint/2012/main" Requires="p15">
+  <mc:AlternateContent xmlns:mc="http://schemas.openxmlformats.org/markup-compatibility/2006" xmlns:p15="http://schemas.microsoft.com/office/powerpoint/2012/main">
+    <mc:Choice Requires="p15">
       <p:transition xmlns:p14="http://schemas.microsoft.com/office/powerpoint/2010/main" spd="slow" p14:dur="1250" advTm="8000">
         <p15:prstTrans prst="peelOff"/>
       </p:transition>
     </mc:Choice>
-    <mc:Fallback>
+    <mc:Fallback xmlns="">
       <p:transition spd="slow" advTm="8000">
         <p:fade/>
       </p:transition>
@@ -7301,7 +7301,7 @@
           <a:p>
             <a:fld id="{83C286D2-5717-406C-AD4B-C4A69D5338FB}" type="datetimeFigureOut">
               <a:rPr lang="de-AT" smtClean="0"/>
-              <a:t>12.05.2018</a:t>
+              <a:t>13.05.2018</a:t>
             </a:fld>
             <a:endParaRPr lang="de-AT"/>
           </a:p>
@@ -7359,13 +7359,13 @@
   <p:clrMapOvr>
     <a:masterClrMapping/>
   </p:clrMapOvr>
-  <mc:AlternateContent xmlns:mc="http://schemas.openxmlformats.org/markup-compatibility/2006">
-    <mc:Choice xmlns:p15="http://schemas.microsoft.com/office/powerpoint/2012/main" Requires="p15">
+  <mc:AlternateContent xmlns:mc="http://schemas.openxmlformats.org/markup-compatibility/2006" xmlns:p15="http://schemas.microsoft.com/office/powerpoint/2012/main">
+    <mc:Choice Requires="p15">
       <p:transition xmlns:p14="http://schemas.microsoft.com/office/powerpoint/2010/main" spd="slow" p14:dur="1250" advTm="8000">
         <p15:prstTrans prst="peelOff"/>
       </p:transition>
     </mc:Choice>
-    <mc:Fallback>
+    <mc:Fallback xmlns="">
       <p:transition spd="slow" advTm="8000">
         <p:fade/>
       </p:transition>
@@ -7564,7 +7564,7 @@
           <a:p>
             <a:fld id="{83C286D2-5717-406C-AD4B-C4A69D5338FB}" type="datetimeFigureOut">
               <a:rPr lang="de-AT" smtClean="0"/>
-              <a:t>12.05.2018</a:t>
+              <a:t>13.05.2018</a:t>
             </a:fld>
             <a:endParaRPr lang="de-AT"/>
           </a:p>
@@ -7622,13 +7622,13 @@
   <p:clrMapOvr>
     <a:masterClrMapping/>
   </p:clrMapOvr>
-  <mc:AlternateContent xmlns:mc="http://schemas.openxmlformats.org/markup-compatibility/2006">
-    <mc:Choice xmlns:p15="http://schemas.microsoft.com/office/powerpoint/2012/main" Requires="p15">
+  <mc:AlternateContent xmlns:mc="http://schemas.openxmlformats.org/markup-compatibility/2006" xmlns:p15="http://schemas.microsoft.com/office/powerpoint/2012/main">
+    <mc:Choice Requires="p15">
       <p:transition xmlns:p14="http://schemas.microsoft.com/office/powerpoint/2010/main" spd="slow" p14:dur="1250" advTm="8000">
         <p15:prstTrans prst="peelOff"/>
       </p:transition>
     </mc:Choice>
-    <mc:Fallback>
+    <mc:Fallback xmlns="">
       <p:transition spd="slow" advTm="8000">
         <p:fade/>
       </p:transition>
@@ -7808,7 +7808,7 @@
           <a:p>
             <a:fld id="{83C286D2-5717-406C-AD4B-C4A69D5338FB}" type="datetimeFigureOut">
               <a:rPr lang="de-AT" smtClean="0"/>
-              <a:t>12.05.2018</a:t>
+              <a:t>13.05.2018</a:t>
             </a:fld>
             <a:endParaRPr lang="de-AT"/>
           </a:p>
@@ -7866,13 +7866,13 @@
   <p:clrMapOvr>
     <a:masterClrMapping/>
   </p:clrMapOvr>
-  <mc:AlternateContent xmlns:mc="http://schemas.openxmlformats.org/markup-compatibility/2006">
-    <mc:Choice xmlns:p15="http://schemas.microsoft.com/office/powerpoint/2012/main" Requires="p15">
+  <mc:AlternateContent xmlns:mc="http://schemas.openxmlformats.org/markup-compatibility/2006" xmlns:p15="http://schemas.microsoft.com/office/powerpoint/2012/main">
+    <mc:Choice Requires="p15">
       <p:transition xmlns:p14="http://schemas.microsoft.com/office/powerpoint/2010/main" spd="slow" p14:dur="1250" advTm="8000">
         <p15:prstTrans prst="peelOff"/>
       </p:transition>
     </mc:Choice>
-    <mc:Fallback>
+    <mc:Fallback xmlns="">
       <p:transition spd="slow" advTm="8000">
         <p:fade/>
       </p:transition>
@@ -8167,7 +8167,7 @@
           <a:p>
             <a:fld id="{83C286D2-5717-406C-AD4B-C4A69D5338FB}" type="datetimeFigureOut">
               <a:rPr lang="de-AT" smtClean="0"/>
-              <a:t>12.05.2018</a:t>
+              <a:t>13.05.2018</a:t>
             </a:fld>
             <a:endParaRPr lang="de-AT"/>
           </a:p>
@@ -8248,13 +8248,13 @@
   <p:clrMapOvr>
     <a:masterClrMapping/>
   </p:clrMapOvr>
-  <mc:AlternateContent xmlns:mc="http://schemas.openxmlformats.org/markup-compatibility/2006">
-    <mc:Choice xmlns:p15="http://schemas.microsoft.com/office/powerpoint/2012/main" Requires="p15">
+  <mc:AlternateContent xmlns:mc="http://schemas.openxmlformats.org/markup-compatibility/2006" xmlns:p15="http://schemas.microsoft.com/office/powerpoint/2012/main">
+    <mc:Choice Requires="p15">
       <p:transition xmlns:p14="http://schemas.microsoft.com/office/powerpoint/2010/main" spd="slow" p14:dur="1250" advTm="8000">
         <p15:prstTrans prst="peelOff"/>
       </p:transition>
     </mc:Choice>
-    <mc:Fallback>
+    <mc:Fallback xmlns="">
       <p:transition spd="slow" advTm="8000">
         <p:fade/>
       </p:transition>
@@ -8297,7 +8297,7 @@
           <a:p>
             <a:fld id="{83C286D2-5717-406C-AD4B-C4A69D5338FB}" type="datetimeFigureOut">
               <a:rPr lang="de-AT" smtClean="0"/>
-              <a:t>12.05.2018</a:t>
+              <a:t>13.05.2018</a:t>
             </a:fld>
             <a:endParaRPr lang="de-AT"/>
           </a:p>
@@ -8378,13 +8378,13 @@
   <p:clrMapOvr>
     <a:masterClrMapping/>
   </p:clrMapOvr>
-  <mc:AlternateContent xmlns:mc="http://schemas.openxmlformats.org/markup-compatibility/2006">
-    <mc:Choice xmlns:p15="http://schemas.microsoft.com/office/powerpoint/2012/main" Requires="p15">
+  <mc:AlternateContent xmlns:mc="http://schemas.openxmlformats.org/markup-compatibility/2006" xmlns:p15="http://schemas.microsoft.com/office/powerpoint/2012/main">
+    <mc:Choice Requires="p15">
       <p:transition xmlns:p14="http://schemas.microsoft.com/office/powerpoint/2010/main" spd="slow" p14:dur="1250" advTm="8000">
         <p15:prstTrans prst="peelOff"/>
       </p:transition>
     </mc:Choice>
-    <mc:Fallback>
+    <mc:Fallback xmlns="">
       <p:transition spd="slow" advTm="8000">
         <p:fade/>
       </p:transition>
@@ -8427,7 +8427,7 @@
           <a:p>
             <a:fld id="{83C286D2-5717-406C-AD4B-C4A69D5338FB}" type="datetimeFigureOut">
               <a:rPr lang="de-AT" smtClean="0"/>
-              <a:t>12.05.2018</a:t>
+              <a:t>13.05.2018</a:t>
             </a:fld>
             <a:endParaRPr lang="de-AT"/>
           </a:p>
@@ -8485,13 +8485,13 @@
   <p:clrMapOvr>
     <a:masterClrMapping/>
   </p:clrMapOvr>
-  <mc:AlternateContent xmlns:mc="http://schemas.openxmlformats.org/markup-compatibility/2006">
-    <mc:Choice xmlns:p15="http://schemas.microsoft.com/office/powerpoint/2012/main" Requires="p15">
+  <mc:AlternateContent xmlns:mc="http://schemas.openxmlformats.org/markup-compatibility/2006" xmlns:p15="http://schemas.microsoft.com/office/powerpoint/2012/main">
+    <mc:Choice Requires="p15">
       <p:transition xmlns:p14="http://schemas.microsoft.com/office/powerpoint/2010/main" spd="slow" p14:dur="1250" advTm="8000">
         <p15:prstTrans prst="peelOff"/>
       </p:transition>
     </mc:Choice>
-    <mc:Fallback>
+    <mc:Fallback xmlns="">
       <p:transition spd="slow" advTm="8000">
         <p:fade/>
       </p:transition>
@@ -8617,7 +8617,7 @@
           <a:p>
             <a:fld id="{83C286D2-5717-406C-AD4B-C4A69D5338FB}" type="datetimeFigureOut">
               <a:rPr lang="de-AT" smtClean="0"/>
-              <a:t>12.05.2018</a:t>
+              <a:t>13.05.2018</a:t>
             </a:fld>
             <a:endParaRPr lang="de-AT"/>
           </a:p>
@@ -8691,13 +8691,13 @@
   <p:clrMapOvr>
     <a:masterClrMapping/>
   </p:clrMapOvr>
-  <mc:AlternateContent xmlns:mc="http://schemas.openxmlformats.org/markup-compatibility/2006">
-    <mc:Choice xmlns:p15="http://schemas.microsoft.com/office/powerpoint/2012/main" Requires="p15">
+  <mc:AlternateContent xmlns:mc="http://schemas.openxmlformats.org/markup-compatibility/2006" xmlns:p15="http://schemas.microsoft.com/office/powerpoint/2012/main">
+    <mc:Choice Requires="p15">
       <p:transition xmlns:p14="http://schemas.microsoft.com/office/powerpoint/2010/main" spd="slow" p14:dur="1250" advTm="8000">
         <p15:prstTrans prst="peelOff"/>
       </p:transition>
     </mc:Choice>
-    <mc:Fallback>
+    <mc:Fallback xmlns="">
       <p:transition spd="slow" advTm="8000">
         <p:fade/>
       </p:transition>
@@ -8929,7 +8929,7 @@
           <a:p>
             <a:fld id="{83C286D2-5717-406C-AD4B-C4A69D5338FB}" type="datetimeFigureOut">
               <a:rPr lang="de-AT" smtClean="0"/>
-              <a:t>12.05.2018</a:t>
+              <a:t>13.05.2018</a:t>
             </a:fld>
             <a:endParaRPr lang="de-AT"/>
           </a:p>
@@ -8987,13 +8987,13 @@
   <p:clrMapOvr>
     <a:masterClrMapping/>
   </p:clrMapOvr>
-  <mc:AlternateContent xmlns:mc="http://schemas.openxmlformats.org/markup-compatibility/2006">
-    <mc:Choice xmlns:p15="http://schemas.microsoft.com/office/powerpoint/2012/main" Requires="p15">
+  <mc:AlternateContent xmlns:mc="http://schemas.openxmlformats.org/markup-compatibility/2006" xmlns:p15="http://schemas.microsoft.com/office/powerpoint/2012/main">
+    <mc:Choice Requires="p15">
       <p:transition xmlns:p14="http://schemas.microsoft.com/office/powerpoint/2010/main" spd="slow" p14:dur="1250" advTm="8000">
         <p15:prstTrans prst="peelOff"/>
       </p:transition>
     </mc:Choice>
-    <mc:Fallback>
+    <mc:Fallback xmlns="">
       <p:transition spd="slow" advTm="8000">
         <p:fade/>
       </p:transition>
@@ -9205,7 +9205,7 @@
           <a:p>
             <a:fld id="{83C286D2-5717-406C-AD4B-C4A69D5338FB}" type="datetimeFigureOut">
               <a:rPr lang="de-AT" smtClean="0"/>
-              <a:t>12.05.2018</a:t>
+              <a:t>13.05.2018</a:t>
             </a:fld>
             <a:endParaRPr lang="de-AT"/>
           </a:p>
@@ -9263,13 +9263,13 @@
   <p:clrMapOvr>
     <a:masterClrMapping/>
   </p:clrMapOvr>
-  <mc:AlternateContent xmlns:mc="http://schemas.openxmlformats.org/markup-compatibility/2006">
-    <mc:Choice xmlns:p15="http://schemas.microsoft.com/office/powerpoint/2012/main" Requires="p15">
+  <mc:AlternateContent xmlns:mc="http://schemas.openxmlformats.org/markup-compatibility/2006" xmlns:p15="http://schemas.microsoft.com/office/powerpoint/2012/main">
+    <mc:Choice Requires="p15">
       <p:transition xmlns:p14="http://schemas.microsoft.com/office/powerpoint/2010/main" spd="slow" p14:dur="1250" advTm="8000">
         <p15:prstTrans prst="peelOff"/>
       </p:transition>
     </mc:Choice>
-    <mc:Fallback>
+    <mc:Fallback xmlns="">
       <p:transition spd="slow" advTm="8000">
         <p:fade/>
       </p:transition>
@@ -9387,7 +9387,7 @@
           <a:p>
             <a:fld id="{83C286D2-5717-406C-AD4B-C4A69D5338FB}" type="datetimeFigureOut">
               <a:rPr lang="de-AT" smtClean="0"/>
-              <a:t>12.05.2018</a:t>
+              <a:t>13.05.2018</a:t>
             </a:fld>
             <a:endParaRPr lang="de-AT"/>
           </a:p>
@@ -9445,13 +9445,13 @@
   <p:clrMapOvr>
     <a:masterClrMapping/>
   </p:clrMapOvr>
-  <mc:AlternateContent xmlns:mc="http://schemas.openxmlformats.org/markup-compatibility/2006">
-    <mc:Choice xmlns:p15="http://schemas.microsoft.com/office/powerpoint/2012/main" Requires="p15">
+  <mc:AlternateContent xmlns:mc="http://schemas.openxmlformats.org/markup-compatibility/2006" xmlns:p15="http://schemas.microsoft.com/office/powerpoint/2012/main">
+    <mc:Choice Requires="p15">
       <p:transition xmlns:p14="http://schemas.microsoft.com/office/powerpoint/2010/main" spd="slow" p14:dur="1250" advTm="8000">
         <p15:prstTrans prst="peelOff"/>
       </p:transition>
     </mc:Choice>
-    <mc:Fallback>
+    <mc:Fallback xmlns="">
       <p:transition spd="slow" advTm="8000">
         <p:fade/>
       </p:transition>
@@ -9579,7 +9579,7 @@
           <a:p>
             <a:fld id="{83C286D2-5717-406C-AD4B-C4A69D5338FB}" type="datetimeFigureOut">
               <a:rPr lang="de-AT" smtClean="0"/>
-              <a:t>12.05.2018</a:t>
+              <a:t>13.05.2018</a:t>
             </a:fld>
             <a:endParaRPr lang="de-AT"/>
           </a:p>
@@ -9637,13 +9637,13 @@
   <p:clrMapOvr>
     <a:masterClrMapping/>
   </p:clrMapOvr>
-  <mc:AlternateContent xmlns:mc="http://schemas.openxmlformats.org/markup-compatibility/2006">
-    <mc:Choice xmlns:p15="http://schemas.microsoft.com/office/powerpoint/2012/main" Requires="p15">
+  <mc:AlternateContent xmlns:mc="http://schemas.openxmlformats.org/markup-compatibility/2006" xmlns:p15="http://schemas.microsoft.com/office/powerpoint/2012/main">
+    <mc:Choice Requires="p15">
       <p:transition xmlns:p14="http://schemas.microsoft.com/office/powerpoint/2010/main" spd="slow" p14:dur="1250" advTm="8000">
         <p15:prstTrans prst="peelOff"/>
       </p:transition>
     </mc:Choice>
-    <mc:Fallback>
+    <mc:Fallback xmlns="">
       <p:transition spd="slow" advTm="8000">
         <p:fade/>
       </p:transition>
@@ -9794,7 +9794,7 @@
           <a:p>
             <a:fld id="{83C286D2-5717-406C-AD4B-C4A69D5338FB}" type="datetimeFigureOut">
               <a:rPr lang="de-AT" smtClean="0"/>
-              <a:t>12.05.2018</a:t>
+              <a:t>13.05.2018</a:t>
             </a:fld>
             <a:endParaRPr lang="de-AT"/>
           </a:p>
@@ -9852,13 +9852,13 @@
   <p:clrMapOvr>
     <a:masterClrMapping/>
   </p:clrMapOvr>
-  <mc:AlternateContent xmlns:mc="http://schemas.openxmlformats.org/markup-compatibility/2006">
-    <mc:Choice xmlns:p15="http://schemas.microsoft.com/office/powerpoint/2012/main" Requires="p15">
+  <mc:AlternateContent xmlns:mc="http://schemas.openxmlformats.org/markup-compatibility/2006" xmlns:p15="http://schemas.microsoft.com/office/powerpoint/2012/main">
+    <mc:Choice Requires="p15">
       <p:transition xmlns:p14="http://schemas.microsoft.com/office/powerpoint/2010/main" spd="slow" p14:dur="1250" advTm="8000">
         <p15:prstTrans prst="peelOff"/>
       </p:transition>
     </mc:Choice>
-    <mc:Fallback>
+    <mc:Fallback xmlns="">
       <p:transition spd="slow" advTm="8000">
         <p:fade/>
       </p:transition>
@@ -9976,7 +9976,7 @@
           <a:p>
             <a:fld id="{83C286D2-5717-406C-AD4B-C4A69D5338FB}" type="datetimeFigureOut">
               <a:rPr lang="de-AT" smtClean="0"/>
-              <a:t>12.05.2018</a:t>
+              <a:t>13.05.2018</a:t>
             </a:fld>
             <a:endParaRPr lang="de-AT"/>
           </a:p>
@@ -10034,13 +10034,13 @@
   <p:clrMapOvr>
     <a:masterClrMapping/>
   </p:clrMapOvr>
-  <mc:AlternateContent xmlns:mc="http://schemas.openxmlformats.org/markup-compatibility/2006">
-    <mc:Choice xmlns:p15="http://schemas.microsoft.com/office/powerpoint/2012/main" Requires="p15">
+  <mc:AlternateContent xmlns:mc="http://schemas.openxmlformats.org/markup-compatibility/2006" xmlns:p15="http://schemas.microsoft.com/office/powerpoint/2012/main">
+    <mc:Choice Requires="p15">
       <p:transition xmlns:p14="http://schemas.microsoft.com/office/powerpoint/2010/main" spd="slow" p14:dur="1250" advTm="8000">
         <p15:prstTrans prst="peelOff"/>
       </p:transition>
     </mc:Choice>
-    <mc:Fallback>
+    <mc:Fallback xmlns="">
       <p:transition spd="slow" advTm="8000">
         <p:fade/>
       </p:transition>
@@ -10239,7 +10239,7 @@
           <a:p>
             <a:fld id="{83C286D2-5717-406C-AD4B-C4A69D5338FB}" type="datetimeFigureOut">
               <a:rPr lang="de-AT" smtClean="0"/>
-              <a:t>12.05.2018</a:t>
+              <a:t>13.05.2018</a:t>
             </a:fld>
             <a:endParaRPr lang="de-AT"/>
           </a:p>
@@ -10297,13 +10297,13 @@
   <p:clrMapOvr>
     <a:masterClrMapping/>
   </p:clrMapOvr>
-  <mc:AlternateContent xmlns:mc="http://schemas.openxmlformats.org/markup-compatibility/2006">
-    <mc:Choice xmlns:p15="http://schemas.microsoft.com/office/powerpoint/2012/main" Requires="p15">
+  <mc:AlternateContent xmlns:mc="http://schemas.openxmlformats.org/markup-compatibility/2006" xmlns:p15="http://schemas.microsoft.com/office/powerpoint/2012/main">
+    <mc:Choice Requires="p15">
       <p:transition xmlns:p14="http://schemas.microsoft.com/office/powerpoint/2010/main" spd="slow" p14:dur="1250" advTm="8000">
         <p15:prstTrans prst="peelOff"/>
       </p:transition>
     </mc:Choice>
-    <mc:Fallback>
+    <mc:Fallback xmlns="">
       <p:transition spd="slow" advTm="8000">
         <p:fade/>
       </p:transition>
@@ -10483,7 +10483,7 @@
           <a:p>
             <a:fld id="{83C286D2-5717-406C-AD4B-C4A69D5338FB}" type="datetimeFigureOut">
               <a:rPr lang="de-AT" smtClean="0"/>
-              <a:t>12.05.2018</a:t>
+              <a:t>13.05.2018</a:t>
             </a:fld>
             <a:endParaRPr lang="de-AT"/>
           </a:p>
@@ -10541,13 +10541,13 @@
   <p:clrMapOvr>
     <a:masterClrMapping/>
   </p:clrMapOvr>
-  <mc:AlternateContent xmlns:mc="http://schemas.openxmlformats.org/markup-compatibility/2006">
-    <mc:Choice xmlns:p15="http://schemas.microsoft.com/office/powerpoint/2012/main" Requires="p15">
+  <mc:AlternateContent xmlns:mc="http://schemas.openxmlformats.org/markup-compatibility/2006" xmlns:p15="http://schemas.microsoft.com/office/powerpoint/2012/main">
+    <mc:Choice Requires="p15">
       <p:transition xmlns:p14="http://schemas.microsoft.com/office/powerpoint/2010/main" spd="slow" p14:dur="1250" advTm="8000">
         <p15:prstTrans prst="peelOff"/>
       </p:transition>
     </mc:Choice>
-    <mc:Fallback>
+    <mc:Fallback xmlns="">
       <p:transition spd="slow" advTm="8000">
         <p:fade/>
       </p:transition>
@@ -10842,7 +10842,7 @@
           <a:p>
             <a:fld id="{83C286D2-5717-406C-AD4B-C4A69D5338FB}" type="datetimeFigureOut">
               <a:rPr lang="de-AT" smtClean="0"/>
-              <a:t>12.05.2018</a:t>
+              <a:t>13.05.2018</a:t>
             </a:fld>
             <a:endParaRPr lang="de-AT"/>
           </a:p>
@@ -10923,13 +10923,13 @@
   <p:clrMapOvr>
     <a:masterClrMapping/>
   </p:clrMapOvr>
-  <mc:AlternateContent xmlns:mc="http://schemas.openxmlformats.org/markup-compatibility/2006">
-    <mc:Choice xmlns:p15="http://schemas.microsoft.com/office/powerpoint/2012/main" Requires="p15">
+  <mc:AlternateContent xmlns:mc="http://schemas.openxmlformats.org/markup-compatibility/2006" xmlns:p15="http://schemas.microsoft.com/office/powerpoint/2012/main">
+    <mc:Choice Requires="p15">
       <p:transition xmlns:p14="http://schemas.microsoft.com/office/powerpoint/2010/main" spd="slow" p14:dur="1250" advTm="8000">
         <p15:prstTrans prst="peelOff"/>
       </p:transition>
     </mc:Choice>
-    <mc:Fallback>
+    <mc:Fallback xmlns="">
       <p:transition spd="slow" advTm="8000">
         <p:fade/>
       </p:transition>
@@ -10972,7 +10972,7 @@
           <a:p>
             <a:fld id="{83C286D2-5717-406C-AD4B-C4A69D5338FB}" type="datetimeFigureOut">
               <a:rPr lang="de-AT" smtClean="0"/>
-              <a:t>12.05.2018</a:t>
+              <a:t>13.05.2018</a:t>
             </a:fld>
             <a:endParaRPr lang="de-AT"/>
           </a:p>
@@ -11053,13 +11053,13 @@
   <p:clrMapOvr>
     <a:masterClrMapping/>
   </p:clrMapOvr>
-  <mc:AlternateContent xmlns:mc="http://schemas.openxmlformats.org/markup-compatibility/2006">
-    <mc:Choice xmlns:p15="http://schemas.microsoft.com/office/powerpoint/2012/main" Requires="p15">
+  <mc:AlternateContent xmlns:mc="http://schemas.openxmlformats.org/markup-compatibility/2006" xmlns:p15="http://schemas.microsoft.com/office/powerpoint/2012/main">
+    <mc:Choice Requires="p15">
       <p:transition xmlns:p14="http://schemas.microsoft.com/office/powerpoint/2010/main" spd="slow" p14:dur="1250" advTm="8000">
         <p15:prstTrans prst="peelOff"/>
       </p:transition>
     </mc:Choice>
-    <mc:Fallback>
+    <mc:Fallback xmlns="">
       <p:transition spd="slow" advTm="8000">
         <p:fade/>
       </p:transition>
@@ -11266,7 +11266,7 @@
           <a:p>
             <a:fld id="{83C286D2-5717-406C-AD4B-C4A69D5338FB}" type="datetimeFigureOut">
               <a:rPr lang="de-AT" smtClean="0"/>
-              <a:t>12.05.2018</a:t>
+              <a:t>13.05.2018</a:t>
             </a:fld>
             <a:endParaRPr lang="de-AT"/>
           </a:p>
@@ -11340,13 +11340,13 @@
   <p:clrMapOvr>
     <a:masterClrMapping/>
   </p:clrMapOvr>
-  <mc:AlternateContent xmlns:mc="http://schemas.openxmlformats.org/markup-compatibility/2006">
-    <mc:Choice xmlns:p15="http://schemas.microsoft.com/office/powerpoint/2012/main" Requires="p15">
+  <mc:AlternateContent xmlns:mc="http://schemas.openxmlformats.org/markup-compatibility/2006" xmlns:p15="http://schemas.microsoft.com/office/powerpoint/2012/main">
+    <mc:Choice Requires="p15">
       <p:transition xmlns:p14="http://schemas.microsoft.com/office/powerpoint/2010/main" spd="slow" p14:dur="1250" advTm="8000">
         <p15:prstTrans prst="peelOff"/>
       </p:transition>
     </mc:Choice>
-    <mc:Fallback>
+    <mc:Fallback xmlns="">
       <p:transition spd="slow" advTm="8000">
         <p:fade/>
       </p:transition>
@@ -11389,7 +11389,7 @@
           <a:p>
             <a:fld id="{83C286D2-5717-406C-AD4B-C4A69D5338FB}" type="datetimeFigureOut">
               <a:rPr lang="de-AT" smtClean="0"/>
-              <a:t>12.05.2018</a:t>
+              <a:t>13.05.2018</a:t>
             </a:fld>
             <a:endParaRPr lang="de-AT"/>
           </a:p>
@@ -11447,13 +11447,13 @@
   <p:clrMapOvr>
     <a:masterClrMapping/>
   </p:clrMapOvr>
-  <mc:AlternateContent xmlns:mc="http://schemas.openxmlformats.org/markup-compatibility/2006">
-    <mc:Choice xmlns:p15="http://schemas.microsoft.com/office/powerpoint/2012/main" Requires="p15">
+  <mc:AlternateContent xmlns:mc="http://schemas.openxmlformats.org/markup-compatibility/2006" xmlns:p15="http://schemas.microsoft.com/office/powerpoint/2012/main">
+    <mc:Choice Requires="p15">
       <p:transition xmlns:p14="http://schemas.microsoft.com/office/powerpoint/2010/main" spd="slow" p14:dur="1250" advTm="8000">
         <p15:prstTrans prst="peelOff"/>
       </p:transition>
     </mc:Choice>
-    <mc:Fallback>
+    <mc:Fallback xmlns="">
       <p:transition spd="slow" advTm="8000">
         <p:fade/>
       </p:transition>
@@ -11685,7 +11685,7 @@
           <a:p>
             <a:fld id="{83C286D2-5717-406C-AD4B-C4A69D5338FB}" type="datetimeFigureOut">
               <a:rPr lang="de-AT" smtClean="0"/>
-              <a:t>12.05.2018</a:t>
+              <a:t>13.05.2018</a:t>
             </a:fld>
             <a:endParaRPr lang="de-AT"/>
           </a:p>
@@ -11743,13 +11743,13 @@
   <p:clrMapOvr>
     <a:masterClrMapping/>
   </p:clrMapOvr>
-  <mc:AlternateContent xmlns:mc="http://schemas.openxmlformats.org/markup-compatibility/2006">
-    <mc:Choice xmlns:p15="http://schemas.microsoft.com/office/powerpoint/2012/main" Requires="p15">
+  <mc:AlternateContent xmlns:mc="http://schemas.openxmlformats.org/markup-compatibility/2006" xmlns:p15="http://schemas.microsoft.com/office/powerpoint/2012/main">
+    <mc:Choice Requires="p15">
       <p:transition xmlns:p14="http://schemas.microsoft.com/office/powerpoint/2010/main" spd="slow" p14:dur="1250" advTm="8000">
         <p15:prstTrans prst="peelOff"/>
       </p:transition>
     </mc:Choice>
-    <mc:Fallback>
+    <mc:Fallback xmlns="">
       <p:transition spd="slow" advTm="8000">
         <p:fade/>
       </p:transition>
@@ -11961,7 +11961,7 @@
           <a:p>
             <a:fld id="{83C286D2-5717-406C-AD4B-C4A69D5338FB}" type="datetimeFigureOut">
               <a:rPr lang="de-AT" smtClean="0"/>
-              <a:t>12.05.2018</a:t>
+              <a:t>13.05.2018</a:t>
             </a:fld>
             <a:endParaRPr lang="de-AT"/>
           </a:p>
@@ -12019,13 +12019,13 @@
   <p:clrMapOvr>
     <a:masterClrMapping/>
   </p:clrMapOvr>
-  <mc:AlternateContent xmlns:mc="http://schemas.openxmlformats.org/markup-compatibility/2006">
-    <mc:Choice xmlns:p15="http://schemas.microsoft.com/office/powerpoint/2012/main" Requires="p15">
+  <mc:AlternateContent xmlns:mc="http://schemas.openxmlformats.org/markup-compatibility/2006" xmlns:p15="http://schemas.microsoft.com/office/powerpoint/2012/main">
+    <mc:Choice Requires="p15">
       <p:transition xmlns:p14="http://schemas.microsoft.com/office/powerpoint/2010/main" spd="slow" p14:dur="1250" advTm="8000">
         <p15:prstTrans prst="peelOff"/>
       </p:transition>
     </mc:Choice>
-    <mc:Fallback>
+    <mc:Fallback xmlns="">
       <p:transition spd="slow" advTm="8000">
         <p:fade/>
       </p:transition>
@@ -12143,7 +12143,7 @@
           <a:p>
             <a:fld id="{83C286D2-5717-406C-AD4B-C4A69D5338FB}" type="datetimeFigureOut">
               <a:rPr lang="de-AT" smtClean="0"/>
-              <a:t>12.05.2018</a:t>
+              <a:t>13.05.2018</a:t>
             </a:fld>
             <a:endParaRPr lang="de-AT"/>
           </a:p>
@@ -12201,13 +12201,13 @@
   <p:clrMapOvr>
     <a:masterClrMapping/>
   </p:clrMapOvr>
-  <mc:AlternateContent xmlns:mc="http://schemas.openxmlformats.org/markup-compatibility/2006">
-    <mc:Choice xmlns:p15="http://schemas.microsoft.com/office/powerpoint/2012/main" Requires="p15">
+  <mc:AlternateContent xmlns:mc="http://schemas.openxmlformats.org/markup-compatibility/2006" xmlns:p15="http://schemas.microsoft.com/office/powerpoint/2012/main">
+    <mc:Choice Requires="p15">
       <p:transition xmlns:p14="http://schemas.microsoft.com/office/powerpoint/2010/main" spd="slow" p14:dur="1250" advTm="8000">
         <p15:prstTrans prst="peelOff"/>
       </p:transition>
     </mc:Choice>
-    <mc:Fallback>
+    <mc:Fallback xmlns="">
       <p:transition spd="slow" advTm="8000">
         <p:fade/>
       </p:transition>
@@ -12335,7 +12335,7 @@
           <a:p>
             <a:fld id="{83C286D2-5717-406C-AD4B-C4A69D5338FB}" type="datetimeFigureOut">
               <a:rPr lang="de-AT" smtClean="0"/>
-              <a:t>12.05.2018</a:t>
+              <a:t>13.05.2018</a:t>
             </a:fld>
             <a:endParaRPr lang="de-AT"/>
           </a:p>
@@ -12393,13 +12393,13 @@
   <p:clrMapOvr>
     <a:masterClrMapping/>
   </p:clrMapOvr>
-  <mc:AlternateContent xmlns:mc="http://schemas.openxmlformats.org/markup-compatibility/2006">
-    <mc:Choice xmlns:p15="http://schemas.microsoft.com/office/powerpoint/2012/main" Requires="p15">
+  <mc:AlternateContent xmlns:mc="http://schemas.openxmlformats.org/markup-compatibility/2006" xmlns:p15="http://schemas.microsoft.com/office/powerpoint/2012/main">
+    <mc:Choice Requires="p15">
       <p:transition xmlns:p14="http://schemas.microsoft.com/office/powerpoint/2010/main" spd="slow" p14:dur="1250" advTm="8000">
         <p15:prstTrans prst="peelOff"/>
       </p:transition>
     </mc:Choice>
-    <mc:Fallback>
+    <mc:Fallback xmlns="">
       <p:transition spd="slow" advTm="8000">
         <p:fade/>
       </p:transition>
@@ -12587,7 +12587,7 @@
           <a:p>
             <a:fld id="{83C286D2-5717-406C-AD4B-C4A69D5338FB}" type="datetimeFigureOut">
               <a:rPr lang="de-AT" smtClean="0"/>
-              <a:t>12.05.2018</a:t>
+              <a:t>13.05.2018</a:t>
             </a:fld>
             <a:endParaRPr lang="de-AT"/>
           </a:p>
@@ -12661,13 +12661,13 @@
   <p:clrMapOvr>
     <a:masterClrMapping/>
   </p:clrMapOvr>
-  <mc:AlternateContent xmlns:mc="http://schemas.openxmlformats.org/markup-compatibility/2006">
-    <mc:Choice xmlns:p15="http://schemas.microsoft.com/office/powerpoint/2012/main" Requires="p15">
+  <mc:AlternateContent xmlns:mc="http://schemas.openxmlformats.org/markup-compatibility/2006" xmlns:p15="http://schemas.microsoft.com/office/powerpoint/2012/main">
+    <mc:Choice Requires="p15">
       <p:transition xmlns:p14="http://schemas.microsoft.com/office/powerpoint/2010/main" spd="slow" p14:dur="1250" advTm="8000">
         <p15:prstTrans prst="peelOff"/>
       </p:transition>
     </mc:Choice>
-    <mc:Fallback>
+    <mc:Fallback xmlns="">
       <p:transition spd="slow" advTm="8000">
         <p:fade/>
       </p:transition>
@@ -12970,7 +12970,7 @@
           <a:p>
             <a:fld id="{83C286D2-5717-406C-AD4B-C4A69D5338FB}" type="datetimeFigureOut">
               <a:rPr lang="de-AT" smtClean="0"/>
-              <a:t>12.05.2018</a:t>
+              <a:t>13.05.2018</a:t>
             </a:fld>
             <a:endParaRPr lang="de-AT"/>
           </a:p>
@@ -13067,13 +13067,13 @@
   <p:clrMapOvr>
     <a:masterClrMapping/>
   </p:clrMapOvr>
-  <mc:AlternateContent xmlns:mc="http://schemas.openxmlformats.org/markup-compatibility/2006">
-    <mc:Choice xmlns:p15="http://schemas.microsoft.com/office/powerpoint/2012/main" Requires="p15">
+  <mc:AlternateContent xmlns:mc="http://schemas.openxmlformats.org/markup-compatibility/2006" xmlns:p15="http://schemas.microsoft.com/office/powerpoint/2012/main">
+    <mc:Choice Requires="p15">
       <p:transition xmlns:p14="http://schemas.microsoft.com/office/powerpoint/2010/main" spd="slow" p14:dur="1250" advTm="8000">
         <p15:prstTrans prst="peelOff"/>
       </p:transition>
     </mc:Choice>
-    <mc:Fallback>
+    <mc:Fallback xmlns="">
       <p:transition spd="slow" advTm="8000">
         <p:fade/>
       </p:transition>
@@ -13124,7 +13124,7 @@
           <a:p>
             <a:fld id="{83C286D2-5717-406C-AD4B-C4A69D5338FB}" type="datetimeFigureOut">
               <a:rPr lang="de-AT" smtClean="0"/>
-              <a:t>12.05.2018</a:t>
+              <a:t>13.05.2018</a:t>
             </a:fld>
             <a:endParaRPr lang="de-AT"/>
           </a:p>
@@ -13227,13 +13227,13 @@
   <p:clrMapOvr>
     <a:masterClrMapping/>
   </p:clrMapOvr>
-  <mc:AlternateContent xmlns:mc="http://schemas.openxmlformats.org/markup-compatibility/2006">
-    <mc:Choice xmlns:p15="http://schemas.microsoft.com/office/powerpoint/2012/main" Requires="p15">
+  <mc:AlternateContent xmlns:mc="http://schemas.openxmlformats.org/markup-compatibility/2006" xmlns:p15="http://schemas.microsoft.com/office/powerpoint/2012/main">
+    <mc:Choice Requires="p15">
       <p:transition xmlns:p14="http://schemas.microsoft.com/office/powerpoint/2010/main" spd="slow" p14:dur="1250" advTm="8000">
         <p15:prstTrans prst="peelOff"/>
       </p:transition>
     </mc:Choice>
-    <mc:Fallback>
+    <mc:Fallback xmlns="">
       <p:transition spd="slow" advTm="8000">
         <p:fade/>
       </p:transition>
@@ -13284,7 +13284,7 @@
           <a:p>
             <a:fld id="{83C286D2-5717-406C-AD4B-C4A69D5338FB}" type="datetimeFigureOut">
               <a:rPr lang="de-AT" smtClean="0"/>
-              <a:t>12.05.2018</a:t>
+              <a:t>13.05.2018</a:t>
             </a:fld>
             <a:endParaRPr lang="de-AT"/>
           </a:p>
@@ -13358,13 +13358,13 @@
   <p:clrMapOvr>
     <a:masterClrMapping/>
   </p:clrMapOvr>
-  <mc:AlternateContent xmlns:mc="http://schemas.openxmlformats.org/markup-compatibility/2006">
-    <mc:Choice xmlns:p15="http://schemas.microsoft.com/office/powerpoint/2012/main" Requires="p15">
+  <mc:AlternateContent xmlns:mc="http://schemas.openxmlformats.org/markup-compatibility/2006" xmlns:p15="http://schemas.microsoft.com/office/powerpoint/2012/main">
+    <mc:Choice Requires="p15">
       <p:transition xmlns:p14="http://schemas.microsoft.com/office/powerpoint/2010/main" spd="slow" p14:dur="1250" advTm="8000">
         <p15:prstTrans prst="peelOff"/>
       </p:transition>
     </mc:Choice>
-    <mc:Fallback>
+    <mc:Fallback xmlns="">
       <p:transition spd="slow" advTm="8000">
         <p:fade/>
       </p:transition>
@@ -13604,7 +13604,7 @@
           <a:p>
             <a:fld id="{83C286D2-5717-406C-AD4B-C4A69D5338FB}" type="datetimeFigureOut">
               <a:rPr lang="de-AT" smtClean="0"/>
-              <a:t>12.05.2018</a:t>
+              <a:t>13.05.2018</a:t>
             </a:fld>
             <a:endParaRPr lang="de-AT"/>
           </a:p>
@@ -13678,13 +13678,13 @@
   <p:clrMapOvr>
     <a:masterClrMapping/>
   </p:clrMapOvr>
-  <mc:AlternateContent xmlns:mc="http://schemas.openxmlformats.org/markup-compatibility/2006">
-    <mc:Choice xmlns:p15="http://schemas.microsoft.com/office/powerpoint/2012/main" Requires="p15">
+  <mc:AlternateContent xmlns:mc="http://schemas.openxmlformats.org/markup-compatibility/2006" xmlns:p15="http://schemas.microsoft.com/office/powerpoint/2012/main">
+    <mc:Choice Requires="p15">
       <p:transition xmlns:p14="http://schemas.microsoft.com/office/powerpoint/2010/main" spd="slow" p14:dur="1250" advTm="8000">
         <p15:prstTrans prst="peelOff"/>
       </p:transition>
     </mc:Choice>
-    <mc:Fallback>
+    <mc:Fallback xmlns="">
       <p:transition spd="slow" advTm="8000">
         <p:fade/>
       </p:transition>
@@ -13904,7 +13904,7 @@
           <a:p>
             <a:fld id="{83C286D2-5717-406C-AD4B-C4A69D5338FB}" type="datetimeFigureOut">
               <a:rPr lang="de-AT" smtClean="0"/>
-              <a:t>12.05.2018</a:t>
+              <a:t>13.05.2018</a:t>
             </a:fld>
             <a:endParaRPr lang="de-AT"/>
           </a:p>
@@ -13978,13 +13978,13 @@
   <p:clrMapOvr>
     <a:masterClrMapping/>
   </p:clrMapOvr>
-  <mc:AlternateContent xmlns:mc="http://schemas.openxmlformats.org/markup-compatibility/2006">
-    <mc:Choice xmlns:p15="http://schemas.microsoft.com/office/powerpoint/2012/main" Requires="p15">
+  <mc:AlternateContent xmlns:mc="http://schemas.openxmlformats.org/markup-compatibility/2006" xmlns:p15="http://schemas.microsoft.com/office/powerpoint/2012/main">
+    <mc:Choice Requires="p15">
       <p:transition xmlns:p14="http://schemas.microsoft.com/office/powerpoint/2010/main" spd="slow" p14:dur="1250" advTm="8000">
         <p15:prstTrans prst="peelOff"/>
       </p:transition>
     </mc:Choice>
-    <mc:Fallback>
+    <mc:Fallback xmlns="">
       <p:transition spd="slow" advTm="8000">
         <p:fade/>
       </p:transition>
@@ -14197,13 +14197,13 @@
     <p:sldLayoutId id="2147483707" r:id="rId11"/>
     <p:sldLayoutId id="2147483744" r:id="rId12"/>
   </p:sldLayoutIdLst>
-  <mc:AlternateContent xmlns:mc="http://schemas.openxmlformats.org/markup-compatibility/2006">
-    <mc:Choice xmlns:p15="http://schemas.microsoft.com/office/powerpoint/2012/main" Requires="p15">
+  <mc:AlternateContent xmlns:mc="http://schemas.openxmlformats.org/markup-compatibility/2006" xmlns:p15="http://schemas.microsoft.com/office/powerpoint/2012/main">
+    <mc:Choice Requires="p15">
       <p:transition xmlns:p14="http://schemas.microsoft.com/office/powerpoint/2010/main" spd="slow" p14:dur="1250" advTm="8000">
         <p15:prstTrans prst="peelOff"/>
       </p:transition>
     </mc:Choice>
-    <mc:Fallback>
+    <mc:Fallback xmlns="">
       <p:transition spd="slow" advTm="8000">
         <p:fade/>
       </p:transition>
@@ -14638,7 +14638,7 @@
           <a:p>
             <a:fld id="{83C286D2-5717-406C-AD4B-C4A69D5338FB}" type="datetimeFigureOut">
               <a:rPr lang="de-AT" smtClean="0"/>
-              <a:t>12.05.2018</a:t>
+              <a:t>13.05.2018</a:t>
             </a:fld>
             <a:endParaRPr lang="de-AT"/>
           </a:p>
@@ -14744,13 +14744,13 @@
     <p:sldLayoutId id="2147483718" r:id="rId10"/>
     <p:sldLayoutId id="2147483719" r:id="rId11"/>
   </p:sldLayoutIdLst>
-  <mc:AlternateContent xmlns:mc="http://schemas.openxmlformats.org/markup-compatibility/2006">
-    <mc:Choice xmlns:p15="http://schemas.microsoft.com/office/powerpoint/2012/main" Requires="p15">
+  <mc:AlternateContent xmlns:mc="http://schemas.openxmlformats.org/markup-compatibility/2006" xmlns:p15="http://schemas.microsoft.com/office/powerpoint/2012/main">
+    <mc:Choice Requires="p15">
       <p:transition xmlns:p14="http://schemas.microsoft.com/office/powerpoint/2010/main" spd="slow" p14:dur="1250" advTm="8000">
         <p15:prstTrans prst="peelOff"/>
       </p:transition>
     </mc:Choice>
-    <mc:Fallback>
+    <mc:Fallback xmlns="">
       <p:transition spd="slow" advTm="8000">
         <p:fade/>
       </p:transition>
@@ -15185,7 +15185,7 @@
           <a:p>
             <a:fld id="{83C286D2-5717-406C-AD4B-C4A69D5338FB}" type="datetimeFigureOut">
               <a:rPr lang="de-AT" smtClean="0"/>
-              <a:t>12.05.2018</a:t>
+              <a:t>13.05.2018</a:t>
             </a:fld>
             <a:endParaRPr lang="de-AT"/>
           </a:p>
@@ -15291,13 +15291,13 @@
     <p:sldLayoutId id="2147483742" r:id="rId10"/>
     <p:sldLayoutId id="2147483743" r:id="rId11"/>
   </p:sldLayoutIdLst>
-  <mc:AlternateContent xmlns:mc="http://schemas.openxmlformats.org/markup-compatibility/2006">
-    <mc:Choice xmlns:p15="http://schemas.microsoft.com/office/powerpoint/2012/main" Requires="p15">
+  <mc:AlternateContent xmlns:mc="http://schemas.openxmlformats.org/markup-compatibility/2006" xmlns:p15="http://schemas.microsoft.com/office/powerpoint/2012/main">
+    <mc:Choice Requires="p15">
       <p:transition xmlns:p14="http://schemas.microsoft.com/office/powerpoint/2010/main" spd="slow" p14:dur="1250" advTm="8000">
         <p15:prstTrans prst="peelOff"/>
       </p:transition>
     </mc:Choice>
-    <mc:Fallback>
+    <mc:Fallback xmlns="">
       <p:transition spd="slow" advTm="8000">
         <p:fade/>
       </p:transition>
@@ -15658,13 +15658,13 @@
   <p:clrMapOvr>
     <a:masterClrMapping/>
   </p:clrMapOvr>
-  <mc:AlternateContent xmlns:mc="http://schemas.openxmlformats.org/markup-compatibility/2006">
-    <mc:Choice xmlns:p15="http://schemas.microsoft.com/office/powerpoint/2012/main" Requires="p15">
+  <mc:AlternateContent xmlns:mc="http://schemas.openxmlformats.org/markup-compatibility/2006" xmlns:p15="http://schemas.microsoft.com/office/powerpoint/2012/main">
+    <mc:Choice Requires="p15">
       <p:transition xmlns:p14="http://schemas.microsoft.com/office/powerpoint/2010/main" spd="slow" p14:dur="1250" advTm="5000">
         <p15:prstTrans prst="peelOff"/>
       </p:transition>
     </mc:Choice>
-    <mc:Fallback>
+    <mc:Fallback xmlns="">
       <p:transition spd="slow" advTm="5000">
         <p:fade/>
       </p:transition>
@@ -15796,7 +15796,7 @@
               <a:rPr lang="de-AT" sz="2400" dirty="0">
                 <a:latin typeface="raleway"/>
               </a:rPr>
-              <a:t>Bei der Registration müssen Benutzername und Passwort von Netzonline eingegeben werden.</a:t>
+              <a:t>Bei der Registrierung müssen Benutzername und Passwort von Netzonline eingegeben werden.</a:t>
             </a:r>
           </a:p>
           <a:p>
@@ -15824,13 +15824,13 @@
   <p:clrMapOvr>
     <a:masterClrMapping/>
   </p:clrMapOvr>
-  <mc:AlternateContent xmlns:mc="http://schemas.openxmlformats.org/markup-compatibility/2006">
-    <mc:Choice xmlns:p15="http://schemas.microsoft.com/office/powerpoint/2012/main" Requires="p15">
+  <mc:AlternateContent xmlns:mc="http://schemas.openxmlformats.org/markup-compatibility/2006" xmlns:p15="http://schemas.microsoft.com/office/powerpoint/2012/main">
+    <mc:Choice Requires="p15">
       <p:transition xmlns:p14="http://schemas.microsoft.com/office/powerpoint/2010/main" spd="slow" p14:dur="1250" advTm="8000">
         <p15:prstTrans prst="peelOff"/>
       </p:transition>
     </mc:Choice>
-    <mc:Fallback>
+    <mc:Fallback xmlns="">
       <p:transition spd="slow" advTm="8000">
         <p:fade/>
       </p:transition>
@@ -15915,6 +15915,21 @@
               <a:t>Erweiterung des Anwendungsbereiches von AEMS – Zugang auch für Unternehmen und Privathaushalte.</a:t>
             </a:r>
           </a:p>
+          <a:p>
+            <a:pPr marL="0" indent="0">
+              <a:buNone/>
+            </a:pPr>
+            <a:endParaRPr lang="de-AT" sz="3200" dirty="0"/>
+          </a:p>
+          <a:p>
+            <a:pPr marL="0" indent="0">
+              <a:buNone/>
+            </a:pPr>
+            <a:r>
+              <a:rPr lang="de-AT" sz="3200" dirty="0"/>
+              <a:t>Erweiterung der Software um nützliche Features für Smartphone und Web.</a:t>
+            </a:r>
+          </a:p>
         </p:txBody>
       </p:sp>
     </p:spTree>
@@ -15927,13 +15942,13 @@
   <p:clrMapOvr>
     <a:masterClrMapping/>
   </p:clrMapOvr>
-  <mc:AlternateContent xmlns:mc="http://schemas.openxmlformats.org/markup-compatibility/2006">
-    <mc:Choice xmlns:p15="http://schemas.microsoft.com/office/powerpoint/2012/main" Requires="p15">
+  <mc:AlternateContent xmlns:mc="http://schemas.openxmlformats.org/markup-compatibility/2006" xmlns:p15="http://schemas.microsoft.com/office/powerpoint/2012/main">
+    <mc:Choice Requires="p15">
       <p:transition xmlns:p14="http://schemas.microsoft.com/office/powerpoint/2010/main" spd="slow" p14:dur="1250" advTm="8000">
         <p15:prstTrans prst="peelOff"/>
       </p:transition>
     </mc:Choice>
-    <mc:Fallback>
+    <mc:Fallback xmlns="">
       <p:transition spd="slow" advTm="8000">
         <p:fade/>
       </p:transition>
@@ -16064,13 +16079,13 @@
   <p:clrMapOvr>
     <a:masterClrMapping/>
   </p:clrMapOvr>
-  <mc:AlternateContent xmlns:mc="http://schemas.openxmlformats.org/markup-compatibility/2006">
-    <mc:Choice xmlns:p15="http://schemas.microsoft.com/office/powerpoint/2012/main" Requires="p15">
+  <mc:AlternateContent xmlns:mc="http://schemas.openxmlformats.org/markup-compatibility/2006" xmlns:p15="http://schemas.microsoft.com/office/powerpoint/2012/main">
+    <mc:Choice Requires="p15">
       <p:transition xmlns:p14="http://schemas.microsoft.com/office/powerpoint/2010/main" spd="slow" p14:dur="1250" advTm="8000">
         <p15:prstTrans prst="peelOff"/>
       </p:transition>
     </mc:Choice>
-    <mc:Fallback>
+    <mc:Fallback xmlns="">
       <p:transition spd="slow" advTm="8000">
         <p:fade/>
       </p:transition>
@@ -16348,7 +16363,7 @@
         <p:spPr>
           <a:xfrm>
             <a:off x="9078686" y="2384987"/>
-            <a:ext cx="2953050" cy="923330"/>
+            <a:ext cx="3113314" cy="830997"/>
           </a:xfrm>
           <a:prstGeom prst="rect">
             <a:avLst/>
@@ -16362,7 +16377,7 @@
           <a:lstStyle/>
           <a:p>
             <a:r>
-              <a:rPr lang="de-AT" sz="5400" dirty="0">
+              <a:rPr lang="de-AT" sz="4800" dirty="0">
                 <a:solidFill>
                   <a:schemeClr val="bg1"/>
                 </a:solidFill>
@@ -16611,7 +16626,7 @@
         <p:spPr>
           <a:xfrm>
             <a:off x="10026675" y="4599550"/>
-            <a:ext cx="1921165" cy="923330"/>
+            <a:ext cx="1921165" cy="830997"/>
           </a:xfrm>
           <a:prstGeom prst="rect">
             <a:avLst/>
@@ -16625,7 +16640,7 @@
           <a:lstStyle/>
           <a:p>
             <a:r>
-              <a:rPr lang="de-AT" sz="5400" dirty="0">
+              <a:rPr lang="de-AT" sz="4800" dirty="0">
                 <a:solidFill>
                   <a:schemeClr val="bg1"/>
                 </a:solidFill>
@@ -16646,13 +16661,13 @@
   <p:clrMapOvr>
     <a:masterClrMapping/>
   </p:clrMapOvr>
-  <mc:AlternateContent xmlns:mc="http://schemas.openxmlformats.org/markup-compatibility/2006">
-    <mc:Choice xmlns:p15="http://schemas.microsoft.com/office/powerpoint/2012/main" Requires="p15">
+  <mc:AlternateContent xmlns:mc="http://schemas.openxmlformats.org/markup-compatibility/2006" xmlns:p15="http://schemas.microsoft.com/office/powerpoint/2012/main">
+    <mc:Choice Requires="p15">
       <p:transition xmlns:p14="http://schemas.microsoft.com/office/powerpoint/2010/main" spd="slow" p14:dur="1250" advTm="8000">
         <p15:prstTrans prst="peelOff"/>
       </p:transition>
     </mc:Choice>
-    <mc:Fallback>
+    <mc:Fallback xmlns="">
       <p:transition spd="slow" advTm="8000">
         <p:fade/>
       </p:transition>
@@ -16968,13 +16983,13 @@
   <p:clrMapOvr>
     <a:masterClrMapping/>
   </p:clrMapOvr>
-  <mc:AlternateContent xmlns:mc="http://schemas.openxmlformats.org/markup-compatibility/2006">
-    <mc:Choice xmlns:p15="http://schemas.microsoft.com/office/powerpoint/2012/main" Requires="p15">
+  <mc:AlternateContent xmlns:mc="http://schemas.openxmlformats.org/markup-compatibility/2006" xmlns:p15="http://schemas.microsoft.com/office/powerpoint/2012/main">
+    <mc:Choice Requires="p15">
       <p:transition xmlns:p14="http://schemas.microsoft.com/office/powerpoint/2010/main" spd="slow" p14:dur="1250" advTm="8000">
         <p15:prstTrans prst="peelOff"/>
       </p:transition>
     </mc:Choice>
-    <mc:Fallback>
+    <mc:Fallback xmlns="">
       <p:transition spd="slow" advTm="8000">
         <p:fade/>
       </p:transition>
@@ -17062,7 +17077,7 @@
               <a:rPr lang="de-AT" sz="2800" dirty="0">
                 <a:latin typeface="raleway"/>
               </a:rPr>
-              <a:t> in öffentlichen Gebäuden.</a:t>
+              <a:t> in öffentlichen Gebäuden</a:t>
             </a:r>
           </a:p>
         </p:txBody>
@@ -17155,12 +17170,9 @@
               </a:rPr>
               <a:t>Benachrichtigungen</a:t>
             </a:r>
-            <a:r>
-              <a:rPr lang="de-AT" sz="2800" dirty="0">
-                <a:latin typeface="raleway"/>
-              </a:rPr>
-              <a:t>.</a:t>
-            </a:r>
+            <a:endParaRPr lang="de-AT" sz="2800" dirty="0">
+              <a:latin typeface="raleway"/>
+            </a:endParaRPr>
           </a:p>
         </p:txBody>
       </p:sp>
@@ -17204,13 +17216,13 @@
   <p:clrMapOvr>
     <a:masterClrMapping/>
   </p:clrMapOvr>
-  <mc:AlternateContent xmlns:mc="http://schemas.openxmlformats.org/markup-compatibility/2006">
-    <mc:Choice xmlns:p15="http://schemas.microsoft.com/office/powerpoint/2012/main" Requires="p15">
+  <mc:AlternateContent xmlns:mc="http://schemas.openxmlformats.org/markup-compatibility/2006" xmlns:p15="http://schemas.microsoft.com/office/powerpoint/2012/main">
+    <mc:Choice Requires="p15">
       <p:transition xmlns:p14="http://schemas.microsoft.com/office/powerpoint/2010/main" spd="slow" p14:dur="1250" advTm="8000">
         <p15:prstTrans prst="peelOff"/>
       </p:transition>
     </mc:Choice>
-    <mc:Fallback>
+    <mc:Fallback xmlns="">
       <p:transition spd="slow" advTm="8000">
         <p:fade/>
       </p:transition>
@@ -17305,13 +17317,13 @@
   <p:clrMapOvr>
     <a:masterClrMapping/>
   </p:clrMapOvr>
-  <mc:AlternateContent xmlns:mc="http://schemas.openxmlformats.org/markup-compatibility/2006">
-    <mc:Choice xmlns:p15="http://schemas.microsoft.com/office/powerpoint/2012/main" Requires="p15">
+  <mc:AlternateContent xmlns:mc="http://schemas.openxmlformats.org/markup-compatibility/2006" xmlns:p15="http://schemas.microsoft.com/office/powerpoint/2012/main">
+    <mc:Choice Requires="p15">
       <p:transition xmlns:p14="http://schemas.microsoft.com/office/powerpoint/2010/main" spd="slow" p14:dur="1250" advTm="8000">
         <p15:prstTrans prst="peelOff"/>
       </p:transition>
     </mc:Choice>
-    <mc:Fallback>
+    <mc:Fallback xmlns="">
       <p:transition spd="slow" advTm="8000">
         <p:fade/>
       </p:transition>
@@ -17422,13 +17434,13 @@
   <p:clrMapOvr>
     <a:masterClrMapping/>
   </p:clrMapOvr>
-  <mc:AlternateContent xmlns:mc="http://schemas.openxmlformats.org/markup-compatibility/2006">
-    <mc:Choice xmlns:p15="http://schemas.microsoft.com/office/powerpoint/2012/main" Requires="p15">
+  <mc:AlternateContent xmlns:mc="http://schemas.openxmlformats.org/markup-compatibility/2006" xmlns:p15="http://schemas.microsoft.com/office/powerpoint/2012/main">
+    <mc:Choice Requires="p15">
       <p:transition xmlns:p14="http://schemas.microsoft.com/office/powerpoint/2010/main" spd="slow" p14:dur="1250" advTm="8000">
         <p15:prstTrans prst="peelOff"/>
       </p:transition>
     </mc:Choice>
-    <mc:Fallback>
+    <mc:Fallback xmlns="">
       <p:transition spd="slow" advTm="8000">
         <p:fade/>
       </p:transition>
@@ -17580,13 +17592,13 @@
   <p:clrMapOvr>
     <a:masterClrMapping/>
   </p:clrMapOvr>
-  <mc:AlternateContent xmlns:mc="http://schemas.openxmlformats.org/markup-compatibility/2006">
-    <mc:Choice xmlns:p15="http://schemas.microsoft.com/office/powerpoint/2012/main" Requires="p15">
+  <mc:AlternateContent xmlns:mc="http://schemas.openxmlformats.org/markup-compatibility/2006" xmlns:p15="http://schemas.microsoft.com/office/powerpoint/2012/main">
+    <mc:Choice Requires="p15">
       <p:transition xmlns:p14="http://schemas.microsoft.com/office/powerpoint/2010/main" spd="slow" p14:dur="1250" advTm="8000">
         <p15:prstTrans prst="peelOff"/>
       </p:transition>
     </mc:Choice>
-    <mc:Fallback>
+    <mc:Fallback xmlns="">
       <p:transition spd="slow" advTm="8000">
         <p:fade/>
       </p:transition>
@@ -17722,7 +17734,7 @@
           <a:lstStyle/>
           <a:p>
             <a:r>
-              <a:rPr lang="de-AT" dirty="0"/>
+              <a:rPr lang="de-AT" sz="3200" dirty="0"/>
               <a:t>Unterwegs immer informiert</a:t>
             </a:r>
           </a:p>
@@ -17817,13 +17829,13 @@
   <p:clrMapOvr>
     <a:masterClrMapping/>
   </p:clrMapOvr>
-  <mc:AlternateContent xmlns:mc="http://schemas.openxmlformats.org/markup-compatibility/2006">
-    <mc:Choice xmlns:p15="http://schemas.microsoft.com/office/powerpoint/2012/main" Requires="p15">
+  <mc:AlternateContent xmlns:mc="http://schemas.openxmlformats.org/markup-compatibility/2006" xmlns:p15="http://schemas.microsoft.com/office/powerpoint/2012/main">
+    <mc:Choice Requires="p15">
       <p:transition xmlns:p14="http://schemas.microsoft.com/office/powerpoint/2010/main" spd="slow" p14:dur="1250" advTm="8000">
         <p15:prstTrans prst="peelOff"/>
       </p:transition>
     </mc:Choice>
-    <mc:Fallback>
+    <mc:Fallback xmlns="">
       <p:transition spd="slow" advTm="8000">
         <p:fade/>
       </p:transition>
@@ -17922,13 +17934,13 @@
   <p:clrMapOvr>
     <a:masterClrMapping/>
   </p:clrMapOvr>
-  <mc:AlternateContent xmlns:mc="http://schemas.openxmlformats.org/markup-compatibility/2006">
-    <mc:Choice xmlns:p15="http://schemas.microsoft.com/office/powerpoint/2012/main" Requires="p15">
+  <mc:AlternateContent xmlns:mc="http://schemas.openxmlformats.org/markup-compatibility/2006" xmlns:p15="http://schemas.microsoft.com/office/powerpoint/2012/main">
+    <mc:Choice Requires="p15">
       <p:transition xmlns:p14="http://schemas.microsoft.com/office/powerpoint/2010/main" spd="slow" p14:dur="1250" advTm="8000">
         <p15:prstTrans prst="peelOff"/>
       </p:transition>
     </mc:Choice>
-    <mc:Fallback>
+    <mc:Fallback xmlns="">
       <p:transition spd="slow" advTm="8000">
         <p:fade/>
       </p:transition>

--- a/Planung/Praesentationen/Praesentation_Firmentag.pptx
+++ b/Planung/Praesentationen/Praesentation_Firmentag.pptx
@@ -7,7 +7,7 @@
     <p:sldMasterId id="2147483732" r:id="rId3"/>
   </p:sldMasterIdLst>
   <p:notesMasterIdLst>
-    <p:notesMasterId r:id="rId16"/>
+    <p:notesMasterId r:id="rId17"/>
   </p:notesMasterIdLst>
   <p:sldIdLst>
     <p:sldId id="257" r:id="rId4"/>
@@ -18,10 +18,11 @@
     <p:sldId id="269" r:id="rId9"/>
     <p:sldId id="270" r:id="rId10"/>
     <p:sldId id="273" r:id="rId11"/>
-    <p:sldId id="271" r:id="rId12"/>
-    <p:sldId id="272" r:id="rId13"/>
-    <p:sldId id="281" r:id="rId14"/>
-    <p:sldId id="267" r:id="rId15"/>
+    <p:sldId id="282" r:id="rId12"/>
+    <p:sldId id="271" r:id="rId13"/>
+    <p:sldId id="272" r:id="rId14"/>
+    <p:sldId id="281" r:id="rId15"/>
+    <p:sldId id="267" r:id="rId16"/>
   </p:sldIdLst>
   <p:sldSz cx="12192000" cy="6858000"/>
   <p:notesSz cx="6858000" cy="9144000"/>
@@ -5341,7 +5342,7 @@
           <a:p>
             <a:fld id="{6C12F6B1-6786-4E64-B681-F379C9A54FC0}" type="datetimeFigureOut">
               <a:rPr lang="de-AT" smtClean="0"/>
-              <a:t>13.05.2018</a:t>
+              <a:t>15.05.2018</a:t>
             </a:fld>
             <a:endParaRPr lang="de-AT"/>
           </a:p>
@@ -5983,7 +5984,7 @@
           <a:p>
             <a:fld id="{B7AC7242-7699-4B54-8BDA-8FADE3A1DDAA}" type="slidenum">
               <a:rPr lang="de-AT" smtClean="0"/>
-              <a:t>12</a:t>
+              <a:t>13</a:t>
             </a:fld>
             <a:endParaRPr lang="de-AT"/>
           </a:p>
@@ -6433,7 +6434,7 @@
           <a:p>
             <a:fld id="{83C286D2-5717-406C-AD4B-C4A69D5338FB}" type="datetimeFigureOut">
               <a:rPr lang="de-AT" smtClean="0"/>
-              <a:t>13.05.2018</a:t>
+              <a:t>15.05.2018</a:t>
             </a:fld>
             <a:endParaRPr lang="de-AT"/>
           </a:p>
@@ -6649,7 +6650,7 @@
           <a:p>
             <a:fld id="{83C286D2-5717-406C-AD4B-C4A69D5338FB}" type="datetimeFigureOut">
               <a:rPr lang="de-AT" smtClean="0"/>
-              <a:t>13.05.2018</a:t>
+              <a:t>15.05.2018</a:t>
             </a:fld>
             <a:endParaRPr lang="de-AT"/>
           </a:p>
@@ -6888,7 +6889,7 @@
           <a:p>
             <a:fld id="{83C286D2-5717-406C-AD4B-C4A69D5338FB}" type="datetimeFigureOut">
               <a:rPr lang="de-AT" smtClean="0"/>
-              <a:t>13.05.2018</a:t>
+              <a:t>15.05.2018</a:t>
             </a:fld>
             <a:endParaRPr lang="de-AT"/>
           </a:p>
@@ -7119,7 +7120,7 @@
           <a:p>
             <a:fld id="{83C286D2-5717-406C-AD4B-C4A69D5338FB}" type="datetimeFigureOut">
               <a:rPr lang="de-AT" smtClean="0"/>
-              <a:t>13.05.2018</a:t>
+              <a:t>15.05.2018</a:t>
             </a:fld>
             <a:endParaRPr lang="de-AT"/>
           </a:p>
@@ -7301,7 +7302,7 @@
           <a:p>
             <a:fld id="{83C286D2-5717-406C-AD4B-C4A69D5338FB}" type="datetimeFigureOut">
               <a:rPr lang="de-AT" smtClean="0"/>
-              <a:t>13.05.2018</a:t>
+              <a:t>15.05.2018</a:t>
             </a:fld>
             <a:endParaRPr lang="de-AT"/>
           </a:p>
@@ -7564,7 +7565,7 @@
           <a:p>
             <a:fld id="{83C286D2-5717-406C-AD4B-C4A69D5338FB}" type="datetimeFigureOut">
               <a:rPr lang="de-AT" smtClean="0"/>
-              <a:t>13.05.2018</a:t>
+              <a:t>15.05.2018</a:t>
             </a:fld>
             <a:endParaRPr lang="de-AT"/>
           </a:p>
@@ -7808,7 +7809,7 @@
           <a:p>
             <a:fld id="{83C286D2-5717-406C-AD4B-C4A69D5338FB}" type="datetimeFigureOut">
               <a:rPr lang="de-AT" smtClean="0"/>
-              <a:t>13.05.2018</a:t>
+              <a:t>15.05.2018</a:t>
             </a:fld>
             <a:endParaRPr lang="de-AT"/>
           </a:p>
@@ -8167,7 +8168,7 @@
           <a:p>
             <a:fld id="{83C286D2-5717-406C-AD4B-C4A69D5338FB}" type="datetimeFigureOut">
               <a:rPr lang="de-AT" smtClean="0"/>
-              <a:t>13.05.2018</a:t>
+              <a:t>15.05.2018</a:t>
             </a:fld>
             <a:endParaRPr lang="de-AT"/>
           </a:p>
@@ -8297,7 +8298,7 @@
           <a:p>
             <a:fld id="{83C286D2-5717-406C-AD4B-C4A69D5338FB}" type="datetimeFigureOut">
               <a:rPr lang="de-AT" smtClean="0"/>
-              <a:t>13.05.2018</a:t>
+              <a:t>15.05.2018</a:t>
             </a:fld>
             <a:endParaRPr lang="de-AT"/>
           </a:p>
@@ -8427,7 +8428,7 @@
           <a:p>
             <a:fld id="{83C286D2-5717-406C-AD4B-C4A69D5338FB}" type="datetimeFigureOut">
               <a:rPr lang="de-AT" smtClean="0"/>
-              <a:t>13.05.2018</a:t>
+              <a:t>15.05.2018</a:t>
             </a:fld>
             <a:endParaRPr lang="de-AT"/>
           </a:p>
@@ -8617,7 +8618,7 @@
           <a:p>
             <a:fld id="{83C286D2-5717-406C-AD4B-C4A69D5338FB}" type="datetimeFigureOut">
               <a:rPr lang="de-AT" smtClean="0"/>
-              <a:t>13.05.2018</a:t>
+              <a:t>15.05.2018</a:t>
             </a:fld>
             <a:endParaRPr lang="de-AT"/>
           </a:p>
@@ -8929,7 +8930,7 @@
           <a:p>
             <a:fld id="{83C286D2-5717-406C-AD4B-C4A69D5338FB}" type="datetimeFigureOut">
               <a:rPr lang="de-AT" smtClean="0"/>
-              <a:t>13.05.2018</a:t>
+              <a:t>15.05.2018</a:t>
             </a:fld>
             <a:endParaRPr lang="de-AT"/>
           </a:p>
@@ -9205,7 +9206,7 @@
           <a:p>
             <a:fld id="{83C286D2-5717-406C-AD4B-C4A69D5338FB}" type="datetimeFigureOut">
               <a:rPr lang="de-AT" smtClean="0"/>
-              <a:t>13.05.2018</a:t>
+              <a:t>15.05.2018</a:t>
             </a:fld>
             <a:endParaRPr lang="de-AT"/>
           </a:p>
@@ -9387,7 +9388,7 @@
           <a:p>
             <a:fld id="{83C286D2-5717-406C-AD4B-C4A69D5338FB}" type="datetimeFigureOut">
               <a:rPr lang="de-AT" smtClean="0"/>
-              <a:t>13.05.2018</a:t>
+              <a:t>15.05.2018</a:t>
             </a:fld>
             <a:endParaRPr lang="de-AT"/>
           </a:p>
@@ -9579,7 +9580,7 @@
           <a:p>
             <a:fld id="{83C286D2-5717-406C-AD4B-C4A69D5338FB}" type="datetimeFigureOut">
               <a:rPr lang="de-AT" smtClean="0"/>
-              <a:t>13.05.2018</a:t>
+              <a:t>15.05.2018</a:t>
             </a:fld>
             <a:endParaRPr lang="de-AT"/>
           </a:p>
@@ -9794,7 +9795,7 @@
           <a:p>
             <a:fld id="{83C286D2-5717-406C-AD4B-C4A69D5338FB}" type="datetimeFigureOut">
               <a:rPr lang="de-AT" smtClean="0"/>
-              <a:t>13.05.2018</a:t>
+              <a:t>15.05.2018</a:t>
             </a:fld>
             <a:endParaRPr lang="de-AT"/>
           </a:p>
@@ -9976,7 +9977,7 @@
           <a:p>
             <a:fld id="{83C286D2-5717-406C-AD4B-C4A69D5338FB}" type="datetimeFigureOut">
               <a:rPr lang="de-AT" smtClean="0"/>
-              <a:t>13.05.2018</a:t>
+              <a:t>15.05.2018</a:t>
             </a:fld>
             <a:endParaRPr lang="de-AT"/>
           </a:p>
@@ -10239,7 +10240,7 @@
           <a:p>
             <a:fld id="{83C286D2-5717-406C-AD4B-C4A69D5338FB}" type="datetimeFigureOut">
               <a:rPr lang="de-AT" smtClean="0"/>
-              <a:t>13.05.2018</a:t>
+              <a:t>15.05.2018</a:t>
             </a:fld>
             <a:endParaRPr lang="de-AT"/>
           </a:p>
@@ -10483,7 +10484,7 @@
           <a:p>
             <a:fld id="{83C286D2-5717-406C-AD4B-C4A69D5338FB}" type="datetimeFigureOut">
               <a:rPr lang="de-AT" smtClean="0"/>
-              <a:t>13.05.2018</a:t>
+              <a:t>15.05.2018</a:t>
             </a:fld>
             <a:endParaRPr lang="de-AT"/>
           </a:p>
@@ -10842,7 +10843,7 @@
           <a:p>
             <a:fld id="{83C286D2-5717-406C-AD4B-C4A69D5338FB}" type="datetimeFigureOut">
               <a:rPr lang="de-AT" smtClean="0"/>
-              <a:t>13.05.2018</a:t>
+              <a:t>15.05.2018</a:t>
             </a:fld>
             <a:endParaRPr lang="de-AT"/>
           </a:p>
@@ -10972,7 +10973,7 @@
           <a:p>
             <a:fld id="{83C286D2-5717-406C-AD4B-C4A69D5338FB}" type="datetimeFigureOut">
               <a:rPr lang="de-AT" smtClean="0"/>
-              <a:t>13.05.2018</a:t>
+              <a:t>15.05.2018</a:t>
             </a:fld>
             <a:endParaRPr lang="de-AT"/>
           </a:p>
@@ -11266,7 +11267,7 @@
           <a:p>
             <a:fld id="{83C286D2-5717-406C-AD4B-C4A69D5338FB}" type="datetimeFigureOut">
               <a:rPr lang="de-AT" smtClean="0"/>
-              <a:t>13.05.2018</a:t>
+              <a:t>15.05.2018</a:t>
             </a:fld>
             <a:endParaRPr lang="de-AT"/>
           </a:p>
@@ -11389,7 +11390,7 @@
           <a:p>
             <a:fld id="{83C286D2-5717-406C-AD4B-C4A69D5338FB}" type="datetimeFigureOut">
               <a:rPr lang="de-AT" smtClean="0"/>
-              <a:t>13.05.2018</a:t>
+              <a:t>15.05.2018</a:t>
             </a:fld>
             <a:endParaRPr lang="de-AT"/>
           </a:p>
@@ -11685,7 +11686,7 @@
           <a:p>
             <a:fld id="{83C286D2-5717-406C-AD4B-C4A69D5338FB}" type="datetimeFigureOut">
               <a:rPr lang="de-AT" smtClean="0"/>
-              <a:t>13.05.2018</a:t>
+              <a:t>15.05.2018</a:t>
             </a:fld>
             <a:endParaRPr lang="de-AT"/>
           </a:p>
@@ -11961,7 +11962,7 @@
           <a:p>
             <a:fld id="{83C286D2-5717-406C-AD4B-C4A69D5338FB}" type="datetimeFigureOut">
               <a:rPr lang="de-AT" smtClean="0"/>
-              <a:t>13.05.2018</a:t>
+              <a:t>15.05.2018</a:t>
             </a:fld>
             <a:endParaRPr lang="de-AT"/>
           </a:p>
@@ -12143,7 +12144,7 @@
           <a:p>
             <a:fld id="{83C286D2-5717-406C-AD4B-C4A69D5338FB}" type="datetimeFigureOut">
               <a:rPr lang="de-AT" smtClean="0"/>
-              <a:t>13.05.2018</a:t>
+              <a:t>15.05.2018</a:t>
             </a:fld>
             <a:endParaRPr lang="de-AT"/>
           </a:p>
@@ -12335,7 +12336,7 @@
           <a:p>
             <a:fld id="{83C286D2-5717-406C-AD4B-C4A69D5338FB}" type="datetimeFigureOut">
               <a:rPr lang="de-AT" smtClean="0"/>
-              <a:t>13.05.2018</a:t>
+              <a:t>15.05.2018</a:t>
             </a:fld>
             <a:endParaRPr lang="de-AT"/>
           </a:p>
@@ -12587,7 +12588,7 @@
           <a:p>
             <a:fld id="{83C286D2-5717-406C-AD4B-C4A69D5338FB}" type="datetimeFigureOut">
               <a:rPr lang="de-AT" smtClean="0"/>
-              <a:t>13.05.2018</a:t>
+              <a:t>15.05.2018</a:t>
             </a:fld>
             <a:endParaRPr lang="de-AT"/>
           </a:p>
@@ -12970,7 +12971,7 @@
           <a:p>
             <a:fld id="{83C286D2-5717-406C-AD4B-C4A69D5338FB}" type="datetimeFigureOut">
               <a:rPr lang="de-AT" smtClean="0"/>
-              <a:t>13.05.2018</a:t>
+              <a:t>15.05.2018</a:t>
             </a:fld>
             <a:endParaRPr lang="de-AT"/>
           </a:p>
@@ -13124,7 +13125,7 @@
           <a:p>
             <a:fld id="{83C286D2-5717-406C-AD4B-C4A69D5338FB}" type="datetimeFigureOut">
               <a:rPr lang="de-AT" smtClean="0"/>
-              <a:t>13.05.2018</a:t>
+              <a:t>15.05.2018</a:t>
             </a:fld>
             <a:endParaRPr lang="de-AT"/>
           </a:p>
@@ -13284,7 +13285,7 @@
           <a:p>
             <a:fld id="{83C286D2-5717-406C-AD4B-C4A69D5338FB}" type="datetimeFigureOut">
               <a:rPr lang="de-AT" smtClean="0"/>
-              <a:t>13.05.2018</a:t>
+              <a:t>15.05.2018</a:t>
             </a:fld>
             <a:endParaRPr lang="de-AT"/>
           </a:p>
@@ -13604,7 +13605,7 @@
           <a:p>
             <a:fld id="{83C286D2-5717-406C-AD4B-C4A69D5338FB}" type="datetimeFigureOut">
               <a:rPr lang="de-AT" smtClean="0"/>
-              <a:t>13.05.2018</a:t>
+              <a:t>15.05.2018</a:t>
             </a:fld>
             <a:endParaRPr lang="de-AT"/>
           </a:p>
@@ -13904,7 +13905,7 @@
           <a:p>
             <a:fld id="{83C286D2-5717-406C-AD4B-C4A69D5338FB}" type="datetimeFigureOut">
               <a:rPr lang="de-AT" smtClean="0"/>
-              <a:t>13.05.2018</a:t>
+              <a:t>15.05.2018</a:t>
             </a:fld>
             <a:endParaRPr lang="de-AT"/>
           </a:p>
@@ -14638,7 +14639,7 @@
           <a:p>
             <a:fld id="{83C286D2-5717-406C-AD4B-C4A69D5338FB}" type="datetimeFigureOut">
               <a:rPr lang="de-AT" smtClean="0"/>
-              <a:t>13.05.2018</a:t>
+              <a:t>15.05.2018</a:t>
             </a:fld>
             <a:endParaRPr lang="de-AT"/>
           </a:p>
@@ -15185,7 +15186,7 @@
           <a:p>
             <a:fld id="{83C286D2-5717-406C-AD4B-C4A69D5338FB}" type="datetimeFigureOut">
               <a:rPr lang="de-AT" smtClean="0"/>
-              <a:t>13.05.2018</a:t>
+              <a:t>15.05.2018</a:t>
             </a:fld>
             <a:endParaRPr lang="de-AT"/>
           </a:p>
@@ -15674,7 +15675,7 @@
 </file>
 
 <file path=ppt/slides/slide10.xml><?xml version="1.0" encoding="utf-8"?>
-<p:sld xmlns:a="http://schemas.openxmlformats.org/drawingml/2006/main" xmlns:r="http://schemas.openxmlformats.org/officeDocument/2006/relationships" xmlns:p="http://schemas.openxmlformats.org/presentationml/2006/main">
+<p:sld xmlns:a="http://schemas.openxmlformats.org/drawingml/2006/main" xmlns:r="http://schemas.openxmlformats.org/officeDocument/2006/relationships" xmlns:p="http://schemas.openxmlformats.org/presentationml/2006/main" show="0">
   <p:cSld>
     <p:spTree>
       <p:nvGrpSpPr>
@@ -15695,7 +15696,7 @@
           <p:cNvPr id="2" name="Titel 1">
             <a:extLst>
               <a:ext uri="{FF2B5EF4-FFF2-40B4-BE49-F238E27FC236}">
-                <a16:creationId xmlns:a16="http://schemas.microsoft.com/office/drawing/2014/main" id="{133039DE-AF67-4489-95CD-B55AD58C7971}"/>
+                <a16:creationId xmlns:a16="http://schemas.microsoft.com/office/drawing/2014/main" id="{18484A04-A67B-417C-BFDB-2A05B1E5D787}"/>
               </a:ext>
             </a:extLst>
           </p:cNvPr>
@@ -15706,118 +15707,63 @@
             <p:ph type="title"/>
           </p:nvPr>
         </p:nvSpPr>
-        <p:spPr>
-          <a:xfrm>
-            <a:off x="161306" y="2063073"/>
-            <a:ext cx="2598222" cy="3746310"/>
-          </a:xfrm>
-        </p:spPr>
-        <p:txBody>
-          <a:bodyPr>
-            <a:normAutofit/>
-          </a:bodyPr>
+        <p:spPr/>
+        <p:txBody>
+          <a:bodyPr/>
           <a:lstStyle/>
           <a:p>
             <a:r>
               <a:rPr lang="de-AT" dirty="0"/>
-              <a:t>Zweistufige Registrier-</a:t>
-            </a:r>
-            <a:br>
-              <a:rPr lang="de-AT" dirty="0"/>
-            </a:br>
-            <a:r>
-              <a:rPr lang="de-AT" dirty="0" err="1"/>
-              <a:t>ung</a:t>
-            </a:r>
-            <a:endParaRPr lang="de-AT" dirty="0"/>
-          </a:p>
-        </p:txBody>
-      </p:sp>
-      <p:graphicFrame>
-        <p:nvGraphicFramePr>
-          <p:cNvPr id="4" name="Inhaltsplatzhalter 3">
+              <a:t>Grafischer Editor </a:t>
+            </a:r>
+          </a:p>
+        </p:txBody>
+      </p:sp>
+      <p:pic>
+        <p:nvPicPr>
+          <p:cNvPr id="4" name="Inhaltsplatzhalter 4">
             <a:extLst>
               <a:ext uri="{FF2B5EF4-FFF2-40B4-BE49-F238E27FC236}">
-                <a16:creationId xmlns:a16="http://schemas.microsoft.com/office/drawing/2014/main" id="{A06E1C8B-87A0-45E5-AE09-835D96A27C05}"/>
+                <a16:creationId xmlns:a16="http://schemas.microsoft.com/office/drawing/2014/main" id="{787C53BD-7750-47E2-9BBD-4B094AB4C5F3}"/>
               </a:ext>
             </a:extLst>
           </p:cNvPr>
-          <p:cNvGraphicFramePr>
-            <a:graphicFrameLocks noGrp="1"/>
-          </p:cNvGraphicFramePr>
-          <p:nvPr>
-            <p:ph idx="1"/>
-            <p:extLst>
-              <p:ext uri="{D42A27DB-BD31-4B8C-83A1-F6EECF244321}">
-                <p14:modId xmlns:p14="http://schemas.microsoft.com/office/powerpoint/2010/main" val="1547803973"/>
-              </p:ext>
-            </p:extLst>
-          </p:nvPr>
-        </p:nvGraphicFramePr>
-        <p:xfrm>
-          <a:off x="3463925" y="1774825"/>
-          <a:ext cx="8355013" cy="4243388"/>
-        </p:xfrm>
-        <a:graphic>
-          <a:graphicData uri="http://schemas.openxmlformats.org/drawingml/2006/diagram">
-            <dgm:relIds xmlns:dgm="http://schemas.openxmlformats.org/drawingml/2006/diagram" xmlns:r="http://schemas.openxmlformats.org/officeDocument/2006/relationships" r:dm="rId2" r:lo="rId3" r:qs="rId4" r:cs="rId5"/>
-          </a:graphicData>
-        </a:graphic>
-      </p:graphicFrame>
-      <p:sp>
-        <p:nvSpPr>
-          <p:cNvPr id="9" name="Textfeld 8">
+          <p:cNvPicPr>
+            <a:picLocks noChangeAspect="1"/>
+          </p:cNvPicPr>
+          <p:nvPr/>
+        </p:nvPicPr>
+        <p:blipFill>
+          <a:blip r:embed="rId2">
             <a:extLst>
-              <a:ext uri="{FF2B5EF4-FFF2-40B4-BE49-F238E27FC236}">
-                <a16:creationId xmlns:a16="http://schemas.microsoft.com/office/drawing/2014/main" id="{03A0134A-A418-4A72-949E-4C74263EEDC6}"/>
+              <a:ext uri="{28A0092B-C50C-407E-A947-70E740481C1C}">
+                <a14:useLocalDpi xmlns:a14="http://schemas.microsoft.com/office/drawing/2010/main" val="0"/>
               </a:ext>
             </a:extLst>
-          </p:cNvPr>
-          <p:cNvSpPr txBox="1"/>
-          <p:nvPr/>
-        </p:nvSpPr>
+          </a:blip>
+          <a:stretch>
+            <a:fillRect/>
+          </a:stretch>
+        </p:blipFill>
         <p:spPr>
           <a:xfrm>
-            <a:off x="3414943" y="3477987"/>
-            <a:ext cx="8112352" cy="1938992"/>
+            <a:off x="2971802" y="1958719"/>
+            <a:ext cx="9102538" cy="3960704"/>
           </a:xfrm>
           <a:prstGeom prst="rect">
             <a:avLst/>
           </a:prstGeom>
-          <a:noFill/>
+          <a:ln w="38100">
+            <a:solidFill>
+              <a:schemeClr val="tx1"/>
+            </a:solidFill>
+          </a:ln>
         </p:spPr>
-        <p:txBody>
-          <a:bodyPr wrap="square" rtlCol="0">
-            <a:spAutoFit/>
-          </a:bodyPr>
-          <a:lstStyle/>
-          <a:p>
-            <a:r>
-              <a:rPr lang="de-AT" sz="2400" dirty="0">
-                <a:latin typeface="raleway"/>
-              </a:rPr>
-              <a:t>Bei der Registrierung müssen Benutzername und Passwort von Netzonline eingegeben werden.</a:t>
-            </a:r>
-          </a:p>
-          <a:p>
-            <a:endParaRPr lang="de-AT" sz="2400" dirty="0">
-              <a:latin typeface="raleway"/>
-            </a:endParaRPr>
-          </a:p>
-          <a:p>
-            <a:r>
-              <a:rPr lang="de-AT" sz="2400" dirty="0">
-                <a:latin typeface="raleway"/>
-              </a:rPr>
-              <a:t>Somit wird verhindert, dass sich jemand unter falschem Namen registriert.</a:t>
-            </a:r>
-          </a:p>
-        </p:txBody>
-      </p:sp>
+      </p:pic>
     </p:spTree>
     <p:extLst>
       <p:ext uri="{BB962C8B-B14F-4D97-AF65-F5344CB8AC3E}">
-        <p14:creationId xmlns:p14="http://schemas.microsoft.com/office/powerpoint/2010/main" val="206274602"/>
+        <p14:creationId xmlns:p14="http://schemas.microsoft.com/office/powerpoint/2010/main" val="1029183873"/>
       </p:ext>
     </p:extLst>
   </p:cSld>
@@ -15861,6 +15807,164 @@
           <p:cNvPr id="2" name="Titel 1">
             <a:extLst>
               <a:ext uri="{FF2B5EF4-FFF2-40B4-BE49-F238E27FC236}">
+                <a16:creationId xmlns:a16="http://schemas.microsoft.com/office/drawing/2014/main" id="{133039DE-AF67-4489-95CD-B55AD58C7971}"/>
+              </a:ext>
+            </a:extLst>
+          </p:cNvPr>
+          <p:cNvSpPr>
+            <a:spLocks noGrp="1"/>
+          </p:cNvSpPr>
+          <p:nvPr>
+            <p:ph type="title"/>
+          </p:nvPr>
+        </p:nvSpPr>
+        <p:spPr>
+          <a:xfrm>
+            <a:off x="-1" y="2063073"/>
+            <a:ext cx="2815389" cy="3746310"/>
+          </a:xfrm>
+        </p:spPr>
+        <p:txBody>
+          <a:bodyPr>
+            <a:normAutofit/>
+          </a:bodyPr>
+          <a:lstStyle/>
+          <a:p>
+            <a:r>
+              <a:rPr lang="de-AT" sz="3200" dirty="0"/>
+              <a:t>Zweistufige Registrierung</a:t>
+            </a:r>
+          </a:p>
+        </p:txBody>
+      </p:sp>
+      <p:graphicFrame>
+        <p:nvGraphicFramePr>
+          <p:cNvPr id="4" name="Inhaltsplatzhalter 3">
+            <a:extLst>
+              <a:ext uri="{FF2B5EF4-FFF2-40B4-BE49-F238E27FC236}">
+                <a16:creationId xmlns:a16="http://schemas.microsoft.com/office/drawing/2014/main" id="{A06E1C8B-87A0-45E5-AE09-835D96A27C05}"/>
+              </a:ext>
+            </a:extLst>
+          </p:cNvPr>
+          <p:cNvGraphicFramePr>
+            <a:graphicFrameLocks noGrp="1"/>
+          </p:cNvGraphicFramePr>
+          <p:nvPr>
+            <p:ph idx="1"/>
+            <p:extLst>
+              <p:ext uri="{D42A27DB-BD31-4B8C-83A1-F6EECF244321}">
+                <p14:modId xmlns:p14="http://schemas.microsoft.com/office/powerpoint/2010/main" val="1547803973"/>
+              </p:ext>
+            </p:extLst>
+          </p:nvPr>
+        </p:nvGraphicFramePr>
+        <p:xfrm>
+          <a:off x="3463925" y="1774825"/>
+          <a:ext cx="8355013" cy="4243388"/>
+        </p:xfrm>
+        <a:graphic>
+          <a:graphicData uri="http://schemas.openxmlformats.org/drawingml/2006/diagram">
+            <dgm:relIds xmlns:dgm="http://schemas.openxmlformats.org/drawingml/2006/diagram" xmlns:r="http://schemas.openxmlformats.org/officeDocument/2006/relationships" r:dm="rId2" r:lo="rId3" r:qs="rId4" r:cs="rId5"/>
+          </a:graphicData>
+        </a:graphic>
+      </p:graphicFrame>
+      <p:sp>
+        <p:nvSpPr>
+          <p:cNvPr id="9" name="Textfeld 8">
+            <a:extLst>
+              <a:ext uri="{FF2B5EF4-FFF2-40B4-BE49-F238E27FC236}">
+                <a16:creationId xmlns:a16="http://schemas.microsoft.com/office/drawing/2014/main" id="{03A0134A-A418-4A72-949E-4C74263EEDC6}"/>
+              </a:ext>
+            </a:extLst>
+          </p:cNvPr>
+          <p:cNvSpPr txBox="1"/>
+          <p:nvPr/>
+        </p:nvSpPr>
+        <p:spPr>
+          <a:xfrm>
+            <a:off x="3414943" y="3477987"/>
+            <a:ext cx="8112352" cy="1938992"/>
+          </a:xfrm>
+          <a:prstGeom prst="rect">
+            <a:avLst/>
+          </a:prstGeom>
+          <a:noFill/>
+        </p:spPr>
+        <p:txBody>
+          <a:bodyPr wrap="square" rtlCol="0">
+            <a:spAutoFit/>
+          </a:bodyPr>
+          <a:lstStyle/>
+          <a:p>
+            <a:r>
+              <a:rPr lang="de-AT" sz="2400" dirty="0">
+                <a:latin typeface="raleway"/>
+              </a:rPr>
+              <a:t>Bei der Registrierung müssen Benutzername und Passwort von Netzonline eingegeben werden.</a:t>
+            </a:r>
+          </a:p>
+          <a:p>
+            <a:endParaRPr lang="de-AT" sz="2400" dirty="0">
+              <a:latin typeface="raleway"/>
+            </a:endParaRPr>
+          </a:p>
+          <a:p>
+            <a:r>
+              <a:rPr lang="de-AT" sz="2400" dirty="0">
+                <a:latin typeface="raleway"/>
+              </a:rPr>
+              <a:t>Somit wird verhindert, dass sich jemand unter falschem Namen registriert.</a:t>
+            </a:r>
+          </a:p>
+        </p:txBody>
+      </p:sp>
+    </p:spTree>
+    <p:extLst>
+      <p:ext uri="{BB962C8B-B14F-4D97-AF65-F5344CB8AC3E}">
+        <p14:creationId xmlns:p14="http://schemas.microsoft.com/office/powerpoint/2010/main" val="206274602"/>
+      </p:ext>
+    </p:extLst>
+  </p:cSld>
+  <p:clrMapOvr>
+    <a:masterClrMapping/>
+  </p:clrMapOvr>
+  <mc:AlternateContent xmlns:mc="http://schemas.openxmlformats.org/markup-compatibility/2006" xmlns:p15="http://schemas.microsoft.com/office/powerpoint/2012/main">
+    <mc:Choice Requires="p15">
+      <p:transition xmlns:p14="http://schemas.microsoft.com/office/powerpoint/2010/main" spd="slow" p14:dur="1250" advTm="8000">
+        <p15:prstTrans prst="peelOff"/>
+      </p:transition>
+    </mc:Choice>
+    <mc:Fallback xmlns="">
+      <p:transition spd="slow" advTm="8000">
+        <p:fade/>
+      </p:transition>
+    </mc:Fallback>
+  </mc:AlternateContent>
+</p:sld>
+</file>
+
+<file path=ppt/slides/slide12.xml><?xml version="1.0" encoding="utf-8"?>
+<p:sld xmlns:a="http://schemas.openxmlformats.org/drawingml/2006/main" xmlns:r="http://schemas.openxmlformats.org/officeDocument/2006/relationships" xmlns:p="http://schemas.openxmlformats.org/presentationml/2006/main">
+  <p:cSld>
+    <p:spTree>
+      <p:nvGrpSpPr>
+        <p:cNvPr id="1" name=""/>
+        <p:cNvGrpSpPr/>
+        <p:nvPr/>
+      </p:nvGrpSpPr>
+      <p:grpSpPr>
+        <a:xfrm>
+          <a:off x="0" y="0"/>
+          <a:ext cx="0" cy="0"/>
+          <a:chOff x="0" y="0"/>
+          <a:chExt cx="0" cy="0"/>
+        </a:xfrm>
+      </p:grpSpPr>
+      <p:sp>
+        <p:nvSpPr>
+          <p:cNvPr id="2" name="Titel 1">
+            <a:extLst>
+              <a:ext uri="{FF2B5EF4-FFF2-40B4-BE49-F238E27FC236}">
                 <a16:creationId xmlns:a16="http://schemas.microsoft.com/office/drawing/2014/main" id="{A8243C4B-2455-4A13-AFB1-D3546BCD6E7D}"/>
               </a:ext>
             </a:extLst>
@@ -15957,7 +16061,7 @@
 </p:sld>
 </file>
 
-<file path=ppt/slides/slide12.xml><?xml version="1.0" encoding="utf-8"?>
+<file path=ppt/slides/slide13.xml><?xml version="1.0" encoding="utf-8"?>
 <p:sld xmlns:a="http://schemas.openxmlformats.org/drawingml/2006/main" xmlns:r="http://schemas.openxmlformats.org/officeDocument/2006/relationships" xmlns:p="http://schemas.openxmlformats.org/presentationml/2006/main">
   <p:cSld>
     <p:spTree>
@@ -17077,7 +17181,7 @@
               <a:rPr lang="de-AT" sz="2800" dirty="0">
                 <a:latin typeface="raleway"/>
               </a:rPr>
-              <a:t> in öffentlichen Gebäuden</a:t>
+              <a:t> in öffentlichen Gebäuden.</a:t>
             </a:r>
           </a:p>
         </p:txBody>
@@ -17168,7 +17272,7 @@
               <a:rPr lang="de-AT" sz="2800" b="1" dirty="0">
                 <a:latin typeface="raleway"/>
               </a:rPr>
-              <a:t>Benachrichtigungen</a:t>
+              <a:t>Benachrichtigungen.</a:t>
             </a:r>
             <a:endParaRPr lang="de-AT" sz="2800" dirty="0">
               <a:latin typeface="raleway"/>
@@ -17845,7 +17949,7 @@
 </file>
 
 <file path=ppt/slides/slide9.xml><?xml version="1.0" encoding="utf-8"?>
-<p:sld xmlns:a="http://schemas.openxmlformats.org/drawingml/2006/main" xmlns:r="http://schemas.openxmlformats.org/officeDocument/2006/relationships" xmlns:p="http://schemas.openxmlformats.org/presentationml/2006/main" show="0">
+<p:sld xmlns:a="http://schemas.openxmlformats.org/drawingml/2006/main" xmlns:r="http://schemas.openxmlformats.org/officeDocument/2006/relationships" xmlns:p="http://schemas.openxmlformats.org/presentationml/2006/main">
   <p:cSld>
     <p:spTree>
       <p:nvGrpSpPr>
@@ -17866,7 +17970,7 @@
           <p:cNvPr id="2" name="Titel 1">
             <a:extLst>
               <a:ext uri="{FF2B5EF4-FFF2-40B4-BE49-F238E27FC236}">
-                <a16:creationId xmlns:a16="http://schemas.microsoft.com/office/drawing/2014/main" id="{18484A04-A67B-417C-BFDB-2A05B1E5D787}"/>
+                <a16:creationId xmlns:a16="http://schemas.microsoft.com/office/drawing/2014/main" id="{D6B64EFE-9C2C-42C5-9CA0-6E638F2D0AA2}"/>
               </a:ext>
             </a:extLst>
           </p:cNvPr>
@@ -17884,50 +17988,55 @@
           <a:p>
             <a:r>
               <a:rPr lang="de-AT" dirty="0"/>
-              <a:t>Grafischer Editor </a:t>
-            </a:r>
-          </a:p>
-        </p:txBody>
-      </p:sp>
-      <p:sp>
-        <p:nvSpPr>
-          <p:cNvPr id="3" name="Inhaltsplatzhalter 2">
+              <a:t>Raspberry PI Tool</a:t>
+            </a:r>
+          </a:p>
+        </p:txBody>
+      </p:sp>
+      <p:pic>
+        <p:nvPicPr>
+          <p:cNvPr id="4" name="Inhaltsplatzhalter 4">
             <a:extLst>
               <a:ext uri="{FF2B5EF4-FFF2-40B4-BE49-F238E27FC236}">
-                <a16:creationId xmlns:a16="http://schemas.microsoft.com/office/drawing/2014/main" id="{40A08597-C991-47BF-BB14-3451A1843BE6}"/>
+                <a16:creationId xmlns:a16="http://schemas.microsoft.com/office/drawing/2014/main" id="{1385D02C-FBB5-4D93-875F-042B3C8FD417}"/>
               </a:ext>
             </a:extLst>
           </p:cNvPr>
-          <p:cNvSpPr>
-            <a:spLocks noGrp="1"/>
-          </p:cNvSpPr>
+          <p:cNvPicPr>
+            <a:picLocks noGrp="1" noChangeAspect="1"/>
+          </p:cNvPicPr>
           <p:nvPr>
             <p:ph idx="1"/>
           </p:nvPr>
-        </p:nvSpPr>
-        <p:spPr/>
-        <p:txBody>
-          <a:bodyPr/>
-          <a:lstStyle/>
-          <a:p>
-            <a:r>
-              <a:rPr lang="de-AT" dirty="0"/>
-              <a:t>&lt;Sebastians Content </a:t>
-            </a:r>
-            <a:r>
-              <a:rPr lang="de-AT" dirty="0">
-                <a:sym typeface="Wingdings" panose="05000000000000000000" pitchFamily="2" charset="2"/>
-              </a:rPr>
-              <a:t>&gt;</a:t>
-            </a:r>
-            <a:endParaRPr lang="de-AT" dirty="0"/>
-          </a:p>
-        </p:txBody>
-      </p:sp>
+        </p:nvPicPr>
+        <p:blipFill>
+          <a:blip r:embed="rId2">
+            <a:extLst>
+              <a:ext uri="{28A0092B-C50C-407E-A947-70E740481C1C}">
+                <a14:useLocalDpi xmlns:a14="http://schemas.microsoft.com/office/drawing/2010/main" val="0"/>
+              </a:ext>
+            </a:extLst>
+          </a:blip>
+          <a:stretch>
+            <a:fillRect/>
+          </a:stretch>
+        </p:blipFill>
+        <p:spPr>
+          <a:xfrm>
+            <a:off x="3212433" y="192107"/>
+            <a:ext cx="8595626" cy="6473786"/>
+          </a:xfrm>
+          <a:ln w="38100">
+            <a:solidFill>
+              <a:schemeClr val="tx1"/>
+            </a:solidFill>
+          </a:ln>
+        </p:spPr>
+      </p:pic>
     </p:spTree>
     <p:extLst>
       <p:ext uri="{BB962C8B-B14F-4D97-AF65-F5344CB8AC3E}">
-        <p14:creationId xmlns:p14="http://schemas.microsoft.com/office/powerpoint/2010/main" val="1029183873"/>
+        <p14:creationId xmlns:p14="http://schemas.microsoft.com/office/powerpoint/2010/main" val="272970103"/>
       </p:ext>
     </p:extLst>
   </p:cSld>

--- a/Planung/Praesentationen/Praesentation_Firmentag.pptx
+++ b/Planung/Praesentationen/Praesentation_Firmentag.pptx
@@ -7,7 +7,7 @@
     <p:sldMasterId id="2147483732" r:id="rId3"/>
   </p:sldMasterIdLst>
   <p:notesMasterIdLst>
-    <p:notesMasterId r:id="rId16"/>
+    <p:notesMasterId r:id="rId17"/>
   </p:notesMasterIdLst>
   <p:sldIdLst>
     <p:sldId id="257" r:id="rId4"/>
@@ -18,10 +18,11 @@
     <p:sldId id="269" r:id="rId9"/>
     <p:sldId id="270" r:id="rId10"/>
     <p:sldId id="273" r:id="rId11"/>
-    <p:sldId id="271" r:id="rId12"/>
-    <p:sldId id="272" r:id="rId13"/>
-    <p:sldId id="281" r:id="rId14"/>
-    <p:sldId id="267" r:id="rId15"/>
+    <p:sldId id="282" r:id="rId12"/>
+    <p:sldId id="271" r:id="rId13"/>
+    <p:sldId id="272" r:id="rId14"/>
+    <p:sldId id="281" r:id="rId15"/>
+    <p:sldId id="267" r:id="rId16"/>
   </p:sldIdLst>
   <p:sldSz cx="12192000" cy="6858000"/>
   <p:notesSz cx="6858000" cy="9144000"/>
@@ -2179,12 +2180,12 @@
         </a:fontRef>
       </dsp:style>
       <dsp:txBody>
-        <a:bodyPr spcFirstLastPara="0" vert="horz" wrap="square" lIns="533231" tIns="110490" rIns="206248" bIns="110490" numCol="1" spcCol="1270" anchor="ctr" anchorCtr="0">
+        <a:bodyPr spcFirstLastPara="0" vert="horz" wrap="square" lIns="533231" tIns="106680" rIns="199136" bIns="106680" numCol="1" spcCol="1270" anchor="ctr" anchorCtr="0">
           <a:noAutofit/>
         </a:bodyPr>
         <a:lstStyle/>
         <a:p>
-          <a:pPr marL="0" lvl="0" indent="0" algn="ctr" defTabSz="1289050">
+          <a:pPr marL="0" lvl="0" indent="0" algn="ctr" defTabSz="1244600">
             <a:lnSpc>
               <a:spcPct val="90000"/>
             </a:lnSpc>
@@ -2197,7 +2198,7 @@
             <a:buNone/>
           </a:pPr>
           <a:r>
-            <a:rPr lang="de-AT" sz="2900" kern="1200" dirty="0">
+            <a:rPr lang="de-AT" sz="2800" kern="1200" dirty="0">
               <a:latin typeface="raleway"/>
             </a:rPr>
             <a:t>Verbrauchsübersicht: Einfach und doch umfangreich</a:t>
@@ -2305,12 +2306,12 @@
         </a:fontRef>
       </dsp:style>
       <dsp:txBody>
-        <a:bodyPr spcFirstLastPara="0" vert="horz" wrap="square" lIns="533231" tIns="110490" rIns="206248" bIns="110490" numCol="1" spcCol="1270" anchor="ctr" anchorCtr="0">
+        <a:bodyPr spcFirstLastPara="0" vert="horz" wrap="square" lIns="533231" tIns="106680" rIns="199136" bIns="106680" numCol="1" spcCol="1270" anchor="ctr" anchorCtr="0">
           <a:noAutofit/>
         </a:bodyPr>
         <a:lstStyle/>
         <a:p>
-          <a:pPr marL="0" lvl="0" indent="0" algn="ctr" defTabSz="1289050">
+          <a:pPr marL="0" lvl="0" indent="0" algn="ctr" defTabSz="1244600">
             <a:lnSpc>
               <a:spcPct val="90000"/>
             </a:lnSpc>
@@ -2323,7 +2324,7 @@
             <a:buNone/>
           </a:pPr>
           <a:r>
-            <a:rPr lang="de-AT" sz="2900" kern="1200" dirty="0">
+            <a:rPr lang="de-AT" sz="2800" kern="1200" dirty="0">
               <a:latin typeface="raleway"/>
             </a:rPr>
             <a:t>Anpassbares Alarmsystem bei Verbrauchsabweichungen</a:t>
@@ -2431,12 +2432,12 @@
         </a:fontRef>
       </dsp:style>
       <dsp:txBody>
-        <a:bodyPr spcFirstLastPara="0" vert="horz" wrap="square" lIns="533231" tIns="110490" rIns="206248" bIns="110490" numCol="1" spcCol="1270" anchor="ctr" anchorCtr="0">
+        <a:bodyPr spcFirstLastPara="0" vert="horz" wrap="square" lIns="533231" tIns="106680" rIns="199136" bIns="106680" numCol="1" spcCol="1270" anchor="ctr" anchorCtr="0">
           <a:noAutofit/>
         </a:bodyPr>
         <a:lstStyle/>
         <a:p>
-          <a:pPr marL="0" lvl="0" indent="0" algn="ctr" defTabSz="1289050">
+          <a:pPr marL="0" lvl="0" indent="0" algn="ctr" defTabSz="1244600">
             <a:lnSpc>
               <a:spcPct val="90000"/>
             </a:lnSpc>
@@ -2449,7 +2450,7 @@
             <a:buNone/>
           </a:pPr>
           <a:r>
-            <a:rPr lang="de-AT" sz="2900" kern="1200" dirty="0">
+            <a:rPr lang="de-AT" sz="2800" kern="1200" dirty="0">
               <a:latin typeface="raleway"/>
             </a:rPr>
             <a:t>Verfügbarkeit: Sowohl am Desktop-PC als auch am Smartphone/Tablet</a:t>
@@ -2571,12 +2572,12 @@
         </a:fontRef>
       </dsp:style>
       <dsp:txBody>
-        <a:bodyPr spcFirstLastPara="0" vert="horz" wrap="square" lIns="122682" tIns="61341" rIns="30671" bIns="61341" numCol="1" spcCol="1270" anchor="ctr" anchorCtr="0">
+        <a:bodyPr spcFirstLastPara="0" vert="horz" wrap="square" lIns="117348" tIns="58674" rIns="29337" bIns="58674" numCol="1" spcCol="1270" anchor="ctr" anchorCtr="0">
           <a:noAutofit/>
         </a:bodyPr>
         <a:lstStyle/>
         <a:p>
-          <a:pPr marL="0" lvl="0" indent="0" algn="ctr" defTabSz="1022350">
+          <a:pPr marL="0" lvl="0" indent="0" algn="ctr" defTabSz="977900">
             <a:lnSpc>
               <a:spcPct val="90000"/>
             </a:lnSpc>
@@ -2589,12 +2590,12 @@
             <a:buNone/>
           </a:pPr>
           <a:r>
-            <a:rPr lang="de-AT" sz="2300" kern="1200">
+            <a:rPr lang="de-AT" sz="2200" kern="1200">
               <a:latin typeface="raleway"/>
             </a:rPr>
             <a:t>Registrierung</a:t>
           </a:r>
-          <a:endParaRPr lang="de-AT" sz="2300" kern="1200" dirty="0">
+          <a:endParaRPr lang="de-AT" sz="2200" kern="1200" dirty="0">
             <a:latin typeface="raleway"/>
           </a:endParaRPr>
         </a:p>
@@ -2648,12 +2649,12 @@
         </a:fontRef>
       </dsp:style>
       <dsp:txBody>
-        <a:bodyPr spcFirstLastPara="0" vert="horz" wrap="square" lIns="92012" tIns="61341" rIns="30671" bIns="61341" numCol="1" spcCol="1270" anchor="ctr" anchorCtr="0">
+        <a:bodyPr spcFirstLastPara="0" vert="horz" wrap="square" lIns="88011" tIns="58674" rIns="29337" bIns="58674" numCol="1" spcCol="1270" anchor="ctr" anchorCtr="0">
           <a:noAutofit/>
         </a:bodyPr>
         <a:lstStyle/>
         <a:p>
-          <a:pPr marL="0" lvl="0" indent="0" algn="ctr" defTabSz="1022350">
+          <a:pPr marL="0" lvl="0" indent="0" algn="ctr" defTabSz="977900">
             <a:lnSpc>
               <a:spcPct val="90000"/>
             </a:lnSpc>
@@ -2666,7 +2667,7 @@
             <a:buNone/>
           </a:pPr>
           <a:r>
-            <a:rPr lang="de-AT" sz="2300" kern="1200" dirty="0">
+            <a:rPr lang="de-AT" sz="2200" kern="1200" dirty="0">
               <a:latin typeface="raleway"/>
             </a:rPr>
             <a:t>E-Mail Bestätigung</a:t>
@@ -2722,12 +2723,12 @@
         </a:fontRef>
       </dsp:style>
       <dsp:txBody>
-        <a:bodyPr spcFirstLastPara="0" vert="horz" wrap="square" lIns="92012" tIns="61341" rIns="30671" bIns="61341" numCol="1" spcCol="1270" anchor="ctr" anchorCtr="0">
+        <a:bodyPr spcFirstLastPara="0" vert="horz" wrap="square" lIns="88011" tIns="58674" rIns="29337" bIns="58674" numCol="1" spcCol="1270" anchor="ctr" anchorCtr="0">
           <a:noAutofit/>
         </a:bodyPr>
         <a:lstStyle/>
         <a:p>
-          <a:pPr marL="0" lvl="0" indent="0" algn="ctr" defTabSz="1022350">
+          <a:pPr marL="0" lvl="0" indent="0" algn="ctr" defTabSz="977900">
             <a:lnSpc>
               <a:spcPct val="90000"/>
             </a:lnSpc>
@@ -2740,7 +2741,7 @@
             <a:buNone/>
           </a:pPr>
           <a:r>
-            <a:rPr lang="de-AT" sz="2300" kern="1200" dirty="0">
+            <a:rPr lang="de-AT" sz="2200" kern="1200" dirty="0">
               <a:latin typeface="raleway"/>
             </a:rPr>
             <a:t>Freigabe durch einen Administrator</a:t>
@@ -5341,7 +5342,7 @@
           <a:p>
             <a:fld id="{6C12F6B1-6786-4E64-B681-F379C9A54FC0}" type="datetimeFigureOut">
               <a:rPr lang="de-AT" smtClean="0"/>
-              <a:t>12.05.2018</a:t>
+              <a:t>15.05.2018</a:t>
             </a:fld>
             <a:endParaRPr lang="de-AT"/>
           </a:p>
@@ -5983,7 +5984,7 @@
           <a:p>
             <a:fld id="{B7AC7242-7699-4B54-8BDA-8FADE3A1DDAA}" type="slidenum">
               <a:rPr lang="de-AT" smtClean="0"/>
-              <a:t>12</a:t>
+              <a:t>13</a:t>
             </a:fld>
             <a:endParaRPr lang="de-AT"/>
           </a:p>
@@ -6301,13 +6302,13 @@
   <p:clrMapOvr>
     <a:masterClrMapping/>
   </p:clrMapOvr>
-  <mc:AlternateContent xmlns:mc="http://schemas.openxmlformats.org/markup-compatibility/2006">
-    <mc:Choice xmlns:p15="http://schemas.microsoft.com/office/powerpoint/2012/main" Requires="p15">
+  <mc:AlternateContent xmlns:mc="http://schemas.openxmlformats.org/markup-compatibility/2006" xmlns:p15="http://schemas.microsoft.com/office/powerpoint/2012/main">
+    <mc:Choice Requires="p15">
       <p:transition xmlns:p14="http://schemas.microsoft.com/office/powerpoint/2010/main" spd="slow" p14:dur="1250" advTm="8000">
         <p15:prstTrans prst="peelOff"/>
       </p:transition>
     </mc:Choice>
-    <mc:Fallback>
+    <mc:Fallback xmlns="">
       <p:transition spd="slow" advTm="8000">
         <p:fade/>
       </p:transition>
@@ -6433,7 +6434,7 @@
           <a:p>
             <a:fld id="{83C286D2-5717-406C-AD4B-C4A69D5338FB}" type="datetimeFigureOut">
               <a:rPr lang="de-AT" smtClean="0"/>
-              <a:t>12.05.2018</a:t>
+              <a:t>15.05.2018</a:t>
             </a:fld>
             <a:endParaRPr lang="de-AT"/>
           </a:p>
@@ -6507,13 +6508,13 @@
   <p:clrMapOvr>
     <a:masterClrMapping/>
   </p:clrMapOvr>
-  <mc:AlternateContent xmlns:mc="http://schemas.openxmlformats.org/markup-compatibility/2006">
-    <mc:Choice xmlns:p15="http://schemas.microsoft.com/office/powerpoint/2012/main" Requires="p15">
+  <mc:AlternateContent xmlns:mc="http://schemas.openxmlformats.org/markup-compatibility/2006" xmlns:p15="http://schemas.microsoft.com/office/powerpoint/2012/main">
+    <mc:Choice Requires="p15">
       <p:transition xmlns:p14="http://schemas.microsoft.com/office/powerpoint/2010/main" spd="slow" p14:dur="1250" advTm="8000">
         <p15:prstTrans prst="peelOff"/>
       </p:transition>
     </mc:Choice>
-    <mc:Fallback>
+    <mc:Fallback xmlns="">
       <p:transition spd="slow" advTm="8000">
         <p:fade/>
       </p:transition>
@@ -6649,7 +6650,7 @@
           <a:p>
             <a:fld id="{83C286D2-5717-406C-AD4B-C4A69D5338FB}" type="datetimeFigureOut">
               <a:rPr lang="de-AT" smtClean="0"/>
-              <a:t>12.05.2018</a:t>
+              <a:t>15.05.2018</a:t>
             </a:fld>
             <a:endParaRPr lang="de-AT"/>
           </a:p>
@@ -6723,13 +6724,13 @@
   <p:clrMapOvr>
     <a:masterClrMapping/>
   </p:clrMapOvr>
-  <mc:AlternateContent xmlns:mc="http://schemas.openxmlformats.org/markup-compatibility/2006">
-    <mc:Choice xmlns:p15="http://schemas.microsoft.com/office/powerpoint/2012/main" Requires="p15">
+  <mc:AlternateContent xmlns:mc="http://schemas.openxmlformats.org/markup-compatibility/2006" xmlns:p15="http://schemas.microsoft.com/office/powerpoint/2012/main">
+    <mc:Choice Requires="p15">
       <p:transition xmlns:p14="http://schemas.microsoft.com/office/powerpoint/2010/main" spd="slow" p14:dur="1250" advTm="8000">
         <p15:prstTrans prst="peelOff"/>
       </p:transition>
     </mc:Choice>
-    <mc:Fallback>
+    <mc:Fallback xmlns="">
       <p:transition spd="slow" advTm="8000">
         <p:fade/>
       </p:transition>
@@ -6888,7 +6889,7 @@
           <a:p>
             <a:fld id="{83C286D2-5717-406C-AD4B-C4A69D5338FB}" type="datetimeFigureOut">
               <a:rPr lang="de-AT" smtClean="0"/>
-              <a:t>12.05.2018</a:t>
+              <a:t>15.05.2018</a:t>
             </a:fld>
             <a:endParaRPr lang="de-AT"/>
           </a:p>
@@ -6962,13 +6963,13 @@
   <p:clrMapOvr>
     <a:masterClrMapping/>
   </p:clrMapOvr>
-  <mc:AlternateContent xmlns:mc="http://schemas.openxmlformats.org/markup-compatibility/2006">
-    <mc:Choice xmlns:p15="http://schemas.microsoft.com/office/powerpoint/2012/main" Requires="p15">
+  <mc:AlternateContent xmlns:mc="http://schemas.openxmlformats.org/markup-compatibility/2006" xmlns:p15="http://schemas.microsoft.com/office/powerpoint/2012/main">
+    <mc:Choice Requires="p15">
       <p:transition xmlns:p14="http://schemas.microsoft.com/office/powerpoint/2010/main" spd="slow" p14:dur="1250" advTm="8000">
         <p15:prstTrans prst="peelOff"/>
       </p:transition>
     </mc:Choice>
-    <mc:Fallback>
+    <mc:Fallback xmlns="">
       <p:transition spd="slow" advTm="8000">
         <p:fade/>
       </p:transition>
@@ -7119,7 +7120,7 @@
           <a:p>
             <a:fld id="{83C286D2-5717-406C-AD4B-C4A69D5338FB}" type="datetimeFigureOut">
               <a:rPr lang="de-AT" smtClean="0"/>
-              <a:t>12.05.2018</a:t>
+              <a:t>15.05.2018</a:t>
             </a:fld>
             <a:endParaRPr lang="de-AT"/>
           </a:p>
@@ -7177,13 +7178,13 @@
   <p:clrMapOvr>
     <a:masterClrMapping/>
   </p:clrMapOvr>
-  <mc:AlternateContent xmlns:mc="http://schemas.openxmlformats.org/markup-compatibility/2006">
-    <mc:Choice xmlns:p15="http://schemas.microsoft.com/office/powerpoint/2012/main" Requires="p15">
+  <mc:AlternateContent xmlns:mc="http://schemas.openxmlformats.org/markup-compatibility/2006" xmlns:p15="http://schemas.microsoft.com/office/powerpoint/2012/main">
+    <mc:Choice Requires="p15">
       <p:transition xmlns:p14="http://schemas.microsoft.com/office/powerpoint/2010/main" spd="slow" p14:dur="1250" advTm="8000">
         <p15:prstTrans prst="peelOff"/>
       </p:transition>
     </mc:Choice>
-    <mc:Fallback>
+    <mc:Fallback xmlns="">
       <p:transition spd="slow" advTm="8000">
         <p:fade/>
       </p:transition>
@@ -7301,7 +7302,7 @@
           <a:p>
             <a:fld id="{83C286D2-5717-406C-AD4B-C4A69D5338FB}" type="datetimeFigureOut">
               <a:rPr lang="de-AT" smtClean="0"/>
-              <a:t>12.05.2018</a:t>
+              <a:t>15.05.2018</a:t>
             </a:fld>
             <a:endParaRPr lang="de-AT"/>
           </a:p>
@@ -7359,13 +7360,13 @@
   <p:clrMapOvr>
     <a:masterClrMapping/>
   </p:clrMapOvr>
-  <mc:AlternateContent xmlns:mc="http://schemas.openxmlformats.org/markup-compatibility/2006">
-    <mc:Choice xmlns:p15="http://schemas.microsoft.com/office/powerpoint/2012/main" Requires="p15">
+  <mc:AlternateContent xmlns:mc="http://schemas.openxmlformats.org/markup-compatibility/2006" xmlns:p15="http://schemas.microsoft.com/office/powerpoint/2012/main">
+    <mc:Choice Requires="p15">
       <p:transition xmlns:p14="http://schemas.microsoft.com/office/powerpoint/2010/main" spd="slow" p14:dur="1250" advTm="8000">
         <p15:prstTrans prst="peelOff"/>
       </p:transition>
     </mc:Choice>
-    <mc:Fallback>
+    <mc:Fallback xmlns="">
       <p:transition spd="slow" advTm="8000">
         <p:fade/>
       </p:transition>
@@ -7564,7 +7565,7 @@
           <a:p>
             <a:fld id="{83C286D2-5717-406C-AD4B-C4A69D5338FB}" type="datetimeFigureOut">
               <a:rPr lang="de-AT" smtClean="0"/>
-              <a:t>12.05.2018</a:t>
+              <a:t>15.05.2018</a:t>
             </a:fld>
             <a:endParaRPr lang="de-AT"/>
           </a:p>
@@ -7622,13 +7623,13 @@
   <p:clrMapOvr>
     <a:masterClrMapping/>
   </p:clrMapOvr>
-  <mc:AlternateContent xmlns:mc="http://schemas.openxmlformats.org/markup-compatibility/2006">
-    <mc:Choice xmlns:p15="http://schemas.microsoft.com/office/powerpoint/2012/main" Requires="p15">
+  <mc:AlternateContent xmlns:mc="http://schemas.openxmlformats.org/markup-compatibility/2006" xmlns:p15="http://schemas.microsoft.com/office/powerpoint/2012/main">
+    <mc:Choice Requires="p15">
       <p:transition xmlns:p14="http://schemas.microsoft.com/office/powerpoint/2010/main" spd="slow" p14:dur="1250" advTm="8000">
         <p15:prstTrans prst="peelOff"/>
       </p:transition>
     </mc:Choice>
-    <mc:Fallback>
+    <mc:Fallback xmlns="">
       <p:transition spd="slow" advTm="8000">
         <p:fade/>
       </p:transition>
@@ -7808,7 +7809,7 @@
           <a:p>
             <a:fld id="{83C286D2-5717-406C-AD4B-C4A69D5338FB}" type="datetimeFigureOut">
               <a:rPr lang="de-AT" smtClean="0"/>
-              <a:t>12.05.2018</a:t>
+              <a:t>15.05.2018</a:t>
             </a:fld>
             <a:endParaRPr lang="de-AT"/>
           </a:p>
@@ -7866,13 +7867,13 @@
   <p:clrMapOvr>
     <a:masterClrMapping/>
   </p:clrMapOvr>
-  <mc:AlternateContent xmlns:mc="http://schemas.openxmlformats.org/markup-compatibility/2006">
-    <mc:Choice xmlns:p15="http://schemas.microsoft.com/office/powerpoint/2012/main" Requires="p15">
+  <mc:AlternateContent xmlns:mc="http://schemas.openxmlformats.org/markup-compatibility/2006" xmlns:p15="http://schemas.microsoft.com/office/powerpoint/2012/main">
+    <mc:Choice Requires="p15">
       <p:transition xmlns:p14="http://schemas.microsoft.com/office/powerpoint/2010/main" spd="slow" p14:dur="1250" advTm="8000">
         <p15:prstTrans prst="peelOff"/>
       </p:transition>
     </mc:Choice>
-    <mc:Fallback>
+    <mc:Fallback xmlns="">
       <p:transition spd="slow" advTm="8000">
         <p:fade/>
       </p:transition>
@@ -8167,7 +8168,7 @@
           <a:p>
             <a:fld id="{83C286D2-5717-406C-AD4B-C4A69D5338FB}" type="datetimeFigureOut">
               <a:rPr lang="de-AT" smtClean="0"/>
-              <a:t>12.05.2018</a:t>
+              <a:t>15.05.2018</a:t>
             </a:fld>
             <a:endParaRPr lang="de-AT"/>
           </a:p>
@@ -8248,13 +8249,13 @@
   <p:clrMapOvr>
     <a:masterClrMapping/>
   </p:clrMapOvr>
-  <mc:AlternateContent xmlns:mc="http://schemas.openxmlformats.org/markup-compatibility/2006">
-    <mc:Choice xmlns:p15="http://schemas.microsoft.com/office/powerpoint/2012/main" Requires="p15">
+  <mc:AlternateContent xmlns:mc="http://schemas.openxmlformats.org/markup-compatibility/2006" xmlns:p15="http://schemas.microsoft.com/office/powerpoint/2012/main">
+    <mc:Choice Requires="p15">
       <p:transition xmlns:p14="http://schemas.microsoft.com/office/powerpoint/2010/main" spd="slow" p14:dur="1250" advTm="8000">
         <p15:prstTrans prst="peelOff"/>
       </p:transition>
     </mc:Choice>
-    <mc:Fallback>
+    <mc:Fallback xmlns="">
       <p:transition spd="slow" advTm="8000">
         <p:fade/>
       </p:transition>
@@ -8297,7 +8298,7 @@
           <a:p>
             <a:fld id="{83C286D2-5717-406C-AD4B-C4A69D5338FB}" type="datetimeFigureOut">
               <a:rPr lang="de-AT" smtClean="0"/>
-              <a:t>12.05.2018</a:t>
+              <a:t>15.05.2018</a:t>
             </a:fld>
             <a:endParaRPr lang="de-AT"/>
           </a:p>
@@ -8378,13 +8379,13 @@
   <p:clrMapOvr>
     <a:masterClrMapping/>
   </p:clrMapOvr>
-  <mc:AlternateContent xmlns:mc="http://schemas.openxmlformats.org/markup-compatibility/2006">
-    <mc:Choice xmlns:p15="http://schemas.microsoft.com/office/powerpoint/2012/main" Requires="p15">
+  <mc:AlternateContent xmlns:mc="http://schemas.openxmlformats.org/markup-compatibility/2006" xmlns:p15="http://schemas.microsoft.com/office/powerpoint/2012/main">
+    <mc:Choice Requires="p15">
       <p:transition xmlns:p14="http://schemas.microsoft.com/office/powerpoint/2010/main" spd="slow" p14:dur="1250" advTm="8000">
         <p15:prstTrans prst="peelOff"/>
       </p:transition>
     </mc:Choice>
-    <mc:Fallback>
+    <mc:Fallback xmlns="">
       <p:transition spd="slow" advTm="8000">
         <p:fade/>
       </p:transition>
@@ -8427,7 +8428,7 @@
           <a:p>
             <a:fld id="{83C286D2-5717-406C-AD4B-C4A69D5338FB}" type="datetimeFigureOut">
               <a:rPr lang="de-AT" smtClean="0"/>
-              <a:t>12.05.2018</a:t>
+              <a:t>15.05.2018</a:t>
             </a:fld>
             <a:endParaRPr lang="de-AT"/>
           </a:p>
@@ -8485,13 +8486,13 @@
   <p:clrMapOvr>
     <a:masterClrMapping/>
   </p:clrMapOvr>
-  <mc:AlternateContent xmlns:mc="http://schemas.openxmlformats.org/markup-compatibility/2006">
-    <mc:Choice xmlns:p15="http://schemas.microsoft.com/office/powerpoint/2012/main" Requires="p15">
+  <mc:AlternateContent xmlns:mc="http://schemas.openxmlformats.org/markup-compatibility/2006" xmlns:p15="http://schemas.microsoft.com/office/powerpoint/2012/main">
+    <mc:Choice Requires="p15">
       <p:transition xmlns:p14="http://schemas.microsoft.com/office/powerpoint/2010/main" spd="slow" p14:dur="1250" advTm="8000">
         <p15:prstTrans prst="peelOff"/>
       </p:transition>
     </mc:Choice>
-    <mc:Fallback>
+    <mc:Fallback xmlns="">
       <p:transition spd="slow" advTm="8000">
         <p:fade/>
       </p:transition>
@@ -8617,7 +8618,7 @@
           <a:p>
             <a:fld id="{83C286D2-5717-406C-AD4B-C4A69D5338FB}" type="datetimeFigureOut">
               <a:rPr lang="de-AT" smtClean="0"/>
-              <a:t>12.05.2018</a:t>
+              <a:t>15.05.2018</a:t>
             </a:fld>
             <a:endParaRPr lang="de-AT"/>
           </a:p>
@@ -8691,13 +8692,13 @@
   <p:clrMapOvr>
     <a:masterClrMapping/>
   </p:clrMapOvr>
-  <mc:AlternateContent xmlns:mc="http://schemas.openxmlformats.org/markup-compatibility/2006">
-    <mc:Choice xmlns:p15="http://schemas.microsoft.com/office/powerpoint/2012/main" Requires="p15">
+  <mc:AlternateContent xmlns:mc="http://schemas.openxmlformats.org/markup-compatibility/2006" xmlns:p15="http://schemas.microsoft.com/office/powerpoint/2012/main">
+    <mc:Choice Requires="p15">
       <p:transition xmlns:p14="http://schemas.microsoft.com/office/powerpoint/2010/main" spd="slow" p14:dur="1250" advTm="8000">
         <p15:prstTrans prst="peelOff"/>
       </p:transition>
     </mc:Choice>
-    <mc:Fallback>
+    <mc:Fallback xmlns="">
       <p:transition spd="slow" advTm="8000">
         <p:fade/>
       </p:transition>
@@ -8929,7 +8930,7 @@
           <a:p>
             <a:fld id="{83C286D2-5717-406C-AD4B-C4A69D5338FB}" type="datetimeFigureOut">
               <a:rPr lang="de-AT" smtClean="0"/>
-              <a:t>12.05.2018</a:t>
+              <a:t>15.05.2018</a:t>
             </a:fld>
             <a:endParaRPr lang="de-AT"/>
           </a:p>
@@ -8987,13 +8988,13 @@
   <p:clrMapOvr>
     <a:masterClrMapping/>
   </p:clrMapOvr>
-  <mc:AlternateContent xmlns:mc="http://schemas.openxmlformats.org/markup-compatibility/2006">
-    <mc:Choice xmlns:p15="http://schemas.microsoft.com/office/powerpoint/2012/main" Requires="p15">
+  <mc:AlternateContent xmlns:mc="http://schemas.openxmlformats.org/markup-compatibility/2006" xmlns:p15="http://schemas.microsoft.com/office/powerpoint/2012/main">
+    <mc:Choice Requires="p15">
       <p:transition xmlns:p14="http://schemas.microsoft.com/office/powerpoint/2010/main" spd="slow" p14:dur="1250" advTm="8000">
         <p15:prstTrans prst="peelOff"/>
       </p:transition>
     </mc:Choice>
-    <mc:Fallback>
+    <mc:Fallback xmlns="">
       <p:transition spd="slow" advTm="8000">
         <p:fade/>
       </p:transition>
@@ -9205,7 +9206,7 @@
           <a:p>
             <a:fld id="{83C286D2-5717-406C-AD4B-C4A69D5338FB}" type="datetimeFigureOut">
               <a:rPr lang="de-AT" smtClean="0"/>
-              <a:t>12.05.2018</a:t>
+              <a:t>15.05.2018</a:t>
             </a:fld>
             <a:endParaRPr lang="de-AT"/>
           </a:p>
@@ -9263,13 +9264,13 @@
   <p:clrMapOvr>
     <a:masterClrMapping/>
   </p:clrMapOvr>
-  <mc:AlternateContent xmlns:mc="http://schemas.openxmlformats.org/markup-compatibility/2006">
-    <mc:Choice xmlns:p15="http://schemas.microsoft.com/office/powerpoint/2012/main" Requires="p15">
+  <mc:AlternateContent xmlns:mc="http://schemas.openxmlformats.org/markup-compatibility/2006" xmlns:p15="http://schemas.microsoft.com/office/powerpoint/2012/main">
+    <mc:Choice Requires="p15">
       <p:transition xmlns:p14="http://schemas.microsoft.com/office/powerpoint/2010/main" spd="slow" p14:dur="1250" advTm="8000">
         <p15:prstTrans prst="peelOff"/>
       </p:transition>
     </mc:Choice>
-    <mc:Fallback>
+    <mc:Fallback xmlns="">
       <p:transition spd="slow" advTm="8000">
         <p:fade/>
       </p:transition>
@@ -9387,7 +9388,7 @@
           <a:p>
             <a:fld id="{83C286D2-5717-406C-AD4B-C4A69D5338FB}" type="datetimeFigureOut">
               <a:rPr lang="de-AT" smtClean="0"/>
-              <a:t>12.05.2018</a:t>
+              <a:t>15.05.2018</a:t>
             </a:fld>
             <a:endParaRPr lang="de-AT"/>
           </a:p>
@@ -9445,13 +9446,13 @@
   <p:clrMapOvr>
     <a:masterClrMapping/>
   </p:clrMapOvr>
-  <mc:AlternateContent xmlns:mc="http://schemas.openxmlformats.org/markup-compatibility/2006">
-    <mc:Choice xmlns:p15="http://schemas.microsoft.com/office/powerpoint/2012/main" Requires="p15">
+  <mc:AlternateContent xmlns:mc="http://schemas.openxmlformats.org/markup-compatibility/2006" xmlns:p15="http://schemas.microsoft.com/office/powerpoint/2012/main">
+    <mc:Choice Requires="p15">
       <p:transition xmlns:p14="http://schemas.microsoft.com/office/powerpoint/2010/main" spd="slow" p14:dur="1250" advTm="8000">
         <p15:prstTrans prst="peelOff"/>
       </p:transition>
     </mc:Choice>
-    <mc:Fallback>
+    <mc:Fallback xmlns="">
       <p:transition spd="slow" advTm="8000">
         <p:fade/>
       </p:transition>
@@ -9579,7 +9580,7 @@
           <a:p>
             <a:fld id="{83C286D2-5717-406C-AD4B-C4A69D5338FB}" type="datetimeFigureOut">
               <a:rPr lang="de-AT" smtClean="0"/>
-              <a:t>12.05.2018</a:t>
+              <a:t>15.05.2018</a:t>
             </a:fld>
             <a:endParaRPr lang="de-AT"/>
           </a:p>
@@ -9637,13 +9638,13 @@
   <p:clrMapOvr>
     <a:masterClrMapping/>
   </p:clrMapOvr>
-  <mc:AlternateContent xmlns:mc="http://schemas.openxmlformats.org/markup-compatibility/2006">
-    <mc:Choice xmlns:p15="http://schemas.microsoft.com/office/powerpoint/2012/main" Requires="p15">
+  <mc:AlternateContent xmlns:mc="http://schemas.openxmlformats.org/markup-compatibility/2006" xmlns:p15="http://schemas.microsoft.com/office/powerpoint/2012/main">
+    <mc:Choice Requires="p15">
       <p:transition xmlns:p14="http://schemas.microsoft.com/office/powerpoint/2010/main" spd="slow" p14:dur="1250" advTm="8000">
         <p15:prstTrans prst="peelOff"/>
       </p:transition>
     </mc:Choice>
-    <mc:Fallback>
+    <mc:Fallback xmlns="">
       <p:transition spd="slow" advTm="8000">
         <p:fade/>
       </p:transition>
@@ -9794,7 +9795,7 @@
           <a:p>
             <a:fld id="{83C286D2-5717-406C-AD4B-C4A69D5338FB}" type="datetimeFigureOut">
               <a:rPr lang="de-AT" smtClean="0"/>
-              <a:t>12.05.2018</a:t>
+              <a:t>15.05.2018</a:t>
             </a:fld>
             <a:endParaRPr lang="de-AT"/>
           </a:p>
@@ -9852,13 +9853,13 @@
   <p:clrMapOvr>
     <a:masterClrMapping/>
   </p:clrMapOvr>
-  <mc:AlternateContent xmlns:mc="http://schemas.openxmlformats.org/markup-compatibility/2006">
-    <mc:Choice xmlns:p15="http://schemas.microsoft.com/office/powerpoint/2012/main" Requires="p15">
+  <mc:AlternateContent xmlns:mc="http://schemas.openxmlformats.org/markup-compatibility/2006" xmlns:p15="http://schemas.microsoft.com/office/powerpoint/2012/main">
+    <mc:Choice Requires="p15">
       <p:transition xmlns:p14="http://schemas.microsoft.com/office/powerpoint/2010/main" spd="slow" p14:dur="1250" advTm="8000">
         <p15:prstTrans prst="peelOff"/>
       </p:transition>
     </mc:Choice>
-    <mc:Fallback>
+    <mc:Fallback xmlns="">
       <p:transition spd="slow" advTm="8000">
         <p:fade/>
       </p:transition>
@@ -9976,7 +9977,7 @@
           <a:p>
             <a:fld id="{83C286D2-5717-406C-AD4B-C4A69D5338FB}" type="datetimeFigureOut">
               <a:rPr lang="de-AT" smtClean="0"/>
-              <a:t>12.05.2018</a:t>
+              <a:t>15.05.2018</a:t>
             </a:fld>
             <a:endParaRPr lang="de-AT"/>
           </a:p>
@@ -10034,13 +10035,13 @@
   <p:clrMapOvr>
     <a:masterClrMapping/>
   </p:clrMapOvr>
-  <mc:AlternateContent xmlns:mc="http://schemas.openxmlformats.org/markup-compatibility/2006">
-    <mc:Choice xmlns:p15="http://schemas.microsoft.com/office/powerpoint/2012/main" Requires="p15">
+  <mc:AlternateContent xmlns:mc="http://schemas.openxmlformats.org/markup-compatibility/2006" xmlns:p15="http://schemas.microsoft.com/office/powerpoint/2012/main">
+    <mc:Choice Requires="p15">
       <p:transition xmlns:p14="http://schemas.microsoft.com/office/powerpoint/2010/main" spd="slow" p14:dur="1250" advTm="8000">
         <p15:prstTrans prst="peelOff"/>
       </p:transition>
     </mc:Choice>
-    <mc:Fallback>
+    <mc:Fallback xmlns="">
       <p:transition spd="slow" advTm="8000">
         <p:fade/>
       </p:transition>
@@ -10239,7 +10240,7 @@
           <a:p>
             <a:fld id="{83C286D2-5717-406C-AD4B-C4A69D5338FB}" type="datetimeFigureOut">
               <a:rPr lang="de-AT" smtClean="0"/>
-              <a:t>12.05.2018</a:t>
+              <a:t>15.05.2018</a:t>
             </a:fld>
             <a:endParaRPr lang="de-AT"/>
           </a:p>
@@ -10297,13 +10298,13 @@
   <p:clrMapOvr>
     <a:masterClrMapping/>
   </p:clrMapOvr>
-  <mc:AlternateContent xmlns:mc="http://schemas.openxmlformats.org/markup-compatibility/2006">
-    <mc:Choice xmlns:p15="http://schemas.microsoft.com/office/powerpoint/2012/main" Requires="p15">
+  <mc:AlternateContent xmlns:mc="http://schemas.openxmlformats.org/markup-compatibility/2006" xmlns:p15="http://schemas.microsoft.com/office/powerpoint/2012/main">
+    <mc:Choice Requires="p15">
       <p:transition xmlns:p14="http://schemas.microsoft.com/office/powerpoint/2010/main" spd="slow" p14:dur="1250" advTm="8000">
         <p15:prstTrans prst="peelOff"/>
       </p:transition>
     </mc:Choice>
-    <mc:Fallback>
+    <mc:Fallback xmlns="">
       <p:transition spd="slow" advTm="8000">
         <p:fade/>
       </p:transition>
@@ -10483,7 +10484,7 @@
           <a:p>
             <a:fld id="{83C286D2-5717-406C-AD4B-C4A69D5338FB}" type="datetimeFigureOut">
               <a:rPr lang="de-AT" smtClean="0"/>
-              <a:t>12.05.2018</a:t>
+              <a:t>15.05.2018</a:t>
             </a:fld>
             <a:endParaRPr lang="de-AT"/>
           </a:p>
@@ -10541,13 +10542,13 @@
   <p:clrMapOvr>
     <a:masterClrMapping/>
   </p:clrMapOvr>
-  <mc:AlternateContent xmlns:mc="http://schemas.openxmlformats.org/markup-compatibility/2006">
-    <mc:Choice xmlns:p15="http://schemas.microsoft.com/office/powerpoint/2012/main" Requires="p15">
+  <mc:AlternateContent xmlns:mc="http://schemas.openxmlformats.org/markup-compatibility/2006" xmlns:p15="http://schemas.microsoft.com/office/powerpoint/2012/main">
+    <mc:Choice Requires="p15">
       <p:transition xmlns:p14="http://schemas.microsoft.com/office/powerpoint/2010/main" spd="slow" p14:dur="1250" advTm="8000">
         <p15:prstTrans prst="peelOff"/>
       </p:transition>
     </mc:Choice>
-    <mc:Fallback>
+    <mc:Fallback xmlns="">
       <p:transition spd="slow" advTm="8000">
         <p:fade/>
       </p:transition>
@@ -10842,7 +10843,7 @@
           <a:p>
             <a:fld id="{83C286D2-5717-406C-AD4B-C4A69D5338FB}" type="datetimeFigureOut">
               <a:rPr lang="de-AT" smtClean="0"/>
-              <a:t>12.05.2018</a:t>
+              <a:t>15.05.2018</a:t>
             </a:fld>
             <a:endParaRPr lang="de-AT"/>
           </a:p>
@@ -10923,13 +10924,13 @@
   <p:clrMapOvr>
     <a:masterClrMapping/>
   </p:clrMapOvr>
-  <mc:AlternateContent xmlns:mc="http://schemas.openxmlformats.org/markup-compatibility/2006">
-    <mc:Choice xmlns:p15="http://schemas.microsoft.com/office/powerpoint/2012/main" Requires="p15">
+  <mc:AlternateContent xmlns:mc="http://schemas.openxmlformats.org/markup-compatibility/2006" xmlns:p15="http://schemas.microsoft.com/office/powerpoint/2012/main">
+    <mc:Choice Requires="p15">
       <p:transition xmlns:p14="http://schemas.microsoft.com/office/powerpoint/2010/main" spd="slow" p14:dur="1250" advTm="8000">
         <p15:prstTrans prst="peelOff"/>
       </p:transition>
     </mc:Choice>
-    <mc:Fallback>
+    <mc:Fallback xmlns="">
       <p:transition spd="slow" advTm="8000">
         <p:fade/>
       </p:transition>
@@ -10972,7 +10973,7 @@
           <a:p>
             <a:fld id="{83C286D2-5717-406C-AD4B-C4A69D5338FB}" type="datetimeFigureOut">
               <a:rPr lang="de-AT" smtClean="0"/>
-              <a:t>12.05.2018</a:t>
+              <a:t>15.05.2018</a:t>
             </a:fld>
             <a:endParaRPr lang="de-AT"/>
           </a:p>
@@ -11053,13 +11054,13 @@
   <p:clrMapOvr>
     <a:masterClrMapping/>
   </p:clrMapOvr>
-  <mc:AlternateContent xmlns:mc="http://schemas.openxmlformats.org/markup-compatibility/2006">
-    <mc:Choice xmlns:p15="http://schemas.microsoft.com/office/powerpoint/2012/main" Requires="p15">
+  <mc:AlternateContent xmlns:mc="http://schemas.openxmlformats.org/markup-compatibility/2006" xmlns:p15="http://schemas.microsoft.com/office/powerpoint/2012/main">
+    <mc:Choice Requires="p15">
       <p:transition xmlns:p14="http://schemas.microsoft.com/office/powerpoint/2010/main" spd="slow" p14:dur="1250" advTm="8000">
         <p15:prstTrans prst="peelOff"/>
       </p:transition>
     </mc:Choice>
-    <mc:Fallback>
+    <mc:Fallback xmlns="">
       <p:transition spd="slow" advTm="8000">
         <p:fade/>
       </p:transition>
@@ -11266,7 +11267,7 @@
           <a:p>
             <a:fld id="{83C286D2-5717-406C-AD4B-C4A69D5338FB}" type="datetimeFigureOut">
               <a:rPr lang="de-AT" smtClean="0"/>
-              <a:t>12.05.2018</a:t>
+              <a:t>15.05.2018</a:t>
             </a:fld>
             <a:endParaRPr lang="de-AT"/>
           </a:p>
@@ -11340,13 +11341,13 @@
   <p:clrMapOvr>
     <a:masterClrMapping/>
   </p:clrMapOvr>
-  <mc:AlternateContent xmlns:mc="http://schemas.openxmlformats.org/markup-compatibility/2006">
-    <mc:Choice xmlns:p15="http://schemas.microsoft.com/office/powerpoint/2012/main" Requires="p15">
+  <mc:AlternateContent xmlns:mc="http://schemas.openxmlformats.org/markup-compatibility/2006" xmlns:p15="http://schemas.microsoft.com/office/powerpoint/2012/main">
+    <mc:Choice Requires="p15">
       <p:transition xmlns:p14="http://schemas.microsoft.com/office/powerpoint/2010/main" spd="slow" p14:dur="1250" advTm="8000">
         <p15:prstTrans prst="peelOff"/>
       </p:transition>
     </mc:Choice>
-    <mc:Fallback>
+    <mc:Fallback xmlns="">
       <p:transition spd="slow" advTm="8000">
         <p:fade/>
       </p:transition>
@@ -11389,7 +11390,7 @@
           <a:p>
             <a:fld id="{83C286D2-5717-406C-AD4B-C4A69D5338FB}" type="datetimeFigureOut">
               <a:rPr lang="de-AT" smtClean="0"/>
-              <a:t>12.05.2018</a:t>
+              <a:t>15.05.2018</a:t>
             </a:fld>
             <a:endParaRPr lang="de-AT"/>
           </a:p>
@@ -11447,13 +11448,13 @@
   <p:clrMapOvr>
     <a:masterClrMapping/>
   </p:clrMapOvr>
-  <mc:AlternateContent xmlns:mc="http://schemas.openxmlformats.org/markup-compatibility/2006">
-    <mc:Choice xmlns:p15="http://schemas.microsoft.com/office/powerpoint/2012/main" Requires="p15">
+  <mc:AlternateContent xmlns:mc="http://schemas.openxmlformats.org/markup-compatibility/2006" xmlns:p15="http://schemas.microsoft.com/office/powerpoint/2012/main">
+    <mc:Choice Requires="p15">
       <p:transition xmlns:p14="http://schemas.microsoft.com/office/powerpoint/2010/main" spd="slow" p14:dur="1250" advTm="8000">
         <p15:prstTrans prst="peelOff"/>
       </p:transition>
     </mc:Choice>
-    <mc:Fallback>
+    <mc:Fallback xmlns="">
       <p:transition spd="slow" advTm="8000">
         <p:fade/>
       </p:transition>
@@ -11685,7 +11686,7 @@
           <a:p>
             <a:fld id="{83C286D2-5717-406C-AD4B-C4A69D5338FB}" type="datetimeFigureOut">
               <a:rPr lang="de-AT" smtClean="0"/>
-              <a:t>12.05.2018</a:t>
+              <a:t>15.05.2018</a:t>
             </a:fld>
             <a:endParaRPr lang="de-AT"/>
           </a:p>
@@ -11743,13 +11744,13 @@
   <p:clrMapOvr>
     <a:masterClrMapping/>
   </p:clrMapOvr>
-  <mc:AlternateContent xmlns:mc="http://schemas.openxmlformats.org/markup-compatibility/2006">
-    <mc:Choice xmlns:p15="http://schemas.microsoft.com/office/powerpoint/2012/main" Requires="p15">
+  <mc:AlternateContent xmlns:mc="http://schemas.openxmlformats.org/markup-compatibility/2006" xmlns:p15="http://schemas.microsoft.com/office/powerpoint/2012/main">
+    <mc:Choice Requires="p15">
       <p:transition xmlns:p14="http://schemas.microsoft.com/office/powerpoint/2010/main" spd="slow" p14:dur="1250" advTm="8000">
         <p15:prstTrans prst="peelOff"/>
       </p:transition>
     </mc:Choice>
-    <mc:Fallback>
+    <mc:Fallback xmlns="">
       <p:transition spd="slow" advTm="8000">
         <p:fade/>
       </p:transition>
@@ -11961,7 +11962,7 @@
           <a:p>
             <a:fld id="{83C286D2-5717-406C-AD4B-C4A69D5338FB}" type="datetimeFigureOut">
               <a:rPr lang="de-AT" smtClean="0"/>
-              <a:t>12.05.2018</a:t>
+              <a:t>15.05.2018</a:t>
             </a:fld>
             <a:endParaRPr lang="de-AT"/>
           </a:p>
@@ -12019,13 +12020,13 @@
   <p:clrMapOvr>
     <a:masterClrMapping/>
   </p:clrMapOvr>
-  <mc:AlternateContent xmlns:mc="http://schemas.openxmlformats.org/markup-compatibility/2006">
-    <mc:Choice xmlns:p15="http://schemas.microsoft.com/office/powerpoint/2012/main" Requires="p15">
+  <mc:AlternateContent xmlns:mc="http://schemas.openxmlformats.org/markup-compatibility/2006" xmlns:p15="http://schemas.microsoft.com/office/powerpoint/2012/main">
+    <mc:Choice Requires="p15">
       <p:transition xmlns:p14="http://schemas.microsoft.com/office/powerpoint/2010/main" spd="slow" p14:dur="1250" advTm="8000">
         <p15:prstTrans prst="peelOff"/>
       </p:transition>
     </mc:Choice>
-    <mc:Fallback>
+    <mc:Fallback xmlns="">
       <p:transition spd="slow" advTm="8000">
         <p:fade/>
       </p:transition>
@@ -12143,7 +12144,7 @@
           <a:p>
             <a:fld id="{83C286D2-5717-406C-AD4B-C4A69D5338FB}" type="datetimeFigureOut">
               <a:rPr lang="de-AT" smtClean="0"/>
-              <a:t>12.05.2018</a:t>
+              <a:t>15.05.2018</a:t>
             </a:fld>
             <a:endParaRPr lang="de-AT"/>
           </a:p>
@@ -12201,13 +12202,13 @@
   <p:clrMapOvr>
     <a:masterClrMapping/>
   </p:clrMapOvr>
-  <mc:AlternateContent xmlns:mc="http://schemas.openxmlformats.org/markup-compatibility/2006">
-    <mc:Choice xmlns:p15="http://schemas.microsoft.com/office/powerpoint/2012/main" Requires="p15">
+  <mc:AlternateContent xmlns:mc="http://schemas.openxmlformats.org/markup-compatibility/2006" xmlns:p15="http://schemas.microsoft.com/office/powerpoint/2012/main">
+    <mc:Choice Requires="p15">
       <p:transition xmlns:p14="http://schemas.microsoft.com/office/powerpoint/2010/main" spd="slow" p14:dur="1250" advTm="8000">
         <p15:prstTrans prst="peelOff"/>
       </p:transition>
     </mc:Choice>
-    <mc:Fallback>
+    <mc:Fallback xmlns="">
       <p:transition spd="slow" advTm="8000">
         <p:fade/>
       </p:transition>
@@ -12335,7 +12336,7 @@
           <a:p>
             <a:fld id="{83C286D2-5717-406C-AD4B-C4A69D5338FB}" type="datetimeFigureOut">
               <a:rPr lang="de-AT" smtClean="0"/>
-              <a:t>12.05.2018</a:t>
+              <a:t>15.05.2018</a:t>
             </a:fld>
             <a:endParaRPr lang="de-AT"/>
           </a:p>
@@ -12393,13 +12394,13 @@
   <p:clrMapOvr>
     <a:masterClrMapping/>
   </p:clrMapOvr>
-  <mc:AlternateContent xmlns:mc="http://schemas.openxmlformats.org/markup-compatibility/2006">
-    <mc:Choice xmlns:p15="http://schemas.microsoft.com/office/powerpoint/2012/main" Requires="p15">
+  <mc:AlternateContent xmlns:mc="http://schemas.openxmlformats.org/markup-compatibility/2006" xmlns:p15="http://schemas.microsoft.com/office/powerpoint/2012/main">
+    <mc:Choice Requires="p15">
       <p:transition xmlns:p14="http://schemas.microsoft.com/office/powerpoint/2010/main" spd="slow" p14:dur="1250" advTm="8000">
         <p15:prstTrans prst="peelOff"/>
       </p:transition>
     </mc:Choice>
-    <mc:Fallback>
+    <mc:Fallback xmlns="">
       <p:transition spd="slow" advTm="8000">
         <p:fade/>
       </p:transition>
@@ -12587,7 +12588,7 @@
           <a:p>
             <a:fld id="{83C286D2-5717-406C-AD4B-C4A69D5338FB}" type="datetimeFigureOut">
               <a:rPr lang="de-AT" smtClean="0"/>
-              <a:t>12.05.2018</a:t>
+              <a:t>15.05.2018</a:t>
             </a:fld>
             <a:endParaRPr lang="de-AT"/>
           </a:p>
@@ -12661,13 +12662,13 @@
   <p:clrMapOvr>
     <a:masterClrMapping/>
   </p:clrMapOvr>
-  <mc:AlternateContent xmlns:mc="http://schemas.openxmlformats.org/markup-compatibility/2006">
-    <mc:Choice xmlns:p15="http://schemas.microsoft.com/office/powerpoint/2012/main" Requires="p15">
+  <mc:AlternateContent xmlns:mc="http://schemas.openxmlformats.org/markup-compatibility/2006" xmlns:p15="http://schemas.microsoft.com/office/powerpoint/2012/main">
+    <mc:Choice Requires="p15">
       <p:transition xmlns:p14="http://schemas.microsoft.com/office/powerpoint/2010/main" spd="slow" p14:dur="1250" advTm="8000">
         <p15:prstTrans prst="peelOff"/>
       </p:transition>
     </mc:Choice>
-    <mc:Fallback>
+    <mc:Fallback xmlns="">
       <p:transition spd="slow" advTm="8000">
         <p:fade/>
       </p:transition>
@@ -12970,7 +12971,7 @@
           <a:p>
             <a:fld id="{83C286D2-5717-406C-AD4B-C4A69D5338FB}" type="datetimeFigureOut">
               <a:rPr lang="de-AT" smtClean="0"/>
-              <a:t>12.05.2018</a:t>
+              <a:t>15.05.2018</a:t>
             </a:fld>
             <a:endParaRPr lang="de-AT"/>
           </a:p>
@@ -13067,13 +13068,13 @@
   <p:clrMapOvr>
     <a:masterClrMapping/>
   </p:clrMapOvr>
-  <mc:AlternateContent xmlns:mc="http://schemas.openxmlformats.org/markup-compatibility/2006">
-    <mc:Choice xmlns:p15="http://schemas.microsoft.com/office/powerpoint/2012/main" Requires="p15">
+  <mc:AlternateContent xmlns:mc="http://schemas.openxmlformats.org/markup-compatibility/2006" xmlns:p15="http://schemas.microsoft.com/office/powerpoint/2012/main">
+    <mc:Choice Requires="p15">
       <p:transition xmlns:p14="http://schemas.microsoft.com/office/powerpoint/2010/main" spd="slow" p14:dur="1250" advTm="8000">
         <p15:prstTrans prst="peelOff"/>
       </p:transition>
     </mc:Choice>
-    <mc:Fallback>
+    <mc:Fallback xmlns="">
       <p:transition spd="slow" advTm="8000">
         <p:fade/>
       </p:transition>
@@ -13124,7 +13125,7 @@
           <a:p>
             <a:fld id="{83C286D2-5717-406C-AD4B-C4A69D5338FB}" type="datetimeFigureOut">
               <a:rPr lang="de-AT" smtClean="0"/>
-              <a:t>12.05.2018</a:t>
+              <a:t>15.05.2018</a:t>
             </a:fld>
             <a:endParaRPr lang="de-AT"/>
           </a:p>
@@ -13227,13 +13228,13 @@
   <p:clrMapOvr>
     <a:masterClrMapping/>
   </p:clrMapOvr>
-  <mc:AlternateContent xmlns:mc="http://schemas.openxmlformats.org/markup-compatibility/2006">
-    <mc:Choice xmlns:p15="http://schemas.microsoft.com/office/powerpoint/2012/main" Requires="p15">
+  <mc:AlternateContent xmlns:mc="http://schemas.openxmlformats.org/markup-compatibility/2006" xmlns:p15="http://schemas.microsoft.com/office/powerpoint/2012/main">
+    <mc:Choice Requires="p15">
       <p:transition xmlns:p14="http://schemas.microsoft.com/office/powerpoint/2010/main" spd="slow" p14:dur="1250" advTm="8000">
         <p15:prstTrans prst="peelOff"/>
       </p:transition>
     </mc:Choice>
-    <mc:Fallback>
+    <mc:Fallback xmlns="">
       <p:transition spd="slow" advTm="8000">
         <p:fade/>
       </p:transition>
@@ -13284,7 +13285,7 @@
           <a:p>
             <a:fld id="{83C286D2-5717-406C-AD4B-C4A69D5338FB}" type="datetimeFigureOut">
               <a:rPr lang="de-AT" smtClean="0"/>
-              <a:t>12.05.2018</a:t>
+              <a:t>15.05.2018</a:t>
             </a:fld>
             <a:endParaRPr lang="de-AT"/>
           </a:p>
@@ -13358,13 +13359,13 @@
   <p:clrMapOvr>
     <a:masterClrMapping/>
   </p:clrMapOvr>
-  <mc:AlternateContent xmlns:mc="http://schemas.openxmlformats.org/markup-compatibility/2006">
-    <mc:Choice xmlns:p15="http://schemas.microsoft.com/office/powerpoint/2012/main" Requires="p15">
+  <mc:AlternateContent xmlns:mc="http://schemas.openxmlformats.org/markup-compatibility/2006" xmlns:p15="http://schemas.microsoft.com/office/powerpoint/2012/main">
+    <mc:Choice Requires="p15">
       <p:transition xmlns:p14="http://schemas.microsoft.com/office/powerpoint/2010/main" spd="slow" p14:dur="1250" advTm="8000">
         <p15:prstTrans prst="peelOff"/>
       </p:transition>
     </mc:Choice>
-    <mc:Fallback>
+    <mc:Fallback xmlns="">
       <p:transition spd="slow" advTm="8000">
         <p:fade/>
       </p:transition>
@@ -13604,7 +13605,7 @@
           <a:p>
             <a:fld id="{83C286D2-5717-406C-AD4B-C4A69D5338FB}" type="datetimeFigureOut">
               <a:rPr lang="de-AT" smtClean="0"/>
-              <a:t>12.05.2018</a:t>
+              <a:t>15.05.2018</a:t>
             </a:fld>
             <a:endParaRPr lang="de-AT"/>
           </a:p>
@@ -13678,13 +13679,13 @@
   <p:clrMapOvr>
     <a:masterClrMapping/>
   </p:clrMapOvr>
-  <mc:AlternateContent xmlns:mc="http://schemas.openxmlformats.org/markup-compatibility/2006">
-    <mc:Choice xmlns:p15="http://schemas.microsoft.com/office/powerpoint/2012/main" Requires="p15">
+  <mc:AlternateContent xmlns:mc="http://schemas.openxmlformats.org/markup-compatibility/2006" xmlns:p15="http://schemas.microsoft.com/office/powerpoint/2012/main">
+    <mc:Choice Requires="p15">
       <p:transition xmlns:p14="http://schemas.microsoft.com/office/powerpoint/2010/main" spd="slow" p14:dur="1250" advTm="8000">
         <p15:prstTrans prst="peelOff"/>
       </p:transition>
     </mc:Choice>
-    <mc:Fallback>
+    <mc:Fallback xmlns="">
       <p:transition spd="slow" advTm="8000">
         <p:fade/>
       </p:transition>
@@ -13904,7 +13905,7 @@
           <a:p>
             <a:fld id="{83C286D2-5717-406C-AD4B-C4A69D5338FB}" type="datetimeFigureOut">
               <a:rPr lang="de-AT" smtClean="0"/>
-              <a:t>12.05.2018</a:t>
+              <a:t>15.05.2018</a:t>
             </a:fld>
             <a:endParaRPr lang="de-AT"/>
           </a:p>
@@ -13978,13 +13979,13 @@
   <p:clrMapOvr>
     <a:masterClrMapping/>
   </p:clrMapOvr>
-  <mc:AlternateContent xmlns:mc="http://schemas.openxmlformats.org/markup-compatibility/2006">
-    <mc:Choice xmlns:p15="http://schemas.microsoft.com/office/powerpoint/2012/main" Requires="p15">
+  <mc:AlternateContent xmlns:mc="http://schemas.openxmlformats.org/markup-compatibility/2006" xmlns:p15="http://schemas.microsoft.com/office/powerpoint/2012/main">
+    <mc:Choice Requires="p15">
       <p:transition xmlns:p14="http://schemas.microsoft.com/office/powerpoint/2010/main" spd="slow" p14:dur="1250" advTm="8000">
         <p15:prstTrans prst="peelOff"/>
       </p:transition>
     </mc:Choice>
-    <mc:Fallback>
+    <mc:Fallback xmlns="">
       <p:transition spd="slow" advTm="8000">
         <p:fade/>
       </p:transition>
@@ -14197,13 +14198,13 @@
     <p:sldLayoutId id="2147483707" r:id="rId11"/>
     <p:sldLayoutId id="2147483744" r:id="rId12"/>
   </p:sldLayoutIdLst>
-  <mc:AlternateContent xmlns:mc="http://schemas.openxmlformats.org/markup-compatibility/2006">
-    <mc:Choice xmlns:p15="http://schemas.microsoft.com/office/powerpoint/2012/main" Requires="p15">
+  <mc:AlternateContent xmlns:mc="http://schemas.openxmlformats.org/markup-compatibility/2006" xmlns:p15="http://schemas.microsoft.com/office/powerpoint/2012/main">
+    <mc:Choice Requires="p15">
       <p:transition xmlns:p14="http://schemas.microsoft.com/office/powerpoint/2010/main" spd="slow" p14:dur="1250" advTm="8000">
         <p15:prstTrans prst="peelOff"/>
       </p:transition>
     </mc:Choice>
-    <mc:Fallback>
+    <mc:Fallback xmlns="">
       <p:transition spd="slow" advTm="8000">
         <p:fade/>
       </p:transition>
@@ -14638,7 +14639,7 @@
           <a:p>
             <a:fld id="{83C286D2-5717-406C-AD4B-C4A69D5338FB}" type="datetimeFigureOut">
               <a:rPr lang="de-AT" smtClean="0"/>
-              <a:t>12.05.2018</a:t>
+              <a:t>15.05.2018</a:t>
             </a:fld>
             <a:endParaRPr lang="de-AT"/>
           </a:p>
@@ -14744,13 +14745,13 @@
     <p:sldLayoutId id="2147483718" r:id="rId10"/>
     <p:sldLayoutId id="2147483719" r:id="rId11"/>
   </p:sldLayoutIdLst>
-  <mc:AlternateContent xmlns:mc="http://schemas.openxmlformats.org/markup-compatibility/2006">
-    <mc:Choice xmlns:p15="http://schemas.microsoft.com/office/powerpoint/2012/main" Requires="p15">
+  <mc:AlternateContent xmlns:mc="http://schemas.openxmlformats.org/markup-compatibility/2006" xmlns:p15="http://schemas.microsoft.com/office/powerpoint/2012/main">
+    <mc:Choice Requires="p15">
       <p:transition xmlns:p14="http://schemas.microsoft.com/office/powerpoint/2010/main" spd="slow" p14:dur="1250" advTm="8000">
         <p15:prstTrans prst="peelOff"/>
       </p:transition>
     </mc:Choice>
-    <mc:Fallback>
+    <mc:Fallback xmlns="">
       <p:transition spd="slow" advTm="8000">
         <p:fade/>
       </p:transition>
@@ -15185,7 +15186,7 @@
           <a:p>
             <a:fld id="{83C286D2-5717-406C-AD4B-C4A69D5338FB}" type="datetimeFigureOut">
               <a:rPr lang="de-AT" smtClean="0"/>
-              <a:t>12.05.2018</a:t>
+              <a:t>15.05.2018</a:t>
             </a:fld>
             <a:endParaRPr lang="de-AT"/>
           </a:p>
@@ -15291,13 +15292,13 @@
     <p:sldLayoutId id="2147483742" r:id="rId10"/>
     <p:sldLayoutId id="2147483743" r:id="rId11"/>
   </p:sldLayoutIdLst>
-  <mc:AlternateContent xmlns:mc="http://schemas.openxmlformats.org/markup-compatibility/2006">
-    <mc:Choice xmlns:p15="http://schemas.microsoft.com/office/powerpoint/2012/main" Requires="p15">
+  <mc:AlternateContent xmlns:mc="http://schemas.openxmlformats.org/markup-compatibility/2006" xmlns:p15="http://schemas.microsoft.com/office/powerpoint/2012/main">
+    <mc:Choice Requires="p15">
       <p:transition xmlns:p14="http://schemas.microsoft.com/office/powerpoint/2010/main" spd="slow" p14:dur="1250" advTm="8000">
         <p15:prstTrans prst="peelOff"/>
       </p:transition>
     </mc:Choice>
-    <mc:Fallback>
+    <mc:Fallback xmlns="">
       <p:transition spd="slow" advTm="8000">
         <p:fade/>
       </p:transition>
@@ -15658,13 +15659,13 @@
   <p:clrMapOvr>
     <a:masterClrMapping/>
   </p:clrMapOvr>
-  <mc:AlternateContent xmlns:mc="http://schemas.openxmlformats.org/markup-compatibility/2006">
-    <mc:Choice xmlns:p15="http://schemas.microsoft.com/office/powerpoint/2012/main" Requires="p15">
+  <mc:AlternateContent xmlns:mc="http://schemas.openxmlformats.org/markup-compatibility/2006" xmlns:p15="http://schemas.microsoft.com/office/powerpoint/2012/main">
+    <mc:Choice Requires="p15">
       <p:transition xmlns:p14="http://schemas.microsoft.com/office/powerpoint/2010/main" spd="slow" p14:dur="1250" advTm="5000">
         <p15:prstTrans prst="peelOff"/>
       </p:transition>
     </mc:Choice>
-    <mc:Fallback>
+    <mc:Fallback xmlns="">
       <p:transition spd="slow" advTm="5000">
         <p:fade/>
       </p:transition>
@@ -15674,7 +15675,7 @@
 </file>
 
 <file path=ppt/slides/slide10.xml><?xml version="1.0" encoding="utf-8"?>
-<p:sld xmlns:a="http://schemas.openxmlformats.org/drawingml/2006/main" xmlns:r="http://schemas.openxmlformats.org/officeDocument/2006/relationships" xmlns:p="http://schemas.openxmlformats.org/presentationml/2006/main">
+<p:sld xmlns:a="http://schemas.openxmlformats.org/drawingml/2006/main" xmlns:r="http://schemas.openxmlformats.org/officeDocument/2006/relationships" xmlns:p="http://schemas.openxmlformats.org/presentationml/2006/main" show="0">
   <p:cSld>
     <p:spTree>
       <p:nvGrpSpPr>
@@ -15695,7 +15696,7 @@
           <p:cNvPr id="2" name="Titel 1">
             <a:extLst>
               <a:ext uri="{FF2B5EF4-FFF2-40B4-BE49-F238E27FC236}">
-                <a16:creationId xmlns:a16="http://schemas.microsoft.com/office/drawing/2014/main" id="{133039DE-AF67-4489-95CD-B55AD58C7971}"/>
+                <a16:creationId xmlns:a16="http://schemas.microsoft.com/office/drawing/2014/main" id="{18484A04-A67B-417C-BFDB-2A05B1E5D787}"/>
               </a:ext>
             </a:extLst>
           </p:cNvPr>
@@ -15706,131 +15707,76 @@
             <p:ph type="title"/>
           </p:nvPr>
         </p:nvSpPr>
-        <p:spPr>
-          <a:xfrm>
-            <a:off x="161306" y="2063073"/>
-            <a:ext cx="2598222" cy="3746310"/>
-          </a:xfrm>
-        </p:spPr>
-        <p:txBody>
-          <a:bodyPr>
-            <a:normAutofit/>
-          </a:bodyPr>
+        <p:spPr/>
+        <p:txBody>
+          <a:bodyPr/>
           <a:lstStyle/>
           <a:p>
             <a:r>
               <a:rPr lang="de-AT" dirty="0"/>
-              <a:t>Zweistufige Registrier-</a:t>
-            </a:r>
-            <a:br>
-              <a:rPr lang="de-AT" dirty="0"/>
-            </a:br>
-            <a:r>
-              <a:rPr lang="de-AT" dirty="0" err="1"/>
-              <a:t>ung</a:t>
-            </a:r>
-            <a:endParaRPr lang="de-AT" dirty="0"/>
-          </a:p>
-        </p:txBody>
-      </p:sp>
-      <p:graphicFrame>
-        <p:nvGraphicFramePr>
-          <p:cNvPr id="4" name="Inhaltsplatzhalter 3">
+              <a:t>Grafischer Editor </a:t>
+            </a:r>
+          </a:p>
+        </p:txBody>
+      </p:sp>
+      <p:pic>
+        <p:nvPicPr>
+          <p:cNvPr id="4" name="Inhaltsplatzhalter 4">
             <a:extLst>
               <a:ext uri="{FF2B5EF4-FFF2-40B4-BE49-F238E27FC236}">
-                <a16:creationId xmlns:a16="http://schemas.microsoft.com/office/drawing/2014/main" id="{A06E1C8B-87A0-45E5-AE09-835D96A27C05}"/>
+                <a16:creationId xmlns:a16="http://schemas.microsoft.com/office/drawing/2014/main" id="{787C53BD-7750-47E2-9BBD-4B094AB4C5F3}"/>
               </a:ext>
             </a:extLst>
           </p:cNvPr>
-          <p:cNvGraphicFramePr>
-            <a:graphicFrameLocks noGrp="1"/>
-          </p:cNvGraphicFramePr>
-          <p:nvPr>
-            <p:ph idx="1"/>
-            <p:extLst>
-              <p:ext uri="{D42A27DB-BD31-4B8C-83A1-F6EECF244321}">
-                <p14:modId xmlns:p14="http://schemas.microsoft.com/office/powerpoint/2010/main" val="1547803973"/>
-              </p:ext>
-            </p:extLst>
-          </p:nvPr>
-        </p:nvGraphicFramePr>
-        <p:xfrm>
-          <a:off x="3463925" y="1774825"/>
-          <a:ext cx="8355013" cy="4243388"/>
-        </p:xfrm>
-        <a:graphic>
-          <a:graphicData uri="http://schemas.openxmlformats.org/drawingml/2006/diagram">
-            <dgm:relIds xmlns:dgm="http://schemas.openxmlformats.org/drawingml/2006/diagram" xmlns:r="http://schemas.openxmlformats.org/officeDocument/2006/relationships" r:dm="rId2" r:lo="rId3" r:qs="rId4" r:cs="rId5"/>
-          </a:graphicData>
-        </a:graphic>
-      </p:graphicFrame>
-      <p:sp>
-        <p:nvSpPr>
-          <p:cNvPr id="9" name="Textfeld 8">
+          <p:cNvPicPr>
+            <a:picLocks noChangeAspect="1"/>
+          </p:cNvPicPr>
+          <p:nvPr/>
+        </p:nvPicPr>
+        <p:blipFill>
+          <a:blip r:embed="rId2">
             <a:extLst>
-              <a:ext uri="{FF2B5EF4-FFF2-40B4-BE49-F238E27FC236}">
-                <a16:creationId xmlns:a16="http://schemas.microsoft.com/office/drawing/2014/main" id="{03A0134A-A418-4A72-949E-4C74263EEDC6}"/>
+              <a:ext uri="{28A0092B-C50C-407E-A947-70E740481C1C}">
+                <a14:useLocalDpi xmlns:a14="http://schemas.microsoft.com/office/drawing/2010/main" val="0"/>
               </a:ext>
             </a:extLst>
-          </p:cNvPr>
-          <p:cNvSpPr txBox="1"/>
-          <p:nvPr/>
-        </p:nvSpPr>
+          </a:blip>
+          <a:stretch>
+            <a:fillRect/>
+          </a:stretch>
+        </p:blipFill>
         <p:spPr>
           <a:xfrm>
-            <a:off x="3414943" y="3477987"/>
-            <a:ext cx="8112352" cy="1938992"/>
+            <a:off x="2971802" y="1958719"/>
+            <a:ext cx="9102538" cy="3960704"/>
           </a:xfrm>
           <a:prstGeom prst="rect">
             <a:avLst/>
           </a:prstGeom>
-          <a:noFill/>
+          <a:ln w="38100">
+            <a:solidFill>
+              <a:schemeClr val="tx1"/>
+            </a:solidFill>
+          </a:ln>
         </p:spPr>
-        <p:txBody>
-          <a:bodyPr wrap="square" rtlCol="0">
-            <a:spAutoFit/>
-          </a:bodyPr>
-          <a:lstStyle/>
-          <a:p>
-            <a:r>
-              <a:rPr lang="de-AT" sz="2400" dirty="0">
-                <a:latin typeface="raleway"/>
-              </a:rPr>
-              <a:t>Bei der Registration müssen Benutzername und Passwort von Netzonline eingegeben werden.</a:t>
-            </a:r>
-          </a:p>
-          <a:p>
-            <a:endParaRPr lang="de-AT" sz="2400" dirty="0">
-              <a:latin typeface="raleway"/>
-            </a:endParaRPr>
-          </a:p>
-          <a:p>
-            <a:r>
-              <a:rPr lang="de-AT" sz="2400" dirty="0">
-                <a:latin typeface="raleway"/>
-              </a:rPr>
-              <a:t>Somit wird verhindert, dass sich jemand unter falschem Namen registriert.</a:t>
-            </a:r>
-          </a:p>
-        </p:txBody>
-      </p:sp>
+      </p:pic>
     </p:spTree>
     <p:extLst>
       <p:ext uri="{BB962C8B-B14F-4D97-AF65-F5344CB8AC3E}">
-        <p14:creationId xmlns:p14="http://schemas.microsoft.com/office/powerpoint/2010/main" val="206274602"/>
+        <p14:creationId xmlns:p14="http://schemas.microsoft.com/office/powerpoint/2010/main" val="1029183873"/>
       </p:ext>
     </p:extLst>
   </p:cSld>
   <p:clrMapOvr>
     <a:masterClrMapping/>
   </p:clrMapOvr>
-  <mc:AlternateContent xmlns:mc="http://schemas.openxmlformats.org/markup-compatibility/2006">
-    <mc:Choice xmlns:p15="http://schemas.microsoft.com/office/powerpoint/2012/main" Requires="p15">
+  <mc:AlternateContent xmlns:mc="http://schemas.openxmlformats.org/markup-compatibility/2006" xmlns:p15="http://schemas.microsoft.com/office/powerpoint/2012/main">
+    <mc:Choice Requires="p15">
       <p:transition xmlns:p14="http://schemas.microsoft.com/office/powerpoint/2010/main" spd="slow" p14:dur="1250" advTm="8000">
         <p15:prstTrans prst="peelOff"/>
       </p:transition>
     </mc:Choice>
-    <mc:Fallback>
+    <mc:Fallback xmlns="">
       <p:transition spd="slow" advTm="8000">
         <p:fade/>
       </p:transition>
@@ -15861,6 +15807,164 @@
           <p:cNvPr id="2" name="Titel 1">
             <a:extLst>
               <a:ext uri="{FF2B5EF4-FFF2-40B4-BE49-F238E27FC236}">
+                <a16:creationId xmlns:a16="http://schemas.microsoft.com/office/drawing/2014/main" id="{133039DE-AF67-4489-95CD-B55AD58C7971}"/>
+              </a:ext>
+            </a:extLst>
+          </p:cNvPr>
+          <p:cNvSpPr>
+            <a:spLocks noGrp="1"/>
+          </p:cNvSpPr>
+          <p:nvPr>
+            <p:ph type="title"/>
+          </p:nvPr>
+        </p:nvSpPr>
+        <p:spPr>
+          <a:xfrm>
+            <a:off x="-1" y="2063073"/>
+            <a:ext cx="2815389" cy="3746310"/>
+          </a:xfrm>
+        </p:spPr>
+        <p:txBody>
+          <a:bodyPr>
+            <a:normAutofit/>
+          </a:bodyPr>
+          <a:lstStyle/>
+          <a:p>
+            <a:r>
+              <a:rPr lang="de-AT" sz="3200" dirty="0"/>
+              <a:t>Zweistufige Registrierung</a:t>
+            </a:r>
+          </a:p>
+        </p:txBody>
+      </p:sp>
+      <p:graphicFrame>
+        <p:nvGraphicFramePr>
+          <p:cNvPr id="4" name="Inhaltsplatzhalter 3">
+            <a:extLst>
+              <a:ext uri="{FF2B5EF4-FFF2-40B4-BE49-F238E27FC236}">
+                <a16:creationId xmlns:a16="http://schemas.microsoft.com/office/drawing/2014/main" id="{A06E1C8B-87A0-45E5-AE09-835D96A27C05}"/>
+              </a:ext>
+            </a:extLst>
+          </p:cNvPr>
+          <p:cNvGraphicFramePr>
+            <a:graphicFrameLocks noGrp="1"/>
+          </p:cNvGraphicFramePr>
+          <p:nvPr>
+            <p:ph idx="1"/>
+            <p:extLst>
+              <p:ext uri="{D42A27DB-BD31-4B8C-83A1-F6EECF244321}">
+                <p14:modId xmlns:p14="http://schemas.microsoft.com/office/powerpoint/2010/main" val="1547803973"/>
+              </p:ext>
+            </p:extLst>
+          </p:nvPr>
+        </p:nvGraphicFramePr>
+        <p:xfrm>
+          <a:off x="3463925" y="1774825"/>
+          <a:ext cx="8355013" cy="4243388"/>
+        </p:xfrm>
+        <a:graphic>
+          <a:graphicData uri="http://schemas.openxmlformats.org/drawingml/2006/diagram">
+            <dgm:relIds xmlns:dgm="http://schemas.openxmlformats.org/drawingml/2006/diagram" xmlns:r="http://schemas.openxmlformats.org/officeDocument/2006/relationships" r:dm="rId2" r:lo="rId3" r:qs="rId4" r:cs="rId5"/>
+          </a:graphicData>
+        </a:graphic>
+      </p:graphicFrame>
+      <p:sp>
+        <p:nvSpPr>
+          <p:cNvPr id="9" name="Textfeld 8">
+            <a:extLst>
+              <a:ext uri="{FF2B5EF4-FFF2-40B4-BE49-F238E27FC236}">
+                <a16:creationId xmlns:a16="http://schemas.microsoft.com/office/drawing/2014/main" id="{03A0134A-A418-4A72-949E-4C74263EEDC6}"/>
+              </a:ext>
+            </a:extLst>
+          </p:cNvPr>
+          <p:cNvSpPr txBox="1"/>
+          <p:nvPr/>
+        </p:nvSpPr>
+        <p:spPr>
+          <a:xfrm>
+            <a:off x="3414943" y="3477987"/>
+            <a:ext cx="8112352" cy="1938992"/>
+          </a:xfrm>
+          <a:prstGeom prst="rect">
+            <a:avLst/>
+          </a:prstGeom>
+          <a:noFill/>
+        </p:spPr>
+        <p:txBody>
+          <a:bodyPr wrap="square" rtlCol="0">
+            <a:spAutoFit/>
+          </a:bodyPr>
+          <a:lstStyle/>
+          <a:p>
+            <a:r>
+              <a:rPr lang="de-AT" sz="2400" dirty="0">
+                <a:latin typeface="raleway"/>
+              </a:rPr>
+              <a:t>Bei der Registrierung müssen Benutzername und Passwort von Netzonline eingegeben werden.</a:t>
+            </a:r>
+          </a:p>
+          <a:p>
+            <a:endParaRPr lang="de-AT" sz="2400" dirty="0">
+              <a:latin typeface="raleway"/>
+            </a:endParaRPr>
+          </a:p>
+          <a:p>
+            <a:r>
+              <a:rPr lang="de-AT" sz="2400" dirty="0">
+                <a:latin typeface="raleway"/>
+              </a:rPr>
+              <a:t>Somit wird verhindert, dass sich jemand unter falschem Namen registriert.</a:t>
+            </a:r>
+          </a:p>
+        </p:txBody>
+      </p:sp>
+    </p:spTree>
+    <p:extLst>
+      <p:ext uri="{BB962C8B-B14F-4D97-AF65-F5344CB8AC3E}">
+        <p14:creationId xmlns:p14="http://schemas.microsoft.com/office/powerpoint/2010/main" val="206274602"/>
+      </p:ext>
+    </p:extLst>
+  </p:cSld>
+  <p:clrMapOvr>
+    <a:masterClrMapping/>
+  </p:clrMapOvr>
+  <mc:AlternateContent xmlns:mc="http://schemas.openxmlformats.org/markup-compatibility/2006" xmlns:p15="http://schemas.microsoft.com/office/powerpoint/2012/main">
+    <mc:Choice Requires="p15">
+      <p:transition xmlns:p14="http://schemas.microsoft.com/office/powerpoint/2010/main" spd="slow" p14:dur="1250" advTm="8000">
+        <p15:prstTrans prst="peelOff"/>
+      </p:transition>
+    </mc:Choice>
+    <mc:Fallback xmlns="">
+      <p:transition spd="slow" advTm="8000">
+        <p:fade/>
+      </p:transition>
+    </mc:Fallback>
+  </mc:AlternateContent>
+</p:sld>
+</file>
+
+<file path=ppt/slides/slide12.xml><?xml version="1.0" encoding="utf-8"?>
+<p:sld xmlns:a="http://schemas.openxmlformats.org/drawingml/2006/main" xmlns:r="http://schemas.openxmlformats.org/officeDocument/2006/relationships" xmlns:p="http://schemas.openxmlformats.org/presentationml/2006/main">
+  <p:cSld>
+    <p:spTree>
+      <p:nvGrpSpPr>
+        <p:cNvPr id="1" name=""/>
+        <p:cNvGrpSpPr/>
+        <p:nvPr/>
+      </p:nvGrpSpPr>
+      <p:grpSpPr>
+        <a:xfrm>
+          <a:off x="0" y="0"/>
+          <a:ext cx="0" cy="0"/>
+          <a:chOff x="0" y="0"/>
+          <a:chExt cx="0" cy="0"/>
+        </a:xfrm>
+      </p:grpSpPr>
+      <p:sp>
+        <p:nvSpPr>
+          <p:cNvPr id="2" name="Titel 1">
+            <a:extLst>
+              <a:ext uri="{FF2B5EF4-FFF2-40B4-BE49-F238E27FC236}">
                 <a16:creationId xmlns:a16="http://schemas.microsoft.com/office/drawing/2014/main" id="{A8243C4B-2455-4A13-AFB1-D3546BCD6E7D}"/>
               </a:ext>
             </a:extLst>
@@ -15913,6 +16017,21 @@
             <a:r>
               <a:rPr lang="de-AT" sz="3200" dirty="0"/>
               <a:t>Erweiterung des Anwendungsbereiches von AEMS – Zugang auch für Unternehmen und Privathaushalte.</a:t>
+            </a:r>
+          </a:p>
+          <a:p>
+            <a:pPr marL="0" indent="0">
+              <a:buNone/>
+            </a:pPr>
+            <a:endParaRPr lang="de-AT" sz="3200" dirty="0"/>
+          </a:p>
+          <a:p>
+            <a:pPr marL="0" indent="0">
+              <a:buNone/>
+            </a:pPr>
+            <a:r>
+              <a:rPr lang="de-AT" sz="3200" dirty="0"/>
+              <a:t>Erweiterung der Software um nützliche Features für Smartphone und Web.</a:t>
             </a:r>
           </a:p>
         </p:txBody>
@@ -15927,13 +16046,13 @@
   <p:clrMapOvr>
     <a:masterClrMapping/>
   </p:clrMapOvr>
-  <mc:AlternateContent xmlns:mc="http://schemas.openxmlformats.org/markup-compatibility/2006">
-    <mc:Choice xmlns:p15="http://schemas.microsoft.com/office/powerpoint/2012/main" Requires="p15">
+  <mc:AlternateContent xmlns:mc="http://schemas.openxmlformats.org/markup-compatibility/2006" xmlns:p15="http://schemas.microsoft.com/office/powerpoint/2012/main">
+    <mc:Choice Requires="p15">
       <p:transition xmlns:p14="http://schemas.microsoft.com/office/powerpoint/2010/main" spd="slow" p14:dur="1250" advTm="8000">
         <p15:prstTrans prst="peelOff"/>
       </p:transition>
     </mc:Choice>
-    <mc:Fallback>
+    <mc:Fallback xmlns="">
       <p:transition spd="slow" advTm="8000">
         <p:fade/>
       </p:transition>
@@ -15942,7 +16061,7 @@
 </p:sld>
 </file>
 
-<file path=ppt/slides/slide12.xml><?xml version="1.0" encoding="utf-8"?>
+<file path=ppt/slides/slide13.xml><?xml version="1.0" encoding="utf-8"?>
 <p:sld xmlns:a="http://schemas.openxmlformats.org/drawingml/2006/main" xmlns:r="http://schemas.openxmlformats.org/officeDocument/2006/relationships" xmlns:p="http://schemas.openxmlformats.org/presentationml/2006/main">
   <p:cSld>
     <p:spTree>
@@ -16064,13 +16183,13 @@
   <p:clrMapOvr>
     <a:masterClrMapping/>
   </p:clrMapOvr>
-  <mc:AlternateContent xmlns:mc="http://schemas.openxmlformats.org/markup-compatibility/2006">
-    <mc:Choice xmlns:p15="http://schemas.microsoft.com/office/powerpoint/2012/main" Requires="p15">
+  <mc:AlternateContent xmlns:mc="http://schemas.openxmlformats.org/markup-compatibility/2006" xmlns:p15="http://schemas.microsoft.com/office/powerpoint/2012/main">
+    <mc:Choice Requires="p15">
       <p:transition xmlns:p14="http://schemas.microsoft.com/office/powerpoint/2010/main" spd="slow" p14:dur="1250" advTm="8000">
         <p15:prstTrans prst="peelOff"/>
       </p:transition>
     </mc:Choice>
-    <mc:Fallback>
+    <mc:Fallback xmlns="">
       <p:transition spd="slow" advTm="8000">
         <p:fade/>
       </p:transition>
@@ -16348,7 +16467,7 @@
         <p:spPr>
           <a:xfrm>
             <a:off x="9078686" y="2384987"/>
-            <a:ext cx="2953050" cy="923330"/>
+            <a:ext cx="3113314" cy="830997"/>
           </a:xfrm>
           <a:prstGeom prst="rect">
             <a:avLst/>
@@ -16362,7 +16481,7 @@
           <a:lstStyle/>
           <a:p>
             <a:r>
-              <a:rPr lang="de-AT" sz="5400" dirty="0">
+              <a:rPr lang="de-AT" sz="4800" dirty="0">
                 <a:solidFill>
                   <a:schemeClr val="bg1"/>
                 </a:solidFill>
@@ -16611,7 +16730,7 @@
         <p:spPr>
           <a:xfrm>
             <a:off x="10026675" y="4599550"/>
-            <a:ext cx="1921165" cy="923330"/>
+            <a:ext cx="1921165" cy="830997"/>
           </a:xfrm>
           <a:prstGeom prst="rect">
             <a:avLst/>
@@ -16625,7 +16744,7 @@
           <a:lstStyle/>
           <a:p>
             <a:r>
-              <a:rPr lang="de-AT" sz="5400" dirty="0">
+              <a:rPr lang="de-AT" sz="4800" dirty="0">
                 <a:solidFill>
                   <a:schemeClr val="bg1"/>
                 </a:solidFill>
@@ -16646,13 +16765,13 @@
   <p:clrMapOvr>
     <a:masterClrMapping/>
   </p:clrMapOvr>
-  <mc:AlternateContent xmlns:mc="http://schemas.openxmlformats.org/markup-compatibility/2006">
-    <mc:Choice xmlns:p15="http://schemas.microsoft.com/office/powerpoint/2012/main" Requires="p15">
+  <mc:AlternateContent xmlns:mc="http://schemas.openxmlformats.org/markup-compatibility/2006" xmlns:p15="http://schemas.microsoft.com/office/powerpoint/2012/main">
+    <mc:Choice Requires="p15">
       <p:transition xmlns:p14="http://schemas.microsoft.com/office/powerpoint/2010/main" spd="slow" p14:dur="1250" advTm="8000">
         <p15:prstTrans prst="peelOff"/>
       </p:transition>
     </mc:Choice>
-    <mc:Fallback>
+    <mc:Fallback xmlns="">
       <p:transition spd="slow" advTm="8000">
         <p:fade/>
       </p:transition>
@@ -16968,13 +17087,13 @@
   <p:clrMapOvr>
     <a:masterClrMapping/>
   </p:clrMapOvr>
-  <mc:AlternateContent xmlns:mc="http://schemas.openxmlformats.org/markup-compatibility/2006">
-    <mc:Choice xmlns:p15="http://schemas.microsoft.com/office/powerpoint/2012/main" Requires="p15">
+  <mc:AlternateContent xmlns:mc="http://schemas.openxmlformats.org/markup-compatibility/2006" xmlns:p15="http://schemas.microsoft.com/office/powerpoint/2012/main">
+    <mc:Choice Requires="p15">
       <p:transition xmlns:p14="http://schemas.microsoft.com/office/powerpoint/2010/main" spd="slow" p14:dur="1250" advTm="8000">
         <p15:prstTrans prst="peelOff"/>
       </p:transition>
     </mc:Choice>
-    <mc:Fallback>
+    <mc:Fallback xmlns="">
       <p:transition spd="slow" advTm="8000">
         <p:fade/>
       </p:transition>
@@ -17153,14 +17272,11 @@
               <a:rPr lang="de-AT" sz="2800" b="1" dirty="0">
                 <a:latin typeface="raleway"/>
               </a:rPr>
-              <a:t>Benachrichtigungen</a:t>
-            </a:r>
-            <a:r>
-              <a:rPr lang="de-AT" sz="2800" dirty="0">
-                <a:latin typeface="raleway"/>
-              </a:rPr>
-              <a:t>.</a:t>
-            </a:r>
+              <a:t>Benachrichtigungen.</a:t>
+            </a:r>
+            <a:endParaRPr lang="de-AT" sz="2800" dirty="0">
+              <a:latin typeface="raleway"/>
+            </a:endParaRPr>
           </a:p>
         </p:txBody>
       </p:sp>
@@ -17204,13 +17320,13 @@
   <p:clrMapOvr>
     <a:masterClrMapping/>
   </p:clrMapOvr>
-  <mc:AlternateContent xmlns:mc="http://schemas.openxmlformats.org/markup-compatibility/2006">
-    <mc:Choice xmlns:p15="http://schemas.microsoft.com/office/powerpoint/2012/main" Requires="p15">
+  <mc:AlternateContent xmlns:mc="http://schemas.openxmlformats.org/markup-compatibility/2006" xmlns:p15="http://schemas.microsoft.com/office/powerpoint/2012/main">
+    <mc:Choice Requires="p15">
       <p:transition xmlns:p14="http://schemas.microsoft.com/office/powerpoint/2010/main" spd="slow" p14:dur="1250" advTm="8000">
         <p15:prstTrans prst="peelOff"/>
       </p:transition>
     </mc:Choice>
-    <mc:Fallback>
+    <mc:Fallback xmlns="">
       <p:transition spd="slow" advTm="8000">
         <p:fade/>
       </p:transition>
@@ -17305,13 +17421,13 @@
   <p:clrMapOvr>
     <a:masterClrMapping/>
   </p:clrMapOvr>
-  <mc:AlternateContent xmlns:mc="http://schemas.openxmlformats.org/markup-compatibility/2006">
-    <mc:Choice xmlns:p15="http://schemas.microsoft.com/office/powerpoint/2012/main" Requires="p15">
+  <mc:AlternateContent xmlns:mc="http://schemas.openxmlformats.org/markup-compatibility/2006" xmlns:p15="http://schemas.microsoft.com/office/powerpoint/2012/main">
+    <mc:Choice Requires="p15">
       <p:transition xmlns:p14="http://schemas.microsoft.com/office/powerpoint/2010/main" spd="slow" p14:dur="1250" advTm="8000">
         <p15:prstTrans prst="peelOff"/>
       </p:transition>
     </mc:Choice>
-    <mc:Fallback>
+    <mc:Fallback xmlns="">
       <p:transition spd="slow" advTm="8000">
         <p:fade/>
       </p:transition>
@@ -17422,13 +17538,13 @@
   <p:clrMapOvr>
     <a:masterClrMapping/>
   </p:clrMapOvr>
-  <mc:AlternateContent xmlns:mc="http://schemas.openxmlformats.org/markup-compatibility/2006">
-    <mc:Choice xmlns:p15="http://schemas.microsoft.com/office/powerpoint/2012/main" Requires="p15">
+  <mc:AlternateContent xmlns:mc="http://schemas.openxmlformats.org/markup-compatibility/2006" xmlns:p15="http://schemas.microsoft.com/office/powerpoint/2012/main">
+    <mc:Choice Requires="p15">
       <p:transition xmlns:p14="http://schemas.microsoft.com/office/powerpoint/2010/main" spd="slow" p14:dur="1250" advTm="8000">
         <p15:prstTrans prst="peelOff"/>
       </p:transition>
     </mc:Choice>
-    <mc:Fallback>
+    <mc:Fallback xmlns="">
       <p:transition spd="slow" advTm="8000">
         <p:fade/>
       </p:transition>
@@ -17580,13 +17696,13 @@
   <p:clrMapOvr>
     <a:masterClrMapping/>
   </p:clrMapOvr>
-  <mc:AlternateContent xmlns:mc="http://schemas.openxmlformats.org/markup-compatibility/2006">
-    <mc:Choice xmlns:p15="http://schemas.microsoft.com/office/powerpoint/2012/main" Requires="p15">
+  <mc:AlternateContent xmlns:mc="http://schemas.openxmlformats.org/markup-compatibility/2006" xmlns:p15="http://schemas.microsoft.com/office/powerpoint/2012/main">
+    <mc:Choice Requires="p15">
       <p:transition xmlns:p14="http://schemas.microsoft.com/office/powerpoint/2010/main" spd="slow" p14:dur="1250" advTm="8000">
         <p15:prstTrans prst="peelOff"/>
       </p:transition>
     </mc:Choice>
-    <mc:Fallback>
+    <mc:Fallback xmlns="">
       <p:transition spd="slow" advTm="8000">
         <p:fade/>
       </p:transition>
@@ -17722,7 +17838,7 @@
           <a:lstStyle/>
           <a:p>
             <a:r>
-              <a:rPr lang="de-AT" dirty="0"/>
+              <a:rPr lang="de-AT" sz="3200" dirty="0"/>
               <a:t>Unterwegs immer informiert</a:t>
             </a:r>
           </a:p>
@@ -17817,13 +17933,13 @@
   <p:clrMapOvr>
     <a:masterClrMapping/>
   </p:clrMapOvr>
-  <mc:AlternateContent xmlns:mc="http://schemas.openxmlformats.org/markup-compatibility/2006">
-    <mc:Choice xmlns:p15="http://schemas.microsoft.com/office/powerpoint/2012/main" Requires="p15">
+  <mc:AlternateContent xmlns:mc="http://schemas.openxmlformats.org/markup-compatibility/2006" xmlns:p15="http://schemas.microsoft.com/office/powerpoint/2012/main">
+    <mc:Choice Requires="p15">
       <p:transition xmlns:p14="http://schemas.microsoft.com/office/powerpoint/2010/main" spd="slow" p14:dur="1250" advTm="8000">
         <p15:prstTrans prst="peelOff"/>
       </p:transition>
     </mc:Choice>
-    <mc:Fallback>
+    <mc:Fallback xmlns="">
       <p:transition spd="slow" advTm="8000">
         <p:fade/>
       </p:transition>
@@ -17833,7 +17949,7 @@
 </file>
 
 <file path=ppt/slides/slide9.xml><?xml version="1.0" encoding="utf-8"?>
-<p:sld xmlns:a="http://schemas.openxmlformats.org/drawingml/2006/main" xmlns:r="http://schemas.openxmlformats.org/officeDocument/2006/relationships" xmlns:p="http://schemas.openxmlformats.org/presentationml/2006/main" show="0">
+<p:sld xmlns:a="http://schemas.openxmlformats.org/drawingml/2006/main" xmlns:r="http://schemas.openxmlformats.org/officeDocument/2006/relationships" xmlns:p="http://schemas.openxmlformats.org/presentationml/2006/main">
   <p:cSld>
     <p:spTree>
       <p:nvGrpSpPr>
@@ -17854,7 +17970,7 @@
           <p:cNvPr id="2" name="Titel 1">
             <a:extLst>
               <a:ext uri="{FF2B5EF4-FFF2-40B4-BE49-F238E27FC236}">
-                <a16:creationId xmlns:a16="http://schemas.microsoft.com/office/drawing/2014/main" id="{18484A04-A67B-417C-BFDB-2A05B1E5D787}"/>
+                <a16:creationId xmlns:a16="http://schemas.microsoft.com/office/drawing/2014/main" id="{D6B64EFE-9C2C-42C5-9CA0-6E638F2D0AA2}"/>
               </a:ext>
             </a:extLst>
           </p:cNvPr>
@@ -17872,63 +17988,68 @@
           <a:p>
             <a:r>
               <a:rPr lang="de-AT" dirty="0"/>
-              <a:t>Grafischer Editor </a:t>
-            </a:r>
-          </a:p>
-        </p:txBody>
-      </p:sp>
-      <p:sp>
-        <p:nvSpPr>
-          <p:cNvPr id="3" name="Inhaltsplatzhalter 2">
+              <a:t>Raspberry PI Tool</a:t>
+            </a:r>
+          </a:p>
+        </p:txBody>
+      </p:sp>
+      <p:pic>
+        <p:nvPicPr>
+          <p:cNvPr id="4" name="Inhaltsplatzhalter 4">
             <a:extLst>
               <a:ext uri="{FF2B5EF4-FFF2-40B4-BE49-F238E27FC236}">
-                <a16:creationId xmlns:a16="http://schemas.microsoft.com/office/drawing/2014/main" id="{40A08597-C991-47BF-BB14-3451A1843BE6}"/>
+                <a16:creationId xmlns:a16="http://schemas.microsoft.com/office/drawing/2014/main" id="{1385D02C-FBB5-4D93-875F-042B3C8FD417}"/>
               </a:ext>
             </a:extLst>
           </p:cNvPr>
-          <p:cNvSpPr>
-            <a:spLocks noGrp="1"/>
-          </p:cNvSpPr>
+          <p:cNvPicPr>
+            <a:picLocks noGrp="1" noChangeAspect="1"/>
+          </p:cNvPicPr>
           <p:nvPr>
             <p:ph idx="1"/>
           </p:nvPr>
-        </p:nvSpPr>
-        <p:spPr/>
-        <p:txBody>
-          <a:bodyPr/>
-          <a:lstStyle/>
-          <a:p>
-            <a:r>
-              <a:rPr lang="de-AT" dirty="0"/>
-              <a:t>&lt;Sebastians Content </a:t>
-            </a:r>
-            <a:r>
-              <a:rPr lang="de-AT" dirty="0">
-                <a:sym typeface="Wingdings" panose="05000000000000000000" pitchFamily="2" charset="2"/>
-              </a:rPr>
-              <a:t>&gt;</a:t>
-            </a:r>
-            <a:endParaRPr lang="de-AT" dirty="0"/>
-          </a:p>
-        </p:txBody>
-      </p:sp>
+        </p:nvPicPr>
+        <p:blipFill>
+          <a:blip r:embed="rId2">
+            <a:extLst>
+              <a:ext uri="{28A0092B-C50C-407E-A947-70E740481C1C}">
+                <a14:useLocalDpi xmlns:a14="http://schemas.microsoft.com/office/drawing/2010/main" val="0"/>
+              </a:ext>
+            </a:extLst>
+          </a:blip>
+          <a:stretch>
+            <a:fillRect/>
+          </a:stretch>
+        </p:blipFill>
+        <p:spPr>
+          <a:xfrm>
+            <a:off x="3212433" y="192107"/>
+            <a:ext cx="8595626" cy="6473786"/>
+          </a:xfrm>
+          <a:ln w="38100">
+            <a:solidFill>
+              <a:schemeClr val="tx1"/>
+            </a:solidFill>
+          </a:ln>
+        </p:spPr>
+      </p:pic>
     </p:spTree>
     <p:extLst>
       <p:ext uri="{BB962C8B-B14F-4D97-AF65-F5344CB8AC3E}">
-        <p14:creationId xmlns:p14="http://schemas.microsoft.com/office/powerpoint/2010/main" val="1029183873"/>
+        <p14:creationId xmlns:p14="http://schemas.microsoft.com/office/powerpoint/2010/main" val="272970103"/>
       </p:ext>
     </p:extLst>
   </p:cSld>
   <p:clrMapOvr>
     <a:masterClrMapping/>
   </p:clrMapOvr>
-  <mc:AlternateContent xmlns:mc="http://schemas.openxmlformats.org/markup-compatibility/2006">
-    <mc:Choice xmlns:p15="http://schemas.microsoft.com/office/powerpoint/2012/main" Requires="p15">
+  <mc:AlternateContent xmlns:mc="http://schemas.openxmlformats.org/markup-compatibility/2006" xmlns:p15="http://schemas.microsoft.com/office/powerpoint/2012/main">
+    <mc:Choice Requires="p15">
       <p:transition xmlns:p14="http://schemas.microsoft.com/office/powerpoint/2010/main" spd="slow" p14:dur="1250" advTm="8000">
         <p15:prstTrans prst="peelOff"/>
       </p:transition>
     </mc:Choice>
-    <mc:Fallback>
+    <mc:Fallback xmlns="">
       <p:transition spd="slow" advTm="8000">
         <p:fade/>
       </p:transition>

--- a/Planung/Praesentationen/Praesentation_Firmentag.pptx
+++ b/Planung/Praesentationen/Praesentation_Firmentag.pptx
@@ -2180,12 +2180,12 @@
         </a:fontRef>
       </dsp:style>
       <dsp:txBody>
-        <a:bodyPr spcFirstLastPara="0" vert="horz" wrap="square" lIns="533231" tIns="106680" rIns="199136" bIns="106680" numCol="1" spcCol="1270" anchor="ctr" anchorCtr="0">
+        <a:bodyPr spcFirstLastPara="0" vert="horz" wrap="square" lIns="533231" tIns="110490" rIns="206248" bIns="110490" numCol="1" spcCol="1270" anchor="ctr" anchorCtr="0">
           <a:noAutofit/>
         </a:bodyPr>
         <a:lstStyle/>
         <a:p>
-          <a:pPr marL="0" lvl="0" indent="0" algn="ctr" defTabSz="1244600">
+          <a:pPr marL="0" lvl="0" indent="0" algn="ctr" defTabSz="1289050">
             <a:lnSpc>
               <a:spcPct val="90000"/>
             </a:lnSpc>
@@ -2198,7 +2198,7 @@
             <a:buNone/>
           </a:pPr>
           <a:r>
-            <a:rPr lang="de-AT" sz="2800" kern="1200" dirty="0">
+            <a:rPr lang="de-AT" sz="2900" kern="1200" dirty="0">
               <a:latin typeface="raleway"/>
             </a:rPr>
             <a:t>Verbrauchsübersicht: Einfach und doch umfangreich</a:t>
@@ -2306,12 +2306,12 @@
         </a:fontRef>
       </dsp:style>
       <dsp:txBody>
-        <a:bodyPr spcFirstLastPara="0" vert="horz" wrap="square" lIns="533231" tIns="106680" rIns="199136" bIns="106680" numCol="1" spcCol="1270" anchor="ctr" anchorCtr="0">
+        <a:bodyPr spcFirstLastPara="0" vert="horz" wrap="square" lIns="533231" tIns="110490" rIns="206248" bIns="110490" numCol="1" spcCol="1270" anchor="ctr" anchorCtr="0">
           <a:noAutofit/>
         </a:bodyPr>
         <a:lstStyle/>
         <a:p>
-          <a:pPr marL="0" lvl="0" indent="0" algn="ctr" defTabSz="1244600">
+          <a:pPr marL="0" lvl="0" indent="0" algn="ctr" defTabSz="1289050">
             <a:lnSpc>
               <a:spcPct val="90000"/>
             </a:lnSpc>
@@ -2324,7 +2324,7 @@
             <a:buNone/>
           </a:pPr>
           <a:r>
-            <a:rPr lang="de-AT" sz="2800" kern="1200" dirty="0">
+            <a:rPr lang="de-AT" sz="2900" kern="1200" dirty="0">
               <a:latin typeface="raleway"/>
             </a:rPr>
             <a:t>Anpassbares Alarmsystem bei Verbrauchsabweichungen</a:t>
@@ -2432,12 +2432,12 @@
         </a:fontRef>
       </dsp:style>
       <dsp:txBody>
-        <a:bodyPr spcFirstLastPara="0" vert="horz" wrap="square" lIns="533231" tIns="106680" rIns="199136" bIns="106680" numCol="1" spcCol="1270" anchor="ctr" anchorCtr="0">
+        <a:bodyPr spcFirstLastPara="0" vert="horz" wrap="square" lIns="533231" tIns="110490" rIns="206248" bIns="110490" numCol="1" spcCol="1270" anchor="ctr" anchorCtr="0">
           <a:noAutofit/>
         </a:bodyPr>
         <a:lstStyle/>
         <a:p>
-          <a:pPr marL="0" lvl="0" indent="0" algn="ctr" defTabSz="1244600">
+          <a:pPr marL="0" lvl="0" indent="0" algn="ctr" defTabSz="1289050">
             <a:lnSpc>
               <a:spcPct val="90000"/>
             </a:lnSpc>
@@ -2450,7 +2450,7 @@
             <a:buNone/>
           </a:pPr>
           <a:r>
-            <a:rPr lang="de-AT" sz="2800" kern="1200" dirty="0">
+            <a:rPr lang="de-AT" sz="2900" kern="1200" dirty="0">
               <a:latin typeface="raleway"/>
             </a:rPr>
             <a:t>Verfügbarkeit: Sowohl am Desktop-PC als auch am Smartphone/Tablet</a:t>
@@ -2572,12 +2572,12 @@
         </a:fontRef>
       </dsp:style>
       <dsp:txBody>
-        <a:bodyPr spcFirstLastPara="0" vert="horz" wrap="square" lIns="117348" tIns="58674" rIns="29337" bIns="58674" numCol="1" spcCol="1270" anchor="ctr" anchorCtr="0">
+        <a:bodyPr spcFirstLastPara="0" vert="horz" wrap="square" lIns="122682" tIns="61341" rIns="30671" bIns="61341" numCol="1" spcCol="1270" anchor="ctr" anchorCtr="0">
           <a:noAutofit/>
         </a:bodyPr>
         <a:lstStyle/>
         <a:p>
-          <a:pPr marL="0" lvl="0" indent="0" algn="ctr" defTabSz="977900">
+          <a:pPr marL="0" lvl="0" indent="0" algn="ctr" defTabSz="1022350">
             <a:lnSpc>
               <a:spcPct val="90000"/>
             </a:lnSpc>
@@ -2590,12 +2590,12 @@
             <a:buNone/>
           </a:pPr>
           <a:r>
-            <a:rPr lang="de-AT" sz="2200" kern="1200">
+            <a:rPr lang="de-AT" sz="2300" kern="1200">
               <a:latin typeface="raleway"/>
             </a:rPr>
             <a:t>Registrierung</a:t>
           </a:r>
-          <a:endParaRPr lang="de-AT" sz="2200" kern="1200" dirty="0">
+          <a:endParaRPr lang="de-AT" sz="2300" kern="1200" dirty="0">
             <a:latin typeface="raleway"/>
           </a:endParaRPr>
         </a:p>
@@ -2649,12 +2649,12 @@
         </a:fontRef>
       </dsp:style>
       <dsp:txBody>
-        <a:bodyPr spcFirstLastPara="0" vert="horz" wrap="square" lIns="88011" tIns="58674" rIns="29337" bIns="58674" numCol="1" spcCol="1270" anchor="ctr" anchorCtr="0">
+        <a:bodyPr spcFirstLastPara="0" vert="horz" wrap="square" lIns="92012" tIns="61341" rIns="30671" bIns="61341" numCol="1" spcCol="1270" anchor="ctr" anchorCtr="0">
           <a:noAutofit/>
         </a:bodyPr>
         <a:lstStyle/>
         <a:p>
-          <a:pPr marL="0" lvl="0" indent="0" algn="ctr" defTabSz="977900">
+          <a:pPr marL="0" lvl="0" indent="0" algn="ctr" defTabSz="1022350">
             <a:lnSpc>
               <a:spcPct val="90000"/>
             </a:lnSpc>
@@ -2667,7 +2667,7 @@
             <a:buNone/>
           </a:pPr>
           <a:r>
-            <a:rPr lang="de-AT" sz="2200" kern="1200" dirty="0">
+            <a:rPr lang="de-AT" sz="2300" kern="1200" dirty="0">
               <a:latin typeface="raleway"/>
             </a:rPr>
             <a:t>E-Mail Bestätigung</a:t>
@@ -2723,12 +2723,12 @@
         </a:fontRef>
       </dsp:style>
       <dsp:txBody>
-        <a:bodyPr spcFirstLastPara="0" vert="horz" wrap="square" lIns="88011" tIns="58674" rIns="29337" bIns="58674" numCol="1" spcCol="1270" anchor="ctr" anchorCtr="0">
+        <a:bodyPr spcFirstLastPara="0" vert="horz" wrap="square" lIns="92012" tIns="61341" rIns="30671" bIns="61341" numCol="1" spcCol="1270" anchor="ctr" anchorCtr="0">
           <a:noAutofit/>
         </a:bodyPr>
         <a:lstStyle/>
         <a:p>
-          <a:pPr marL="0" lvl="0" indent="0" algn="ctr" defTabSz="977900">
+          <a:pPr marL="0" lvl="0" indent="0" algn="ctr" defTabSz="1022350">
             <a:lnSpc>
               <a:spcPct val="90000"/>
             </a:lnSpc>
@@ -2741,7 +2741,7 @@
             <a:buNone/>
           </a:pPr>
           <a:r>
-            <a:rPr lang="de-AT" sz="2200" kern="1200" dirty="0">
+            <a:rPr lang="de-AT" sz="2300" kern="1200" dirty="0">
               <a:latin typeface="raleway"/>
             </a:rPr>
             <a:t>Freigabe durch einen Administrator</a:t>
@@ -5342,7 +5342,7 @@
           <a:p>
             <a:fld id="{6C12F6B1-6786-4E64-B681-F379C9A54FC0}" type="datetimeFigureOut">
               <a:rPr lang="de-AT" smtClean="0"/>
-              <a:t>15.05.2018</a:t>
+              <a:t>23.05.2018</a:t>
             </a:fld>
             <a:endParaRPr lang="de-AT"/>
           </a:p>
@@ -6302,14 +6302,14 @@
   <p:clrMapOvr>
     <a:masterClrMapping/>
   </p:clrMapOvr>
-  <mc:AlternateContent xmlns:mc="http://schemas.openxmlformats.org/markup-compatibility/2006" xmlns:p15="http://schemas.microsoft.com/office/powerpoint/2012/main">
-    <mc:Choice Requires="p15">
-      <p:transition xmlns:p14="http://schemas.microsoft.com/office/powerpoint/2010/main" spd="slow" p14:dur="1250" advTm="8000">
+  <mc:AlternateContent xmlns:mc="http://schemas.openxmlformats.org/markup-compatibility/2006">
+    <mc:Choice xmlns:p15="http://schemas.microsoft.com/office/powerpoint/2012/main" Requires="p15">
+      <p:transition xmlns:p14="http://schemas.microsoft.com/office/powerpoint/2010/main" spd="slow" p14:dur="1250">
         <p15:prstTrans prst="peelOff"/>
       </p:transition>
     </mc:Choice>
-    <mc:Fallback xmlns="">
-      <p:transition spd="slow" advTm="8000">
+    <mc:Fallback>
+      <p:transition spd="slow">
         <p:fade/>
       </p:transition>
     </mc:Fallback>
@@ -6434,7 +6434,7 @@
           <a:p>
             <a:fld id="{83C286D2-5717-406C-AD4B-C4A69D5338FB}" type="datetimeFigureOut">
               <a:rPr lang="de-AT" smtClean="0"/>
-              <a:t>15.05.2018</a:t>
+              <a:t>23.05.2018</a:t>
             </a:fld>
             <a:endParaRPr lang="de-AT"/>
           </a:p>
@@ -6508,14 +6508,14 @@
   <p:clrMapOvr>
     <a:masterClrMapping/>
   </p:clrMapOvr>
-  <mc:AlternateContent xmlns:mc="http://schemas.openxmlformats.org/markup-compatibility/2006" xmlns:p15="http://schemas.microsoft.com/office/powerpoint/2012/main">
-    <mc:Choice Requires="p15">
-      <p:transition xmlns:p14="http://schemas.microsoft.com/office/powerpoint/2010/main" spd="slow" p14:dur="1250" advTm="8000">
+  <mc:AlternateContent xmlns:mc="http://schemas.openxmlformats.org/markup-compatibility/2006">
+    <mc:Choice xmlns:p15="http://schemas.microsoft.com/office/powerpoint/2012/main" Requires="p15">
+      <p:transition xmlns:p14="http://schemas.microsoft.com/office/powerpoint/2010/main" spd="slow" p14:dur="1250">
         <p15:prstTrans prst="peelOff"/>
       </p:transition>
     </mc:Choice>
-    <mc:Fallback xmlns="">
-      <p:transition spd="slow" advTm="8000">
+    <mc:Fallback>
+      <p:transition spd="slow">
         <p:fade/>
       </p:transition>
     </mc:Fallback>
@@ -6650,7 +6650,7 @@
           <a:p>
             <a:fld id="{83C286D2-5717-406C-AD4B-C4A69D5338FB}" type="datetimeFigureOut">
               <a:rPr lang="de-AT" smtClean="0"/>
-              <a:t>15.05.2018</a:t>
+              <a:t>23.05.2018</a:t>
             </a:fld>
             <a:endParaRPr lang="de-AT"/>
           </a:p>
@@ -6724,14 +6724,14 @@
   <p:clrMapOvr>
     <a:masterClrMapping/>
   </p:clrMapOvr>
-  <mc:AlternateContent xmlns:mc="http://schemas.openxmlformats.org/markup-compatibility/2006" xmlns:p15="http://schemas.microsoft.com/office/powerpoint/2012/main">
-    <mc:Choice Requires="p15">
-      <p:transition xmlns:p14="http://schemas.microsoft.com/office/powerpoint/2010/main" spd="slow" p14:dur="1250" advTm="8000">
+  <mc:AlternateContent xmlns:mc="http://schemas.openxmlformats.org/markup-compatibility/2006">
+    <mc:Choice xmlns:p15="http://schemas.microsoft.com/office/powerpoint/2012/main" Requires="p15">
+      <p:transition xmlns:p14="http://schemas.microsoft.com/office/powerpoint/2010/main" spd="slow" p14:dur="1250">
         <p15:prstTrans prst="peelOff"/>
       </p:transition>
     </mc:Choice>
-    <mc:Fallback xmlns="">
-      <p:transition spd="slow" advTm="8000">
+    <mc:Fallback>
+      <p:transition spd="slow">
         <p:fade/>
       </p:transition>
     </mc:Fallback>
@@ -6889,7 +6889,7 @@
           <a:p>
             <a:fld id="{83C286D2-5717-406C-AD4B-C4A69D5338FB}" type="datetimeFigureOut">
               <a:rPr lang="de-AT" smtClean="0"/>
-              <a:t>15.05.2018</a:t>
+              <a:t>23.05.2018</a:t>
             </a:fld>
             <a:endParaRPr lang="de-AT"/>
           </a:p>
@@ -6963,14 +6963,14 @@
   <p:clrMapOvr>
     <a:masterClrMapping/>
   </p:clrMapOvr>
-  <mc:AlternateContent xmlns:mc="http://schemas.openxmlformats.org/markup-compatibility/2006" xmlns:p15="http://schemas.microsoft.com/office/powerpoint/2012/main">
-    <mc:Choice Requires="p15">
-      <p:transition xmlns:p14="http://schemas.microsoft.com/office/powerpoint/2010/main" spd="slow" p14:dur="1250" advTm="8000">
+  <mc:AlternateContent xmlns:mc="http://schemas.openxmlformats.org/markup-compatibility/2006">
+    <mc:Choice xmlns:p15="http://schemas.microsoft.com/office/powerpoint/2012/main" Requires="p15">
+      <p:transition xmlns:p14="http://schemas.microsoft.com/office/powerpoint/2010/main" spd="slow" p14:dur="1250">
         <p15:prstTrans prst="peelOff"/>
       </p:transition>
     </mc:Choice>
-    <mc:Fallback xmlns="">
-      <p:transition spd="slow" advTm="8000">
+    <mc:Fallback>
+      <p:transition spd="slow">
         <p:fade/>
       </p:transition>
     </mc:Fallback>
@@ -7120,7 +7120,7 @@
           <a:p>
             <a:fld id="{83C286D2-5717-406C-AD4B-C4A69D5338FB}" type="datetimeFigureOut">
               <a:rPr lang="de-AT" smtClean="0"/>
-              <a:t>15.05.2018</a:t>
+              <a:t>23.05.2018</a:t>
             </a:fld>
             <a:endParaRPr lang="de-AT"/>
           </a:p>
@@ -7178,14 +7178,14 @@
   <p:clrMapOvr>
     <a:masterClrMapping/>
   </p:clrMapOvr>
-  <mc:AlternateContent xmlns:mc="http://schemas.openxmlformats.org/markup-compatibility/2006" xmlns:p15="http://schemas.microsoft.com/office/powerpoint/2012/main">
-    <mc:Choice Requires="p15">
-      <p:transition xmlns:p14="http://schemas.microsoft.com/office/powerpoint/2010/main" spd="slow" p14:dur="1250" advTm="8000">
+  <mc:AlternateContent xmlns:mc="http://schemas.openxmlformats.org/markup-compatibility/2006">
+    <mc:Choice xmlns:p15="http://schemas.microsoft.com/office/powerpoint/2012/main" Requires="p15">
+      <p:transition xmlns:p14="http://schemas.microsoft.com/office/powerpoint/2010/main" spd="slow" p14:dur="1250">
         <p15:prstTrans prst="peelOff"/>
       </p:transition>
     </mc:Choice>
-    <mc:Fallback xmlns="">
-      <p:transition spd="slow" advTm="8000">
+    <mc:Fallback>
+      <p:transition spd="slow">
         <p:fade/>
       </p:transition>
     </mc:Fallback>
@@ -7302,7 +7302,7 @@
           <a:p>
             <a:fld id="{83C286D2-5717-406C-AD4B-C4A69D5338FB}" type="datetimeFigureOut">
               <a:rPr lang="de-AT" smtClean="0"/>
-              <a:t>15.05.2018</a:t>
+              <a:t>23.05.2018</a:t>
             </a:fld>
             <a:endParaRPr lang="de-AT"/>
           </a:p>
@@ -7360,14 +7360,14 @@
   <p:clrMapOvr>
     <a:masterClrMapping/>
   </p:clrMapOvr>
-  <mc:AlternateContent xmlns:mc="http://schemas.openxmlformats.org/markup-compatibility/2006" xmlns:p15="http://schemas.microsoft.com/office/powerpoint/2012/main">
-    <mc:Choice Requires="p15">
-      <p:transition xmlns:p14="http://schemas.microsoft.com/office/powerpoint/2010/main" spd="slow" p14:dur="1250" advTm="8000">
+  <mc:AlternateContent xmlns:mc="http://schemas.openxmlformats.org/markup-compatibility/2006">
+    <mc:Choice xmlns:p15="http://schemas.microsoft.com/office/powerpoint/2012/main" Requires="p15">
+      <p:transition xmlns:p14="http://schemas.microsoft.com/office/powerpoint/2010/main" spd="slow" p14:dur="1250">
         <p15:prstTrans prst="peelOff"/>
       </p:transition>
     </mc:Choice>
-    <mc:Fallback xmlns="">
-      <p:transition spd="slow" advTm="8000">
+    <mc:Fallback>
+      <p:transition spd="slow">
         <p:fade/>
       </p:transition>
     </mc:Fallback>
@@ -7565,7 +7565,7 @@
           <a:p>
             <a:fld id="{83C286D2-5717-406C-AD4B-C4A69D5338FB}" type="datetimeFigureOut">
               <a:rPr lang="de-AT" smtClean="0"/>
-              <a:t>15.05.2018</a:t>
+              <a:t>23.05.2018</a:t>
             </a:fld>
             <a:endParaRPr lang="de-AT"/>
           </a:p>
@@ -7623,14 +7623,14 @@
   <p:clrMapOvr>
     <a:masterClrMapping/>
   </p:clrMapOvr>
-  <mc:AlternateContent xmlns:mc="http://schemas.openxmlformats.org/markup-compatibility/2006" xmlns:p15="http://schemas.microsoft.com/office/powerpoint/2012/main">
-    <mc:Choice Requires="p15">
-      <p:transition xmlns:p14="http://schemas.microsoft.com/office/powerpoint/2010/main" spd="slow" p14:dur="1250" advTm="8000">
+  <mc:AlternateContent xmlns:mc="http://schemas.openxmlformats.org/markup-compatibility/2006">
+    <mc:Choice xmlns:p15="http://schemas.microsoft.com/office/powerpoint/2012/main" Requires="p15">
+      <p:transition xmlns:p14="http://schemas.microsoft.com/office/powerpoint/2010/main" spd="slow" p14:dur="1250">
         <p15:prstTrans prst="peelOff"/>
       </p:transition>
     </mc:Choice>
-    <mc:Fallback xmlns="">
-      <p:transition spd="slow" advTm="8000">
+    <mc:Fallback>
+      <p:transition spd="slow">
         <p:fade/>
       </p:transition>
     </mc:Fallback>
@@ -7809,7 +7809,7 @@
           <a:p>
             <a:fld id="{83C286D2-5717-406C-AD4B-C4A69D5338FB}" type="datetimeFigureOut">
               <a:rPr lang="de-AT" smtClean="0"/>
-              <a:t>15.05.2018</a:t>
+              <a:t>23.05.2018</a:t>
             </a:fld>
             <a:endParaRPr lang="de-AT"/>
           </a:p>
@@ -7867,14 +7867,14 @@
   <p:clrMapOvr>
     <a:masterClrMapping/>
   </p:clrMapOvr>
-  <mc:AlternateContent xmlns:mc="http://schemas.openxmlformats.org/markup-compatibility/2006" xmlns:p15="http://schemas.microsoft.com/office/powerpoint/2012/main">
-    <mc:Choice Requires="p15">
-      <p:transition xmlns:p14="http://schemas.microsoft.com/office/powerpoint/2010/main" spd="slow" p14:dur="1250" advTm="8000">
+  <mc:AlternateContent xmlns:mc="http://schemas.openxmlformats.org/markup-compatibility/2006">
+    <mc:Choice xmlns:p15="http://schemas.microsoft.com/office/powerpoint/2012/main" Requires="p15">
+      <p:transition xmlns:p14="http://schemas.microsoft.com/office/powerpoint/2010/main" spd="slow" p14:dur="1250">
         <p15:prstTrans prst="peelOff"/>
       </p:transition>
     </mc:Choice>
-    <mc:Fallback xmlns="">
-      <p:transition spd="slow" advTm="8000">
+    <mc:Fallback>
+      <p:transition spd="slow">
         <p:fade/>
       </p:transition>
     </mc:Fallback>
@@ -8168,7 +8168,7 @@
           <a:p>
             <a:fld id="{83C286D2-5717-406C-AD4B-C4A69D5338FB}" type="datetimeFigureOut">
               <a:rPr lang="de-AT" smtClean="0"/>
-              <a:t>15.05.2018</a:t>
+              <a:t>23.05.2018</a:t>
             </a:fld>
             <a:endParaRPr lang="de-AT"/>
           </a:p>
@@ -8249,14 +8249,14 @@
   <p:clrMapOvr>
     <a:masterClrMapping/>
   </p:clrMapOvr>
-  <mc:AlternateContent xmlns:mc="http://schemas.openxmlformats.org/markup-compatibility/2006" xmlns:p15="http://schemas.microsoft.com/office/powerpoint/2012/main">
-    <mc:Choice Requires="p15">
-      <p:transition xmlns:p14="http://schemas.microsoft.com/office/powerpoint/2010/main" spd="slow" p14:dur="1250" advTm="8000">
+  <mc:AlternateContent xmlns:mc="http://schemas.openxmlformats.org/markup-compatibility/2006">
+    <mc:Choice xmlns:p15="http://schemas.microsoft.com/office/powerpoint/2012/main" Requires="p15">
+      <p:transition xmlns:p14="http://schemas.microsoft.com/office/powerpoint/2010/main" spd="slow" p14:dur="1250">
         <p15:prstTrans prst="peelOff"/>
       </p:transition>
     </mc:Choice>
-    <mc:Fallback xmlns="">
-      <p:transition spd="slow" advTm="8000">
+    <mc:Fallback>
+      <p:transition spd="slow">
         <p:fade/>
       </p:transition>
     </mc:Fallback>
@@ -8298,7 +8298,7 @@
           <a:p>
             <a:fld id="{83C286D2-5717-406C-AD4B-C4A69D5338FB}" type="datetimeFigureOut">
               <a:rPr lang="de-AT" smtClean="0"/>
-              <a:t>15.05.2018</a:t>
+              <a:t>23.05.2018</a:t>
             </a:fld>
             <a:endParaRPr lang="de-AT"/>
           </a:p>
@@ -8379,14 +8379,14 @@
   <p:clrMapOvr>
     <a:masterClrMapping/>
   </p:clrMapOvr>
-  <mc:AlternateContent xmlns:mc="http://schemas.openxmlformats.org/markup-compatibility/2006" xmlns:p15="http://schemas.microsoft.com/office/powerpoint/2012/main">
-    <mc:Choice Requires="p15">
-      <p:transition xmlns:p14="http://schemas.microsoft.com/office/powerpoint/2010/main" spd="slow" p14:dur="1250" advTm="8000">
+  <mc:AlternateContent xmlns:mc="http://schemas.openxmlformats.org/markup-compatibility/2006">
+    <mc:Choice xmlns:p15="http://schemas.microsoft.com/office/powerpoint/2012/main" Requires="p15">
+      <p:transition xmlns:p14="http://schemas.microsoft.com/office/powerpoint/2010/main" spd="slow" p14:dur="1250">
         <p15:prstTrans prst="peelOff"/>
       </p:transition>
     </mc:Choice>
-    <mc:Fallback xmlns="">
-      <p:transition spd="slow" advTm="8000">
+    <mc:Fallback>
+      <p:transition spd="slow">
         <p:fade/>
       </p:transition>
     </mc:Fallback>
@@ -8428,7 +8428,7 @@
           <a:p>
             <a:fld id="{83C286D2-5717-406C-AD4B-C4A69D5338FB}" type="datetimeFigureOut">
               <a:rPr lang="de-AT" smtClean="0"/>
-              <a:t>15.05.2018</a:t>
+              <a:t>23.05.2018</a:t>
             </a:fld>
             <a:endParaRPr lang="de-AT"/>
           </a:p>
@@ -8486,14 +8486,14 @@
   <p:clrMapOvr>
     <a:masterClrMapping/>
   </p:clrMapOvr>
-  <mc:AlternateContent xmlns:mc="http://schemas.openxmlformats.org/markup-compatibility/2006" xmlns:p15="http://schemas.microsoft.com/office/powerpoint/2012/main">
-    <mc:Choice Requires="p15">
-      <p:transition xmlns:p14="http://schemas.microsoft.com/office/powerpoint/2010/main" spd="slow" p14:dur="1250" advTm="8000">
+  <mc:AlternateContent xmlns:mc="http://schemas.openxmlformats.org/markup-compatibility/2006">
+    <mc:Choice xmlns:p15="http://schemas.microsoft.com/office/powerpoint/2012/main" Requires="p15">
+      <p:transition xmlns:p14="http://schemas.microsoft.com/office/powerpoint/2010/main" spd="slow" p14:dur="1250">
         <p15:prstTrans prst="peelOff"/>
       </p:transition>
     </mc:Choice>
-    <mc:Fallback xmlns="">
-      <p:transition spd="slow" advTm="8000">
+    <mc:Fallback>
+      <p:transition spd="slow">
         <p:fade/>
       </p:transition>
     </mc:Fallback>
@@ -8618,7 +8618,7 @@
           <a:p>
             <a:fld id="{83C286D2-5717-406C-AD4B-C4A69D5338FB}" type="datetimeFigureOut">
               <a:rPr lang="de-AT" smtClean="0"/>
-              <a:t>15.05.2018</a:t>
+              <a:t>23.05.2018</a:t>
             </a:fld>
             <a:endParaRPr lang="de-AT"/>
           </a:p>
@@ -8692,14 +8692,14 @@
   <p:clrMapOvr>
     <a:masterClrMapping/>
   </p:clrMapOvr>
-  <mc:AlternateContent xmlns:mc="http://schemas.openxmlformats.org/markup-compatibility/2006" xmlns:p15="http://schemas.microsoft.com/office/powerpoint/2012/main">
-    <mc:Choice Requires="p15">
-      <p:transition xmlns:p14="http://schemas.microsoft.com/office/powerpoint/2010/main" spd="slow" p14:dur="1250" advTm="8000">
+  <mc:AlternateContent xmlns:mc="http://schemas.openxmlformats.org/markup-compatibility/2006">
+    <mc:Choice xmlns:p15="http://schemas.microsoft.com/office/powerpoint/2012/main" Requires="p15">
+      <p:transition xmlns:p14="http://schemas.microsoft.com/office/powerpoint/2010/main" spd="slow" p14:dur="1250">
         <p15:prstTrans prst="peelOff"/>
       </p:transition>
     </mc:Choice>
-    <mc:Fallback xmlns="">
-      <p:transition spd="slow" advTm="8000">
+    <mc:Fallback>
+      <p:transition spd="slow">
         <p:fade/>
       </p:transition>
     </mc:Fallback>
@@ -8930,7 +8930,7 @@
           <a:p>
             <a:fld id="{83C286D2-5717-406C-AD4B-C4A69D5338FB}" type="datetimeFigureOut">
               <a:rPr lang="de-AT" smtClean="0"/>
-              <a:t>15.05.2018</a:t>
+              <a:t>23.05.2018</a:t>
             </a:fld>
             <a:endParaRPr lang="de-AT"/>
           </a:p>
@@ -8988,14 +8988,14 @@
   <p:clrMapOvr>
     <a:masterClrMapping/>
   </p:clrMapOvr>
-  <mc:AlternateContent xmlns:mc="http://schemas.openxmlformats.org/markup-compatibility/2006" xmlns:p15="http://schemas.microsoft.com/office/powerpoint/2012/main">
-    <mc:Choice Requires="p15">
-      <p:transition xmlns:p14="http://schemas.microsoft.com/office/powerpoint/2010/main" spd="slow" p14:dur="1250" advTm="8000">
+  <mc:AlternateContent xmlns:mc="http://schemas.openxmlformats.org/markup-compatibility/2006">
+    <mc:Choice xmlns:p15="http://schemas.microsoft.com/office/powerpoint/2012/main" Requires="p15">
+      <p:transition xmlns:p14="http://schemas.microsoft.com/office/powerpoint/2010/main" spd="slow" p14:dur="1250">
         <p15:prstTrans prst="peelOff"/>
       </p:transition>
     </mc:Choice>
-    <mc:Fallback xmlns="">
-      <p:transition spd="slow" advTm="8000">
+    <mc:Fallback>
+      <p:transition spd="slow">
         <p:fade/>
       </p:transition>
     </mc:Fallback>
@@ -9206,7 +9206,7 @@
           <a:p>
             <a:fld id="{83C286D2-5717-406C-AD4B-C4A69D5338FB}" type="datetimeFigureOut">
               <a:rPr lang="de-AT" smtClean="0"/>
-              <a:t>15.05.2018</a:t>
+              <a:t>23.05.2018</a:t>
             </a:fld>
             <a:endParaRPr lang="de-AT"/>
           </a:p>
@@ -9264,14 +9264,14 @@
   <p:clrMapOvr>
     <a:masterClrMapping/>
   </p:clrMapOvr>
-  <mc:AlternateContent xmlns:mc="http://schemas.openxmlformats.org/markup-compatibility/2006" xmlns:p15="http://schemas.microsoft.com/office/powerpoint/2012/main">
-    <mc:Choice Requires="p15">
-      <p:transition xmlns:p14="http://schemas.microsoft.com/office/powerpoint/2010/main" spd="slow" p14:dur="1250" advTm="8000">
+  <mc:AlternateContent xmlns:mc="http://schemas.openxmlformats.org/markup-compatibility/2006">
+    <mc:Choice xmlns:p15="http://schemas.microsoft.com/office/powerpoint/2012/main" Requires="p15">
+      <p:transition xmlns:p14="http://schemas.microsoft.com/office/powerpoint/2010/main" spd="slow" p14:dur="1250">
         <p15:prstTrans prst="peelOff"/>
       </p:transition>
     </mc:Choice>
-    <mc:Fallback xmlns="">
-      <p:transition spd="slow" advTm="8000">
+    <mc:Fallback>
+      <p:transition spd="slow">
         <p:fade/>
       </p:transition>
     </mc:Fallback>
@@ -9388,7 +9388,7 @@
           <a:p>
             <a:fld id="{83C286D2-5717-406C-AD4B-C4A69D5338FB}" type="datetimeFigureOut">
               <a:rPr lang="de-AT" smtClean="0"/>
-              <a:t>15.05.2018</a:t>
+              <a:t>23.05.2018</a:t>
             </a:fld>
             <a:endParaRPr lang="de-AT"/>
           </a:p>
@@ -9446,14 +9446,14 @@
   <p:clrMapOvr>
     <a:masterClrMapping/>
   </p:clrMapOvr>
-  <mc:AlternateContent xmlns:mc="http://schemas.openxmlformats.org/markup-compatibility/2006" xmlns:p15="http://schemas.microsoft.com/office/powerpoint/2012/main">
-    <mc:Choice Requires="p15">
-      <p:transition xmlns:p14="http://schemas.microsoft.com/office/powerpoint/2010/main" spd="slow" p14:dur="1250" advTm="8000">
+  <mc:AlternateContent xmlns:mc="http://schemas.openxmlformats.org/markup-compatibility/2006">
+    <mc:Choice xmlns:p15="http://schemas.microsoft.com/office/powerpoint/2012/main" Requires="p15">
+      <p:transition xmlns:p14="http://schemas.microsoft.com/office/powerpoint/2010/main" spd="slow" p14:dur="1250">
         <p15:prstTrans prst="peelOff"/>
       </p:transition>
     </mc:Choice>
-    <mc:Fallback xmlns="">
-      <p:transition spd="slow" advTm="8000">
+    <mc:Fallback>
+      <p:transition spd="slow">
         <p:fade/>
       </p:transition>
     </mc:Fallback>
@@ -9580,7 +9580,7 @@
           <a:p>
             <a:fld id="{83C286D2-5717-406C-AD4B-C4A69D5338FB}" type="datetimeFigureOut">
               <a:rPr lang="de-AT" smtClean="0"/>
-              <a:t>15.05.2018</a:t>
+              <a:t>23.05.2018</a:t>
             </a:fld>
             <a:endParaRPr lang="de-AT"/>
           </a:p>
@@ -9638,14 +9638,14 @@
   <p:clrMapOvr>
     <a:masterClrMapping/>
   </p:clrMapOvr>
-  <mc:AlternateContent xmlns:mc="http://schemas.openxmlformats.org/markup-compatibility/2006" xmlns:p15="http://schemas.microsoft.com/office/powerpoint/2012/main">
-    <mc:Choice Requires="p15">
-      <p:transition xmlns:p14="http://schemas.microsoft.com/office/powerpoint/2010/main" spd="slow" p14:dur="1250" advTm="8000">
+  <mc:AlternateContent xmlns:mc="http://schemas.openxmlformats.org/markup-compatibility/2006">
+    <mc:Choice xmlns:p15="http://schemas.microsoft.com/office/powerpoint/2012/main" Requires="p15">
+      <p:transition xmlns:p14="http://schemas.microsoft.com/office/powerpoint/2010/main" spd="slow" p14:dur="1250">
         <p15:prstTrans prst="peelOff"/>
       </p:transition>
     </mc:Choice>
-    <mc:Fallback xmlns="">
-      <p:transition spd="slow" advTm="8000">
+    <mc:Fallback>
+      <p:transition spd="slow">
         <p:fade/>
       </p:transition>
     </mc:Fallback>
@@ -9795,7 +9795,7 @@
           <a:p>
             <a:fld id="{83C286D2-5717-406C-AD4B-C4A69D5338FB}" type="datetimeFigureOut">
               <a:rPr lang="de-AT" smtClean="0"/>
-              <a:t>15.05.2018</a:t>
+              <a:t>23.05.2018</a:t>
             </a:fld>
             <a:endParaRPr lang="de-AT"/>
           </a:p>
@@ -9853,14 +9853,14 @@
   <p:clrMapOvr>
     <a:masterClrMapping/>
   </p:clrMapOvr>
-  <mc:AlternateContent xmlns:mc="http://schemas.openxmlformats.org/markup-compatibility/2006" xmlns:p15="http://schemas.microsoft.com/office/powerpoint/2012/main">
-    <mc:Choice Requires="p15">
-      <p:transition xmlns:p14="http://schemas.microsoft.com/office/powerpoint/2010/main" spd="slow" p14:dur="1250" advTm="8000">
+  <mc:AlternateContent xmlns:mc="http://schemas.openxmlformats.org/markup-compatibility/2006">
+    <mc:Choice xmlns:p15="http://schemas.microsoft.com/office/powerpoint/2012/main" Requires="p15">
+      <p:transition xmlns:p14="http://schemas.microsoft.com/office/powerpoint/2010/main" spd="slow" p14:dur="1250">
         <p15:prstTrans prst="peelOff"/>
       </p:transition>
     </mc:Choice>
-    <mc:Fallback xmlns="">
-      <p:transition spd="slow" advTm="8000">
+    <mc:Fallback>
+      <p:transition spd="slow">
         <p:fade/>
       </p:transition>
     </mc:Fallback>
@@ -9977,7 +9977,7 @@
           <a:p>
             <a:fld id="{83C286D2-5717-406C-AD4B-C4A69D5338FB}" type="datetimeFigureOut">
               <a:rPr lang="de-AT" smtClean="0"/>
-              <a:t>15.05.2018</a:t>
+              <a:t>23.05.2018</a:t>
             </a:fld>
             <a:endParaRPr lang="de-AT"/>
           </a:p>
@@ -10035,14 +10035,14 @@
   <p:clrMapOvr>
     <a:masterClrMapping/>
   </p:clrMapOvr>
-  <mc:AlternateContent xmlns:mc="http://schemas.openxmlformats.org/markup-compatibility/2006" xmlns:p15="http://schemas.microsoft.com/office/powerpoint/2012/main">
-    <mc:Choice Requires="p15">
-      <p:transition xmlns:p14="http://schemas.microsoft.com/office/powerpoint/2010/main" spd="slow" p14:dur="1250" advTm="8000">
+  <mc:AlternateContent xmlns:mc="http://schemas.openxmlformats.org/markup-compatibility/2006">
+    <mc:Choice xmlns:p15="http://schemas.microsoft.com/office/powerpoint/2012/main" Requires="p15">
+      <p:transition xmlns:p14="http://schemas.microsoft.com/office/powerpoint/2010/main" spd="slow" p14:dur="1250">
         <p15:prstTrans prst="peelOff"/>
       </p:transition>
     </mc:Choice>
-    <mc:Fallback xmlns="">
-      <p:transition spd="slow" advTm="8000">
+    <mc:Fallback>
+      <p:transition spd="slow">
         <p:fade/>
       </p:transition>
     </mc:Fallback>
@@ -10240,7 +10240,7 @@
           <a:p>
             <a:fld id="{83C286D2-5717-406C-AD4B-C4A69D5338FB}" type="datetimeFigureOut">
               <a:rPr lang="de-AT" smtClean="0"/>
-              <a:t>15.05.2018</a:t>
+              <a:t>23.05.2018</a:t>
             </a:fld>
             <a:endParaRPr lang="de-AT"/>
           </a:p>
@@ -10298,14 +10298,14 @@
   <p:clrMapOvr>
     <a:masterClrMapping/>
   </p:clrMapOvr>
-  <mc:AlternateContent xmlns:mc="http://schemas.openxmlformats.org/markup-compatibility/2006" xmlns:p15="http://schemas.microsoft.com/office/powerpoint/2012/main">
-    <mc:Choice Requires="p15">
-      <p:transition xmlns:p14="http://schemas.microsoft.com/office/powerpoint/2010/main" spd="slow" p14:dur="1250" advTm="8000">
+  <mc:AlternateContent xmlns:mc="http://schemas.openxmlformats.org/markup-compatibility/2006">
+    <mc:Choice xmlns:p15="http://schemas.microsoft.com/office/powerpoint/2012/main" Requires="p15">
+      <p:transition xmlns:p14="http://schemas.microsoft.com/office/powerpoint/2010/main" spd="slow" p14:dur="1250">
         <p15:prstTrans prst="peelOff"/>
       </p:transition>
     </mc:Choice>
-    <mc:Fallback xmlns="">
-      <p:transition spd="slow" advTm="8000">
+    <mc:Fallback>
+      <p:transition spd="slow">
         <p:fade/>
       </p:transition>
     </mc:Fallback>
@@ -10484,7 +10484,7 @@
           <a:p>
             <a:fld id="{83C286D2-5717-406C-AD4B-C4A69D5338FB}" type="datetimeFigureOut">
               <a:rPr lang="de-AT" smtClean="0"/>
-              <a:t>15.05.2018</a:t>
+              <a:t>23.05.2018</a:t>
             </a:fld>
             <a:endParaRPr lang="de-AT"/>
           </a:p>
@@ -10542,14 +10542,14 @@
   <p:clrMapOvr>
     <a:masterClrMapping/>
   </p:clrMapOvr>
-  <mc:AlternateContent xmlns:mc="http://schemas.openxmlformats.org/markup-compatibility/2006" xmlns:p15="http://schemas.microsoft.com/office/powerpoint/2012/main">
-    <mc:Choice Requires="p15">
-      <p:transition xmlns:p14="http://schemas.microsoft.com/office/powerpoint/2010/main" spd="slow" p14:dur="1250" advTm="8000">
+  <mc:AlternateContent xmlns:mc="http://schemas.openxmlformats.org/markup-compatibility/2006">
+    <mc:Choice xmlns:p15="http://schemas.microsoft.com/office/powerpoint/2012/main" Requires="p15">
+      <p:transition xmlns:p14="http://schemas.microsoft.com/office/powerpoint/2010/main" spd="slow" p14:dur="1250">
         <p15:prstTrans prst="peelOff"/>
       </p:transition>
     </mc:Choice>
-    <mc:Fallback xmlns="">
-      <p:transition spd="slow" advTm="8000">
+    <mc:Fallback>
+      <p:transition spd="slow">
         <p:fade/>
       </p:transition>
     </mc:Fallback>
@@ -10843,7 +10843,7 @@
           <a:p>
             <a:fld id="{83C286D2-5717-406C-AD4B-C4A69D5338FB}" type="datetimeFigureOut">
               <a:rPr lang="de-AT" smtClean="0"/>
-              <a:t>15.05.2018</a:t>
+              <a:t>23.05.2018</a:t>
             </a:fld>
             <a:endParaRPr lang="de-AT"/>
           </a:p>
@@ -10924,14 +10924,14 @@
   <p:clrMapOvr>
     <a:masterClrMapping/>
   </p:clrMapOvr>
-  <mc:AlternateContent xmlns:mc="http://schemas.openxmlformats.org/markup-compatibility/2006" xmlns:p15="http://schemas.microsoft.com/office/powerpoint/2012/main">
-    <mc:Choice Requires="p15">
-      <p:transition xmlns:p14="http://schemas.microsoft.com/office/powerpoint/2010/main" spd="slow" p14:dur="1250" advTm="8000">
+  <mc:AlternateContent xmlns:mc="http://schemas.openxmlformats.org/markup-compatibility/2006">
+    <mc:Choice xmlns:p15="http://schemas.microsoft.com/office/powerpoint/2012/main" Requires="p15">
+      <p:transition xmlns:p14="http://schemas.microsoft.com/office/powerpoint/2010/main" spd="slow" p14:dur="1250">
         <p15:prstTrans prst="peelOff"/>
       </p:transition>
     </mc:Choice>
-    <mc:Fallback xmlns="">
-      <p:transition spd="slow" advTm="8000">
+    <mc:Fallback>
+      <p:transition spd="slow">
         <p:fade/>
       </p:transition>
     </mc:Fallback>
@@ -10973,7 +10973,7 @@
           <a:p>
             <a:fld id="{83C286D2-5717-406C-AD4B-C4A69D5338FB}" type="datetimeFigureOut">
               <a:rPr lang="de-AT" smtClean="0"/>
-              <a:t>15.05.2018</a:t>
+              <a:t>23.05.2018</a:t>
             </a:fld>
             <a:endParaRPr lang="de-AT"/>
           </a:p>
@@ -11054,14 +11054,14 @@
   <p:clrMapOvr>
     <a:masterClrMapping/>
   </p:clrMapOvr>
-  <mc:AlternateContent xmlns:mc="http://schemas.openxmlformats.org/markup-compatibility/2006" xmlns:p15="http://schemas.microsoft.com/office/powerpoint/2012/main">
-    <mc:Choice Requires="p15">
-      <p:transition xmlns:p14="http://schemas.microsoft.com/office/powerpoint/2010/main" spd="slow" p14:dur="1250" advTm="8000">
+  <mc:AlternateContent xmlns:mc="http://schemas.openxmlformats.org/markup-compatibility/2006">
+    <mc:Choice xmlns:p15="http://schemas.microsoft.com/office/powerpoint/2012/main" Requires="p15">
+      <p:transition xmlns:p14="http://schemas.microsoft.com/office/powerpoint/2010/main" spd="slow" p14:dur="1250">
         <p15:prstTrans prst="peelOff"/>
       </p:transition>
     </mc:Choice>
-    <mc:Fallback xmlns="">
-      <p:transition spd="slow" advTm="8000">
+    <mc:Fallback>
+      <p:transition spd="slow">
         <p:fade/>
       </p:transition>
     </mc:Fallback>
@@ -11267,7 +11267,7 @@
           <a:p>
             <a:fld id="{83C286D2-5717-406C-AD4B-C4A69D5338FB}" type="datetimeFigureOut">
               <a:rPr lang="de-AT" smtClean="0"/>
-              <a:t>15.05.2018</a:t>
+              <a:t>23.05.2018</a:t>
             </a:fld>
             <a:endParaRPr lang="de-AT"/>
           </a:p>
@@ -11341,14 +11341,14 @@
   <p:clrMapOvr>
     <a:masterClrMapping/>
   </p:clrMapOvr>
-  <mc:AlternateContent xmlns:mc="http://schemas.openxmlformats.org/markup-compatibility/2006" xmlns:p15="http://schemas.microsoft.com/office/powerpoint/2012/main">
-    <mc:Choice Requires="p15">
-      <p:transition xmlns:p14="http://schemas.microsoft.com/office/powerpoint/2010/main" spd="slow" p14:dur="1250" advTm="8000">
+  <mc:AlternateContent xmlns:mc="http://schemas.openxmlformats.org/markup-compatibility/2006">
+    <mc:Choice xmlns:p15="http://schemas.microsoft.com/office/powerpoint/2012/main" Requires="p15">
+      <p:transition xmlns:p14="http://schemas.microsoft.com/office/powerpoint/2010/main" spd="slow" p14:dur="1250">
         <p15:prstTrans prst="peelOff"/>
       </p:transition>
     </mc:Choice>
-    <mc:Fallback xmlns="">
-      <p:transition spd="slow" advTm="8000">
+    <mc:Fallback>
+      <p:transition spd="slow">
         <p:fade/>
       </p:transition>
     </mc:Fallback>
@@ -11390,7 +11390,7 @@
           <a:p>
             <a:fld id="{83C286D2-5717-406C-AD4B-C4A69D5338FB}" type="datetimeFigureOut">
               <a:rPr lang="de-AT" smtClean="0"/>
-              <a:t>15.05.2018</a:t>
+              <a:t>23.05.2018</a:t>
             </a:fld>
             <a:endParaRPr lang="de-AT"/>
           </a:p>
@@ -11448,14 +11448,14 @@
   <p:clrMapOvr>
     <a:masterClrMapping/>
   </p:clrMapOvr>
-  <mc:AlternateContent xmlns:mc="http://schemas.openxmlformats.org/markup-compatibility/2006" xmlns:p15="http://schemas.microsoft.com/office/powerpoint/2012/main">
-    <mc:Choice Requires="p15">
-      <p:transition xmlns:p14="http://schemas.microsoft.com/office/powerpoint/2010/main" spd="slow" p14:dur="1250" advTm="8000">
+  <mc:AlternateContent xmlns:mc="http://schemas.openxmlformats.org/markup-compatibility/2006">
+    <mc:Choice xmlns:p15="http://schemas.microsoft.com/office/powerpoint/2012/main" Requires="p15">
+      <p:transition xmlns:p14="http://schemas.microsoft.com/office/powerpoint/2010/main" spd="slow" p14:dur="1250">
         <p15:prstTrans prst="peelOff"/>
       </p:transition>
     </mc:Choice>
-    <mc:Fallback xmlns="">
-      <p:transition spd="slow" advTm="8000">
+    <mc:Fallback>
+      <p:transition spd="slow">
         <p:fade/>
       </p:transition>
     </mc:Fallback>
@@ -11686,7 +11686,7 @@
           <a:p>
             <a:fld id="{83C286D2-5717-406C-AD4B-C4A69D5338FB}" type="datetimeFigureOut">
               <a:rPr lang="de-AT" smtClean="0"/>
-              <a:t>15.05.2018</a:t>
+              <a:t>23.05.2018</a:t>
             </a:fld>
             <a:endParaRPr lang="de-AT"/>
           </a:p>
@@ -11744,14 +11744,14 @@
   <p:clrMapOvr>
     <a:masterClrMapping/>
   </p:clrMapOvr>
-  <mc:AlternateContent xmlns:mc="http://schemas.openxmlformats.org/markup-compatibility/2006" xmlns:p15="http://schemas.microsoft.com/office/powerpoint/2012/main">
-    <mc:Choice Requires="p15">
-      <p:transition xmlns:p14="http://schemas.microsoft.com/office/powerpoint/2010/main" spd="slow" p14:dur="1250" advTm="8000">
+  <mc:AlternateContent xmlns:mc="http://schemas.openxmlformats.org/markup-compatibility/2006">
+    <mc:Choice xmlns:p15="http://schemas.microsoft.com/office/powerpoint/2012/main" Requires="p15">
+      <p:transition xmlns:p14="http://schemas.microsoft.com/office/powerpoint/2010/main" spd="slow" p14:dur="1250">
         <p15:prstTrans prst="peelOff"/>
       </p:transition>
     </mc:Choice>
-    <mc:Fallback xmlns="">
-      <p:transition spd="slow" advTm="8000">
+    <mc:Fallback>
+      <p:transition spd="slow">
         <p:fade/>
       </p:transition>
     </mc:Fallback>
@@ -11962,7 +11962,7 @@
           <a:p>
             <a:fld id="{83C286D2-5717-406C-AD4B-C4A69D5338FB}" type="datetimeFigureOut">
               <a:rPr lang="de-AT" smtClean="0"/>
-              <a:t>15.05.2018</a:t>
+              <a:t>23.05.2018</a:t>
             </a:fld>
             <a:endParaRPr lang="de-AT"/>
           </a:p>
@@ -12020,14 +12020,14 @@
   <p:clrMapOvr>
     <a:masterClrMapping/>
   </p:clrMapOvr>
-  <mc:AlternateContent xmlns:mc="http://schemas.openxmlformats.org/markup-compatibility/2006" xmlns:p15="http://schemas.microsoft.com/office/powerpoint/2012/main">
-    <mc:Choice Requires="p15">
-      <p:transition xmlns:p14="http://schemas.microsoft.com/office/powerpoint/2010/main" spd="slow" p14:dur="1250" advTm="8000">
+  <mc:AlternateContent xmlns:mc="http://schemas.openxmlformats.org/markup-compatibility/2006">
+    <mc:Choice xmlns:p15="http://schemas.microsoft.com/office/powerpoint/2012/main" Requires="p15">
+      <p:transition xmlns:p14="http://schemas.microsoft.com/office/powerpoint/2010/main" spd="slow" p14:dur="1250">
         <p15:prstTrans prst="peelOff"/>
       </p:transition>
     </mc:Choice>
-    <mc:Fallback xmlns="">
-      <p:transition spd="slow" advTm="8000">
+    <mc:Fallback>
+      <p:transition spd="slow">
         <p:fade/>
       </p:transition>
     </mc:Fallback>
@@ -12144,7 +12144,7 @@
           <a:p>
             <a:fld id="{83C286D2-5717-406C-AD4B-C4A69D5338FB}" type="datetimeFigureOut">
               <a:rPr lang="de-AT" smtClean="0"/>
-              <a:t>15.05.2018</a:t>
+              <a:t>23.05.2018</a:t>
             </a:fld>
             <a:endParaRPr lang="de-AT"/>
           </a:p>
@@ -12202,14 +12202,14 @@
   <p:clrMapOvr>
     <a:masterClrMapping/>
   </p:clrMapOvr>
-  <mc:AlternateContent xmlns:mc="http://schemas.openxmlformats.org/markup-compatibility/2006" xmlns:p15="http://schemas.microsoft.com/office/powerpoint/2012/main">
-    <mc:Choice Requires="p15">
-      <p:transition xmlns:p14="http://schemas.microsoft.com/office/powerpoint/2010/main" spd="slow" p14:dur="1250" advTm="8000">
+  <mc:AlternateContent xmlns:mc="http://schemas.openxmlformats.org/markup-compatibility/2006">
+    <mc:Choice xmlns:p15="http://schemas.microsoft.com/office/powerpoint/2012/main" Requires="p15">
+      <p:transition xmlns:p14="http://schemas.microsoft.com/office/powerpoint/2010/main" spd="slow" p14:dur="1250">
         <p15:prstTrans prst="peelOff"/>
       </p:transition>
     </mc:Choice>
-    <mc:Fallback xmlns="">
-      <p:transition spd="slow" advTm="8000">
+    <mc:Fallback>
+      <p:transition spd="slow">
         <p:fade/>
       </p:transition>
     </mc:Fallback>
@@ -12336,7 +12336,7 @@
           <a:p>
             <a:fld id="{83C286D2-5717-406C-AD4B-C4A69D5338FB}" type="datetimeFigureOut">
               <a:rPr lang="de-AT" smtClean="0"/>
-              <a:t>15.05.2018</a:t>
+              <a:t>23.05.2018</a:t>
             </a:fld>
             <a:endParaRPr lang="de-AT"/>
           </a:p>
@@ -12394,14 +12394,14 @@
   <p:clrMapOvr>
     <a:masterClrMapping/>
   </p:clrMapOvr>
-  <mc:AlternateContent xmlns:mc="http://schemas.openxmlformats.org/markup-compatibility/2006" xmlns:p15="http://schemas.microsoft.com/office/powerpoint/2012/main">
-    <mc:Choice Requires="p15">
-      <p:transition xmlns:p14="http://schemas.microsoft.com/office/powerpoint/2010/main" spd="slow" p14:dur="1250" advTm="8000">
+  <mc:AlternateContent xmlns:mc="http://schemas.openxmlformats.org/markup-compatibility/2006">
+    <mc:Choice xmlns:p15="http://schemas.microsoft.com/office/powerpoint/2012/main" Requires="p15">
+      <p:transition xmlns:p14="http://schemas.microsoft.com/office/powerpoint/2010/main" spd="slow" p14:dur="1250">
         <p15:prstTrans prst="peelOff"/>
       </p:transition>
     </mc:Choice>
-    <mc:Fallback xmlns="">
-      <p:transition spd="slow" advTm="8000">
+    <mc:Fallback>
+      <p:transition spd="slow">
         <p:fade/>
       </p:transition>
     </mc:Fallback>
@@ -12588,7 +12588,7 @@
           <a:p>
             <a:fld id="{83C286D2-5717-406C-AD4B-C4A69D5338FB}" type="datetimeFigureOut">
               <a:rPr lang="de-AT" smtClean="0"/>
-              <a:t>15.05.2018</a:t>
+              <a:t>23.05.2018</a:t>
             </a:fld>
             <a:endParaRPr lang="de-AT"/>
           </a:p>
@@ -12662,14 +12662,14 @@
   <p:clrMapOvr>
     <a:masterClrMapping/>
   </p:clrMapOvr>
-  <mc:AlternateContent xmlns:mc="http://schemas.openxmlformats.org/markup-compatibility/2006" xmlns:p15="http://schemas.microsoft.com/office/powerpoint/2012/main">
-    <mc:Choice Requires="p15">
-      <p:transition xmlns:p14="http://schemas.microsoft.com/office/powerpoint/2010/main" spd="slow" p14:dur="1250" advTm="8000">
+  <mc:AlternateContent xmlns:mc="http://schemas.openxmlformats.org/markup-compatibility/2006">
+    <mc:Choice xmlns:p15="http://schemas.microsoft.com/office/powerpoint/2012/main" Requires="p15">
+      <p:transition xmlns:p14="http://schemas.microsoft.com/office/powerpoint/2010/main" spd="slow" p14:dur="1250">
         <p15:prstTrans prst="peelOff"/>
       </p:transition>
     </mc:Choice>
-    <mc:Fallback xmlns="">
-      <p:transition spd="slow" advTm="8000">
+    <mc:Fallback>
+      <p:transition spd="slow">
         <p:fade/>
       </p:transition>
     </mc:Fallback>
@@ -12971,7 +12971,7 @@
           <a:p>
             <a:fld id="{83C286D2-5717-406C-AD4B-C4A69D5338FB}" type="datetimeFigureOut">
               <a:rPr lang="de-AT" smtClean="0"/>
-              <a:t>15.05.2018</a:t>
+              <a:t>23.05.2018</a:t>
             </a:fld>
             <a:endParaRPr lang="de-AT"/>
           </a:p>
@@ -13068,14 +13068,14 @@
   <p:clrMapOvr>
     <a:masterClrMapping/>
   </p:clrMapOvr>
-  <mc:AlternateContent xmlns:mc="http://schemas.openxmlformats.org/markup-compatibility/2006" xmlns:p15="http://schemas.microsoft.com/office/powerpoint/2012/main">
-    <mc:Choice Requires="p15">
-      <p:transition xmlns:p14="http://schemas.microsoft.com/office/powerpoint/2010/main" spd="slow" p14:dur="1250" advTm="8000">
+  <mc:AlternateContent xmlns:mc="http://schemas.openxmlformats.org/markup-compatibility/2006">
+    <mc:Choice xmlns:p15="http://schemas.microsoft.com/office/powerpoint/2012/main" Requires="p15">
+      <p:transition xmlns:p14="http://schemas.microsoft.com/office/powerpoint/2010/main" spd="slow" p14:dur="1250">
         <p15:prstTrans prst="peelOff"/>
       </p:transition>
     </mc:Choice>
-    <mc:Fallback xmlns="">
-      <p:transition spd="slow" advTm="8000">
+    <mc:Fallback>
+      <p:transition spd="slow">
         <p:fade/>
       </p:transition>
     </mc:Fallback>
@@ -13125,7 +13125,7 @@
           <a:p>
             <a:fld id="{83C286D2-5717-406C-AD4B-C4A69D5338FB}" type="datetimeFigureOut">
               <a:rPr lang="de-AT" smtClean="0"/>
-              <a:t>15.05.2018</a:t>
+              <a:t>23.05.2018</a:t>
             </a:fld>
             <a:endParaRPr lang="de-AT"/>
           </a:p>
@@ -13228,14 +13228,14 @@
   <p:clrMapOvr>
     <a:masterClrMapping/>
   </p:clrMapOvr>
-  <mc:AlternateContent xmlns:mc="http://schemas.openxmlformats.org/markup-compatibility/2006" xmlns:p15="http://schemas.microsoft.com/office/powerpoint/2012/main">
-    <mc:Choice Requires="p15">
-      <p:transition xmlns:p14="http://schemas.microsoft.com/office/powerpoint/2010/main" spd="slow" p14:dur="1250" advTm="8000">
+  <mc:AlternateContent xmlns:mc="http://schemas.openxmlformats.org/markup-compatibility/2006">
+    <mc:Choice xmlns:p15="http://schemas.microsoft.com/office/powerpoint/2012/main" Requires="p15">
+      <p:transition xmlns:p14="http://schemas.microsoft.com/office/powerpoint/2010/main" spd="slow" p14:dur="1250">
         <p15:prstTrans prst="peelOff"/>
       </p:transition>
     </mc:Choice>
-    <mc:Fallback xmlns="">
-      <p:transition spd="slow" advTm="8000">
+    <mc:Fallback>
+      <p:transition spd="slow">
         <p:fade/>
       </p:transition>
     </mc:Fallback>
@@ -13285,7 +13285,7 @@
           <a:p>
             <a:fld id="{83C286D2-5717-406C-AD4B-C4A69D5338FB}" type="datetimeFigureOut">
               <a:rPr lang="de-AT" smtClean="0"/>
-              <a:t>15.05.2018</a:t>
+              <a:t>23.05.2018</a:t>
             </a:fld>
             <a:endParaRPr lang="de-AT"/>
           </a:p>
@@ -13359,14 +13359,14 @@
   <p:clrMapOvr>
     <a:masterClrMapping/>
   </p:clrMapOvr>
-  <mc:AlternateContent xmlns:mc="http://schemas.openxmlformats.org/markup-compatibility/2006" xmlns:p15="http://schemas.microsoft.com/office/powerpoint/2012/main">
-    <mc:Choice Requires="p15">
-      <p:transition xmlns:p14="http://schemas.microsoft.com/office/powerpoint/2010/main" spd="slow" p14:dur="1250" advTm="8000">
+  <mc:AlternateContent xmlns:mc="http://schemas.openxmlformats.org/markup-compatibility/2006">
+    <mc:Choice xmlns:p15="http://schemas.microsoft.com/office/powerpoint/2012/main" Requires="p15">
+      <p:transition xmlns:p14="http://schemas.microsoft.com/office/powerpoint/2010/main" spd="slow" p14:dur="1250">
         <p15:prstTrans prst="peelOff"/>
       </p:transition>
     </mc:Choice>
-    <mc:Fallback xmlns="">
-      <p:transition spd="slow" advTm="8000">
+    <mc:Fallback>
+      <p:transition spd="slow">
         <p:fade/>
       </p:transition>
     </mc:Fallback>
@@ -13605,7 +13605,7 @@
           <a:p>
             <a:fld id="{83C286D2-5717-406C-AD4B-C4A69D5338FB}" type="datetimeFigureOut">
               <a:rPr lang="de-AT" smtClean="0"/>
-              <a:t>15.05.2018</a:t>
+              <a:t>23.05.2018</a:t>
             </a:fld>
             <a:endParaRPr lang="de-AT"/>
           </a:p>
@@ -13679,14 +13679,14 @@
   <p:clrMapOvr>
     <a:masterClrMapping/>
   </p:clrMapOvr>
-  <mc:AlternateContent xmlns:mc="http://schemas.openxmlformats.org/markup-compatibility/2006" xmlns:p15="http://schemas.microsoft.com/office/powerpoint/2012/main">
-    <mc:Choice Requires="p15">
-      <p:transition xmlns:p14="http://schemas.microsoft.com/office/powerpoint/2010/main" spd="slow" p14:dur="1250" advTm="8000">
+  <mc:AlternateContent xmlns:mc="http://schemas.openxmlformats.org/markup-compatibility/2006">
+    <mc:Choice xmlns:p15="http://schemas.microsoft.com/office/powerpoint/2012/main" Requires="p15">
+      <p:transition xmlns:p14="http://schemas.microsoft.com/office/powerpoint/2010/main" spd="slow" p14:dur="1250">
         <p15:prstTrans prst="peelOff"/>
       </p:transition>
     </mc:Choice>
-    <mc:Fallback xmlns="">
-      <p:transition spd="slow" advTm="8000">
+    <mc:Fallback>
+      <p:transition spd="slow">
         <p:fade/>
       </p:transition>
     </mc:Fallback>
@@ -13905,7 +13905,7 @@
           <a:p>
             <a:fld id="{83C286D2-5717-406C-AD4B-C4A69D5338FB}" type="datetimeFigureOut">
               <a:rPr lang="de-AT" smtClean="0"/>
-              <a:t>15.05.2018</a:t>
+              <a:t>23.05.2018</a:t>
             </a:fld>
             <a:endParaRPr lang="de-AT"/>
           </a:p>
@@ -13979,14 +13979,14 @@
   <p:clrMapOvr>
     <a:masterClrMapping/>
   </p:clrMapOvr>
-  <mc:AlternateContent xmlns:mc="http://schemas.openxmlformats.org/markup-compatibility/2006" xmlns:p15="http://schemas.microsoft.com/office/powerpoint/2012/main">
-    <mc:Choice Requires="p15">
-      <p:transition xmlns:p14="http://schemas.microsoft.com/office/powerpoint/2010/main" spd="slow" p14:dur="1250" advTm="8000">
+  <mc:AlternateContent xmlns:mc="http://schemas.openxmlformats.org/markup-compatibility/2006">
+    <mc:Choice xmlns:p15="http://schemas.microsoft.com/office/powerpoint/2012/main" Requires="p15">
+      <p:transition xmlns:p14="http://schemas.microsoft.com/office/powerpoint/2010/main" spd="slow" p14:dur="1250">
         <p15:prstTrans prst="peelOff"/>
       </p:transition>
     </mc:Choice>
-    <mc:Fallback xmlns="">
-      <p:transition spd="slow" advTm="8000">
+    <mc:Fallback>
+      <p:transition spd="slow">
         <p:fade/>
       </p:transition>
     </mc:Fallback>
@@ -14198,14 +14198,14 @@
     <p:sldLayoutId id="2147483707" r:id="rId11"/>
     <p:sldLayoutId id="2147483744" r:id="rId12"/>
   </p:sldLayoutIdLst>
-  <mc:AlternateContent xmlns:mc="http://schemas.openxmlformats.org/markup-compatibility/2006" xmlns:p15="http://schemas.microsoft.com/office/powerpoint/2012/main">
-    <mc:Choice Requires="p15">
-      <p:transition xmlns:p14="http://schemas.microsoft.com/office/powerpoint/2010/main" spd="slow" p14:dur="1250" advTm="8000">
+  <mc:AlternateContent xmlns:mc="http://schemas.openxmlformats.org/markup-compatibility/2006">
+    <mc:Choice xmlns:p15="http://schemas.microsoft.com/office/powerpoint/2012/main" Requires="p15">
+      <p:transition xmlns:p14="http://schemas.microsoft.com/office/powerpoint/2010/main" spd="slow" p14:dur="1250">
         <p15:prstTrans prst="peelOff"/>
       </p:transition>
     </mc:Choice>
-    <mc:Fallback xmlns="">
-      <p:transition spd="slow" advTm="8000">
+    <mc:Fallback>
+      <p:transition spd="slow">
         <p:fade/>
       </p:transition>
     </mc:Fallback>
@@ -14639,7 +14639,7 @@
           <a:p>
             <a:fld id="{83C286D2-5717-406C-AD4B-C4A69D5338FB}" type="datetimeFigureOut">
               <a:rPr lang="de-AT" smtClean="0"/>
-              <a:t>15.05.2018</a:t>
+              <a:t>23.05.2018</a:t>
             </a:fld>
             <a:endParaRPr lang="de-AT"/>
           </a:p>
@@ -14745,14 +14745,14 @@
     <p:sldLayoutId id="2147483718" r:id="rId10"/>
     <p:sldLayoutId id="2147483719" r:id="rId11"/>
   </p:sldLayoutIdLst>
-  <mc:AlternateContent xmlns:mc="http://schemas.openxmlformats.org/markup-compatibility/2006" xmlns:p15="http://schemas.microsoft.com/office/powerpoint/2012/main">
-    <mc:Choice Requires="p15">
-      <p:transition xmlns:p14="http://schemas.microsoft.com/office/powerpoint/2010/main" spd="slow" p14:dur="1250" advTm="8000">
+  <mc:AlternateContent xmlns:mc="http://schemas.openxmlformats.org/markup-compatibility/2006">
+    <mc:Choice xmlns:p15="http://schemas.microsoft.com/office/powerpoint/2012/main" Requires="p15">
+      <p:transition xmlns:p14="http://schemas.microsoft.com/office/powerpoint/2010/main" spd="slow" p14:dur="1250">
         <p15:prstTrans prst="peelOff"/>
       </p:transition>
     </mc:Choice>
-    <mc:Fallback xmlns="">
-      <p:transition spd="slow" advTm="8000">
+    <mc:Fallback>
+      <p:transition spd="slow">
         <p:fade/>
       </p:transition>
     </mc:Fallback>
@@ -15186,7 +15186,7 @@
           <a:p>
             <a:fld id="{83C286D2-5717-406C-AD4B-C4A69D5338FB}" type="datetimeFigureOut">
               <a:rPr lang="de-AT" smtClean="0"/>
-              <a:t>15.05.2018</a:t>
+              <a:t>23.05.2018</a:t>
             </a:fld>
             <a:endParaRPr lang="de-AT"/>
           </a:p>
@@ -15292,14 +15292,14 @@
     <p:sldLayoutId id="2147483742" r:id="rId10"/>
     <p:sldLayoutId id="2147483743" r:id="rId11"/>
   </p:sldLayoutIdLst>
-  <mc:AlternateContent xmlns:mc="http://schemas.openxmlformats.org/markup-compatibility/2006" xmlns:p15="http://schemas.microsoft.com/office/powerpoint/2012/main">
-    <mc:Choice Requires="p15">
-      <p:transition xmlns:p14="http://schemas.microsoft.com/office/powerpoint/2010/main" spd="slow" p14:dur="1250" advTm="8000">
+  <mc:AlternateContent xmlns:mc="http://schemas.openxmlformats.org/markup-compatibility/2006">
+    <mc:Choice xmlns:p15="http://schemas.microsoft.com/office/powerpoint/2012/main" Requires="p15">
+      <p:transition xmlns:p14="http://schemas.microsoft.com/office/powerpoint/2010/main" spd="slow" p14:dur="1250">
         <p15:prstTrans prst="peelOff"/>
       </p:transition>
     </mc:Choice>
-    <mc:Fallback xmlns="">
-      <p:transition spd="slow" advTm="8000">
+    <mc:Fallback>
+      <p:transition spd="slow">
         <p:fade/>
       </p:transition>
     </mc:Fallback>
@@ -15659,14 +15659,14 @@
   <p:clrMapOvr>
     <a:masterClrMapping/>
   </p:clrMapOvr>
-  <mc:AlternateContent xmlns:mc="http://schemas.openxmlformats.org/markup-compatibility/2006" xmlns:p15="http://schemas.microsoft.com/office/powerpoint/2012/main">
-    <mc:Choice Requires="p15">
-      <p:transition xmlns:p14="http://schemas.microsoft.com/office/powerpoint/2010/main" spd="slow" p14:dur="1250" advTm="5000">
+  <mc:AlternateContent xmlns:mc="http://schemas.openxmlformats.org/markup-compatibility/2006">
+    <mc:Choice xmlns:p15="http://schemas.microsoft.com/office/powerpoint/2012/main" Requires="p15">
+      <p:transition xmlns:p14="http://schemas.microsoft.com/office/powerpoint/2010/main" spd="slow" p14:dur="1250">
         <p15:prstTrans prst="peelOff"/>
       </p:transition>
     </mc:Choice>
-    <mc:Fallback xmlns="">
-      <p:transition spd="slow" advTm="5000">
+    <mc:Fallback>
+      <p:transition spd="slow">
         <p:fade/>
       </p:transition>
     </mc:Fallback>
@@ -15675,7 +15675,7 @@
 </file>
 
 <file path=ppt/slides/slide10.xml><?xml version="1.0" encoding="utf-8"?>
-<p:sld xmlns:a="http://schemas.openxmlformats.org/drawingml/2006/main" xmlns:r="http://schemas.openxmlformats.org/officeDocument/2006/relationships" xmlns:p="http://schemas.openxmlformats.org/presentationml/2006/main" show="0">
+<p:sld xmlns:a="http://schemas.openxmlformats.org/drawingml/2006/main" xmlns:r="http://schemas.openxmlformats.org/officeDocument/2006/relationships" xmlns:p="http://schemas.openxmlformats.org/presentationml/2006/main">
   <p:cSld>
     <p:spTree>
       <p:nvGrpSpPr>
@@ -15714,8 +15714,16 @@
           <a:p>
             <a:r>
               <a:rPr lang="de-AT" dirty="0"/>
-              <a:t>Grafischer Editor </a:t>
-            </a:r>
+              <a:t>AEMS Scripting</a:t>
+            </a:r>
+            <a:br>
+              <a:rPr lang="de-AT"/>
+            </a:br>
+            <a:r>
+              <a:rPr lang="de-AT"/>
+              <a:t>Language</a:t>
+            </a:r>
+            <a:endParaRPr lang="de-AT" dirty="0"/>
           </a:p>
         </p:txBody>
       </p:sp>
@@ -15770,14 +15778,14 @@
   <p:clrMapOvr>
     <a:masterClrMapping/>
   </p:clrMapOvr>
-  <mc:AlternateContent xmlns:mc="http://schemas.openxmlformats.org/markup-compatibility/2006" xmlns:p15="http://schemas.microsoft.com/office/powerpoint/2012/main">
-    <mc:Choice Requires="p15">
-      <p:transition xmlns:p14="http://schemas.microsoft.com/office/powerpoint/2010/main" spd="slow" p14:dur="1250" advTm="8000">
+  <mc:AlternateContent xmlns:mc="http://schemas.openxmlformats.org/markup-compatibility/2006">
+    <mc:Choice xmlns:p15="http://schemas.microsoft.com/office/powerpoint/2012/main" Requires="p15">
+      <p:transition xmlns:p14="http://schemas.microsoft.com/office/powerpoint/2010/main" spd="slow" p14:dur="1250">
         <p15:prstTrans prst="peelOff"/>
       </p:transition>
     </mc:Choice>
-    <mc:Fallback xmlns="">
-      <p:transition spd="slow" advTm="8000">
+    <mc:Fallback>
+      <p:transition spd="slow">
         <p:fade/>
       </p:transition>
     </mc:Fallback>
@@ -15928,14 +15936,14 @@
   <p:clrMapOvr>
     <a:masterClrMapping/>
   </p:clrMapOvr>
-  <mc:AlternateContent xmlns:mc="http://schemas.openxmlformats.org/markup-compatibility/2006" xmlns:p15="http://schemas.microsoft.com/office/powerpoint/2012/main">
-    <mc:Choice Requires="p15">
-      <p:transition xmlns:p14="http://schemas.microsoft.com/office/powerpoint/2010/main" spd="slow" p14:dur="1250" advTm="8000">
+  <mc:AlternateContent xmlns:mc="http://schemas.openxmlformats.org/markup-compatibility/2006">
+    <mc:Choice xmlns:p15="http://schemas.microsoft.com/office/powerpoint/2012/main" Requires="p15">
+      <p:transition xmlns:p14="http://schemas.microsoft.com/office/powerpoint/2010/main" spd="slow" p14:dur="1250">
         <p15:prstTrans prst="peelOff"/>
       </p:transition>
     </mc:Choice>
-    <mc:Fallback xmlns="">
-      <p:transition spd="slow" advTm="8000">
+    <mc:Fallback>
+      <p:transition spd="slow">
         <p:fade/>
       </p:transition>
     </mc:Fallback>
@@ -16046,14 +16054,14 @@
   <p:clrMapOvr>
     <a:masterClrMapping/>
   </p:clrMapOvr>
-  <mc:AlternateContent xmlns:mc="http://schemas.openxmlformats.org/markup-compatibility/2006" xmlns:p15="http://schemas.microsoft.com/office/powerpoint/2012/main">
-    <mc:Choice Requires="p15">
-      <p:transition xmlns:p14="http://schemas.microsoft.com/office/powerpoint/2010/main" spd="slow" p14:dur="1250" advTm="8000">
+  <mc:AlternateContent xmlns:mc="http://schemas.openxmlformats.org/markup-compatibility/2006">
+    <mc:Choice xmlns:p15="http://schemas.microsoft.com/office/powerpoint/2012/main" Requires="p15">
+      <p:transition xmlns:p14="http://schemas.microsoft.com/office/powerpoint/2010/main" spd="slow" p14:dur="1250">
         <p15:prstTrans prst="peelOff"/>
       </p:transition>
     </mc:Choice>
-    <mc:Fallback xmlns="">
-      <p:transition spd="slow" advTm="8000">
+    <mc:Fallback>
+      <p:transition spd="slow">
         <p:fade/>
       </p:transition>
     </mc:Fallback>
@@ -16183,14 +16191,14 @@
   <p:clrMapOvr>
     <a:masterClrMapping/>
   </p:clrMapOvr>
-  <mc:AlternateContent xmlns:mc="http://schemas.openxmlformats.org/markup-compatibility/2006" xmlns:p15="http://schemas.microsoft.com/office/powerpoint/2012/main">
-    <mc:Choice Requires="p15">
-      <p:transition xmlns:p14="http://schemas.microsoft.com/office/powerpoint/2010/main" spd="slow" p14:dur="1250" advTm="8000">
+  <mc:AlternateContent xmlns:mc="http://schemas.openxmlformats.org/markup-compatibility/2006">
+    <mc:Choice xmlns:p15="http://schemas.microsoft.com/office/powerpoint/2012/main" Requires="p15">
+      <p:transition xmlns:p14="http://schemas.microsoft.com/office/powerpoint/2010/main" spd="slow" p14:dur="1250">
         <p15:prstTrans prst="peelOff"/>
       </p:transition>
     </mc:Choice>
-    <mc:Fallback xmlns="">
-      <p:transition spd="slow" advTm="8000">
+    <mc:Fallback>
+      <p:transition spd="slow">
         <p:fade/>
       </p:transition>
     </mc:Fallback>
@@ -16199,7 +16207,7 @@
 </file>
 
 <file path=ppt/slides/slide2.xml><?xml version="1.0" encoding="utf-8"?>
-<p:sld xmlns:a="http://schemas.openxmlformats.org/drawingml/2006/main" xmlns:r="http://schemas.openxmlformats.org/officeDocument/2006/relationships" xmlns:p="http://schemas.openxmlformats.org/presentationml/2006/main">
+<p:sld xmlns:a="http://schemas.openxmlformats.org/drawingml/2006/main" xmlns:r="http://schemas.openxmlformats.org/officeDocument/2006/relationships" xmlns:p="http://schemas.openxmlformats.org/presentationml/2006/main" show="0">
   <p:cSld>
     <p:spTree>
       <p:nvGrpSpPr>
@@ -16765,14 +16773,14 @@
   <p:clrMapOvr>
     <a:masterClrMapping/>
   </p:clrMapOvr>
-  <mc:AlternateContent xmlns:mc="http://schemas.openxmlformats.org/markup-compatibility/2006" xmlns:p15="http://schemas.microsoft.com/office/powerpoint/2012/main">
-    <mc:Choice Requires="p15">
-      <p:transition xmlns:p14="http://schemas.microsoft.com/office/powerpoint/2010/main" spd="slow" p14:dur="1250" advTm="8000">
+  <mc:AlternateContent xmlns:mc="http://schemas.openxmlformats.org/markup-compatibility/2006">
+    <mc:Choice xmlns:p15="http://schemas.microsoft.com/office/powerpoint/2012/main" Requires="p15">
+      <p:transition xmlns:p14="http://schemas.microsoft.com/office/powerpoint/2010/main" spd="slow" p14:dur="1250">
         <p15:prstTrans prst="peelOff"/>
       </p:transition>
     </mc:Choice>
-    <mc:Fallback xmlns="">
-      <p:transition spd="slow" advTm="8000">
+    <mc:Fallback>
+      <p:transition spd="slow">
         <p:fade/>
       </p:transition>
     </mc:Fallback>
@@ -17087,14 +17095,14 @@
   <p:clrMapOvr>
     <a:masterClrMapping/>
   </p:clrMapOvr>
-  <mc:AlternateContent xmlns:mc="http://schemas.openxmlformats.org/markup-compatibility/2006" xmlns:p15="http://schemas.microsoft.com/office/powerpoint/2012/main">
-    <mc:Choice Requires="p15">
-      <p:transition xmlns:p14="http://schemas.microsoft.com/office/powerpoint/2010/main" spd="slow" p14:dur="1250" advTm="8000">
+  <mc:AlternateContent xmlns:mc="http://schemas.openxmlformats.org/markup-compatibility/2006">
+    <mc:Choice xmlns:p15="http://schemas.microsoft.com/office/powerpoint/2012/main" Requires="p15">
+      <p:transition xmlns:p14="http://schemas.microsoft.com/office/powerpoint/2010/main" spd="slow" p14:dur="1250">
         <p15:prstTrans prst="peelOff"/>
       </p:transition>
     </mc:Choice>
-    <mc:Fallback xmlns="">
-      <p:transition spd="slow" advTm="8000">
+    <mc:Fallback>
+      <p:transition spd="slow">
         <p:fade/>
       </p:transition>
     </mc:Fallback>
@@ -17320,14 +17328,14 @@
   <p:clrMapOvr>
     <a:masterClrMapping/>
   </p:clrMapOvr>
-  <mc:AlternateContent xmlns:mc="http://schemas.openxmlformats.org/markup-compatibility/2006" xmlns:p15="http://schemas.microsoft.com/office/powerpoint/2012/main">
-    <mc:Choice Requires="p15">
-      <p:transition xmlns:p14="http://schemas.microsoft.com/office/powerpoint/2010/main" spd="slow" p14:dur="1250" advTm="8000">
+  <mc:AlternateContent xmlns:mc="http://schemas.openxmlformats.org/markup-compatibility/2006">
+    <mc:Choice xmlns:p15="http://schemas.microsoft.com/office/powerpoint/2012/main" Requires="p15">
+      <p:transition xmlns:p14="http://schemas.microsoft.com/office/powerpoint/2010/main" spd="slow" p14:dur="1250">
         <p15:prstTrans prst="peelOff"/>
       </p:transition>
     </mc:Choice>
-    <mc:Fallback xmlns="">
-      <p:transition spd="slow" advTm="8000">
+    <mc:Fallback>
+      <p:transition spd="slow">
         <p:fade/>
       </p:transition>
     </mc:Fallback>
@@ -17421,14 +17429,14 @@
   <p:clrMapOvr>
     <a:masterClrMapping/>
   </p:clrMapOvr>
-  <mc:AlternateContent xmlns:mc="http://schemas.openxmlformats.org/markup-compatibility/2006" xmlns:p15="http://schemas.microsoft.com/office/powerpoint/2012/main">
-    <mc:Choice Requires="p15">
-      <p:transition xmlns:p14="http://schemas.microsoft.com/office/powerpoint/2010/main" spd="slow" p14:dur="1250" advTm="8000">
+  <mc:AlternateContent xmlns:mc="http://schemas.openxmlformats.org/markup-compatibility/2006">
+    <mc:Choice xmlns:p15="http://schemas.microsoft.com/office/powerpoint/2012/main" Requires="p15">
+      <p:transition xmlns:p14="http://schemas.microsoft.com/office/powerpoint/2010/main" spd="slow" p14:dur="1250">
         <p15:prstTrans prst="peelOff"/>
       </p:transition>
     </mc:Choice>
-    <mc:Fallback xmlns="">
-      <p:transition spd="slow" advTm="8000">
+    <mc:Fallback>
+      <p:transition spd="slow">
         <p:fade/>
       </p:transition>
     </mc:Fallback>
@@ -17538,14 +17546,14 @@
   <p:clrMapOvr>
     <a:masterClrMapping/>
   </p:clrMapOvr>
-  <mc:AlternateContent xmlns:mc="http://schemas.openxmlformats.org/markup-compatibility/2006" xmlns:p15="http://schemas.microsoft.com/office/powerpoint/2012/main">
-    <mc:Choice Requires="p15">
-      <p:transition xmlns:p14="http://schemas.microsoft.com/office/powerpoint/2010/main" spd="slow" p14:dur="1250" advTm="8000">
+  <mc:AlternateContent xmlns:mc="http://schemas.openxmlformats.org/markup-compatibility/2006">
+    <mc:Choice xmlns:p15="http://schemas.microsoft.com/office/powerpoint/2012/main" Requires="p15">
+      <p:transition xmlns:p14="http://schemas.microsoft.com/office/powerpoint/2010/main" spd="slow" p14:dur="1250">
         <p15:prstTrans prst="peelOff"/>
       </p:transition>
     </mc:Choice>
-    <mc:Fallback xmlns="">
-      <p:transition spd="slow" advTm="8000">
+    <mc:Fallback>
+      <p:transition spd="slow">
         <p:fade/>
       </p:transition>
     </mc:Fallback>
@@ -17696,14 +17704,14 @@
   <p:clrMapOvr>
     <a:masterClrMapping/>
   </p:clrMapOvr>
-  <mc:AlternateContent xmlns:mc="http://schemas.openxmlformats.org/markup-compatibility/2006" xmlns:p15="http://schemas.microsoft.com/office/powerpoint/2012/main">
-    <mc:Choice Requires="p15">
-      <p:transition xmlns:p14="http://schemas.microsoft.com/office/powerpoint/2010/main" spd="slow" p14:dur="1250" advTm="8000">
+  <mc:AlternateContent xmlns:mc="http://schemas.openxmlformats.org/markup-compatibility/2006">
+    <mc:Choice xmlns:p15="http://schemas.microsoft.com/office/powerpoint/2012/main" Requires="p15">
+      <p:transition xmlns:p14="http://schemas.microsoft.com/office/powerpoint/2010/main" spd="slow" p14:dur="1250">
         <p15:prstTrans prst="peelOff"/>
       </p:transition>
     </mc:Choice>
-    <mc:Fallback xmlns="">
-      <p:transition spd="slow" advTm="8000">
+    <mc:Fallback>
+      <p:transition spd="slow">
         <p:fade/>
       </p:transition>
     </mc:Fallback>
@@ -17933,14 +17941,14 @@
   <p:clrMapOvr>
     <a:masterClrMapping/>
   </p:clrMapOvr>
-  <mc:AlternateContent xmlns:mc="http://schemas.openxmlformats.org/markup-compatibility/2006" xmlns:p15="http://schemas.microsoft.com/office/powerpoint/2012/main">
-    <mc:Choice Requires="p15">
-      <p:transition xmlns:p14="http://schemas.microsoft.com/office/powerpoint/2010/main" spd="slow" p14:dur="1250" advTm="8000">
+  <mc:AlternateContent xmlns:mc="http://schemas.openxmlformats.org/markup-compatibility/2006">
+    <mc:Choice xmlns:p15="http://schemas.microsoft.com/office/powerpoint/2012/main" Requires="p15">
+      <p:transition xmlns:p14="http://schemas.microsoft.com/office/powerpoint/2010/main" spd="slow" p14:dur="1250">
         <p15:prstTrans prst="peelOff"/>
       </p:transition>
     </mc:Choice>
-    <mc:Fallback xmlns="">
-      <p:transition spd="slow" advTm="8000">
+    <mc:Fallback>
+      <p:transition spd="slow">
         <p:fade/>
       </p:transition>
     </mc:Fallback>
@@ -18043,14 +18051,14 @@
   <p:clrMapOvr>
     <a:masterClrMapping/>
   </p:clrMapOvr>
-  <mc:AlternateContent xmlns:mc="http://schemas.openxmlformats.org/markup-compatibility/2006" xmlns:p15="http://schemas.microsoft.com/office/powerpoint/2012/main">
-    <mc:Choice Requires="p15">
-      <p:transition xmlns:p14="http://schemas.microsoft.com/office/powerpoint/2010/main" spd="slow" p14:dur="1250" advTm="8000">
+  <mc:AlternateContent xmlns:mc="http://schemas.openxmlformats.org/markup-compatibility/2006">
+    <mc:Choice xmlns:p15="http://schemas.microsoft.com/office/powerpoint/2012/main" Requires="p15">
+      <p:transition xmlns:p14="http://schemas.microsoft.com/office/powerpoint/2010/main" spd="slow" p14:dur="1250">
         <p15:prstTrans prst="peelOff"/>
       </p:transition>
     </mc:Choice>
-    <mc:Fallback xmlns="">
-      <p:transition spd="slow" advTm="8000">
+    <mc:Fallback>
+      <p:transition spd="slow">
         <p:fade/>
       </p:transition>
     </mc:Fallback>
